--- a/Project/Context/tastebud.context.pptx
+++ b/Project/Context/tastebud.context.pptx
@@ -14199,23 +14199,23 @@
           <p:nvPr/>
         </p:nvGraphicFramePr>
         <p:xfrm>
-          <a:off x="673243" y="1028700"/>
-          <a:ext cx="16941515" cy="8862569"/>
+          <a:off x="731366" y="1028700"/>
+          <a:ext cx="16825268" cy="9001125"/>
         </p:xfrm>
         <a:graphic>
           <a:graphicData uri="http://schemas.openxmlformats.org/drawingml/2006/table">
             <a:tbl>
               <a:tblPr/>
               <a:tblGrid>
-                <a:gridCol w="2826880"/>
-                <a:gridCol w="5878317"/>
-                <a:gridCol w="2090909"/>
-                <a:gridCol w="981184"/>
-                <a:gridCol w="1213975"/>
-                <a:gridCol w="1885279"/>
-                <a:gridCol w="2064971"/>
+                <a:gridCol w="1744274"/>
+                <a:gridCol w="5980731"/>
+                <a:gridCol w="3729178"/>
+                <a:gridCol w="962868"/>
+                <a:gridCol w="1105849"/>
+                <a:gridCol w="1427168"/>
+                <a:gridCol w="1875199"/>
               </a:tblGrid>
-              <a:tr h="1040461">
+              <a:tr h="1021337">
                 <a:tc>
                   <a:txBody>
                     <a:bodyPr anchor="t" rtlCol="false"/>
@@ -14242,7 +14242,7 @@
                       <a:endParaRPr lang="en-US" sz="1100"/>
                     </a:p>
                   </a:txBody>
-                  <a:tcPr marL="76200" marR="76200" marT="76200" marB="76200" anchor="ctr">
+                  <a:tcPr marL="66675" marR="66675" marT="66675" marB="66675" anchor="ctr">
                     <a:lnL cmpd="sng" algn="ctr" cap="flat" w="19050">
                       <a:solidFill>
                         <a:srgbClr val="000000"/>
@@ -14310,7 +14310,7 @@
                       <a:endParaRPr lang="en-US" sz="1100"/>
                     </a:p>
                   </a:txBody>
-                  <a:tcPr marL="76200" marR="76200" marT="76200" marB="76200" anchor="ctr">
+                  <a:tcPr marL="66675" marR="66675" marT="66675" marB="66675" anchor="ctr">
                     <a:lnL cmpd="sng" algn="ctr" cap="flat" w="19050">
                       <a:solidFill>
                         <a:srgbClr val="000000"/>
@@ -14378,7 +14378,7 @@
                       <a:endParaRPr lang="en-US" sz="1100"/>
                     </a:p>
                   </a:txBody>
-                  <a:tcPr marL="76200" marR="76200" marT="76200" marB="76200" anchor="ctr">
+                  <a:tcPr marL="66675" marR="66675" marT="66675" marB="66675" anchor="ctr">
                     <a:lnL cmpd="sng" algn="ctr" cap="flat" w="19050">
                       <a:solidFill>
                         <a:srgbClr val="000000"/>
@@ -14446,7 +14446,7 @@
                       <a:endParaRPr lang="en-US" sz="1100"/>
                     </a:p>
                   </a:txBody>
-                  <a:tcPr marL="76200" marR="76200" marT="76200" marB="76200" anchor="ctr">
+                  <a:tcPr marL="66675" marR="66675" marT="66675" marB="66675" anchor="ctr">
                     <a:lnL cmpd="sng" algn="ctr" cap="flat" w="19050">
                       <a:solidFill>
                         <a:srgbClr val="000000"/>
@@ -14514,7 +14514,7 @@
                       <a:endParaRPr lang="en-US" sz="1100"/>
                     </a:p>
                   </a:txBody>
-                  <a:tcPr marL="76200" marR="76200" marT="76200" marB="76200" anchor="ctr">
+                  <a:tcPr marL="66675" marR="66675" marT="66675" marB="66675" anchor="ctr">
                     <a:lnL cmpd="sng" algn="ctr" cap="flat" w="19050">
                       <a:solidFill>
                         <a:srgbClr val="000000"/>
@@ -14582,7 +14582,7 @@
                       <a:endParaRPr lang="en-US" sz="1100"/>
                     </a:p>
                   </a:txBody>
-                  <a:tcPr marL="76200" marR="76200" marT="76200" marB="76200" anchor="ctr">
+                  <a:tcPr marL="66675" marR="66675" marT="66675" marB="66675" anchor="ctr">
                     <a:lnL cmpd="sng" algn="ctr" cap="flat" w="19050">
                       <a:solidFill>
                         <a:srgbClr val="000000"/>
@@ -14645,15 +14645,65 @@
                           <a:cs typeface="Agrandir Bold"/>
                           <a:sym typeface="Agrandir Bold"/>
                         </a:rPr>
-                        <a:t>Value = (Impact +</a:t>
+                        <a:t>Value = (Impact + Difficulty) × Weight</a:t>
                       </a:r>
                       <a:endParaRPr lang="en-US" sz="1100"/>
                     </a:p>
+                  </a:txBody>
+                  <a:tcPr marL="66675" marR="66675" marT="66675" marB="66675" anchor="ctr">
+                    <a:lnL cmpd="sng" algn="ctr" cap="flat" w="19050">
+                      <a:solidFill>
+                        <a:srgbClr val="000000"/>
+                      </a:solidFill>
+                      <a:prstDash val="solid"/>
+                      <a:round/>
+                      <a:headEnd type="none" w="med" len="med"/>
+                      <a:tailEnd type="none" w="med" len="med"/>
+                    </a:lnL>
+                    <a:lnR cmpd="sng" algn="ctr" cap="flat" w="19050">
+                      <a:solidFill>
+                        <a:srgbClr val="000000"/>
+                      </a:solidFill>
+                      <a:prstDash val="solid"/>
+                      <a:round/>
+                      <a:headEnd type="none" w="med" len="med"/>
+                      <a:tailEnd type="none" w="med" len="med"/>
+                    </a:lnR>
+                    <a:lnT cmpd="sng" algn="ctr" cap="flat" w="19050">
+                      <a:solidFill>
+                        <a:srgbClr val="000000"/>
+                      </a:solidFill>
+                      <a:prstDash val="solid"/>
+                      <a:round/>
+                      <a:headEnd type="none" w="med" len="med"/>
+                      <a:tailEnd type="none" w="med" len="med"/>
+                    </a:lnT>
+                    <a:lnB cmpd="sng" algn="ctr" cap="flat" w="19050">
+                      <a:solidFill>
+                        <a:srgbClr val="000000"/>
+                      </a:solidFill>
+                      <a:prstDash val="solid"/>
+                      <a:round/>
+                      <a:headEnd type="none" w="med" len="med"/>
+                      <a:tailEnd type="none" w="med" len="med"/>
+                    </a:lnB>
+                    <a:solidFill>
+                      <a:srgbClr val="F1E3E3"/>
+                    </a:solidFill>
+                  </a:tcPr>
+                </a:tc>
+              </a:tr>
+              <a:tr h="1298147">
+                <a:tc>
+                  <a:txBody>
+                    <a:bodyPr anchor="t" rtlCol="false"/>
+                    <a:lstStyle/>
                     <a:p>
                       <a:pPr algn="l">
                         <a:lnSpc>
                           <a:spcPts val="2227"/>
                         </a:lnSpc>
+                        <a:defRPr/>
                       </a:pPr>
                       <a:r>
                         <a:rPr lang="en-US" sz="1591" b="true">
@@ -14665,81 +14715,12 @@
                           <a:cs typeface="Agrandir Bold"/>
                           <a:sym typeface="Agrandir Bold"/>
                         </a:rPr>
-                        <a:t>  Difficulty) × Weight</a:t>
-                      </a:r>
-                    </a:p>
-                  </a:txBody>
-                  <a:tcPr marL="76200" marR="76200" marT="76200" marB="76200" anchor="ctr">
-                    <a:lnL cmpd="sng" algn="ctr" cap="flat" w="19050">
-                      <a:solidFill>
-                        <a:srgbClr val="000000"/>
-                      </a:solidFill>
-                      <a:prstDash val="solid"/>
-                      <a:round/>
-                      <a:headEnd type="none" w="med" len="med"/>
-                      <a:tailEnd type="none" w="med" len="med"/>
-                    </a:lnL>
-                    <a:lnR cmpd="sng" algn="ctr" cap="flat" w="19050">
-                      <a:solidFill>
-                        <a:srgbClr val="000000"/>
-                      </a:solidFill>
-                      <a:prstDash val="solid"/>
-                      <a:round/>
-                      <a:headEnd type="none" w="med" len="med"/>
-                      <a:tailEnd type="none" w="med" len="med"/>
-                    </a:lnR>
-                    <a:lnT cmpd="sng" algn="ctr" cap="flat" w="19050">
-                      <a:solidFill>
-                        <a:srgbClr val="000000"/>
-                      </a:solidFill>
-                      <a:prstDash val="solid"/>
-                      <a:round/>
-                      <a:headEnd type="none" w="med" len="med"/>
-                      <a:tailEnd type="none" w="med" len="med"/>
-                    </a:lnT>
-                    <a:lnB cmpd="sng" algn="ctr" cap="flat" w="19050">
-                      <a:solidFill>
-                        <a:srgbClr val="000000"/>
-                      </a:solidFill>
-                      <a:prstDash val="solid"/>
-                      <a:round/>
-                      <a:headEnd type="none" w="med" len="med"/>
-                      <a:tailEnd type="none" w="med" len="med"/>
-                    </a:lnB>
-                    <a:solidFill>
-                      <a:srgbClr val="F1E3E3"/>
-                    </a:solidFill>
-                  </a:tcPr>
-                </a:tc>
-              </a:tr>
-              <a:tr h="1317281">
-                <a:tc>
-                  <a:txBody>
-                    <a:bodyPr anchor="t" rtlCol="false"/>
-                    <a:lstStyle/>
-                    <a:p>
-                      <a:pPr algn="l">
-                        <a:lnSpc>
-                          <a:spcPts val="2227"/>
-                        </a:lnSpc>
-                        <a:defRPr/>
-                      </a:pPr>
-                      <a:r>
-                        <a:rPr lang="en-US" sz="1591" b="true">
-                          <a:solidFill>
-                            <a:srgbClr val="000000"/>
-                          </a:solidFill>
-                          <a:latin typeface="Agrandir Bold"/>
-                          <a:ea typeface="Agrandir Bold"/>
-                          <a:cs typeface="Agrandir Bold"/>
-                          <a:sym typeface="Agrandir Bold"/>
-                        </a:rPr>
-                        <a:t>Recommendation Accuracy</a:t>
+                        <a:t>Liability</a:t>
                       </a:r>
                       <a:endParaRPr lang="en-US" sz="1100"/>
                     </a:p>
                   </a:txBody>
-                  <a:tcPr marL="76200" marR="76200" marT="76200" marB="76200" anchor="ctr">
+                  <a:tcPr marL="66675" marR="66675" marT="66675" marB="66675" anchor="ctr">
                     <a:lnL cmpd="sng" algn="ctr" cap="flat" w="19050">
                       <a:solidFill>
                         <a:srgbClr val="000000"/>
@@ -14802,12 +14783,12 @@
                           <a:cs typeface="Agrandir"/>
                           <a:sym typeface="Agrandir"/>
                         </a:rPr>
-                        <a:t>Measures the quality and relevance of the recommendations by evaluating how well they align with the users preferences.</a:t>
+                        <a:t>Ability of the system to address accountability concerns—e.g., handling user data appropriately, mitigating legal/ethical risks, and clarifying responsibilities if the recommendation leads to unintended outcomes.</a:t>
                       </a:r>
                       <a:endParaRPr lang="en-US" sz="1100"/>
                     </a:p>
                   </a:txBody>
-                  <a:tcPr marL="76200" marR="76200" marT="76200" marB="76200" anchor="ctr">
+                  <a:tcPr marL="66675" marR="66675" marT="66675" marB="66675" anchor="ctr">
                     <a:lnL cmpd="sng" algn="ctr" cap="flat" w="19050">
                       <a:solidFill>
                         <a:srgbClr val="000000"/>
@@ -14870,15 +14851,63 @@
                           <a:cs typeface="Agrandir"/>
                           <a:sym typeface="Agrandir"/>
                         </a:rPr>
-                        <a:t>Precision@K and NDCG values meeting set</a:t>
+                        <a:t>- Number of liability-related incidents- Compliance score with relevant guidelines (privacy, disclaimers)</a:t>
                       </a:r>
                       <a:endParaRPr lang="en-US" sz="1100"/>
                     </a:p>
+                  </a:txBody>
+                  <a:tcPr marL="66675" marR="66675" marT="66675" marB="66675" anchor="ctr">
+                    <a:lnL cmpd="sng" algn="ctr" cap="flat" w="19050">
+                      <a:solidFill>
+                        <a:srgbClr val="000000"/>
+                      </a:solidFill>
+                      <a:prstDash val="solid"/>
+                      <a:round/>
+                      <a:headEnd type="none" w="med" len="med"/>
+                      <a:tailEnd type="none" w="med" len="med"/>
+                    </a:lnL>
+                    <a:lnR cmpd="sng" algn="ctr" cap="flat" w="19050">
+                      <a:solidFill>
+                        <a:srgbClr val="000000"/>
+                      </a:solidFill>
+                      <a:prstDash val="solid"/>
+                      <a:round/>
+                      <a:headEnd type="none" w="med" len="med"/>
+                      <a:tailEnd type="none" w="med" len="med"/>
+                    </a:lnR>
+                    <a:lnT cmpd="sng" algn="ctr" cap="flat" w="19050">
+                      <a:solidFill>
+                        <a:srgbClr val="000000"/>
+                      </a:solidFill>
+                      <a:prstDash val="solid"/>
+                      <a:round/>
+                      <a:headEnd type="none" w="med" len="med"/>
+                      <a:tailEnd type="none" w="med" len="med"/>
+                    </a:lnT>
+                    <a:lnB cmpd="sng" algn="ctr" cap="flat" w="19050">
+                      <a:solidFill>
+                        <a:srgbClr val="000000"/>
+                      </a:solidFill>
+                      <a:prstDash val="solid"/>
+                      <a:round/>
+                      <a:headEnd type="none" w="med" len="med"/>
+                      <a:tailEnd type="none" w="med" len="med"/>
+                    </a:lnB>
+                    <a:solidFill>
+                      <a:srgbClr val="FFFFFF"/>
+                    </a:solidFill>
+                  </a:tcPr>
+                </a:tc>
+                <a:tc>
+                  <a:txBody>
+                    <a:bodyPr anchor="t" rtlCol="false"/>
+                    <a:lstStyle/>
                     <a:p>
                       <a:pPr algn="l">
                         <a:lnSpc>
                           <a:spcPts val="2227"/>
                         </a:lnSpc>
+                        <a:defRPr/>
                       </a:pPr>
                       <a:r>
                         <a:rPr lang="en-US" sz="1591">
@@ -14890,11 +14919,12 @@
                           <a:cs typeface="Agrandir"/>
                           <a:sym typeface="Agrandir"/>
                         </a:rPr>
-                        <a:t>  thresholds</a:t>
+                        <a:t>2</a:t>
                       </a:r>
+                      <a:endParaRPr lang="en-US" sz="1100"/>
                     </a:p>
                   </a:txBody>
-                  <a:tcPr marL="76200" marR="76200" marT="76200" marB="76200" anchor="ctr">
+                  <a:tcPr marL="66675" marR="66675" marT="66675" marB="66675" anchor="ctr">
                     <a:lnL cmpd="sng" algn="ctr" cap="flat" w="19050">
                       <a:solidFill>
                         <a:srgbClr val="000000"/>
@@ -14941,7 +14971,7 @@
                     <a:bodyPr anchor="t" rtlCol="false"/>
                     <a:lstStyle/>
                     <a:p>
-                      <a:pPr algn="ctr">
+                      <a:pPr algn="l">
                         <a:lnSpc>
                           <a:spcPts val="2227"/>
                         </a:lnSpc>
@@ -14962,7 +14992,7 @@
                       <a:endParaRPr lang="en-US" sz="1100"/>
                     </a:p>
                   </a:txBody>
-                  <a:tcPr marL="76200" marR="76200" marT="76200" marB="76200" anchor="ctr">
+                  <a:tcPr marL="66675" marR="66675" marT="66675" marB="66675" anchor="ctr">
                     <a:lnL cmpd="sng" algn="ctr" cap="flat" w="19050">
                       <a:solidFill>
                         <a:srgbClr val="000000"/>
@@ -15009,7 +15039,919 @@
                     <a:bodyPr anchor="t" rtlCol="false"/>
                     <a:lstStyle/>
                     <a:p>
-                      <a:pPr algn="ctr">
+                      <a:pPr algn="l">
+                        <a:lnSpc>
+                          <a:spcPts val="2227"/>
+                        </a:lnSpc>
+                        <a:defRPr/>
+                      </a:pPr>
+                      <a:r>
+                        <a:rPr lang="en-US" sz="1591">
+                          <a:solidFill>
+                            <a:srgbClr val="000000"/>
+                          </a:solidFill>
+                          <a:latin typeface="Agrandir"/>
+                          <a:ea typeface="Agrandir"/>
+                          <a:cs typeface="Agrandir"/>
+                          <a:sym typeface="Agrandir"/>
+                        </a:rPr>
+                        <a:t>10</a:t>
+                      </a:r>
+                      <a:endParaRPr lang="en-US" sz="1100"/>
+                    </a:p>
+                  </a:txBody>
+                  <a:tcPr marL="66675" marR="66675" marT="66675" marB="66675" anchor="ctr">
+                    <a:lnL cmpd="sng" algn="ctr" cap="flat" w="19050">
+                      <a:solidFill>
+                        <a:srgbClr val="000000"/>
+                      </a:solidFill>
+                      <a:prstDash val="solid"/>
+                      <a:round/>
+                      <a:headEnd type="none" w="med" len="med"/>
+                      <a:tailEnd type="none" w="med" len="med"/>
+                    </a:lnL>
+                    <a:lnR cmpd="sng" algn="ctr" cap="flat" w="19050">
+                      <a:solidFill>
+                        <a:srgbClr val="000000"/>
+                      </a:solidFill>
+                      <a:prstDash val="solid"/>
+                      <a:round/>
+                      <a:headEnd type="none" w="med" len="med"/>
+                      <a:tailEnd type="none" w="med" len="med"/>
+                    </a:lnR>
+                    <a:lnT cmpd="sng" algn="ctr" cap="flat" w="19050">
+                      <a:solidFill>
+                        <a:srgbClr val="000000"/>
+                      </a:solidFill>
+                      <a:prstDash val="solid"/>
+                      <a:round/>
+                      <a:headEnd type="none" w="med" len="med"/>
+                      <a:tailEnd type="none" w="med" len="med"/>
+                    </a:lnT>
+                    <a:lnB cmpd="sng" algn="ctr" cap="flat" w="19050">
+                      <a:solidFill>
+                        <a:srgbClr val="000000"/>
+                      </a:solidFill>
+                      <a:prstDash val="solid"/>
+                      <a:round/>
+                      <a:headEnd type="none" w="med" len="med"/>
+                      <a:tailEnd type="none" w="med" len="med"/>
+                    </a:lnB>
+                    <a:solidFill>
+                      <a:srgbClr val="FFFFFF"/>
+                    </a:solidFill>
+                  </a:tcPr>
+                </a:tc>
+                <a:tc>
+                  <a:txBody>
+                    <a:bodyPr anchor="t" rtlCol="false"/>
+                    <a:lstStyle/>
+                    <a:p>
+                      <a:pPr algn="l">
+                        <a:lnSpc>
+                          <a:spcPts val="2227"/>
+                        </a:lnSpc>
+                        <a:defRPr/>
+                      </a:pPr>
+                      <a:r>
+                        <a:rPr lang="en-US" sz="1591">
+                          <a:solidFill>
+                            <a:srgbClr val="000000"/>
+                          </a:solidFill>
+                          <a:latin typeface="Agrandir"/>
+                          <a:ea typeface="Agrandir"/>
+                          <a:cs typeface="Agrandir"/>
+                          <a:sym typeface="Agrandir"/>
+                        </a:rPr>
+                        <a:t>(2 + 3) × 10 = </a:t>
+                      </a:r>
+                      <a:r>
+                        <a:rPr lang="en-US" sz="1591" b="true">
+                          <a:solidFill>
+                            <a:srgbClr val="000000"/>
+                          </a:solidFill>
+                          <a:latin typeface="Agrandir Bold"/>
+                          <a:ea typeface="Agrandir Bold"/>
+                          <a:cs typeface="Agrandir Bold"/>
+                          <a:sym typeface="Agrandir Bold"/>
+                        </a:rPr>
+                        <a:t>50</a:t>
+                      </a:r>
+                      <a:endParaRPr lang="en-US" sz="1100"/>
+                    </a:p>
+                  </a:txBody>
+                  <a:tcPr marL="66675" marR="66675" marT="66675" marB="66675" anchor="ctr">
+                    <a:lnL cmpd="sng" algn="ctr" cap="flat" w="19050">
+                      <a:solidFill>
+                        <a:srgbClr val="000000"/>
+                      </a:solidFill>
+                      <a:prstDash val="solid"/>
+                      <a:round/>
+                      <a:headEnd type="none" w="med" len="med"/>
+                      <a:tailEnd type="none" w="med" len="med"/>
+                    </a:lnL>
+                    <a:lnR cmpd="sng" algn="ctr" cap="flat" w="19050">
+                      <a:solidFill>
+                        <a:srgbClr val="000000"/>
+                      </a:solidFill>
+                      <a:prstDash val="solid"/>
+                      <a:round/>
+                      <a:headEnd type="none" w="med" len="med"/>
+                      <a:tailEnd type="none" w="med" len="med"/>
+                    </a:lnR>
+                    <a:lnT cmpd="sng" algn="ctr" cap="flat" w="19050">
+                      <a:solidFill>
+                        <a:srgbClr val="000000"/>
+                      </a:solidFill>
+                      <a:prstDash val="solid"/>
+                      <a:round/>
+                      <a:headEnd type="none" w="med" len="med"/>
+                      <a:tailEnd type="none" w="med" len="med"/>
+                    </a:lnT>
+                    <a:lnB cmpd="sng" algn="ctr" cap="flat" w="19050">
+                      <a:solidFill>
+                        <a:srgbClr val="000000"/>
+                      </a:solidFill>
+                      <a:prstDash val="solid"/>
+                      <a:round/>
+                      <a:headEnd type="none" w="med" len="med"/>
+                      <a:tailEnd type="none" w="med" len="med"/>
+                    </a:lnB>
+                    <a:solidFill>
+                      <a:srgbClr val="FFFFFF"/>
+                    </a:solidFill>
+                  </a:tcPr>
+                </a:tc>
+              </a:tr>
+              <a:tr h="1021337">
+                <a:tc>
+                  <a:txBody>
+                    <a:bodyPr anchor="t" rtlCol="false"/>
+                    <a:lstStyle/>
+                    <a:p>
+                      <a:pPr algn="l">
+                        <a:lnSpc>
+                          <a:spcPts val="2227"/>
+                        </a:lnSpc>
+                        <a:defRPr/>
+                      </a:pPr>
+                      <a:r>
+                        <a:rPr lang="en-US" sz="1591" b="true">
+                          <a:solidFill>
+                            <a:srgbClr val="000000"/>
+                          </a:solidFill>
+                          <a:latin typeface="Agrandir Bold"/>
+                          <a:ea typeface="Agrandir Bold"/>
+                          <a:cs typeface="Agrandir Bold"/>
+                          <a:sym typeface="Agrandir Bold"/>
+                        </a:rPr>
+                        <a:t>Security</a:t>
+                      </a:r>
+                      <a:endParaRPr lang="en-US" sz="1100"/>
+                    </a:p>
+                  </a:txBody>
+                  <a:tcPr marL="66675" marR="66675" marT="66675" marB="66675" anchor="ctr">
+                    <a:lnL cmpd="sng" algn="ctr" cap="flat" w="19050">
+                      <a:solidFill>
+                        <a:srgbClr val="000000"/>
+                      </a:solidFill>
+                      <a:prstDash val="solid"/>
+                      <a:round/>
+                      <a:headEnd type="none" w="med" len="med"/>
+                      <a:tailEnd type="none" w="med" len="med"/>
+                    </a:lnL>
+                    <a:lnR cmpd="sng" algn="ctr" cap="flat" w="19050">
+                      <a:solidFill>
+                        <a:srgbClr val="000000"/>
+                      </a:solidFill>
+                      <a:prstDash val="solid"/>
+                      <a:round/>
+                      <a:headEnd type="none" w="med" len="med"/>
+                      <a:tailEnd type="none" w="med" len="med"/>
+                    </a:lnR>
+                    <a:lnT cmpd="sng" algn="ctr" cap="flat" w="19050">
+                      <a:solidFill>
+                        <a:srgbClr val="000000"/>
+                      </a:solidFill>
+                      <a:prstDash val="solid"/>
+                      <a:round/>
+                      <a:headEnd type="none" w="med" len="med"/>
+                      <a:tailEnd type="none" w="med" len="med"/>
+                    </a:lnT>
+                    <a:lnB cmpd="sng" algn="ctr" cap="flat" w="19050">
+                      <a:solidFill>
+                        <a:srgbClr val="000000"/>
+                      </a:solidFill>
+                      <a:prstDash val="solid"/>
+                      <a:round/>
+                      <a:headEnd type="none" w="med" len="med"/>
+                      <a:tailEnd type="none" w="med" len="med"/>
+                    </a:lnB>
+                    <a:solidFill>
+                      <a:srgbClr val="F1E3E3"/>
+                    </a:solidFill>
+                  </a:tcPr>
+                </a:tc>
+                <a:tc>
+                  <a:txBody>
+                    <a:bodyPr anchor="t" rtlCol="false"/>
+                    <a:lstStyle/>
+                    <a:p>
+                      <a:pPr algn="l">
+                        <a:lnSpc>
+                          <a:spcPts val="2227"/>
+                        </a:lnSpc>
+                        <a:defRPr/>
+                      </a:pPr>
+                      <a:r>
+                        <a:rPr lang="en-US" sz="1591">
+                          <a:solidFill>
+                            <a:srgbClr val="000000"/>
+                          </a:solidFill>
+                          <a:latin typeface="Agrandir"/>
+                          <a:ea typeface="Agrandir"/>
+                          <a:cs typeface="Agrandir"/>
+                          <a:sym typeface="Agrandir"/>
+                        </a:rPr>
+                        <a:t>Ensures that data (user profiles, transaction info) is protected against unauthorized access or breaches, safeguarding both personal and business-critical information.</a:t>
+                      </a:r>
+                      <a:endParaRPr lang="en-US" sz="1100"/>
+                    </a:p>
+                  </a:txBody>
+                  <a:tcPr marL="66675" marR="66675" marT="66675" marB="66675" anchor="ctr">
+                    <a:lnL cmpd="sng" algn="ctr" cap="flat" w="19050">
+                      <a:solidFill>
+                        <a:srgbClr val="000000"/>
+                      </a:solidFill>
+                      <a:prstDash val="solid"/>
+                      <a:round/>
+                      <a:headEnd type="none" w="med" len="med"/>
+                      <a:tailEnd type="none" w="med" len="med"/>
+                    </a:lnL>
+                    <a:lnR cmpd="sng" algn="ctr" cap="flat" w="19050">
+                      <a:solidFill>
+                        <a:srgbClr val="000000"/>
+                      </a:solidFill>
+                      <a:prstDash val="solid"/>
+                      <a:round/>
+                      <a:headEnd type="none" w="med" len="med"/>
+                      <a:tailEnd type="none" w="med" len="med"/>
+                    </a:lnR>
+                    <a:lnT cmpd="sng" algn="ctr" cap="flat" w="19050">
+                      <a:solidFill>
+                        <a:srgbClr val="000000"/>
+                      </a:solidFill>
+                      <a:prstDash val="solid"/>
+                      <a:round/>
+                      <a:headEnd type="none" w="med" len="med"/>
+                      <a:tailEnd type="none" w="med" len="med"/>
+                    </a:lnT>
+                    <a:lnB cmpd="sng" algn="ctr" cap="flat" w="19050">
+                      <a:solidFill>
+                        <a:srgbClr val="000000"/>
+                      </a:solidFill>
+                      <a:prstDash val="solid"/>
+                      <a:round/>
+                      <a:headEnd type="none" w="med" len="med"/>
+                      <a:tailEnd type="none" w="med" len="med"/>
+                    </a:lnB>
+                    <a:solidFill>
+                      <a:srgbClr val="FFFFFF"/>
+                    </a:solidFill>
+                  </a:tcPr>
+                </a:tc>
+                <a:tc>
+                  <a:txBody>
+                    <a:bodyPr anchor="t" rtlCol="false"/>
+                    <a:lstStyle/>
+                    <a:p>
+                      <a:pPr algn="l">
+                        <a:lnSpc>
+                          <a:spcPts val="2227"/>
+                        </a:lnSpc>
+                        <a:defRPr/>
+                      </a:pPr>
+                      <a:r>
+                        <a:rPr lang="en-US" sz="1591">
+                          <a:solidFill>
+                            <a:srgbClr val="000000"/>
+                          </a:solidFill>
+                          <a:latin typeface="Agrandir"/>
+                          <a:ea typeface="Agrandir"/>
+                          <a:cs typeface="Agrandir"/>
+                          <a:sym typeface="Agrandir"/>
+                        </a:rPr>
+                        <a:t>- Number of security vulnerabilities found- Percentage of encrypted data in transit and at rest</a:t>
+                      </a:r>
+                      <a:endParaRPr lang="en-US" sz="1100"/>
+                    </a:p>
+                  </a:txBody>
+                  <a:tcPr marL="66675" marR="66675" marT="66675" marB="66675" anchor="ctr">
+                    <a:lnL cmpd="sng" algn="ctr" cap="flat" w="19050">
+                      <a:solidFill>
+                        <a:srgbClr val="000000"/>
+                      </a:solidFill>
+                      <a:prstDash val="solid"/>
+                      <a:round/>
+                      <a:headEnd type="none" w="med" len="med"/>
+                      <a:tailEnd type="none" w="med" len="med"/>
+                    </a:lnL>
+                    <a:lnR cmpd="sng" algn="ctr" cap="flat" w="19050">
+                      <a:solidFill>
+                        <a:srgbClr val="000000"/>
+                      </a:solidFill>
+                      <a:prstDash val="solid"/>
+                      <a:round/>
+                      <a:headEnd type="none" w="med" len="med"/>
+                      <a:tailEnd type="none" w="med" len="med"/>
+                    </a:lnR>
+                    <a:lnT cmpd="sng" algn="ctr" cap="flat" w="19050">
+                      <a:solidFill>
+                        <a:srgbClr val="000000"/>
+                      </a:solidFill>
+                      <a:prstDash val="solid"/>
+                      <a:round/>
+                      <a:headEnd type="none" w="med" len="med"/>
+                      <a:tailEnd type="none" w="med" len="med"/>
+                    </a:lnT>
+                    <a:lnB cmpd="sng" algn="ctr" cap="flat" w="19050">
+                      <a:solidFill>
+                        <a:srgbClr val="000000"/>
+                      </a:solidFill>
+                      <a:prstDash val="solid"/>
+                      <a:round/>
+                      <a:headEnd type="none" w="med" len="med"/>
+                      <a:tailEnd type="none" w="med" len="med"/>
+                    </a:lnB>
+                    <a:solidFill>
+                      <a:srgbClr val="FFFFFF"/>
+                    </a:solidFill>
+                  </a:tcPr>
+                </a:tc>
+                <a:tc>
+                  <a:txBody>
+                    <a:bodyPr anchor="t" rtlCol="false"/>
+                    <a:lstStyle/>
+                    <a:p>
+                      <a:pPr algn="l">
+                        <a:lnSpc>
+                          <a:spcPts val="2227"/>
+                        </a:lnSpc>
+                        <a:defRPr/>
+                      </a:pPr>
+                      <a:r>
+                        <a:rPr lang="en-US" sz="1591">
+                          <a:solidFill>
+                            <a:srgbClr val="000000"/>
+                          </a:solidFill>
+                          <a:latin typeface="Agrandir"/>
+                          <a:ea typeface="Agrandir"/>
+                          <a:cs typeface="Agrandir"/>
+                          <a:sym typeface="Agrandir"/>
+                        </a:rPr>
+                        <a:t>3</a:t>
+                      </a:r>
+                      <a:endParaRPr lang="en-US" sz="1100"/>
+                    </a:p>
+                  </a:txBody>
+                  <a:tcPr marL="66675" marR="66675" marT="66675" marB="66675" anchor="ctr">
+                    <a:lnL cmpd="sng" algn="ctr" cap="flat" w="19050">
+                      <a:solidFill>
+                        <a:srgbClr val="000000"/>
+                      </a:solidFill>
+                      <a:prstDash val="solid"/>
+                      <a:round/>
+                      <a:headEnd type="none" w="med" len="med"/>
+                      <a:tailEnd type="none" w="med" len="med"/>
+                    </a:lnL>
+                    <a:lnR cmpd="sng" algn="ctr" cap="flat" w="19050">
+                      <a:solidFill>
+                        <a:srgbClr val="000000"/>
+                      </a:solidFill>
+                      <a:prstDash val="solid"/>
+                      <a:round/>
+                      <a:headEnd type="none" w="med" len="med"/>
+                      <a:tailEnd type="none" w="med" len="med"/>
+                    </a:lnR>
+                    <a:lnT cmpd="sng" algn="ctr" cap="flat" w="19050">
+                      <a:solidFill>
+                        <a:srgbClr val="000000"/>
+                      </a:solidFill>
+                      <a:prstDash val="solid"/>
+                      <a:round/>
+                      <a:headEnd type="none" w="med" len="med"/>
+                      <a:tailEnd type="none" w="med" len="med"/>
+                    </a:lnT>
+                    <a:lnB cmpd="sng" algn="ctr" cap="flat" w="19050">
+                      <a:solidFill>
+                        <a:srgbClr val="000000"/>
+                      </a:solidFill>
+                      <a:prstDash val="solid"/>
+                      <a:round/>
+                      <a:headEnd type="none" w="med" len="med"/>
+                      <a:tailEnd type="none" w="med" len="med"/>
+                    </a:lnB>
+                    <a:solidFill>
+                      <a:srgbClr val="FFFFFF"/>
+                    </a:solidFill>
+                  </a:tcPr>
+                </a:tc>
+                <a:tc>
+                  <a:txBody>
+                    <a:bodyPr anchor="t" rtlCol="false"/>
+                    <a:lstStyle/>
+                    <a:p>
+                      <a:pPr algn="l">
+                        <a:lnSpc>
+                          <a:spcPts val="2227"/>
+                        </a:lnSpc>
+                        <a:defRPr/>
+                      </a:pPr>
+                      <a:r>
+                        <a:rPr lang="en-US" sz="1591">
+                          <a:solidFill>
+                            <a:srgbClr val="000000"/>
+                          </a:solidFill>
+                          <a:latin typeface="Agrandir"/>
+                          <a:ea typeface="Agrandir"/>
+                          <a:cs typeface="Agrandir"/>
+                          <a:sym typeface="Agrandir"/>
+                        </a:rPr>
+                        <a:t>3</a:t>
+                      </a:r>
+                      <a:endParaRPr lang="en-US" sz="1100"/>
+                    </a:p>
+                  </a:txBody>
+                  <a:tcPr marL="66675" marR="66675" marT="66675" marB="66675" anchor="ctr">
+                    <a:lnL cmpd="sng" algn="ctr" cap="flat" w="19050">
+                      <a:solidFill>
+                        <a:srgbClr val="000000"/>
+                      </a:solidFill>
+                      <a:prstDash val="solid"/>
+                      <a:round/>
+                      <a:headEnd type="none" w="med" len="med"/>
+                      <a:tailEnd type="none" w="med" len="med"/>
+                    </a:lnL>
+                    <a:lnR cmpd="sng" algn="ctr" cap="flat" w="19050">
+                      <a:solidFill>
+                        <a:srgbClr val="000000"/>
+                      </a:solidFill>
+                      <a:prstDash val="solid"/>
+                      <a:round/>
+                      <a:headEnd type="none" w="med" len="med"/>
+                      <a:tailEnd type="none" w="med" len="med"/>
+                    </a:lnR>
+                    <a:lnT cmpd="sng" algn="ctr" cap="flat" w="19050">
+                      <a:solidFill>
+                        <a:srgbClr val="000000"/>
+                      </a:solidFill>
+                      <a:prstDash val="solid"/>
+                      <a:round/>
+                      <a:headEnd type="none" w="med" len="med"/>
+                      <a:tailEnd type="none" w="med" len="med"/>
+                    </a:lnT>
+                    <a:lnB cmpd="sng" algn="ctr" cap="flat" w="19050">
+                      <a:solidFill>
+                        <a:srgbClr val="000000"/>
+                      </a:solidFill>
+                      <a:prstDash val="solid"/>
+                      <a:round/>
+                      <a:headEnd type="none" w="med" len="med"/>
+                      <a:tailEnd type="none" w="med" len="med"/>
+                    </a:lnB>
+                    <a:solidFill>
+                      <a:srgbClr val="FFFFFF"/>
+                    </a:solidFill>
+                  </a:tcPr>
+                </a:tc>
+                <a:tc>
+                  <a:txBody>
+                    <a:bodyPr anchor="t" rtlCol="false"/>
+                    <a:lstStyle/>
+                    <a:p>
+                      <a:pPr algn="l">
+                        <a:lnSpc>
+                          <a:spcPts val="2227"/>
+                        </a:lnSpc>
+                        <a:defRPr/>
+                      </a:pPr>
+                      <a:r>
+                        <a:rPr lang="en-US" sz="1591">
+                          <a:solidFill>
+                            <a:srgbClr val="000000"/>
+                          </a:solidFill>
+                          <a:latin typeface="Agrandir"/>
+                          <a:ea typeface="Agrandir"/>
+                          <a:cs typeface="Agrandir"/>
+                          <a:sym typeface="Agrandir"/>
+                        </a:rPr>
+                        <a:t>15</a:t>
+                      </a:r>
+                      <a:endParaRPr lang="en-US" sz="1100"/>
+                    </a:p>
+                  </a:txBody>
+                  <a:tcPr marL="66675" marR="66675" marT="66675" marB="66675" anchor="ctr">
+                    <a:lnL cmpd="sng" algn="ctr" cap="flat" w="19050">
+                      <a:solidFill>
+                        <a:srgbClr val="000000"/>
+                      </a:solidFill>
+                      <a:prstDash val="solid"/>
+                      <a:round/>
+                      <a:headEnd type="none" w="med" len="med"/>
+                      <a:tailEnd type="none" w="med" len="med"/>
+                    </a:lnL>
+                    <a:lnR cmpd="sng" algn="ctr" cap="flat" w="19050">
+                      <a:solidFill>
+                        <a:srgbClr val="000000"/>
+                      </a:solidFill>
+                      <a:prstDash val="solid"/>
+                      <a:round/>
+                      <a:headEnd type="none" w="med" len="med"/>
+                      <a:tailEnd type="none" w="med" len="med"/>
+                    </a:lnR>
+                    <a:lnT cmpd="sng" algn="ctr" cap="flat" w="19050">
+                      <a:solidFill>
+                        <a:srgbClr val="000000"/>
+                      </a:solidFill>
+                      <a:prstDash val="solid"/>
+                      <a:round/>
+                      <a:headEnd type="none" w="med" len="med"/>
+                      <a:tailEnd type="none" w="med" len="med"/>
+                    </a:lnT>
+                    <a:lnB cmpd="sng" algn="ctr" cap="flat" w="19050">
+                      <a:solidFill>
+                        <a:srgbClr val="000000"/>
+                      </a:solidFill>
+                      <a:prstDash val="solid"/>
+                      <a:round/>
+                      <a:headEnd type="none" w="med" len="med"/>
+                      <a:tailEnd type="none" w="med" len="med"/>
+                    </a:lnB>
+                    <a:solidFill>
+                      <a:srgbClr val="FFFFFF"/>
+                    </a:solidFill>
+                  </a:tcPr>
+                </a:tc>
+                <a:tc>
+                  <a:txBody>
+                    <a:bodyPr anchor="t" rtlCol="false"/>
+                    <a:lstStyle/>
+                    <a:p>
+                      <a:pPr algn="l">
+                        <a:lnSpc>
+                          <a:spcPts val="2227"/>
+                        </a:lnSpc>
+                        <a:defRPr/>
+                      </a:pPr>
+                      <a:r>
+                        <a:rPr lang="en-US" sz="1591">
+                          <a:solidFill>
+                            <a:srgbClr val="000000"/>
+                          </a:solidFill>
+                          <a:latin typeface="Agrandir"/>
+                          <a:ea typeface="Agrandir"/>
+                          <a:cs typeface="Agrandir"/>
+                          <a:sym typeface="Agrandir"/>
+                        </a:rPr>
+                        <a:t>(3 + 3) × 15 = </a:t>
+                      </a:r>
+                      <a:r>
+                        <a:rPr lang="en-US" sz="1591" b="true">
+                          <a:solidFill>
+                            <a:srgbClr val="000000"/>
+                          </a:solidFill>
+                          <a:latin typeface="Agrandir Bold"/>
+                          <a:ea typeface="Agrandir Bold"/>
+                          <a:cs typeface="Agrandir Bold"/>
+                          <a:sym typeface="Agrandir Bold"/>
+                        </a:rPr>
+                        <a:t>90</a:t>
+                      </a:r>
+                      <a:endParaRPr lang="en-US" sz="1100"/>
+                    </a:p>
+                  </a:txBody>
+                  <a:tcPr marL="66675" marR="66675" marT="66675" marB="66675" anchor="ctr">
+                    <a:lnL cmpd="sng" algn="ctr" cap="flat" w="19050">
+                      <a:solidFill>
+                        <a:srgbClr val="000000"/>
+                      </a:solidFill>
+                      <a:prstDash val="solid"/>
+                      <a:round/>
+                      <a:headEnd type="none" w="med" len="med"/>
+                      <a:tailEnd type="none" w="med" len="med"/>
+                    </a:lnL>
+                    <a:lnR cmpd="sng" algn="ctr" cap="flat" w="19050">
+                      <a:solidFill>
+                        <a:srgbClr val="000000"/>
+                      </a:solidFill>
+                      <a:prstDash val="solid"/>
+                      <a:round/>
+                      <a:headEnd type="none" w="med" len="med"/>
+                      <a:tailEnd type="none" w="med" len="med"/>
+                    </a:lnR>
+                    <a:lnT cmpd="sng" algn="ctr" cap="flat" w="19050">
+                      <a:solidFill>
+                        <a:srgbClr val="000000"/>
+                      </a:solidFill>
+                      <a:prstDash val="solid"/>
+                      <a:round/>
+                      <a:headEnd type="none" w="med" len="med"/>
+                      <a:tailEnd type="none" w="med" len="med"/>
+                    </a:lnT>
+                    <a:lnB cmpd="sng" algn="ctr" cap="flat" w="19050">
+                      <a:solidFill>
+                        <a:srgbClr val="000000"/>
+                      </a:solidFill>
+                      <a:prstDash val="solid"/>
+                      <a:round/>
+                      <a:headEnd type="none" w="med" len="med"/>
+                      <a:tailEnd type="none" w="med" len="med"/>
+                    </a:lnB>
+                    <a:solidFill>
+                      <a:srgbClr val="FFFFFF"/>
+                    </a:solidFill>
+                  </a:tcPr>
+                </a:tc>
+              </a:tr>
+              <a:tr h="1298147">
+                <a:tc>
+                  <a:txBody>
+                    <a:bodyPr anchor="t" rtlCol="false"/>
+                    <a:lstStyle/>
+                    <a:p>
+                      <a:pPr algn="l">
+                        <a:lnSpc>
+                          <a:spcPts val="2227"/>
+                        </a:lnSpc>
+                        <a:defRPr/>
+                      </a:pPr>
+                      <a:r>
+                        <a:rPr lang="en-US" sz="1591" b="true">
+                          <a:solidFill>
+                            <a:srgbClr val="000000"/>
+                          </a:solidFill>
+                          <a:latin typeface="Agrandir Bold"/>
+                          <a:ea typeface="Agrandir Bold"/>
+                          <a:cs typeface="Agrandir Bold"/>
+                          <a:sym typeface="Agrandir Bold"/>
+                        </a:rPr>
+                        <a:t>Performance</a:t>
+                      </a:r>
+                      <a:endParaRPr lang="en-US" sz="1100"/>
+                    </a:p>
+                  </a:txBody>
+                  <a:tcPr marL="66675" marR="66675" marT="66675" marB="66675" anchor="ctr">
+                    <a:lnL cmpd="sng" algn="ctr" cap="flat" w="19050">
+                      <a:solidFill>
+                        <a:srgbClr val="000000"/>
+                      </a:solidFill>
+                      <a:prstDash val="solid"/>
+                      <a:round/>
+                      <a:headEnd type="none" w="med" len="med"/>
+                      <a:tailEnd type="none" w="med" len="med"/>
+                    </a:lnL>
+                    <a:lnR cmpd="sng" algn="ctr" cap="flat" w="19050">
+                      <a:solidFill>
+                        <a:srgbClr val="000000"/>
+                      </a:solidFill>
+                      <a:prstDash val="solid"/>
+                      <a:round/>
+                      <a:headEnd type="none" w="med" len="med"/>
+                      <a:tailEnd type="none" w="med" len="med"/>
+                    </a:lnR>
+                    <a:lnT cmpd="sng" algn="ctr" cap="flat" w="19050">
+                      <a:solidFill>
+                        <a:srgbClr val="000000"/>
+                      </a:solidFill>
+                      <a:prstDash val="solid"/>
+                      <a:round/>
+                      <a:headEnd type="none" w="med" len="med"/>
+                      <a:tailEnd type="none" w="med" len="med"/>
+                    </a:lnT>
+                    <a:lnB cmpd="sng" algn="ctr" cap="flat" w="19050">
+                      <a:solidFill>
+                        <a:srgbClr val="000000"/>
+                      </a:solidFill>
+                      <a:prstDash val="solid"/>
+                      <a:round/>
+                      <a:headEnd type="none" w="med" len="med"/>
+                      <a:tailEnd type="none" w="med" len="med"/>
+                    </a:lnB>
+                    <a:solidFill>
+                      <a:srgbClr val="F1E3E3"/>
+                    </a:solidFill>
+                  </a:tcPr>
+                </a:tc>
+                <a:tc>
+                  <a:txBody>
+                    <a:bodyPr anchor="t" rtlCol="false"/>
+                    <a:lstStyle/>
+                    <a:p>
+                      <a:pPr algn="l">
+                        <a:lnSpc>
+                          <a:spcPts val="2227"/>
+                        </a:lnSpc>
+                        <a:defRPr/>
+                      </a:pPr>
+                      <a:r>
+                        <a:rPr lang="en-US" sz="1591">
+                          <a:solidFill>
+                            <a:srgbClr val="000000"/>
+                          </a:solidFill>
+                          <a:latin typeface="Agrandir"/>
+                          <a:ea typeface="Agrandir"/>
+                          <a:cs typeface="Agrandir"/>
+                          <a:sym typeface="Agrandir"/>
+                        </a:rPr>
+                        <a:t>Measures the speed and responsiveness of the recommendation engine, especially under typical or peak loads, ensuring timely results for the end user.</a:t>
+                      </a:r>
+                      <a:endParaRPr lang="en-US" sz="1100"/>
+                    </a:p>
+                  </a:txBody>
+                  <a:tcPr marL="66675" marR="66675" marT="66675" marB="66675" anchor="ctr">
+                    <a:lnL cmpd="sng" algn="ctr" cap="flat" w="19050">
+                      <a:solidFill>
+                        <a:srgbClr val="000000"/>
+                      </a:solidFill>
+                      <a:prstDash val="solid"/>
+                      <a:round/>
+                      <a:headEnd type="none" w="med" len="med"/>
+                      <a:tailEnd type="none" w="med" len="med"/>
+                    </a:lnL>
+                    <a:lnR cmpd="sng" algn="ctr" cap="flat" w="19050">
+                      <a:solidFill>
+                        <a:srgbClr val="000000"/>
+                      </a:solidFill>
+                      <a:prstDash val="solid"/>
+                      <a:round/>
+                      <a:headEnd type="none" w="med" len="med"/>
+                      <a:tailEnd type="none" w="med" len="med"/>
+                    </a:lnR>
+                    <a:lnT cmpd="sng" algn="ctr" cap="flat" w="19050">
+                      <a:solidFill>
+                        <a:srgbClr val="000000"/>
+                      </a:solidFill>
+                      <a:prstDash val="solid"/>
+                      <a:round/>
+                      <a:headEnd type="none" w="med" len="med"/>
+                      <a:tailEnd type="none" w="med" len="med"/>
+                    </a:lnT>
+                    <a:lnB cmpd="sng" algn="ctr" cap="flat" w="19050">
+                      <a:solidFill>
+                        <a:srgbClr val="000000"/>
+                      </a:solidFill>
+                      <a:prstDash val="solid"/>
+                      <a:round/>
+                      <a:headEnd type="none" w="med" len="med"/>
+                      <a:tailEnd type="none" w="med" len="med"/>
+                    </a:lnB>
+                    <a:solidFill>
+                      <a:srgbClr val="FFFFFF"/>
+                    </a:solidFill>
+                  </a:tcPr>
+                </a:tc>
+                <a:tc>
+                  <a:txBody>
+                    <a:bodyPr anchor="t" rtlCol="false"/>
+                    <a:lstStyle/>
+                    <a:p>
+                      <a:pPr algn="l">
+                        <a:lnSpc>
+                          <a:spcPts val="2227"/>
+                        </a:lnSpc>
+                        <a:defRPr/>
+                      </a:pPr>
+                      <a:r>
+                        <a:rPr lang="en-US" sz="1591">
+                          <a:solidFill>
+                            <a:srgbClr val="000000"/>
+                          </a:solidFill>
+                          <a:latin typeface="Agrandir"/>
+                          <a:ea typeface="Agrandir"/>
+                          <a:cs typeface="Agrandir"/>
+                          <a:sym typeface="Agrandir"/>
+                        </a:rPr>
+                        <a:t>- Average response time (&lt; X seconds)- Throughput (# of recommendation queries handled per second)</a:t>
+                      </a:r>
+                      <a:endParaRPr lang="en-US" sz="1100"/>
+                    </a:p>
+                  </a:txBody>
+                  <a:tcPr marL="66675" marR="66675" marT="66675" marB="66675" anchor="ctr">
+                    <a:lnL cmpd="sng" algn="ctr" cap="flat" w="19050">
+                      <a:solidFill>
+                        <a:srgbClr val="000000"/>
+                      </a:solidFill>
+                      <a:prstDash val="solid"/>
+                      <a:round/>
+                      <a:headEnd type="none" w="med" len="med"/>
+                      <a:tailEnd type="none" w="med" len="med"/>
+                    </a:lnL>
+                    <a:lnR cmpd="sng" algn="ctr" cap="flat" w="19050">
+                      <a:solidFill>
+                        <a:srgbClr val="000000"/>
+                      </a:solidFill>
+                      <a:prstDash val="solid"/>
+                      <a:round/>
+                      <a:headEnd type="none" w="med" len="med"/>
+                      <a:tailEnd type="none" w="med" len="med"/>
+                    </a:lnR>
+                    <a:lnT cmpd="sng" algn="ctr" cap="flat" w="19050">
+                      <a:solidFill>
+                        <a:srgbClr val="000000"/>
+                      </a:solidFill>
+                      <a:prstDash val="solid"/>
+                      <a:round/>
+                      <a:headEnd type="none" w="med" len="med"/>
+                      <a:tailEnd type="none" w="med" len="med"/>
+                    </a:lnT>
+                    <a:lnB cmpd="sng" algn="ctr" cap="flat" w="19050">
+                      <a:solidFill>
+                        <a:srgbClr val="000000"/>
+                      </a:solidFill>
+                      <a:prstDash val="solid"/>
+                      <a:round/>
+                      <a:headEnd type="none" w="med" len="med"/>
+                      <a:tailEnd type="none" w="med" len="med"/>
+                    </a:lnB>
+                    <a:solidFill>
+                      <a:srgbClr val="FFFFFF"/>
+                    </a:solidFill>
+                  </a:tcPr>
+                </a:tc>
+                <a:tc>
+                  <a:txBody>
+                    <a:bodyPr anchor="t" rtlCol="false"/>
+                    <a:lstStyle/>
+                    <a:p>
+                      <a:pPr algn="l">
+                        <a:lnSpc>
+                          <a:spcPts val="2227"/>
+                        </a:lnSpc>
+                        <a:defRPr/>
+                      </a:pPr>
+                      <a:r>
+                        <a:rPr lang="en-US" sz="1591">
+                          <a:solidFill>
+                            <a:srgbClr val="000000"/>
+                          </a:solidFill>
+                          <a:latin typeface="Agrandir"/>
+                          <a:ea typeface="Agrandir"/>
+                          <a:cs typeface="Agrandir"/>
+                          <a:sym typeface="Agrandir"/>
+                        </a:rPr>
+                        <a:t>3</a:t>
+                      </a:r>
+                      <a:endParaRPr lang="en-US" sz="1100"/>
+                    </a:p>
+                  </a:txBody>
+                  <a:tcPr marL="66675" marR="66675" marT="66675" marB="66675" anchor="ctr">
+                    <a:lnL cmpd="sng" algn="ctr" cap="flat" w="19050">
+                      <a:solidFill>
+                        <a:srgbClr val="000000"/>
+                      </a:solidFill>
+                      <a:prstDash val="solid"/>
+                      <a:round/>
+                      <a:headEnd type="none" w="med" len="med"/>
+                      <a:tailEnd type="none" w="med" len="med"/>
+                    </a:lnL>
+                    <a:lnR cmpd="sng" algn="ctr" cap="flat" w="19050">
+                      <a:solidFill>
+                        <a:srgbClr val="000000"/>
+                      </a:solidFill>
+                      <a:prstDash val="solid"/>
+                      <a:round/>
+                      <a:headEnd type="none" w="med" len="med"/>
+                      <a:tailEnd type="none" w="med" len="med"/>
+                    </a:lnR>
+                    <a:lnT cmpd="sng" algn="ctr" cap="flat" w="19050">
+                      <a:solidFill>
+                        <a:srgbClr val="000000"/>
+                      </a:solidFill>
+                      <a:prstDash val="solid"/>
+                      <a:round/>
+                      <a:headEnd type="none" w="med" len="med"/>
+                      <a:tailEnd type="none" w="med" len="med"/>
+                    </a:lnT>
+                    <a:lnB cmpd="sng" algn="ctr" cap="flat" w="19050">
+                      <a:solidFill>
+                        <a:srgbClr val="000000"/>
+                      </a:solidFill>
+                      <a:prstDash val="solid"/>
+                      <a:round/>
+                      <a:headEnd type="none" w="med" len="med"/>
+                      <a:tailEnd type="none" w="med" len="med"/>
+                    </a:lnB>
+                    <a:solidFill>
+                      <a:srgbClr val="FFFFFF"/>
+                    </a:solidFill>
+                  </a:tcPr>
+                </a:tc>
+                <a:tc>
+                  <a:txBody>
+                    <a:bodyPr anchor="t" rtlCol="false"/>
+                    <a:lstStyle/>
+                    <a:p>
+                      <a:pPr algn="l">
                         <a:lnSpc>
                           <a:spcPts val="2227"/>
                         </a:lnSpc>
@@ -15030,7 +15972,7 @@
                       <a:endParaRPr lang="en-US" sz="1100"/>
                     </a:p>
                   </a:txBody>
-                  <a:tcPr marL="76200" marR="76200" marT="76200" marB="76200" anchor="ctr">
+                  <a:tcPr marL="66675" marR="66675" marT="66675" marB="66675" anchor="ctr">
                     <a:lnL cmpd="sng" algn="ctr" cap="flat" w="19050">
                       <a:solidFill>
                         <a:srgbClr val="000000"/>
@@ -15077,7 +16019,7 @@
                     <a:bodyPr anchor="t" rtlCol="false"/>
                     <a:lstStyle/>
                     <a:p>
-                      <a:pPr algn="ctr">
+                      <a:pPr algn="l">
                         <a:lnSpc>
                           <a:spcPts val="2227"/>
                         </a:lnSpc>
@@ -15093,12 +16035,12 @@
                           <a:cs typeface="Agrandir"/>
                           <a:sym typeface="Agrandir"/>
                         </a:rPr>
-                        <a:t>30</a:t>
+                        <a:t>20</a:t>
                       </a:r>
                       <a:endParaRPr lang="en-US" sz="1100"/>
                     </a:p>
                   </a:txBody>
-                  <a:tcPr marL="76200" marR="76200" marT="76200" marB="76200" anchor="ctr">
+                  <a:tcPr marL="66675" marR="66675" marT="66675" marB="66675" anchor="ctr">
                     <a:lnL cmpd="sng" algn="ctr" cap="flat" w="19050">
                       <a:solidFill>
                         <a:srgbClr val="000000"/>
@@ -15161,7 +16103,7 @@
                           <a:cs typeface="Agrandir"/>
                           <a:sym typeface="Agrandir"/>
                         </a:rPr>
-                        <a:t>(3 + 2) × 30 = </a:t>
+                        <a:t>(3 + 2) × 20 = </a:t>
                       </a:r>
                       <a:r>
                         <a:rPr lang="en-US" sz="1591" b="true">
@@ -15173,12 +16115,12 @@
                           <a:cs typeface="Agrandir Bold"/>
                           <a:sym typeface="Agrandir Bold"/>
                         </a:rPr>
-                        <a:t>150</a:t>
+                        <a:t>100</a:t>
                       </a:r>
                       <a:endParaRPr lang="en-US" sz="1100"/>
                     </a:p>
                   </a:txBody>
-                  <a:tcPr marL="76200" marR="76200" marT="76200" marB="76200" anchor="ctr">
+                  <a:tcPr marL="66675" marR="66675" marT="66675" marB="66675" anchor="ctr">
                     <a:lnL cmpd="sng" algn="ctr" cap="flat" w="19050">
                       <a:solidFill>
                         <a:srgbClr val="000000"/>
@@ -15221,7 +16163,7 @@
                   </a:tcPr>
                 </a:tc>
               </a:tr>
-              <a:tr h="1244112">
+              <a:tr h="1021337">
                 <a:tc>
                   <a:txBody>
                     <a:bodyPr anchor="t" rtlCol="false"/>
@@ -15243,12 +16185,12 @@
                           <a:cs typeface="Agrandir Bold"/>
                           <a:sym typeface="Agrandir Bold"/>
                         </a:rPr>
-                        <a:t>Performance</a:t>
+                        <a:t>Maintainability</a:t>
                       </a:r>
                       <a:endParaRPr lang="en-US" sz="1100"/>
                     </a:p>
                   </a:txBody>
-                  <a:tcPr marL="76200" marR="76200" marT="76200" marB="76200" anchor="ctr">
+                  <a:tcPr marL="66675" marR="66675" marT="66675" marB="66675" anchor="ctr">
                     <a:lnL cmpd="sng" algn="ctr" cap="flat" w="19050">
                       <a:solidFill>
                         <a:srgbClr val="000000"/>
@@ -15311,12 +16253,12 @@
                           <a:cs typeface="Agrandir"/>
                           <a:sym typeface="Agrandir"/>
                         </a:rPr>
-                        <a:t>Evaluates the computational efficiency and responsiveness of the engine, ensuring real-time or near real-time processing of recommendation queries.</a:t>
+                        <a:t>Focuses on how easily the engine’s codebase and architecture can be updated, extended, debugged, and improved over time without introducing new defects.</a:t>
                       </a:r>
                       <a:endParaRPr lang="en-US" sz="1100"/>
                     </a:p>
                   </a:txBody>
-                  <a:tcPr marL="76200" marR="76200" marT="76200" marB="76200" anchor="ctr">
+                  <a:tcPr marL="66675" marR="66675" marT="66675" marB="66675" anchor="ctr">
                     <a:lnL cmpd="sng" algn="ctr" cap="flat" w="19050">
                       <a:solidFill>
                         <a:srgbClr val="000000"/>
@@ -15379,15 +16321,63 @@
                           <a:cs typeface="Agrandir"/>
                           <a:sym typeface="Agrandir"/>
                         </a:rPr>
-                        <a:t>Average</a:t>
+                        <a:t>- Mean time to fix (MTTF) &lt; X days- Code coverage or cyclomatic complexity metrics</a:t>
                       </a:r>
                       <a:endParaRPr lang="en-US" sz="1100"/>
                     </a:p>
+                  </a:txBody>
+                  <a:tcPr marL="66675" marR="66675" marT="66675" marB="66675" anchor="ctr">
+                    <a:lnL cmpd="sng" algn="ctr" cap="flat" w="19050">
+                      <a:solidFill>
+                        <a:srgbClr val="000000"/>
+                      </a:solidFill>
+                      <a:prstDash val="solid"/>
+                      <a:round/>
+                      <a:headEnd type="none" w="med" len="med"/>
+                      <a:tailEnd type="none" w="med" len="med"/>
+                    </a:lnL>
+                    <a:lnR cmpd="sng" algn="ctr" cap="flat" w="19050">
+                      <a:solidFill>
+                        <a:srgbClr val="000000"/>
+                      </a:solidFill>
+                      <a:prstDash val="solid"/>
+                      <a:round/>
+                      <a:headEnd type="none" w="med" len="med"/>
+                      <a:tailEnd type="none" w="med" len="med"/>
+                    </a:lnR>
+                    <a:lnT cmpd="sng" algn="ctr" cap="flat" w="19050">
+                      <a:solidFill>
+                        <a:srgbClr val="000000"/>
+                      </a:solidFill>
+                      <a:prstDash val="solid"/>
+                      <a:round/>
+                      <a:headEnd type="none" w="med" len="med"/>
+                      <a:tailEnd type="none" w="med" len="med"/>
+                    </a:lnT>
+                    <a:lnB cmpd="sng" algn="ctr" cap="flat" w="19050">
+                      <a:solidFill>
+                        <a:srgbClr val="000000"/>
+                      </a:solidFill>
+                      <a:prstDash val="solid"/>
+                      <a:round/>
+                      <a:headEnd type="none" w="med" len="med"/>
+                      <a:tailEnd type="none" w="med" len="med"/>
+                    </a:lnB>
+                    <a:solidFill>
+                      <a:srgbClr val="FFFFFF"/>
+                    </a:solidFill>
+                  </a:tcPr>
+                </a:tc>
+                <a:tc>
+                  <a:txBody>
+                    <a:bodyPr anchor="t" rtlCol="false"/>
+                    <a:lstStyle/>
                     <a:p>
                       <a:pPr algn="l">
                         <a:lnSpc>
                           <a:spcPts val="2227"/>
                         </a:lnSpc>
+                        <a:defRPr/>
                       </a:pPr>
                       <a:r>
                         <a:rPr lang="en-US" sz="1591">
@@ -15399,11 +16389,12 @@
                           <a:cs typeface="Agrandir"/>
                           <a:sym typeface="Agrandir"/>
                         </a:rPr>
-                        <a:t>  response time &lt; 5 seconds per query</a:t>
+                        <a:t>2</a:t>
                       </a:r>
+                      <a:endParaRPr lang="en-US" sz="1100"/>
                     </a:p>
                   </a:txBody>
-                  <a:tcPr marL="76200" marR="76200" marT="76200" marB="76200" anchor="ctr">
+                  <a:tcPr marL="66675" marR="66675" marT="66675" marB="66675" anchor="ctr">
                     <a:lnL cmpd="sng" algn="ctr" cap="flat" w="19050">
                       <a:solidFill>
                         <a:srgbClr val="000000"/>
@@ -15450,7 +16441,919 @@
                     <a:bodyPr anchor="t" rtlCol="false"/>
                     <a:lstStyle/>
                     <a:p>
-                      <a:pPr algn="ctr">
+                      <a:pPr algn="l">
+                        <a:lnSpc>
+                          <a:spcPts val="2227"/>
+                        </a:lnSpc>
+                        <a:defRPr/>
+                      </a:pPr>
+                      <a:r>
+                        <a:rPr lang="en-US" sz="1591">
+                          <a:solidFill>
+                            <a:srgbClr val="000000"/>
+                          </a:solidFill>
+                          <a:latin typeface="Agrandir"/>
+                          <a:ea typeface="Agrandir"/>
+                          <a:cs typeface="Agrandir"/>
+                          <a:sym typeface="Agrandir"/>
+                        </a:rPr>
+                        <a:t>2</a:t>
+                      </a:r>
+                      <a:endParaRPr lang="en-US" sz="1100"/>
+                    </a:p>
+                  </a:txBody>
+                  <a:tcPr marL="66675" marR="66675" marT="66675" marB="66675" anchor="ctr">
+                    <a:lnL cmpd="sng" algn="ctr" cap="flat" w="19050">
+                      <a:solidFill>
+                        <a:srgbClr val="000000"/>
+                      </a:solidFill>
+                      <a:prstDash val="solid"/>
+                      <a:round/>
+                      <a:headEnd type="none" w="med" len="med"/>
+                      <a:tailEnd type="none" w="med" len="med"/>
+                    </a:lnL>
+                    <a:lnR cmpd="sng" algn="ctr" cap="flat" w="19050">
+                      <a:solidFill>
+                        <a:srgbClr val="000000"/>
+                      </a:solidFill>
+                      <a:prstDash val="solid"/>
+                      <a:round/>
+                      <a:headEnd type="none" w="med" len="med"/>
+                      <a:tailEnd type="none" w="med" len="med"/>
+                    </a:lnR>
+                    <a:lnT cmpd="sng" algn="ctr" cap="flat" w="19050">
+                      <a:solidFill>
+                        <a:srgbClr val="000000"/>
+                      </a:solidFill>
+                      <a:prstDash val="solid"/>
+                      <a:round/>
+                      <a:headEnd type="none" w="med" len="med"/>
+                      <a:tailEnd type="none" w="med" len="med"/>
+                    </a:lnT>
+                    <a:lnB cmpd="sng" algn="ctr" cap="flat" w="19050">
+                      <a:solidFill>
+                        <a:srgbClr val="000000"/>
+                      </a:solidFill>
+                      <a:prstDash val="solid"/>
+                      <a:round/>
+                      <a:headEnd type="none" w="med" len="med"/>
+                      <a:tailEnd type="none" w="med" len="med"/>
+                    </a:lnB>
+                    <a:solidFill>
+                      <a:srgbClr val="FFFFFF"/>
+                    </a:solidFill>
+                  </a:tcPr>
+                </a:tc>
+                <a:tc>
+                  <a:txBody>
+                    <a:bodyPr anchor="t" rtlCol="false"/>
+                    <a:lstStyle/>
+                    <a:p>
+                      <a:pPr algn="l">
+                        <a:lnSpc>
+                          <a:spcPts val="2227"/>
+                        </a:lnSpc>
+                        <a:defRPr/>
+                      </a:pPr>
+                      <a:r>
+                        <a:rPr lang="en-US" sz="1591">
+                          <a:solidFill>
+                            <a:srgbClr val="000000"/>
+                          </a:solidFill>
+                          <a:latin typeface="Agrandir"/>
+                          <a:ea typeface="Agrandir"/>
+                          <a:cs typeface="Agrandir"/>
+                          <a:sym typeface="Agrandir"/>
+                        </a:rPr>
+                        <a:t>15</a:t>
+                      </a:r>
+                      <a:endParaRPr lang="en-US" sz="1100"/>
+                    </a:p>
+                  </a:txBody>
+                  <a:tcPr marL="66675" marR="66675" marT="66675" marB="66675" anchor="ctr">
+                    <a:lnL cmpd="sng" algn="ctr" cap="flat" w="19050">
+                      <a:solidFill>
+                        <a:srgbClr val="000000"/>
+                      </a:solidFill>
+                      <a:prstDash val="solid"/>
+                      <a:round/>
+                      <a:headEnd type="none" w="med" len="med"/>
+                      <a:tailEnd type="none" w="med" len="med"/>
+                    </a:lnL>
+                    <a:lnR cmpd="sng" algn="ctr" cap="flat" w="19050">
+                      <a:solidFill>
+                        <a:srgbClr val="000000"/>
+                      </a:solidFill>
+                      <a:prstDash val="solid"/>
+                      <a:round/>
+                      <a:headEnd type="none" w="med" len="med"/>
+                      <a:tailEnd type="none" w="med" len="med"/>
+                    </a:lnR>
+                    <a:lnT cmpd="sng" algn="ctr" cap="flat" w="19050">
+                      <a:solidFill>
+                        <a:srgbClr val="000000"/>
+                      </a:solidFill>
+                      <a:prstDash val="solid"/>
+                      <a:round/>
+                      <a:headEnd type="none" w="med" len="med"/>
+                      <a:tailEnd type="none" w="med" len="med"/>
+                    </a:lnT>
+                    <a:lnB cmpd="sng" algn="ctr" cap="flat" w="19050">
+                      <a:solidFill>
+                        <a:srgbClr val="000000"/>
+                      </a:solidFill>
+                      <a:prstDash val="solid"/>
+                      <a:round/>
+                      <a:headEnd type="none" w="med" len="med"/>
+                      <a:tailEnd type="none" w="med" len="med"/>
+                    </a:lnB>
+                    <a:solidFill>
+                      <a:srgbClr val="FFFFFF"/>
+                    </a:solidFill>
+                  </a:tcPr>
+                </a:tc>
+                <a:tc>
+                  <a:txBody>
+                    <a:bodyPr anchor="t" rtlCol="false"/>
+                    <a:lstStyle/>
+                    <a:p>
+                      <a:pPr algn="l">
+                        <a:lnSpc>
+                          <a:spcPts val="2227"/>
+                        </a:lnSpc>
+                        <a:defRPr/>
+                      </a:pPr>
+                      <a:r>
+                        <a:rPr lang="en-US" sz="1591">
+                          <a:solidFill>
+                            <a:srgbClr val="000000"/>
+                          </a:solidFill>
+                          <a:latin typeface="Agrandir"/>
+                          <a:ea typeface="Agrandir"/>
+                          <a:cs typeface="Agrandir"/>
+                          <a:sym typeface="Agrandir"/>
+                        </a:rPr>
+                        <a:t>(2 + 2) × 15 = </a:t>
+                      </a:r>
+                      <a:r>
+                        <a:rPr lang="en-US" sz="1591" b="true">
+                          <a:solidFill>
+                            <a:srgbClr val="000000"/>
+                          </a:solidFill>
+                          <a:latin typeface="Agrandir Bold"/>
+                          <a:ea typeface="Agrandir Bold"/>
+                          <a:cs typeface="Agrandir Bold"/>
+                          <a:sym typeface="Agrandir Bold"/>
+                        </a:rPr>
+                        <a:t>60</a:t>
+                      </a:r>
+                      <a:endParaRPr lang="en-US" sz="1100"/>
+                    </a:p>
+                  </a:txBody>
+                  <a:tcPr marL="66675" marR="66675" marT="66675" marB="66675" anchor="ctr">
+                    <a:lnL cmpd="sng" algn="ctr" cap="flat" w="19050">
+                      <a:solidFill>
+                        <a:srgbClr val="000000"/>
+                      </a:solidFill>
+                      <a:prstDash val="solid"/>
+                      <a:round/>
+                      <a:headEnd type="none" w="med" len="med"/>
+                      <a:tailEnd type="none" w="med" len="med"/>
+                    </a:lnL>
+                    <a:lnR cmpd="sng" algn="ctr" cap="flat" w="19050">
+                      <a:solidFill>
+                        <a:srgbClr val="000000"/>
+                      </a:solidFill>
+                      <a:prstDash val="solid"/>
+                      <a:round/>
+                      <a:headEnd type="none" w="med" len="med"/>
+                      <a:tailEnd type="none" w="med" len="med"/>
+                    </a:lnR>
+                    <a:lnT cmpd="sng" algn="ctr" cap="flat" w="19050">
+                      <a:solidFill>
+                        <a:srgbClr val="000000"/>
+                      </a:solidFill>
+                      <a:prstDash val="solid"/>
+                      <a:round/>
+                      <a:headEnd type="none" w="med" len="med"/>
+                      <a:tailEnd type="none" w="med" len="med"/>
+                    </a:lnT>
+                    <a:lnB cmpd="sng" algn="ctr" cap="flat" w="19050">
+                      <a:solidFill>
+                        <a:srgbClr val="000000"/>
+                      </a:solidFill>
+                      <a:prstDash val="solid"/>
+                      <a:round/>
+                      <a:headEnd type="none" w="med" len="med"/>
+                      <a:tailEnd type="none" w="med" len="med"/>
+                    </a:lnB>
+                    <a:solidFill>
+                      <a:srgbClr val="FFFFFF"/>
+                    </a:solidFill>
+                  </a:tcPr>
+                </a:tc>
+              </a:tr>
+              <a:tr h="1021337">
+                <a:tc>
+                  <a:txBody>
+                    <a:bodyPr anchor="t" rtlCol="false"/>
+                    <a:lstStyle/>
+                    <a:p>
+                      <a:pPr algn="l">
+                        <a:lnSpc>
+                          <a:spcPts val="2227"/>
+                        </a:lnSpc>
+                        <a:defRPr/>
+                      </a:pPr>
+                      <a:r>
+                        <a:rPr lang="en-US" sz="1591" b="true">
+                          <a:solidFill>
+                            <a:srgbClr val="000000"/>
+                          </a:solidFill>
+                          <a:latin typeface="Agrandir Bold"/>
+                          <a:ea typeface="Agrandir Bold"/>
+                          <a:cs typeface="Agrandir Bold"/>
+                          <a:sym typeface="Agrandir Bold"/>
+                        </a:rPr>
+                        <a:t>Compatibility</a:t>
+                      </a:r>
+                      <a:endParaRPr lang="en-US" sz="1100"/>
+                    </a:p>
+                  </a:txBody>
+                  <a:tcPr marL="66675" marR="66675" marT="66675" marB="66675" anchor="ctr">
+                    <a:lnL cmpd="sng" algn="ctr" cap="flat" w="19050">
+                      <a:solidFill>
+                        <a:srgbClr val="000000"/>
+                      </a:solidFill>
+                      <a:prstDash val="solid"/>
+                      <a:round/>
+                      <a:headEnd type="none" w="med" len="med"/>
+                      <a:tailEnd type="none" w="med" len="med"/>
+                    </a:lnL>
+                    <a:lnR cmpd="sng" algn="ctr" cap="flat" w="19050">
+                      <a:solidFill>
+                        <a:srgbClr val="000000"/>
+                      </a:solidFill>
+                      <a:prstDash val="solid"/>
+                      <a:round/>
+                      <a:headEnd type="none" w="med" len="med"/>
+                      <a:tailEnd type="none" w="med" len="med"/>
+                    </a:lnR>
+                    <a:lnT cmpd="sng" algn="ctr" cap="flat" w="19050">
+                      <a:solidFill>
+                        <a:srgbClr val="000000"/>
+                      </a:solidFill>
+                      <a:prstDash val="solid"/>
+                      <a:round/>
+                      <a:headEnd type="none" w="med" len="med"/>
+                      <a:tailEnd type="none" w="med" len="med"/>
+                    </a:lnT>
+                    <a:lnB cmpd="sng" algn="ctr" cap="flat" w="19050">
+                      <a:solidFill>
+                        <a:srgbClr val="000000"/>
+                      </a:solidFill>
+                      <a:prstDash val="solid"/>
+                      <a:round/>
+                      <a:headEnd type="none" w="med" len="med"/>
+                      <a:tailEnd type="none" w="med" len="med"/>
+                    </a:lnB>
+                    <a:solidFill>
+                      <a:srgbClr val="F1E3E3"/>
+                    </a:solidFill>
+                  </a:tcPr>
+                </a:tc>
+                <a:tc>
+                  <a:txBody>
+                    <a:bodyPr anchor="t" rtlCol="false"/>
+                    <a:lstStyle/>
+                    <a:p>
+                      <a:pPr algn="l">
+                        <a:lnSpc>
+                          <a:spcPts val="2227"/>
+                        </a:lnSpc>
+                        <a:defRPr/>
+                      </a:pPr>
+                      <a:r>
+                        <a:rPr lang="en-US" sz="1591">
+                          <a:solidFill>
+                            <a:srgbClr val="000000"/>
+                          </a:solidFill>
+                          <a:latin typeface="Agrandir"/>
+                          <a:ea typeface="Agrandir"/>
+                          <a:cs typeface="Agrandir"/>
+                          <a:sym typeface="Agrandir"/>
+                        </a:rPr>
+                        <a:t>Evaluates the degree to which the engine can integrate with diverse platforms, databases, and interfaces, ensuring seamless communication and data exchange.</a:t>
+                      </a:r>
+                      <a:endParaRPr lang="en-US" sz="1100"/>
+                    </a:p>
+                  </a:txBody>
+                  <a:tcPr marL="66675" marR="66675" marT="66675" marB="66675" anchor="ctr">
+                    <a:lnL cmpd="sng" algn="ctr" cap="flat" w="19050">
+                      <a:solidFill>
+                        <a:srgbClr val="000000"/>
+                      </a:solidFill>
+                      <a:prstDash val="solid"/>
+                      <a:round/>
+                      <a:headEnd type="none" w="med" len="med"/>
+                      <a:tailEnd type="none" w="med" len="med"/>
+                    </a:lnL>
+                    <a:lnR cmpd="sng" algn="ctr" cap="flat" w="19050">
+                      <a:solidFill>
+                        <a:srgbClr val="000000"/>
+                      </a:solidFill>
+                      <a:prstDash val="solid"/>
+                      <a:round/>
+                      <a:headEnd type="none" w="med" len="med"/>
+                      <a:tailEnd type="none" w="med" len="med"/>
+                    </a:lnR>
+                    <a:lnT cmpd="sng" algn="ctr" cap="flat" w="19050">
+                      <a:solidFill>
+                        <a:srgbClr val="000000"/>
+                      </a:solidFill>
+                      <a:prstDash val="solid"/>
+                      <a:round/>
+                      <a:headEnd type="none" w="med" len="med"/>
+                      <a:tailEnd type="none" w="med" len="med"/>
+                    </a:lnT>
+                    <a:lnB cmpd="sng" algn="ctr" cap="flat" w="19050">
+                      <a:solidFill>
+                        <a:srgbClr val="000000"/>
+                      </a:solidFill>
+                      <a:prstDash val="solid"/>
+                      <a:round/>
+                      <a:headEnd type="none" w="med" len="med"/>
+                      <a:tailEnd type="none" w="med" len="med"/>
+                    </a:lnB>
+                    <a:solidFill>
+                      <a:srgbClr val="FFFFFF"/>
+                    </a:solidFill>
+                  </a:tcPr>
+                </a:tc>
+                <a:tc>
+                  <a:txBody>
+                    <a:bodyPr anchor="t" rtlCol="false"/>
+                    <a:lstStyle/>
+                    <a:p>
+                      <a:pPr algn="l">
+                        <a:lnSpc>
+                          <a:spcPts val="2227"/>
+                        </a:lnSpc>
+                        <a:defRPr/>
+                      </a:pPr>
+                      <a:r>
+                        <a:rPr lang="en-US" sz="1591">
+                          <a:solidFill>
+                            <a:srgbClr val="000000"/>
+                          </a:solidFill>
+                          <a:latin typeface="Agrandir"/>
+                          <a:ea typeface="Agrandir"/>
+                          <a:cs typeface="Agrandir"/>
+                          <a:sym typeface="Agrandir"/>
+                        </a:rPr>
+                        <a:t>- Successful interoperability tests with external APIs- Backward compatibility with previous versions</a:t>
+                      </a:r>
+                      <a:endParaRPr lang="en-US" sz="1100"/>
+                    </a:p>
+                  </a:txBody>
+                  <a:tcPr marL="66675" marR="66675" marT="66675" marB="66675" anchor="ctr">
+                    <a:lnL cmpd="sng" algn="ctr" cap="flat" w="19050">
+                      <a:solidFill>
+                        <a:srgbClr val="000000"/>
+                      </a:solidFill>
+                      <a:prstDash val="solid"/>
+                      <a:round/>
+                      <a:headEnd type="none" w="med" len="med"/>
+                      <a:tailEnd type="none" w="med" len="med"/>
+                    </a:lnL>
+                    <a:lnR cmpd="sng" algn="ctr" cap="flat" w="19050">
+                      <a:solidFill>
+                        <a:srgbClr val="000000"/>
+                      </a:solidFill>
+                      <a:prstDash val="solid"/>
+                      <a:round/>
+                      <a:headEnd type="none" w="med" len="med"/>
+                      <a:tailEnd type="none" w="med" len="med"/>
+                    </a:lnR>
+                    <a:lnT cmpd="sng" algn="ctr" cap="flat" w="19050">
+                      <a:solidFill>
+                        <a:srgbClr val="000000"/>
+                      </a:solidFill>
+                      <a:prstDash val="solid"/>
+                      <a:round/>
+                      <a:headEnd type="none" w="med" len="med"/>
+                      <a:tailEnd type="none" w="med" len="med"/>
+                    </a:lnT>
+                    <a:lnB cmpd="sng" algn="ctr" cap="flat" w="19050">
+                      <a:solidFill>
+                        <a:srgbClr val="000000"/>
+                      </a:solidFill>
+                      <a:prstDash val="solid"/>
+                      <a:round/>
+                      <a:headEnd type="none" w="med" len="med"/>
+                      <a:tailEnd type="none" w="med" len="med"/>
+                    </a:lnB>
+                    <a:solidFill>
+                      <a:srgbClr val="FFFFFF"/>
+                    </a:solidFill>
+                  </a:tcPr>
+                </a:tc>
+                <a:tc>
+                  <a:txBody>
+                    <a:bodyPr anchor="t" rtlCol="false"/>
+                    <a:lstStyle/>
+                    <a:p>
+                      <a:pPr algn="l">
+                        <a:lnSpc>
+                          <a:spcPts val="2227"/>
+                        </a:lnSpc>
+                        <a:defRPr/>
+                      </a:pPr>
+                      <a:r>
+                        <a:rPr lang="en-US" sz="1591">
+                          <a:solidFill>
+                            <a:srgbClr val="000000"/>
+                          </a:solidFill>
+                          <a:latin typeface="Agrandir"/>
+                          <a:ea typeface="Agrandir"/>
+                          <a:cs typeface="Agrandir"/>
+                          <a:sym typeface="Agrandir"/>
+                        </a:rPr>
+                        <a:t>2</a:t>
+                      </a:r>
+                      <a:endParaRPr lang="en-US" sz="1100"/>
+                    </a:p>
+                  </a:txBody>
+                  <a:tcPr marL="66675" marR="66675" marT="66675" marB="66675" anchor="ctr">
+                    <a:lnL cmpd="sng" algn="ctr" cap="flat" w="19050">
+                      <a:solidFill>
+                        <a:srgbClr val="000000"/>
+                      </a:solidFill>
+                      <a:prstDash val="solid"/>
+                      <a:round/>
+                      <a:headEnd type="none" w="med" len="med"/>
+                      <a:tailEnd type="none" w="med" len="med"/>
+                    </a:lnL>
+                    <a:lnR cmpd="sng" algn="ctr" cap="flat" w="19050">
+                      <a:solidFill>
+                        <a:srgbClr val="000000"/>
+                      </a:solidFill>
+                      <a:prstDash val="solid"/>
+                      <a:round/>
+                      <a:headEnd type="none" w="med" len="med"/>
+                      <a:tailEnd type="none" w="med" len="med"/>
+                    </a:lnR>
+                    <a:lnT cmpd="sng" algn="ctr" cap="flat" w="19050">
+                      <a:solidFill>
+                        <a:srgbClr val="000000"/>
+                      </a:solidFill>
+                      <a:prstDash val="solid"/>
+                      <a:round/>
+                      <a:headEnd type="none" w="med" len="med"/>
+                      <a:tailEnd type="none" w="med" len="med"/>
+                    </a:lnT>
+                    <a:lnB cmpd="sng" algn="ctr" cap="flat" w="19050">
+                      <a:solidFill>
+                        <a:srgbClr val="000000"/>
+                      </a:solidFill>
+                      <a:prstDash val="solid"/>
+                      <a:round/>
+                      <a:headEnd type="none" w="med" len="med"/>
+                      <a:tailEnd type="none" w="med" len="med"/>
+                    </a:lnB>
+                    <a:solidFill>
+                      <a:srgbClr val="FFFFFF"/>
+                    </a:solidFill>
+                  </a:tcPr>
+                </a:tc>
+                <a:tc>
+                  <a:txBody>
+                    <a:bodyPr anchor="t" rtlCol="false"/>
+                    <a:lstStyle/>
+                    <a:p>
+                      <a:pPr algn="l">
+                        <a:lnSpc>
+                          <a:spcPts val="2227"/>
+                        </a:lnSpc>
+                        <a:defRPr/>
+                      </a:pPr>
+                      <a:r>
+                        <a:rPr lang="en-US" sz="1591">
+                          <a:solidFill>
+                            <a:srgbClr val="000000"/>
+                          </a:solidFill>
+                          <a:latin typeface="Agrandir"/>
+                          <a:ea typeface="Agrandir"/>
+                          <a:cs typeface="Agrandir"/>
+                          <a:sym typeface="Agrandir"/>
+                        </a:rPr>
+                        <a:t>2</a:t>
+                      </a:r>
+                      <a:endParaRPr lang="en-US" sz="1100"/>
+                    </a:p>
+                  </a:txBody>
+                  <a:tcPr marL="66675" marR="66675" marT="66675" marB="66675" anchor="ctr">
+                    <a:lnL cmpd="sng" algn="ctr" cap="flat" w="19050">
+                      <a:solidFill>
+                        <a:srgbClr val="000000"/>
+                      </a:solidFill>
+                      <a:prstDash val="solid"/>
+                      <a:round/>
+                      <a:headEnd type="none" w="med" len="med"/>
+                      <a:tailEnd type="none" w="med" len="med"/>
+                    </a:lnL>
+                    <a:lnR cmpd="sng" algn="ctr" cap="flat" w="19050">
+                      <a:solidFill>
+                        <a:srgbClr val="000000"/>
+                      </a:solidFill>
+                      <a:prstDash val="solid"/>
+                      <a:round/>
+                      <a:headEnd type="none" w="med" len="med"/>
+                      <a:tailEnd type="none" w="med" len="med"/>
+                    </a:lnR>
+                    <a:lnT cmpd="sng" algn="ctr" cap="flat" w="19050">
+                      <a:solidFill>
+                        <a:srgbClr val="000000"/>
+                      </a:solidFill>
+                      <a:prstDash val="solid"/>
+                      <a:round/>
+                      <a:headEnd type="none" w="med" len="med"/>
+                      <a:tailEnd type="none" w="med" len="med"/>
+                    </a:lnT>
+                    <a:lnB cmpd="sng" algn="ctr" cap="flat" w="19050">
+                      <a:solidFill>
+                        <a:srgbClr val="000000"/>
+                      </a:solidFill>
+                      <a:prstDash val="solid"/>
+                      <a:round/>
+                      <a:headEnd type="none" w="med" len="med"/>
+                      <a:tailEnd type="none" w="med" len="med"/>
+                    </a:lnB>
+                    <a:solidFill>
+                      <a:srgbClr val="FFFFFF"/>
+                    </a:solidFill>
+                  </a:tcPr>
+                </a:tc>
+                <a:tc>
+                  <a:txBody>
+                    <a:bodyPr anchor="t" rtlCol="false"/>
+                    <a:lstStyle/>
+                    <a:p>
+                      <a:pPr algn="l">
+                        <a:lnSpc>
+                          <a:spcPts val="2227"/>
+                        </a:lnSpc>
+                        <a:defRPr/>
+                      </a:pPr>
+                      <a:r>
+                        <a:rPr lang="en-US" sz="1591">
+                          <a:solidFill>
+                            <a:srgbClr val="000000"/>
+                          </a:solidFill>
+                          <a:latin typeface="Agrandir"/>
+                          <a:ea typeface="Agrandir"/>
+                          <a:cs typeface="Agrandir"/>
+                          <a:sym typeface="Agrandir"/>
+                        </a:rPr>
+                        <a:t>10</a:t>
+                      </a:r>
+                      <a:endParaRPr lang="en-US" sz="1100"/>
+                    </a:p>
+                  </a:txBody>
+                  <a:tcPr marL="66675" marR="66675" marT="66675" marB="66675" anchor="ctr">
+                    <a:lnL cmpd="sng" algn="ctr" cap="flat" w="19050">
+                      <a:solidFill>
+                        <a:srgbClr val="000000"/>
+                      </a:solidFill>
+                      <a:prstDash val="solid"/>
+                      <a:round/>
+                      <a:headEnd type="none" w="med" len="med"/>
+                      <a:tailEnd type="none" w="med" len="med"/>
+                    </a:lnL>
+                    <a:lnR cmpd="sng" algn="ctr" cap="flat" w="19050">
+                      <a:solidFill>
+                        <a:srgbClr val="000000"/>
+                      </a:solidFill>
+                      <a:prstDash val="solid"/>
+                      <a:round/>
+                      <a:headEnd type="none" w="med" len="med"/>
+                      <a:tailEnd type="none" w="med" len="med"/>
+                    </a:lnR>
+                    <a:lnT cmpd="sng" algn="ctr" cap="flat" w="19050">
+                      <a:solidFill>
+                        <a:srgbClr val="000000"/>
+                      </a:solidFill>
+                      <a:prstDash val="solid"/>
+                      <a:round/>
+                      <a:headEnd type="none" w="med" len="med"/>
+                      <a:tailEnd type="none" w="med" len="med"/>
+                    </a:lnT>
+                    <a:lnB cmpd="sng" algn="ctr" cap="flat" w="19050">
+                      <a:solidFill>
+                        <a:srgbClr val="000000"/>
+                      </a:solidFill>
+                      <a:prstDash val="solid"/>
+                      <a:round/>
+                      <a:headEnd type="none" w="med" len="med"/>
+                      <a:tailEnd type="none" w="med" len="med"/>
+                    </a:lnB>
+                    <a:solidFill>
+                      <a:srgbClr val="FFFFFF"/>
+                    </a:solidFill>
+                  </a:tcPr>
+                </a:tc>
+                <a:tc>
+                  <a:txBody>
+                    <a:bodyPr anchor="t" rtlCol="false"/>
+                    <a:lstStyle/>
+                    <a:p>
+                      <a:pPr algn="l">
+                        <a:lnSpc>
+                          <a:spcPts val="2227"/>
+                        </a:lnSpc>
+                        <a:defRPr/>
+                      </a:pPr>
+                      <a:r>
+                        <a:rPr lang="en-US" sz="1591">
+                          <a:solidFill>
+                            <a:srgbClr val="000000"/>
+                          </a:solidFill>
+                          <a:latin typeface="Agrandir"/>
+                          <a:ea typeface="Agrandir"/>
+                          <a:cs typeface="Agrandir"/>
+                          <a:sym typeface="Agrandir"/>
+                        </a:rPr>
+                        <a:t>(2 + 2) × 10 = </a:t>
+                      </a:r>
+                      <a:r>
+                        <a:rPr lang="en-US" sz="1591" b="true">
+                          <a:solidFill>
+                            <a:srgbClr val="000000"/>
+                          </a:solidFill>
+                          <a:latin typeface="Agrandir Bold"/>
+                          <a:ea typeface="Agrandir Bold"/>
+                          <a:cs typeface="Agrandir Bold"/>
+                          <a:sym typeface="Agrandir Bold"/>
+                        </a:rPr>
+                        <a:t>40</a:t>
+                      </a:r>
+                      <a:endParaRPr lang="en-US" sz="1100"/>
+                    </a:p>
+                  </a:txBody>
+                  <a:tcPr marL="66675" marR="66675" marT="66675" marB="66675" anchor="ctr">
+                    <a:lnL cmpd="sng" algn="ctr" cap="flat" w="19050">
+                      <a:solidFill>
+                        <a:srgbClr val="000000"/>
+                      </a:solidFill>
+                      <a:prstDash val="solid"/>
+                      <a:round/>
+                      <a:headEnd type="none" w="med" len="med"/>
+                      <a:tailEnd type="none" w="med" len="med"/>
+                    </a:lnL>
+                    <a:lnR cmpd="sng" algn="ctr" cap="flat" w="19050">
+                      <a:solidFill>
+                        <a:srgbClr val="000000"/>
+                      </a:solidFill>
+                      <a:prstDash val="solid"/>
+                      <a:round/>
+                      <a:headEnd type="none" w="med" len="med"/>
+                      <a:tailEnd type="none" w="med" len="med"/>
+                    </a:lnR>
+                    <a:lnT cmpd="sng" algn="ctr" cap="flat" w="19050">
+                      <a:solidFill>
+                        <a:srgbClr val="000000"/>
+                      </a:solidFill>
+                      <a:prstDash val="solid"/>
+                      <a:round/>
+                      <a:headEnd type="none" w="med" len="med"/>
+                      <a:tailEnd type="none" w="med" len="med"/>
+                    </a:lnT>
+                    <a:lnB cmpd="sng" algn="ctr" cap="flat" w="19050">
+                      <a:solidFill>
+                        <a:srgbClr val="000000"/>
+                      </a:solidFill>
+                      <a:prstDash val="solid"/>
+                      <a:round/>
+                      <a:headEnd type="none" w="med" len="med"/>
+                      <a:tailEnd type="none" w="med" len="med"/>
+                    </a:lnB>
+                    <a:solidFill>
+                      <a:srgbClr val="FFFFFF"/>
+                    </a:solidFill>
+                  </a:tcPr>
+                </a:tc>
+              </a:tr>
+              <a:tr h="1298147">
+                <a:tc>
+                  <a:txBody>
+                    <a:bodyPr anchor="t" rtlCol="false"/>
+                    <a:lstStyle/>
+                    <a:p>
+                      <a:pPr algn="l">
+                        <a:lnSpc>
+                          <a:spcPts val="2227"/>
+                        </a:lnSpc>
+                        <a:defRPr/>
+                      </a:pPr>
+                      <a:r>
+                        <a:rPr lang="en-US" sz="1591" b="true">
+                          <a:solidFill>
+                            <a:srgbClr val="000000"/>
+                          </a:solidFill>
+                          <a:latin typeface="Agrandir Bold"/>
+                          <a:ea typeface="Agrandir Bold"/>
+                          <a:cs typeface="Agrandir Bold"/>
+                          <a:sym typeface="Agrandir Bold"/>
+                        </a:rPr>
+                        <a:t>Usability</a:t>
+                      </a:r>
+                      <a:endParaRPr lang="en-US" sz="1100"/>
+                    </a:p>
+                  </a:txBody>
+                  <a:tcPr marL="66675" marR="66675" marT="66675" marB="66675" anchor="ctr">
+                    <a:lnL cmpd="sng" algn="ctr" cap="flat" w="19050">
+                      <a:solidFill>
+                        <a:srgbClr val="000000"/>
+                      </a:solidFill>
+                      <a:prstDash val="solid"/>
+                      <a:round/>
+                      <a:headEnd type="none" w="med" len="med"/>
+                      <a:tailEnd type="none" w="med" len="med"/>
+                    </a:lnL>
+                    <a:lnR cmpd="sng" algn="ctr" cap="flat" w="19050">
+                      <a:solidFill>
+                        <a:srgbClr val="000000"/>
+                      </a:solidFill>
+                      <a:prstDash val="solid"/>
+                      <a:round/>
+                      <a:headEnd type="none" w="med" len="med"/>
+                      <a:tailEnd type="none" w="med" len="med"/>
+                    </a:lnR>
+                    <a:lnT cmpd="sng" algn="ctr" cap="flat" w="19050">
+                      <a:solidFill>
+                        <a:srgbClr val="000000"/>
+                      </a:solidFill>
+                      <a:prstDash val="solid"/>
+                      <a:round/>
+                      <a:headEnd type="none" w="med" len="med"/>
+                      <a:tailEnd type="none" w="med" len="med"/>
+                    </a:lnT>
+                    <a:lnB cmpd="sng" algn="ctr" cap="flat" w="19050">
+                      <a:solidFill>
+                        <a:srgbClr val="000000"/>
+                      </a:solidFill>
+                      <a:prstDash val="solid"/>
+                      <a:round/>
+                      <a:headEnd type="none" w="med" len="med"/>
+                      <a:tailEnd type="none" w="med" len="med"/>
+                    </a:lnB>
+                    <a:solidFill>
+                      <a:srgbClr val="F1E3E3"/>
+                    </a:solidFill>
+                  </a:tcPr>
+                </a:tc>
+                <a:tc>
+                  <a:txBody>
+                    <a:bodyPr anchor="t" rtlCol="false"/>
+                    <a:lstStyle/>
+                    <a:p>
+                      <a:pPr algn="l">
+                        <a:lnSpc>
+                          <a:spcPts val="2227"/>
+                        </a:lnSpc>
+                        <a:defRPr/>
+                      </a:pPr>
+                      <a:r>
+                        <a:rPr lang="en-US" sz="1591">
+                          <a:solidFill>
+                            <a:srgbClr val="000000"/>
+                          </a:solidFill>
+                          <a:latin typeface="Agrandir"/>
+                          <a:ea typeface="Agrandir"/>
+                          <a:cs typeface="Agrandir"/>
+                          <a:sym typeface="Agrandir"/>
+                        </a:rPr>
+                        <a:t>Assesses how intuitive and user-friendly the system’s interfaces are for both end users and possibly system administrators, directly impacting user satisfaction and adoption rates.</a:t>
+                      </a:r>
+                      <a:endParaRPr lang="en-US" sz="1100"/>
+                    </a:p>
+                  </a:txBody>
+                  <a:tcPr marL="66675" marR="66675" marT="66675" marB="66675" anchor="ctr">
+                    <a:lnL cmpd="sng" algn="ctr" cap="flat" w="19050">
+                      <a:solidFill>
+                        <a:srgbClr val="000000"/>
+                      </a:solidFill>
+                      <a:prstDash val="solid"/>
+                      <a:round/>
+                      <a:headEnd type="none" w="med" len="med"/>
+                      <a:tailEnd type="none" w="med" len="med"/>
+                    </a:lnL>
+                    <a:lnR cmpd="sng" algn="ctr" cap="flat" w="19050">
+                      <a:solidFill>
+                        <a:srgbClr val="000000"/>
+                      </a:solidFill>
+                      <a:prstDash val="solid"/>
+                      <a:round/>
+                      <a:headEnd type="none" w="med" len="med"/>
+                      <a:tailEnd type="none" w="med" len="med"/>
+                    </a:lnR>
+                    <a:lnT cmpd="sng" algn="ctr" cap="flat" w="19050">
+                      <a:solidFill>
+                        <a:srgbClr val="000000"/>
+                      </a:solidFill>
+                      <a:prstDash val="solid"/>
+                      <a:round/>
+                      <a:headEnd type="none" w="med" len="med"/>
+                      <a:tailEnd type="none" w="med" len="med"/>
+                    </a:lnT>
+                    <a:lnB cmpd="sng" algn="ctr" cap="flat" w="19050">
+                      <a:solidFill>
+                        <a:srgbClr val="000000"/>
+                      </a:solidFill>
+                      <a:prstDash val="solid"/>
+                      <a:round/>
+                      <a:headEnd type="none" w="med" len="med"/>
+                      <a:tailEnd type="none" w="med" len="med"/>
+                    </a:lnB>
+                    <a:solidFill>
+                      <a:srgbClr val="FFFFFF"/>
+                    </a:solidFill>
+                  </a:tcPr>
+                </a:tc>
+                <a:tc>
+                  <a:txBody>
+                    <a:bodyPr anchor="t" rtlCol="false"/>
+                    <a:lstStyle/>
+                    <a:p>
+                      <a:pPr algn="l">
+                        <a:lnSpc>
+                          <a:spcPts val="2227"/>
+                        </a:lnSpc>
+                        <a:defRPr/>
+                      </a:pPr>
+                      <a:r>
+                        <a:rPr lang="en-US" sz="1591">
+                          <a:solidFill>
+                            <a:srgbClr val="000000"/>
+                          </a:solidFill>
+                          <a:latin typeface="Agrandir"/>
+                          <a:ea typeface="Agrandir"/>
+                          <a:cs typeface="Agrandir"/>
+                          <a:sym typeface="Agrandir"/>
+                        </a:rPr>
+                        <a:t>- User satisfaction surveys ≥ 4/5- Task completion rate in usability tests</a:t>
+                      </a:r>
+                      <a:endParaRPr lang="en-US" sz="1100"/>
+                    </a:p>
+                  </a:txBody>
+                  <a:tcPr marL="66675" marR="66675" marT="66675" marB="66675" anchor="ctr">
+                    <a:lnL cmpd="sng" algn="ctr" cap="flat" w="19050">
+                      <a:solidFill>
+                        <a:srgbClr val="000000"/>
+                      </a:solidFill>
+                      <a:prstDash val="solid"/>
+                      <a:round/>
+                      <a:headEnd type="none" w="med" len="med"/>
+                      <a:tailEnd type="none" w="med" len="med"/>
+                    </a:lnL>
+                    <a:lnR cmpd="sng" algn="ctr" cap="flat" w="19050">
+                      <a:solidFill>
+                        <a:srgbClr val="000000"/>
+                      </a:solidFill>
+                      <a:prstDash val="solid"/>
+                      <a:round/>
+                      <a:headEnd type="none" w="med" len="med"/>
+                      <a:tailEnd type="none" w="med" len="med"/>
+                    </a:lnR>
+                    <a:lnT cmpd="sng" algn="ctr" cap="flat" w="19050">
+                      <a:solidFill>
+                        <a:srgbClr val="000000"/>
+                      </a:solidFill>
+                      <a:prstDash val="solid"/>
+                      <a:round/>
+                      <a:headEnd type="none" w="med" len="med"/>
+                      <a:tailEnd type="none" w="med" len="med"/>
+                    </a:lnT>
+                    <a:lnB cmpd="sng" algn="ctr" cap="flat" w="19050">
+                      <a:solidFill>
+                        <a:srgbClr val="000000"/>
+                      </a:solidFill>
+                      <a:prstDash val="solid"/>
+                      <a:round/>
+                      <a:headEnd type="none" w="med" len="med"/>
+                      <a:tailEnd type="none" w="med" len="med"/>
+                    </a:lnB>
+                    <a:solidFill>
+                      <a:srgbClr val="FFFFFF"/>
+                    </a:solidFill>
+                  </a:tcPr>
+                </a:tc>
+                <a:tc>
+                  <a:txBody>
+                    <a:bodyPr anchor="t" rtlCol="false"/>
+                    <a:lstStyle/>
+                    <a:p>
+                      <a:pPr algn="l">
                         <a:lnSpc>
                           <a:spcPts val="2227"/>
                         </a:lnSpc>
@@ -15471,7 +17374,7 @@
                       <a:endParaRPr lang="en-US" sz="1100"/>
                     </a:p>
                   </a:txBody>
-                  <a:tcPr marL="76200" marR="76200" marT="76200" marB="76200" anchor="ctr">
+                  <a:tcPr marL="66675" marR="66675" marT="66675" marB="66675" anchor="ctr">
                     <a:lnL cmpd="sng" algn="ctr" cap="flat" w="19050">
                       <a:solidFill>
                         <a:srgbClr val="000000"/>
@@ -15518,7 +17421,7 @@
                     <a:bodyPr anchor="t" rtlCol="false"/>
                     <a:lstStyle/>
                     <a:p>
-                      <a:pPr algn="ctr">
+                      <a:pPr algn="l">
                         <a:lnSpc>
                           <a:spcPts val="2227"/>
                         </a:lnSpc>
@@ -15539,7 +17442,7 @@
                       <a:endParaRPr lang="en-US" sz="1100"/>
                     </a:p>
                   </a:txBody>
-                  <a:tcPr marL="76200" marR="76200" marT="76200" marB="76200" anchor="ctr">
+                  <a:tcPr marL="66675" marR="66675" marT="66675" marB="66675" anchor="ctr">
                     <a:lnL cmpd="sng" algn="ctr" cap="flat" w="19050">
                       <a:solidFill>
                         <a:srgbClr val="000000"/>
@@ -15586,7 +17489,7 @@
                     <a:bodyPr anchor="t" rtlCol="false"/>
                     <a:lstStyle/>
                     <a:p>
-                      <a:pPr algn="ctr">
+                      <a:pPr algn="l">
                         <a:lnSpc>
                           <a:spcPts val="2227"/>
                         </a:lnSpc>
@@ -15602,12 +17505,12 @@
                           <a:cs typeface="Agrandir"/>
                           <a:sym typeface="Agrandir"/>
                         </a:rPr>
-                        <a:t>25</a:t>
+                        <a:t>15</a:t>
                       </a:r>
                       <a:endParaRPr lang="en-US" sz="1100"/>
                     </a:p>
                   </a:txBody>
-                  <a:tcPr marL="76200" marR="76200" marT="76200" marB="76200" anchor="ctr">
+                  <a:tcPr marL="66675" marR="66675" marT="66675" marB="66675" anchor="ctr">
                     <a:lnL cmpd="sng" algn="ctr" cap="flat" w="19050">
                       <a:solidFill>
                         <a:srgbClr val="000000"/>
@@ -15670,7 +17573,7 @@
                           <a:cs typeface="Agrandir"/>
                           <a:sym typeface="Agrandir"/>
                         </a:rPr>
-                        <a:t>(3 + 2) × 25 =</a:t>
+                        <a:t>(3 + 2) × 15 = </a:t>
                       </a:r>
                       <a:r>
                         <a:rPr lang="en-US" sz="1591" b="true">
@@ -15682,12 +17585,12 @@
                           <a:cs typeface="Agrandir Bold"/>
                           <a:sym typeface="Agrandir Bold"/>
                         </a:rPr>
-                        <a:t> 125</a:t>
+                        <a:t>75</a:t>
                       </a:r>
                       <a:endParaRPr lang="en-US" sz="1100"/>
                     </a:p>
                   </a:txBody>
-                  <a:tcPr marL="76200" marR="76200" marT="76200" marB="76200" anchor="ctr">
+                  <a:tcPr marL="66675" marR="66675" marT="66675" marB="66675" anchor="ctr">
                     <a:lnL cmpd="sng" algn="ctr" cap="flat" w="19050">
                       <a:solidFill>
                         <a:srgbClr val="000000"/>
@@ -15730,7 +17633,7 @@
                   </a:tcPr>
                 </a:tc>
               </a:tr>
-              <a:tr h="1317281">
+              <a:tr h="1021337">
                 <a:tc>
                   <a:txBody>
                     <a:bodyPr anchor="t" rtlCol="false"/>
@@ -15752,12 +17655,12 @@
                           <a:cs typeface="Agrandir Bold"/>
                           <a:sym typeface="Agrandir Bold"/>
                         </a:rPr>
-                        <a:t>Scalability</a:t>
+                        <a:t>Availability</a:t>
                       </a:r>
                       <a:endParaRPr lang="en-US" sz="1100"/>
                     </a:p>
                   </a:txBody>
-                  <a:tcPr marL="76200" marR="76200" marT="76200" marB="76200" anchor="ctr">
+                  <a:tcPr marL="66675" marR="66675" marT="66675" marB="66675" anchor="ctr">
                     <a:lnL cmpd="sng" algn="ctr" cap="flat" w="19050">
                       <a:solidFill>
                         <a:srgbClr val="000000"/>
@@ -15820,15 +17723,63 @@
                           <a:cs typeface="Agrandir"/>
                           <a:sym typeface="Agrandir"/>
                         </a:rPr>
-                        <a:t>Assesses the system’s capacity to handle significant increases in user and dish volume without noticeable performance</a:t>
+                        <a:t>Reflects the readiness of the system to serve recommendations whenever requested, minimizing downtime that disrupts user or business operations.</a:t>
                       </a:r>
                       <a:endParaRPr lang="en-US" sz="1100"/>
                     </a:p>
+                  </a:txBody>
+                  <a:tcPr marL="66675" marR="66675" marT="66675" marB="66675" anchor="ctr">
+                    <a:lnL cmpd="sng" algn="ctr" cap="flat" w="19050">
+                      <a:solidFill>
+                        <a:srgbClr val="000000"/>
+                      </a:solidFill>
+                      <a:prstDash val="solid"/>
+                      <a:round/>
+                      <a:headEnd type="none" w="med" len="med"/>
+                      <a:tailEnd type="none" w="med" len="med"/>
+                    </a:lnL>
+                    <a:lnR cmpd="sng" algn="ctr" cap="flat" w="19050">
+                      <a:solidFill>
+                        <a:srgbClr val="000000"/>
+                      </a:solidFill>
+                      <a:prstDash val="solid"/>
+                      <a:round/>
+                      <a:headEnd type="none" w="med" len="med"/>
+                      <a:tailEnd type="none" w="med" len="med"/>
+                    </a:lnR>
+                    <a:lnT cmpd="sng" algn="ctr" cap="flat" w="19050">
+                      <a:solidFill>
+                        <a:srgbClr val="000000"/>
+                      </a:solidFill>
+                      <a:prstDash val="solid"/>
+                      <a:round/>
+                      <a:headEnd type="none" w="med" len="med"/>
+                      <a:tailEnd type="none" w="med" len="med"/>
+                    </a:lnT>
+                    <a:lnB cmpd="sng" algn="ctr" cap="flat" w="19050">
+                      <a:solidFill>
+                        <a:srgbClr val="000000"/>
+                      </a:solidFill>
+                      <a:prstDash val="solid"/>
+                      <a:round/>
+                      <a:headEnd type="none" w="med" len="med"/>
+                      <a:tailEnd type="none" w="med" len="med"/>
+                    </a:lnB>
+                    <a:solidFill>
+                      <a:srgbClr val="FFFFFF"/>
+                    </a:solidFill>
+                  </a:tcPr>
+                </a:tc>
+                <a:tc>
+                  <a:txBody>
+                    <a:bodyPr anchor="t" rtlCol="false"/>
+                    <a:lstStyle/>
                     <a:p>
                       <a:pPr algn="l">
                         <a:lnSpc>
                           <a:spcPts val="2227"/>
                         </a:lnSpc>
+                        <a:defRPr/>
                       </a:pPr>
                       <a:r>
                         <a:rPr lang="en-US" sz="1591">
@@ -15840,11 +17791,12 @@
                           <a:cs typeface="Agrandir"/>
                           <a:sym typeface="Agrandir"/>
                         </a:rPr>
-                        <a:t>  degradation.</a:t>
+                        <a:t>- System uptime ≥ 99.9% (monthly)- Average recovery time after a crash/outage</a:t>
                       </a:r>
+                      <a:endParaRPr lang="en-US" sz="1100"/>
                     </a:p>
                   </a:txBody>
-                  <a:tcPr marL="76200" marR="76200" marT="76200" marB="76200" anchor="ctr">
+                  <a:tcPr marL="66675" marR="66675" marT="66675" marB="66675" anchor="ctr">
                     <a:lnL cmpd="sng" algn="ctr" cap="flat" w="19050">
                       <a:solidFill>
                         <a:srgbClr val="000000"/>
@@ -15907,31 +17859,12 @@
                           <a:cs typeface="Agrandir"/>
                           <a:sym typeface="Agrandir"/>
                         </a:rPr>
-                        <a:t>Ability to scale up to 10× load with minimal</a:t>
+                        <a:t>2</a:t>
                       </a:r>
                       <a:endParaRPr lang="en-US" sz="1100"/>
                     </a:p>
-                    <a:p>
-                      <a:pPr algn="l">
-                        <a:lnSpc>
-                          <a:spcPts val="2227"/>
-                        </a:lnSpc>
-                      </a:pPr>
-                      <a:r>
-                        <a:rPr lang="en-US" sz="1591">
-                          <a:solidFill>
-                            <a:srgbClr val="000000"/>
-                          </a:solidFill>
-                          <a:latin typeface="Agrandir"/>
-                          <a:ea typeface="Agrandir"/>
-                          <a:cs typeface="Agrandir"/>
-                          <a:sym typeface="Agrandir"/>
-                        </a:rPr>
-                        <a:t>  performance loss</a:t>
-                      </a:r>
-                    </a:p>
                   </a:txBody>
-                  <a:tcPr marL="76200" marR="76200" marT="76200" marB="76200" anchor="ctr">
+                  <a:tcPr marL="66675" marR="66675" marT="66675" marB="66675" anchor="ctr">
                     <a:lnL cmpd="sng" algn="ctr" cap="flat" w="19050">
                       <a:solidFill>
                         <a:srgbClr val="000000"/>
@@ -15978,7 +17911,7 @@
                     <a:bodyPr anchor="t" rtlCol="false"/>
                     <a:lstStyle/>
                     <a:p>
-                      <a:pPr algn="ctr">
+                      <a:pPr algn="l">
                         <a:lnSpc>
                           <a:spcPts val="2227"/>
                         </a:lnSpc>
@@ -15999,7 +17932,7 @@
                       <a:endParaRPr lang="en-US" sz="1100"/>
                     </a:p>
                   </a:txBody>
-                  <a:tcPr marL="76200" marR="76200" marT="76200" marB="76200" anchor="ctr">
+                  <a:tcPr marL="66675" marR="66675" marT="66675" marB="66675" anchor="ctr">
                     <a:lnL cmpd="sng" algn="ctr" cap="flat" w="19050">
                       <a:solidFill>
                         <a:srgbClr val="000000"/>
@@ -16046,584 +17979,7 @@
                     <a:bodyPr anchor="t" rtlCol="false"/>
                     <a:lstStyle/>
                     <a:p>
-                      <a:pPr algn="ctr">
-                        <a:lnSpc>
-                          <a:spcPts val="2227"/>
-                        </a:lnSpc>
-                        <a:defRPr/>
-                      </a:pPr>
-                      <a:r>
-                        <a:rPr lang="en-US" sz="1591">
-                          <a:solidFill>
-                            <a:srgbClr val="000000"/>
-                          </a:solidFill>
-                          <a:latin typeface="Agrandir"/>
-                          <a:ea typeface="Agrandir"/>
-                          <a:cs typeface="Agrandir"/>
-                          <a:sym typeface="Agrandir"/>
-                        </a:rPr>
-                        <a:t>3</a:t>
-                      </a:r>
-                      <a:endParaRPr lang="en-US" sz="1100"/>
-                    </a:p>
-                  </a:txBody>
-                  <a:tcPr marL="76200" marR="76200" marT="76200" marB="76200" anchor="ctr">
-                    <a:lnL cmpd="sng" algn="ctr" cap="flat" w="19050">
-                      <a:solidFill>
-                        <a:srgbClr val="000000"/>
-                      </a:solidFill>
-                      <a:prstDash val="solid"/>
-                      <a:round/>
-                      <a:headEnd type="none" w="med" len="med"/>
-                      <a:tailEnd type="none" w="med" len="med"/>
-                    </a:lnL>
-                    <a:lnR cmpd="sng" algn="ctr" cap="flat" w="19050">
-                      <a:solidFill>
-                        <a:srgbClr val="000000"/>
-                      </a:solidFill>
-                      <a:prstDash val="solid"/>
-                      <a:round/>
-                      <a:headEnd type="none" w="med" len="med"/>
-                      <a:tailEnd type="none" w="med" len="med"/>
-                    </a:lnR>
-                    <a:lnT cmpd="sng" algn="ctr" cap="flat" w="19050">
-                      <a:solidFill>
-                        <a:srgbClr val="000000"/>
-                      </a:solidFill>
-                      <a:prstDash val="solid"/>
-                      <a:round/>
-                      <a:headEnd type="none" w="med" len="med"/>
-                      <a:tailEnd type="none" w="med" len="med"/>
-                    </a:lnT>
-                    <a:lnB cmpd="sng" algn="ctr" cap="flat" w="19050">
-                      <a:solidFill>
-                        <a:srgbClr val="000000"/>
-                      </a:solidFill>
-                      <a:prstDash val="solid"/>
-                      <a:round/>
-                      <a:headEnd type="none" w="med" len="med"/>
-                      <a:tailEnd type="none" w="med" len="med"/>
-                    </a:lnB>
-                    <a:solidFill>
-                      <a:srgbClr val="FFFFFF"/>
-                    </a:solidFill>
-                  </a:tcPr>
-                </a:tc>
-                <a:tc>
-                  <a:txBody>
-                    <a:bodyPr anchor="t" rtlCol="false"/>
-                    <a:lstStyle/>
-                    <a:p>
-                      <a:pPr algn="ctr">
-                        <a:lnSpc>
-                          <a:spcPts val="2227"/>
-                        </a:lnSpc>
-                        <a:defRPr/>
-                      </a:pPr>
-                      <a:r>
-                        <a:rPr lang="en-US" sz="1591">
-                          <a:solidFill>
-                            <a:srgbClr val="000000"/>
-                          </a:solidFill>
-                          <a:latin typeface="Agrandir"/>
-                          <a:ea typeface="Agrandir"/>
-                          <a:cs typeface="Agrandir"/>
-                          <a:sym typeface="Agrandir"/>
-                        </a:rPr>
-                        <a:t>20</a:t>
-                      </a:r>
-                      <a:endParaRPr lang="en-US" sz="1100"/>
-                    </a:p>
-                  </a:txBody>
-                  <a:tcPr marL="76200" marR="76200" marT="76200" marB="76200" anchor="ctr">
-                    <a:lnL cmpd="sng" algn="ctr" cap="flat" w="19050">
-                      <a:solidFill>
-                        <a:srgbClr val="000000"/>
-                      </a:solidFill>
-                      <a:prstDash val="solid"/>
-                      <a:round/>
-                      <a:headEnd type="none" w="med" len="med"/>
-                      <a:tailEnd type="none" w="med" len="med"/>
-                    </a:lnL>
-                    <a:lnR cmpd="sng" algn="ctr" cap="flat" w="19050">
-                      <a:solidFill>
-                        <a:srgbClr val="000000"/>
-                      </a:solidFill>
-                      <a:prstDash val="solid"/>
-                      <a:round/>
-                      <a:headEnd type="none" w="med" len="med"/>
-                      <a:tailEnd type="none" w="med" len="med"/>
-                    </a:lnR>
-                    <a:lnT cmpd="sng" algn="ctr" cap="flat" w="19050">
-                      <a:solidFill>
-                        <a:srgbClr val="000000"/>
-                      </a:solidFill>
-                      <a:prstDash val="solid"/>
-                      <a:round/>
-                      <a:headEnd type="none" w="med" len="med"/>
-                      <a:tailEnd type="none" w="med" len="med"/>
-                    </a:lnT>
-                    <a:lnB cmpd="sng" algn="ctr" cap="flat" w="19050">
-                      <a:solidFill>
-                        <a:srgbClr val="000000"/>
-                      </a:solidFill>
-                      <a:prstDash val="solid"/>
-                      <a:round/>
-                      <a:headEnd type="none" w="med" len="med"/>
-                      <a:tailEnd type="none" w="med" len="med"/>
-                    </a:lnB>
-                    <a:solidFill>
-                      <a:srgbClr val="FFFFFF"/>
-                    </a:solidFill>
-                  </a:tcPr>
-                </a:tc>
-                <a:tc>
-                  <a:txBody>
-                    <a:bodyPr anchor="t" rtlCol="false"/>
-                    <a:lstStyle/>
-                    <a:p>
                       <a:pPr algn="l">
-                        <a:lnSpc>
-                          <a:spcPts val="2227"/>
-                        </a:lnSpc>
-                        <a:defRPr/>
-                      </a:pPr>
-                      <a:r>
-                        <a:rPr lang="en-US" sz="1591">
-                          <a:solidFill>
-                            <a:srgbClr val="000000"/>
-                          </a:solidFill>
-                          <a:latin typeface="Agrandir"/>
-                          <a:ea typeface="Agrandir"/>
-                          <a:cs typeface="Agrandir"/>
-                          <a:sym typeface="Agrandir"/>
-                        </a:rPr>
-                        <a:t>(3 + 3) × 20 = </a:t>
-                      </a:r>
-                      <a:r>
-                        <a:rPr lang="en-US" sz="1591" b="true">
-                          <a:solidFill>
-                            <a:srgbClr val="000000"/>
-                          </a:solidFill>
-                          <a:latin typeface="Agrandir Bold"/>
-                          <a:ea typeface="Agrandir Bold"/>
-                          <a:cs typeface="Agrandir Bold"/>
-                          <a:sym typeface="Agrandir Bold"/>
-                        </a:rPr>
-                        <a:t>120</a:t>
-                      </a:r>
-                      <a:endParaRPr lang="en-US" sz="1100"/>
-                    </a:p>
-                  </a:txBody>
-                  <a:tcPr marL="76200" marR="76200" marT="76200" marB="76200" anchor="ctr">
-                    <a:lnL cmpd="sng" algn="ctr" cap="flat" w="19050">
-                      <a:solidFill>
-                        <a:srgbClr val="000000"/>
-                      </a:solidFill>
-                      <a:prstDash val="solid"/>
-                      <a:round/>
-                      <a:headEnd type="none" w="med" len="med"/>
-                      <a:tailEnd type="none" w="med" len="med"/>
-                    </a:lnL>
-                    <a:lnR cmpd="sng" algn="ctr" cap="flat" w="19050">
-                      <a:solidFill>
-                        <a:srgbClr val="000000"/>
-                      </a:solidFill>
-                      <a:prstDash val="solid"/>
-                      <a:round/>
-                      <a:headEnd type="none" w="med" len="med"/>
-                      <a:tailEnd type="none" w="med" len="med"/>
-                    </a:lnR>
-                    <a:lnT cmpd="sng" algn="ctr" cap="flat" w="19050">
-                      <a:solidFill>
-                        <a:srgbClr val="000000"/>
-                      </a:solidFill>
-                      <a:prstDash val="solid"/>
-                      <a:round/>
-                      <a:headEnd type="none" w="med" len="med"/>
-                      <a:tailEnd type="none" w="med" len="med"/>
-                    </a:lnT>
-                    <a:lnB cmpd="sng" algn="ctr" cap="flat" w="19050">
-                      <a:solidFill>
-                        <a:srgbClr val="000000"/>
-                      </a:solidFill>
-                      <a:prstDash val="solid"/>
-                      <a:round/>
-                      <a:headEnd type="none" w="med" len="med"/>
-                      <a:tailEnd type="none" w="med" len="med"/>
-                    </a:lnB>
-                    <a:solidFill>
-                      <a:srgbClr val="FFFFFF"/>
-                    </a:solidFill>
-                  </a:tcPr>
-                </a:tc>
-              </a:tr>
-              <a:tr h="1317281">
-                <a:tc>
-                  <a:txBody>
-                    <a:bodyPr anchor="t" rtlCol="false"/>
-                    <a:lstStyle/>
-                    <a:p>
-                      <a:pPr algn="l">
-                        <a:lnSpc>
-                          <a:spcPts val="2227"/>
-                        </a:lnSpc>
-                        <a:defRPr/>
-                      </a:pPr>
-                      <a:r>
-                        <a:rPr lang="en-US" sz="1591" b="true">
-                          <a:solidFill>
-                            <a:srgbClr val="000000"/>
-                          </a:solidFill>
-                          <a:latin typeface="Agrandir Bold"/>
-                          <a:ea typeface="Agrandir Bold"/>
-                          <a:cs typeface="Agrandir Bold"/>
-                          <a:sym typeface="Agrandir Bold"/>
-                        </a:rPr>
-                        <a:t>Cold Start Handling</a:t>
-                      </a:r>
-                      <a:endParaRPr lang="en-US" sz="1100"/>
-                    </a:p>
-                  </a:txBody>
-                  <a:tcPr marL="76200" marR="76200" marT="76200" marB="76200" anchor="ctr">
-                    <a:lnL cmpd="sng" algn="ctr" cap="flat" w="19050">
-                      <a:solidFill>
-                        <a:srgbClr val="000000"/>
-                      </a:solidFill>
-                      <a:prstDash val="solid"/>
-                      <a:round/>
-                      <a:headEnd type="none" w="med" len="med"/>
-                      <a:tailEnd type="none" w="med" len="med"/>
-                    </a:lnL>
-                    <a:lnR cmpd="sng" algn="ctr" cap="flat" w="19050">
-                      <a:solidFill>
-                        <a:srgbClr val="000000"/>
-                      </a:solidFill>
-                      <a:prstDash val="solid"/>
-                      <a:round/>
-                      <a:headEnd type="none" w="med" len="med"/>
-                      <a:tailEnd type="none" w="med" len="med"/>
-                    </a:lnR>
-                    <a:lnT cmpd="sng" algn="ctr" cap="flat" w="19050">
-                      <a:solidFill>
-                        <a:srgbClr val="000000"/>
-                      </a:solidFill>
-                      <a:prstDash val="solid"/>
-                      <a:round/>
-                      <a:headEnd type="none" w="med" len="med"/>
-                      <a:tailEnd type="none" w="med" len="med"/>
-                    </a:lnT>
-                    <a:lnB cmpd="sng" algn="ctr" cap="flat" w="19050">
-                      <a:solidFill>
-                        <a:srgbClr val="000000"/>
-                      </a:solidFill>
-                      <a:prstDash val="solid"/>
-                      <a:round/>
-                      <a:headEnd type="none" w="med" len="med"/>
-                      <a:tailEnd type="none" w="med" len="med"/>
-                    </a:lnB>
-                    <a:solidFill>
-                      <a:srgbClr val="F1E3E3"/>
-                    </a:solidFill>
-                  </a:tcPr>
-                </a:tc>
-                <a:tc>
-                  <a:txBody>
-                    <a:bodyPr anchor="t" rtlCol="false"/>
-                    <a:lstStyle/>
-                    <a:p>
-                      <a:pPr algn="l">
-                        <a:lnSpc>
-                          <a:spcPts val="2227"/>
-                        </a:lnSpc>
-                        <a:defRPr/>
-                      </a:pPr>
-                      <a:r>
-                        <a:rPr lang="en-US" sz="1591">
-                          <a:solidFill>
-                            <a:srgbClr val="000000"/>
-                          </a:solidFill>
-                          <a:latin typeface="Agrandir"/>
-                          <a:ea typeface="Agrandir"/>
-                          <a:cs typeface="Agrandir"/>
-                          <a:sym typeface="Agrandir"/>
-                        </a:rPr>
-                        <a:t>Reviews the system’s effectiveness in generating relevant recommendations for new users or dishes with minimal historical data.</a:t>
-                      </a:r>
-                      <a:endParaRPr lang="en-US" sz="1100"/>
-                    </a:p>
-                  </a:txBody>
-                  <a:tcPr marL="76200" marR="76200" marT="76200" marB="76200" anchor="ctr">
-                    <a:lnL cmpd="sng" algn="ctr" cap="flat" w="19050">
-                      <a:solidFill>
-                        <a:srgbClr val="000000"/>
-                      </a:solidFill>
-                      <a:prstDash val="solid"/>
-                      <a:round/>
-                      <a:headEnd type="none" w="med" len="med"/>
-                      <a:tailEnd type="none" w="med" len="med"/>
-                    </a:lnL>
-                    <a:lnR cmpd="sng" algn="ctr" cap="flat" w="19050">
-                      <a:solidFill>
-                        <a:srgbClr val="000000"/>
-                      </a:solidFill>
-                      <a:prstDash val="solid"/>
-                      <a:round/>
-                      <a:headEnd type="none" w="med" len="med"/>
-                      <a:tailEnd type="none" w="med" len="med"/>
-                    </a:lnR>
-                    <a:lnT cmpd="sng" algn="ctr" cap="flat" w="19050">
-                      <a:solidFill>
-                        <a:srgbClr val="000000"/>
-                      </a:solidFill>
-                      <a:prstDash val="solid"/>
-                      <a:round/>
-                      <a:headEnd type="none" w="med" len="med"/>
-                      <a:tailEnd type="none" w="med" len="med"/>
-                    </a:lnT>
-                    <a:lnB cmpd="sng" algn="ctr" cap="flat" w="19050">
-                      <a:solidFill>
-                        <a:srgbClr val="000000"/>
-                      </a:solidFill>
-                      <a:prstDash val="solid"/>
-                      <a:round/>
-                      <a:headEnd type="none" w="med" len="med"/>
-                      <a:tailEnd type="none" w="med" len="med"/>
-                    </a:lnB>
-                    <a:solidFill>
-                      <a:srgbClr val="FFFFFF"/>
-                    </a:solidFill>
-                  </a:tcPr>
-                </a:tc>
-                <a:tc>
-                  <a:txBody>
-                    <a:bodyPr anchor="t" rtlCol="false"/>
-                    <a:lstStyle/>
-                    <a:p>
-                      <a:pPr algn="l">
-                        <a:lnSpc>
-                          <a:spcPts val="2227"/>
-                        </a:lnSpc>
-                        <a:defRPr/>
-                      </a:pPr>
-                      <a:r>
-                        <a:rPr lang="en-US" sz="1591">
-                          <a:solidFill>
-                            <a:srgbClr val="000000"/>
-                          </a:solidFill>
-                          <a:latin typeface="Agrandir"/>
-                          <a:ea typeface="Agrandir"/>
-                          <a:cs typeface="Agrandir"/>
-                          <a:sym typeface="Agrandir"/>
-                        </a:rPr>
-                        <a:t>Effective</a:t>
-                      </a:r>
-                      <a:endParaRPr lang="en-US" sz="1100"/>
-                    </a:p>
-                    <a:p>
-                      <a:pPr algn="l">
-                        <a:lnSpc>
-                          <a:spcPts val="2227"/>
-                        </a:lnSpc>
-                      </a:pPr>
-                      <a:r>
-                        <a:rPr lang="en-US" sz="1591">
-                          <a:solidFill>
-                            <a:srgbClr val="000000"/>
-                          </a:solidFill>
-                          <a:latin typeface="Agrandir"/>
-                          <a:ea typeface="Agrandir"/>
-                          <a:cs typeface="Agrandir"/>
-                          <a:sym typeface="Agrandir"/>
-                        </a:rPr>
-                        <a:t>  performance with fewer than 100 interactions</a:t>
-                      </a:r>
-                    </a:p>
-                  </a:txBody>
-                  <a:tcPr marL="76200" marR="76200" marT="76200" marB="76200" anchor="ctr">
-                    <a:lnL cmpd="sng" algn="ctr" cap="flat" w="19050">
-                      <a:solidFill>
-                        <a:srgbClr val="000000"/>
-                      </a:solidFill>
-                      <a:prstDash val="solid"/>
-                      <a:round/>
-                      <a:headEnd type="none" w="med" len="med"/>
-                      <a:tailEnd type="none" w="med" len="med"/>
-                    </a:lnL>
-                    <a:lnR cmpd="sng" algn="ctr" cap="flat" w="19050">
-                      <a:solidFill>
-                        <a:srgbClr val="000000"/>
-                      </a:solidFill>
-                      <a:prstDash val="solid"/>
-                      <a:round/>
-                      <a:headEnd type="none" w="med" len="med"/>
-                      <a:tailEnd type="none" w="med" len="med"/>
-                    </a:lnR>
-                    <a:lnT cmpd="sng" algn="ctr" cap="flat" w="19050">
-                      <a:solidFill>
-                        <a:srgbClr val="000000"/>
-                      </a:solidFill>
-                      <a:prstDash val="solid"/>
-                      <a:round/>
-                      <a:headEnd type="none" w="med" len="med"/>
-                      <a:tailEnd type="none" w="med" len="med"/>
-                    </a:lnT>
-                    <a:lnB cmpd="sng" algn="ctr" cap="flat" w="19050">
-                      <a:solidFill>
-                        <a:srgbClr val="000000"/>
-                      </a:solidFill>
-                      <a:prstDash val="solid"/>
-                      <a:round/>
-                      <a:headEnd type="none" w="med" len="med"/>
-                      <a:tailEnd type="none" w="med" len="med"/>
-                    </a:lnB>
-                    <a:solidFill>
-                      <a:srgbClr val="FFFFFF"/>
-                    </a:solidFill>
-                  </a:tcPr>
-                </a:tc>
-                <a:tc>
-                  <a:txBody>
-                    <a:bodyPr anchor="t" rtlCol="false"/>
-                    <a:lstStyle/>
-                    <a:p>
-                      <a:pPr algn="ctr">
-                        <a:lnSpc>
-                          <a:spcPts val="2227"/>
-                        </a:lnSpc>
-                        <a:defRPr/>
-                      </a:pPr>
-                      <a:r>
-                        <a:rPr lang="en-US" sz="1591">
-                          <a:solidFill>
-                            <a:srgbClr val="000000"/>
-                          </a:solidFill>
-                          <a:latin typeface="Agrandir"/>
-                          <a:ea typeface="Agrandir"/>
-                          <a:cs typeface="Agrandir"/>
-                          <a:sym typeface="Agrandir"/>
-                        </a:rPr>
-                        <a:t>2</a:t>
-                      </a:r>
-                      <a:endParaRPr lang="en-US" sz="1100"/>
-                    </a:p>
-                  </a:txBody>
-                  <a:tcPr marL="76200" marR="76200" marT="76200" marB="76200" anchor="ctr">
-                    <a:lnL cmpd="sng" algn="ctr" cap="flat" w="19050">
-                      <a:solidFill>
-                        <a:srgbClr val="000000"/>
-                      </a:solidFill>
-                      <a:prstDash val="solid"/>
-                      <a:round/>
-                      <a:headEnd type="none" w="med" len="med"/>
-                      <a:tailEnd type="none" w="med" len="med"/>
-                    </a:lnL>
-                    <a:lnR cmpd="sng" algn="ctr" cap="flat" w="19050">
-                      <a:solidFill>
-                        <a:srgbClr val="000000"/>
-                      </a:solidFill>
-                      <a:prstDash val="solid"/>
-                      <a:round/>
-                      <a:headEnd type="none" w="med" len="med"/>
-                      <a:tailEnd type="none" w="med" len="med"/>
-                    </a:lnR>
-                    <a:lnT cmpd="sng" algn="ctr" cap="flat" w="19050">
-                      <a:solidFill>
-                        <a:srgbClr val="000000"/>
-                      </a:solidFill>
-                      <a:prstDash val="solid"/>
-                      <a:round/>
-                      <a:headEnd type="none" w="med" len="med"/>
-                      <a:tailEnd type="none" w="med" len="med"/>
-                    </a:lnT>
-                    <a:lnB cmpd="sng" algn="ctr" cap="flat" w="19050">
-                      <a:solidFill>
-                        <a:srgbClr val="000000"/>
-                      </a:solidFill>
-                      <a:prstDash val="solid"/>
-                      <a:round/>
-                      <a:headEnd type="none" w="med" len="med"/>
-                      <a:tailEnd type="none" w="med" len="med"/>
-                    </a:lnB>
-                    <a:solidFill>
-                      <a:srgbClr val="FFFFFF"/>
-                    </a:solidFill>
-                  </a:tcPr>
-                </a:tc>
-                <a:tc>
-                  <a:txBody>
-                    <a:bodyPr anchor="t" rtlCol="false"/>
-                    <a:lstStyle/>
-                    <a:p>
-                      <a:pPr algn="ctr">
-                        <a:lnSpc>
-                          <a:spcPts val="2227"/>
-                        </a:lnSpc>
-                        <a:defRPr/>
-                      </a:pPr>
-                      <a:r>
-                        <a:rPr lang="en-US" sz="1591">
-                          <a:solidFill>
-                            <a:srgbClr val="000000"/>
-                          </a:solidFill>
-                          <a:latin typeface="Agrandir"/>
-                          <a:ea typeface="Agrandir"/>
-                          <a:cs typeface="Agrandir"/>
-                          <a:sym typeface="Agrandir"/>
-                        </a:rPr>
-                        <a:t>3</a:t>
-                      </a:r>
-                      <a:endParaRPr lang="en-US" sz="1100"/>
-                    </a:p>
-                  </a:txBody>
-                  <a:tcPr marL="76200" marR="76200" marT="76200" marB="76200" anchor="ctr">
-                    <a:lnL cmpd="sng" algn="ctr" cap="flat" w="19050">
-                      <a:solidFill>
-                        <a:srgbClr val="000000"/>
-                      </a:solidFill>
-                      <a:prstDash val="solid"/>
-                      <a:round/>
-                      <a:headEnd type="none" w="med" len="med"/>
-                      <a:tailEnd type="none" w="med" len="med"/>
-                    </a:lnL>
-                    <a:lnR cmpd="sng" algn="ctr" cap="flat" w="19050">
-                      <a:solidFill>
-                        <a:srgbClr val="000000"/>
-                      </a:solidFill>
-                      <a:prstDash val="solid"/>
-                      <a:round/>
-                      <a:headEnd type="none" w="med" len="med"/>
-                      <a:tailEnd type="none" w="med" len="med"/>
-                    </a:lnR>
-                    <a:lnT cmpd="sng" algn="ctr" cap="flat" w="19050">
-                      <a:solidFill>
-                        <a:srgbClr val="000000"/>
-                      </a:solidFill>
-                      <a:prstDash val="solid"/>
-                      <a:round/>
-                      <a:headEnd type="none" w="med" len="med"/>
-                      <a:tailEnd type="none" w="med" len="med"/>
-                    </a:lnT>
-                    <a:lnB cmpd="sng" algn="ctr" cap="flat" w="19050">
-                      <a:solidFill>
-                        <a:srgbClr val="000000"/>
-                      </a:solidFill>
-                      <a:prstDash val="solid"/>
-                      <a:round/>
-                      <a:headEnd type="none" w="med" len="med"/>
-                      <a:tailEnd type="none" w="med" len="med"/>
-                    </a:lnB>
-                    <a:solidFill>
-                      <a:srgbClr val="FFFFFF"/>
-                    </a:solidFill>
-                  </a:tcPr>
-                </a:tc>
-                <a:tc>
-                  <a:txBody>
-                    <a:bodyPr anchor="t" rtlCol="false"/>
-                    <a:lstStyle/>
-                    <a:p>
-                      <a:pPr algn="ctr">
                         <a:lnSpc>
                           <a:spcPts val="2227"/>
                         </a:lnSpc>
@@ -16644,7 +18000,7 @@
                       <a:endParaRPr lang="en-US" sz="1100"/>
                     </a:p>
                   </a:txBody>
-                  <a:tcPr marL="76200" marR="76200" marT="76200" marB="76200" anchor="ctr">
+                  <a:tcPr marL="66675" marR="66675" marT="66675" marB="66675" anchor="ctr">
                     <a:lnL cmpd="sng" algn="ctr" cap="flat" w="19050">
                       <a:solidFill>
                         <a:srgbClr val="000000"/>
@@ -16724,1006 +18080,7 @@
                       <a:endParaRPr lang="en-US" sz="1100"/>
                     </a:p>
                   </a:txBody>
-                  <a:tcPr marL="76200" marR="76200" marT="76200" marB="76200" anchor="ctr">
-                    <a:lnL cmpd="sng" algn="ctr" cap="flat" w="19050">
-                      <a:solidFill>
-                        <a:srgbClr val="000000"/>
-                      </a:solidFill>
-                      <a:prstDash val="solid"/>
-                      <a:round/>
-                      <a:headEnd type="none" w="med" len="med"/>
-                      <a:tailEnd type="none" w="med" len="med"/>
-                    </a:lnL>
-                    <a:lnR cmpd="sng" algn="ctr" cap="flat" w="19050">
-                      <a:solidFill>
-                        <a:srgbClr val="000000"/>
-                      </a:solidFill>
-                      <a:prstDash val="solid"/>
-                      <a:round/>
-                      <a:headEnd type="none" w="med" len="med"/>
-                      <a:tailEnd type="none" w="med" len="med"/>
-                    </a:lnR>
-                    <a:lnT cmpd="sng" algn="ctr" cap="flat" w="19050">
-                      <a:solidFill>
-                        <a:srgbClr val="000000"/>
-                      </a:solidFill>
-                      <a:prstDash val="solid"/>
-                      <a:round/>
-                      <a:headEnd type="none" w="med" len="med"/>
-                      <a:tailEnd type="none" w="med" len="med"/>
-                    </a:lnT>
-                    <a:lnB cmpd="sng" algn="ctr" cap="flat" w="19050">
-                      <a:solidFill>
-                        <a:srgbClr val="000000"/>
-                      </a:solidFill>
-                      <a:prstDash val="solid"/>
-                      <a:round/>
-                      <a:headEnd type="none" w="med" len="med"/>
-                      <a:tailEnd type="none" w="med" len="med"/>
-                    </a:lnB>
-                    <a:solidFill>
-                      <a:srgbClr val="FFFFFF"/>
-                    </a:solidFill>
-                  </a:tcPr>
-                </a:tc>
-              </a:tr>
-              <a:tr h="1317281">
-                <a:tc>
-                  <a:txBody>
-                    <a:bodyPr anchor="t" rtlCol="false"/>
-                    <a:lstStyle/>
-                    <a:p>
-                      <a:pPr algn="l">
-                        <a:lnSpc>
-                          <a:spcPts val="2227"/>
-                        </a:lnSpc>
-                        <a:defRPr/>
-                      </a:pPr>
-                      <a:r>
-                        <a:rPr lang="en-US" sz="1591" b="true">
-                          <a:solidFill>
-                            <a:srgbClr val="000000"/>
-                          </a:solidFill>
-                          <a:latin typeface="Agrandir Bold"/>
-                          <a:ea typeface="Agrandir Bold"/>
-                          <a:cs typeface="Agrandir Bold"/>
-                          <a:sym typeface="Agrandir Bold"/>
-                        </a:rPr>
-                        <a:t>Diversity &amp; Novelty</a:t>
-                      </a:r>
-                      <a:endParaRPr lang="en-US" sz="1100"/>
-                    </a:p>
-                  </a:txBody>
-                  <a:tcPr marL="76200" marR="76200" marT="76200" marB="76200" anchor="ctr">
-                    <a:lnL cmpd="sng" algn="ctr" cap="flat" w="19050">
-                      <a:solidFill>
-                        <a:srgbClr val="000000"/>
-                      </a:solidFill>
-                      <a:prstDash val="solid"/>
-                      <a:round/>
-                      <a:headEnd type="none" w="med" len="med"/>
-                      <a:tailEnd type="none" w="med" len="med"/>
-                    </a:lnL>
-                    <a:lnR cmpd="sng" algn="ctr" cap="flat" w="19050">
-                      <a:solidFill>
-                        <a:srgbClr val="000000"/>
-                      </a:solidFill>
-                      <a:prstDash val="solid"/>
-                      <a:round/>
-                      <a:headEnd type="none" w="med" len="med"/>
-                      <a:tailEnd type="none" w="med" len="med"/>
-                    </a:lnR>
-                    <a:lnT cmpd="sng" algn="ctr" cap="flat" w="19050">
-                      <a:solidFill>
-                        <a:srgbClr val="000000"/>
-                      </a:solidFill>
-                      <a:prstDash val="solid"/>
-                      <a:round/>
-                      <a:headEnd type="none" w="med" len="med"/>
-                      <a:tailEnd type="none" w="med" len="med"/>
-                    </a:lnT>
-                    <a:lnB cmpd="sng" algn="ctr" cap="flat" w="19050">
-                      <a:solidFill>
-                        <a:srgbClr val="000000"/>
-                      </a:solidFill>
-                      <a:prstDash val="solid"/>
-                      <a:round/>
-                      <a:headEnd type="none" w="med" len="med"/>
-                      <a:tailEnd type="none" w="med" len="med"/>
-                    </a:lnB>
-                    <a:solidFill>
-                      <a:srgbClr val="F1E3E3"/>
-                    </a:solidFill>
-                  </a:tcPr>
-                </a:tc>
-                <a:tc>
-                  <a:txBody>
-                    <a:bodyPr anchor="t" rtlCol="false"/>
-                    <a:lstStyle/>
-                    <a:p>
-                      <a:pPr algn="l">
-                        <a:lnSpc>
-                          <a:spcPts val="2227"/>
-                        </a:lnSpc>
-                        <a:defRPr/>
-                      </a:pPr>
-                      <a:r>
-                        <a:rPr lang="en-US" sz="1591">
-                          <a:solidFill>
-                            <a:srgbClr val="000000"/>
-                          </a:solidFill>
-                          <a:latin typeface="Agrandir"/>
-                          <a:ea typeface="Agrandir"/>
-                          <a:cs typeface="Agrandir"/>
-                          <a:sym typeface="Agrandir"/>
-                        </a:rPr>
-                        <a:t>Examines whether the recommendations remain varied and do not overly favor popular items, thus introducing users to novel and less common options.</a:t>
-                      </a:r>
-                      <a:endParaRPr lang="en-US" sz="1100"/>
-                    </a:p>
-                  </a:txBody>
-                  <a:tcPr marL="76200" marR="76200" marT="76200" marB="76200" anchor="ctr">
-                    <a:lnL cmpd="sng" algn="ctr" cap="flat" w="19050">
-                      <a:solidFill>
-                        <a:srgbClr val="000000"/>
-                      </a:solidFill>
-                      <a:prstDash val="solid"/>
-                      <a:round/>
-                      <a:headEnd type="none" w="med" len="med"/>
-                      <a:tailEnd type="none" w="med" len="med"/>
-                    </a:lnL>
-                    <a:lnR cmpd="sng" algn="ctr" cap="flat" w="19050">
-                      <a:solidFill>
-                        <a:srgbClr val="000000"/>
-                      </a:solidFill>
-                      <a:prstDash val="solid"/>
-                      <a:round/>
-                      <a:headEnd type="none" w="med" len="med"/>
-                      <a:tailEnd type="none" w="med" len="med"/>
-                    </a:lnR>
-                    <a:lnT cmpd="sng" algn="ctr" cap="flat" w="19050">
-                      <a:solidFill>
-                        <a:srgbClr val="000000"/>
-                      </a:solidFill>
-                      <a:prstDash val="solid"/>
-                      <a:round/>
-                      <a:headEnd type="none" w="med" len="med"/>
-                      <a:tailEnd type="none" w="med" len="med"/>
-                    </a:lnT>
-                    <a:lnB cmpd="sng" algn="ctr" cap="flat" w="19050">
-                      <a:solidFill>
-                        <a:srgbClr val="000000"/>
-                      </a:solidFill>
-                      <a:prstDash val="solid"/>
-                      <a:round/>
-                      <a:headEnd type="none" w="med" len="med"/>
-                      <a:tailEnd type="none" w="med" len="med"/>
-                    </a:lnB>
-                    <a:solidFill>
-                      <a:srgbClr val="FFFFFF"/>
-                    </a:solidFill>
-                  </a:tcPr>
-                </a:tc>
-                <a:tc>
-                  <a:txBody>
-                    <a:bodyPr anchor="t" rtlCol="false"/>
-                    <a:lstStyle/>
-                    <a:p>
-                      <a:pPr algn="l">
-                        <a:lnSpc>
-                          <a:spcPts val="2227"/>
-                        </a:lnSpc>
-                        <a:defRPr/>
-                      </a:pPr>
-                      <a:r>
-                        <a:rPr lang="en-US" sz="1591">
-                          <a:solidFill>
-                            <a:srgbClr val="000000"/>
-                          </a:solidFill>
-                          <a:latin typeface="Agrandir"/>
-                          <a:ea typeface="Agrandir"/>
-                          <a:cs typeface="Agrandir"/>
-                          <a:sym typeface="Agrandir"/>
-                        </a:rPr>
-                        <a:t>Diversity index or entropy ≥ 0.75 in</a:t>
-                      </a:r>
-                      <a:endParaRPr lang="en-US" sz="1100"/>
-                    </a:p>
-                    <a:p>
-                      <a:pPr algn="l">
-                        <a:lnSpc>
-                          <a:spcPts val="2227"/>
-                        </a:lnSpc>
-                      </a:pPr>
-                      <a:r>
-                        <a:rPr lang="en-US" sz="1591">
-                          <a:solidFill>
-                            <a:srgbClr val="000000"/>
-                          </a:solidFill>
-                          <a:latin typeface="Agrandir"/>
-                          <a:ea typeface="Agrandir"/>
-                          <a:cs typeface="Agrandir"/>
-                          <a:sym typeface="Agrandir"/>
-                        </a:rPr>
-                        <a:t>  recommendation outputs</a:t>
-                      </a:r>
-                    </a:p>
-                  </a:txBody>
-                  <a:tcPr marL="76200" marR="76200" marT="76200" marB="76200" anchor="ctr">
-                    <a:lnL cmpd="sng" algn="ctr" cap="flat" w="19050">
-                      <a:solidFill>
-                        <a:srgbClr val="000000"/>
-                      </a:solidFill>
-                      <a:prstDash val="solid"/>
-                      <a:round/>
-                      <a:headEnd type="none" w="med" len="med"/>
-                      <a:tailEnd type="none" w="med" len="med"/>
-                    </a:lnL>
-                    <a:lnR cmpd="sng" algn="ctr" cap="flat" w="19050">
-                      <a:solidFill>
-                        <a:srgbClr val="000000"/>
-                      </a:solidFill>
-                      <a:prstDash val="solid"/>
-                      <a:round/>
-                      <a:headEnd type="none" w="med" len="med"/>
-                      <a:tailEnd type="none" w="med" len="med"/>
-                    </a:lnR>
-                    <a:lnT cmpd="sng" algn="ctr" cap="flat" w="19050">
-                      <a:solidFill>
-                        <a:srgbClr val="000000"/>
-                      </a:solidFill>
-                      <a:prstDash val="solid"/>
-                      <a:round/>
-                      <a:headEnd type="none" w="med" len="med"/>
-                      <a:tailEnd type="none" w="med" len="med"/>
-                    </a:lnT>
-                    <a:lnB cmpd="sng" algn="ctr" cap="flat" w="19050">
-                      <a:solidFill>
-                        <a:srgbClr val="000000"/>
-                      </a:solidFill>
-                      <a:prstDash val="solid"/>
-                      <a:round/>
-                      <a:headEnd type="none" w="med" len="med"/>
-                      <a:tailEnd type="none" w="med" len="med"/>
-                    </a:lnB>
-                    <a:solidFill>
-                      <a:srgbClr val="FFFFFF"/>
-                    </a:solidFill>
-                  </a:tcPr>
-                </a:tc>
-                <a:tc>
-                  <a:txBody>
-                    <a:bodyPr anchor="t" rtlCol="false"/>
-                    <a:lstStyle/>
-                    <a:p>
-                      <a:pPr algn="ctr">
-                        <a:lnSpc>
-                          <a:spcPts val="2227"/>
-                        </a:lnSpc>
-                        <a:defRPr/>
-                      </a:pPr>
-                      <a:r>
-                        <a:rPr lang="en-US" sz="1591">
-                          <a:solidFill>
-                            <a:srgbClr val="000000"/>
-                          </a:solidFill>
-                          <a:latin typeface="Agrandir"/>
-                          <a:ea typeface="Agrandir"/>
-                          <a:cs typeface="Agrandir"/>
-                          <a:sym typeface="Agrandir"/>
-                        </a:rPr>
-                        <a:t>2</a:t>
-                      </a:r>
-                      <a:endParaRPr lang="en-US" sz="1100"/>
-                    </a:p>
-                  </a:txBody>
-                  <a:tcPr marL="76200" marR="76200" marT="76200" marB="76200" anchor="ctr">
-                    <a:lnL cmpd="sng" algn="ctr" cap="flat" w="19050">
-                      <a:solidFill>
-                        <a:srgbClr val="000000"/>
-                      </a:solidFill>
-                      <a:prstDash val="solid"/>
-                      <a:round/>
-                      <a:headEnd type="none" w="med" len="med"/>
-                      <a:tailEnd type="none" w="med" len="med"/>
-                    </a:lnL>
-                    <a:lnR cmpd="sng" algn="ctr" cap="flat" w="19050">
-                      <a:solidFill>
-                        <a:srgbClr val="000000"/>
-                      </a:solidFill>
-                      <a:prstDash val="solid"/>
-                      <a:round/>
-                      <a:headEnd type="none" w="med" len="med"/>
-                      <a:tailEnd type="none" w="med" len="med"/>
-                    </a:lnR>
-                    <a:lnT cmpd="sng" algn="ctr" cap="flat" w="19050">
-                      <a:solidFill>
-                        <a:srgbClr val="000000"/>
-                      </a:solidFill>
-                      <a:prstDash val="solid"/>
-                      <a:round/>
-                      <a:headEnd type="none" w="med" len="med"/>
-                      <a:tailEnd type="none" w="med" len="med"/>
-                    </a:lnT>
-                    <a:lnB cmpd="sng" algn="ctr" cap="flat" w="19050">
-                      <a:solidFill>
-                        <a:srgbClr val="000000"/>
-                      </a:solidFill>
-                      <a:prstDash val="solid"/>
-                      <a:round/>
-                      <a:headEnd type="none" w="med" len="med"/>
-                      <a:tailEnd type="none" w="med" len="med"/>
-                    </a:lnB>
-                    <a:solidFill>
-                      <a:srgbClr val="FFFFFF"/>
-                    </a:solidFill>
-                  </a:tcPr>
-                </a:tc>
-                <a:tc>
-                  <a:txBody>
-                    <a:bodyPr anchor="t" rtlCol="false"/>
-                    <a:lstStyle/>
-                    <a:p>
-                      <a:pPr algn="ctr">
-                        <a:lnSpc>
-                          <a:spcPts val="2227"/>
-                        </a:lnSpc>
-                        <a:defRPr/>
-                      </a:pPr>
-                      <a:r>
-                        <a:rPr lang="en-US" sz="1591">
-                          <a:solidFill>
-                            <a:srgbClr val="000000"/>
-                          </a:solidFill>
-                          <a:latin typeface="Agrandir"/>
-                          <a:ea typeface="Agrandir"/>
-                          <a:cs typeface="Agrandir"/>
-                          <a:sym typeface="Agrandir"/>
-                        </a:rPr>
-                        <a:t>2</a:t>
-                      </a:r>
-                      <a:endParaRPr lang="en-US" sz="1100"/>
-                    </a:p>
-                  </a:txBody>
-                  <a:tcPr marL="76200" marR="76200" marT="76200" marB="76200" anchor="ctr">
-                    <a:lnL cmpd="sng" algn="ctr" cap="flat" w="19050">
-                      <a:solidFill>
-                        <a:srgbClr val="000000"/>
-                      </a:solidFill>
-                      <a:prstDash val="solid"/>
-                      <a:round/>
-                      <a:headEnd type="none" w="med" len="med"/>
-                      <a:tailEnd type="none" w="med" len="med"/>
-                    </a:lnL>
-                    <a:lnR cmpd="sng" algn="ctr" cap="flat" w="19050">
-                      <a:solidFill>
-                        <a:srgbClr val="000000"/>
-                      </a:solidFill>
-                      <a:prstDash val="solid"/>
-                      <a:round/>
-                      <a:headEnd type="none" w="med" len="med"/>
-                      <a:tailEnd type="none" w="med" len="med"/>
-                    </a:lnR>
-                    <a:lnT cmpd="sng" algn="ctr" cap="flat" w="19050">
-                      <a:solidFill>
-                        <a:srgbClr val="000000"/>
-                      </a:solidFill>
-                      <a:prstDash val="solid"/>
-                      <a:round/>
-                      <a:headEnd type="none" w="med" len="med"/>
-                      <a:tailEnd type="none" w="med" len="med"/>
-                    </a:lnT>
-                    <a:lnB cmpd="sng" algn="ctr" cap="flat" w="19050">
-                      <a:solidFill>
-                        <a:srgbClr val="000000"/>
-                      </a:solidFill>
-                      <a:prstDash val="solid"/>
-                      <a:round/>
-                      <a:headEnd type="none" w="med" len="med"/>
-                      <a:tailEnd type="none" w="med" len="med"/>
-                    </a:lnB>
-                    <a:solidFill>
-                      <a:srgbClr val="FFFFFF"/>
-                    </a:solidFill>
-                  </a:tcPr>
-                </a:tc>
-                <a:tc>
-                  <a:txBody>
-                    <a:bodyPr anchor="t" rtlCol="false"/>
-                    <a:lstStyle/>
-                    <a:p>
-                      <a:pPr algn="ctr">
-                        <a:lnSpc>
-                          <a:spcPts val="2227"/>
-                        </a:lnSpc>
-                        <a:defRPr/>
-                      </a:pPr>
-                      <a:r>
-                        <a:rPr lang="en-US" sz="1591">
-                          <a:solidFill>
-                            <a:srgbClr val="000000"/>
-                          </a:solidFill>
-                          <a:latin typeface="Agrandir"/>
-                          <a:ea typeface="Agrandir"/>
-                          <a:cs typeface="Agrandir"/>
-                          <a:sym typeface="Agrandir"/>
-                        </a:rPr>
-                        <a:t>5</a:t>
-                      </a:r>
-                      <a:endParaRPr lang="en-US" sz="1100"/>
-                    </a:p>
-                  </a:txBody>
-                  <a:tcPr marL="76200" marR="76200" marT="76200" marB="76200" anchor="ctr">
-                    <a:lnL cmpd="sng" algn="ctr" cap="flat" w="19050">
-                      <a:solidFill>
-                        <a:srgbClr val="000000"/>
-                      </a:solidFill>
-                      <a:prstDash val="solid"/>
-                      <a:round/>
-                      <a:headEnd type="none" w="med" len="med"/>
-                      <a:tailEnd type="none" w="med" len="med"/>
-                    </a:lnL>
-                    <a:lnR cmpd="sng" algn="ctr" cap="flat" w="19050">
-                      <a:solidFill>
-                        <a:srgbClr val="000000"/>
-                      </a:solidFill>
-                      <a:prstDash val="solid"/>
-                      <a:round/>
-                      <a:headEnd type="none" w="med" len="med"/>
-                      <a:tailEnd type="none" w="med" len="med"/>
-                    </a:lnR>
-                    <a:lnT cmpd="sng" algn="ctr" cap="flat" w="19050">
-                      <a:solidFill>
-                        <a:srgbClr val="000000"/>
-                      </a:solidFill>
-                      <a:prstDash val="solid"/>
-                      <a:round/>
-                      <a:headEnd type="none" w="med" len="med"/>
-                      <a:tailEnd type="none" w="med" len="med"/>
-                    </a:lnT>
-                    <a:lnB cmpd="sng" algn="ctr" cap="flat" w="19050">
-                      <a:solidFill>
-                        <a:srgbClr val="000000"/>
-                      </a:solidFill>
-                      <a:prstDash val="solid"/>
-                      <a:round/>
-                      <a:headEnd type="none" w="med" len="med"/>
-                      <a:tailEnd type="none" w="med" len="med"/>
-                    </a:lnB>
-                    <a:solidFill>
-                      <a:srgbClr val="FFFFFF"/>
-                    </a:solidFill>
-                  </a:tcPr>
-                </a:tc>
-                <a:tc>
-                  <a:txBody>
-                    <a:bodyPr anchor="t" rtlCol="false"/>
-                    <a:lstStyle/>
-                    <a:p>
-                      <a:pPr algn="l">
-                        <a:lnSpc>
-                          <a:spcPts val="2227"/>
-                        </a:lnSpc>
-                        <a:defRPr/>
-                      </a:pPr>
-                      <a:r>
-                        <a:rPr lang="en-US" sz="1591">
-                          <a:solidFill>
-                            <a:srgbClr val="000000"/>
-                          </a:solidFill>
-                          <a:latin typeface="Agrandir"/>
-                          <a:ea typeface="Agrandir"/>
-                          <a:cs typeface="Agrandir"/>
-                          <a:sym typeface="Agrandir"/>
-                        </a:rPr>
-                        <a:t>(2 + 2) × 5 = </a:t>
-                      </a:r>
-                      <a:r>
-                        <a:rPr lang="en-US" sz="1591" b="true">
-                          <a:solidFill>
-                            <a:srgbClr val="000000"/>
-                          </a:solidFill>
-                          <a:latin typeface="Agrandir Bold"/>
-                          <a:ea typeface="Agrandir Bold"/>
-                          <a:cs typeface="Agrandir Bold"/>
-                          <a:sym typeface="Agrandir Bold"/>
-                        </a:rPr>
-                        <a:t>20</a:t>
-                      </a:r>
-                      <a:endParaRPr lang="en-US" sz="1100"/>
-                    </a:p>
-                  </a:txBody>
-                  <a:tcPr marL="76200" marR="76200" marT="76200" marB="76200" anchor="ctr">
-                    <a:lnL cmpd="sng" algn="ctr" cap="flat" w="19050">
-                      <a:solidFill>
-                        <a:srgbClr val="000000"/>
-                      </a:solidFill>
-                      <a:prstDash val="solid"/>
-                      <a:round/>
-                      <a:headEnd type="none" w="med" len="med"/>
-                      <a:tailEnd type="none" w="med" len="med"/>
-                    </a:lnL>
-                    <a:lnR cmpd="sng" algn="ctr" cap="flat" w="19050">
-                      <a:solidFill>
-                        <a:srgbClr val="000000"/>
-                      </a:solidFill>
-                      <a:prstDash val="solid"/>
-                      <a:round/>
-                      <a:headEnd type="none" w="med" len="med"/>
-                      <a:tailEnd type="none" w="med" len="med"/>
-                    </a:lnR>
-                    <a:lnT cmpd="sng" algn="ctr" cap="flat" w="19050">
-                      <a:solidFill>
-                        <a:srgbClr val="000000"/>
-                      </a:solidFill>
-                      <a:prstDash val="solid"/>
-                      <a:round/>
-                      <a:headEnd type="none" w="med" len="med"/>
-                      <a:tailEnd type="none" w="med" len="med"/>
-                    </a:lnT>
-                    <a:lnB cmpd="sng" algn="ctr" cap="flat" w="19050">
-                      <a:solidFill>
-                        <a:srgbClr val="000000"/>
-                      </a:solidFill>
-                      <a:prstDash val="solid"/>
-                      <a:round/>
-                      <a:headEnd type="none" w="med" len="med"/>
-                      <a:tailEnd type="none" w="med" len="med"/>
-                    </a:lnB>
-                    <a:solidFill>
-                      <a:srgbClr val="FFFFFF"/>
-                    </a:solidFill>
-                  </a:tcPr>
-                </a:tc>
-              </a:tr>
-              <a:tr h="1308869">
-                <a:tc>
-                  <a:txBody>
-                    <a:bodyPr anchor="t" rtlCol="false"/>
-                    <a:lstStyle/>
-                    <a:p>
-                      <a:pPr algn="l">
-                        <a:lnSpc>
-                          <a:spcPts val="2227"/>
-                        </a:lnSpc>
-                        <a:defRPr/>
-                      </a:pPr>
-                      <a:r>
-                        <a:rPr lang="en-US" sz="1591" b="true">
-                          <a:solidFill>
-                            <a:srgbClr val="000000"/>
-                          </a:solidFill>
-                          <a:latin typeface="Agrandir Bold"/>
-                          <a:ea typeface="Agrandir Bold"/>
-                          <a:cs typeface="Agrandir Bold"/>
-                          <a:sym typeface="Agrandir Bold"/>
-                        </a:rPr>
-                        <a:t>Explainability</a:t>
-                      </a:r>
-                      <a:endParaRPr lang="en-US" sz="1100"/>
-                    </a:p>
-                  </a:txBody>
-                  <a:tcPr marL="76200" marR="76200" marT="76200" marB="76200" anchor="ctr">
-                    <a:lnL cmpd="sng" algn="ctr" cap="flat" w="19050">
-                      <a:solidFill>
-                        <a:srgbClr val="000000"/>
-                      </a:solidFill>
-                      <a:prstDash val="solid"/>
-                      <a:round/>
-                      <a:headEnd type="none" w="med" len="med"/>
-                      <a:tailEnd type="none" w="med" len="med"/>
-                    </a:lnL>
-                    <a:lnR cmpd="sng" algn="ctr" cap="flat" w="19050">
-                      <a:solidFill>
-                        <a:srgbClr val="000000"/>
-                      </a:solidFill>
-                      <a:prstDash val="solid"/>
-                      <a:round/>
-                      <a:headEnd type="none" w="med" len="med"/>
-                      <a:tailEnd type="none" w="med" len="med"/>
-                    </a:lnR>
-                    <a:lnT cmpd="sng" algn="ctr" cap="flat" w="19050">
-                      <a:solidFill>
-                        <a:srgbClr val="000000"/>
-                      </a:solidFill>
-                      <a:prstDash val="solid"/>
-                      <a:round/>
-                      <a:headEnd type="none" w="med" len="med"/>
-                      <a:tailEnd type="none" w="med" len="med"/>
-                    </a:lnT>
-                    <a:lnB cmpd="sng" algn="ctr" cap="flat" w="19050">
-                      <a:solidFill>
-                        <a:srgbClr val="000000"/>
-                      </a:solidFill>
-                      <a:prstDash val="solid"/>
-                      <a:round/>
-                      <a:headEnd type="none" w="med" len="med"/>
-                      <a:tailEnd type="none" w="med" len="med"/>
-                    </a:lnB>
-                    <a:solidFill>
-                      <a:srgbClr val="F1E3E3"/>
-                    </a:solidFill>
-                  </a:tcPr>
-                </a:tc>
-                <a:tc>
-                  <a:txBody>
-                    <a:bodyPr anchor="t" rtlCol="false"/>
-                    <a:lstStyle/>
-                    <a:p>
-                      <a:pPr algn="l">
-                        <a:lnSpc>
-                          <a:spcPts val="2227"/>
-                        </a:lnSpc>
-                        <a:defRPr/>
-                      </a:pPr>
-                      <a:r>
-                        <a:rPr lang="en-US" sz="1591">
-                          <a:solidFill>
-                            <a:srgbClr val="000000"/>
-                          </a:solidFill>
-                          <a:latin typeface="Agrandir"/>
-                          <a:ea typeface="Agrandir"/>
-                          <a:cs typeface="Agrandir"/>
-                          <a:sym typeface="Agrandir"/>
-                        </a:rPr>
-                        <a:t>Measures how transparently the system communicates the rationale behind its recommendations, thereby enhancing user trust and understanding.</a:t>
-                      </a:r>
-                      <a:endParaRPr lang="en-US" sz="1100"/>
-                    </a:p>
-                  </a:txBody>
-                  <a:tcPr marL="76200" marR="76200" marT="76200" marB="76200" anchor="ctr">
-                    <a:lnL cmpd="sng" algn="ctr" cap="flat" w="19050">
-                      <a:solidFill>
-                        <a:srgbClr val="000000"/>
-                      </a:solidFill>
-                      <a:prstDash val="solid"/>
-                      <a:round/>
-                      <a:headEnd type="none" w="med" len="med"/>
-                      <a:tailEnd type="none" w="med" len="med"/>
-                    </a:lnL>
-                    <a:lnR cmpd="sng" algn="ctr" cap="flat" w="19050">
-                      <a:solidFill>
-                        <a:srgbClr val="000000"/>
-                      </a:solidFill>
-                      <a:prstDash val="solid"/>
-                      <a:round/>
-                      <a:headEnd type="none" w="med" len="med"/>
-                      <a:tailEnd type="none" w="med" len="med"/>
-                    </a:lnR>
-                    <a:lnT cmpd="sng" algn="ctr" cap="flat" w="19050">
-                      <a:solidFill>
-                        <a:srgbClr val="000000"/>
-                      </a:solidFill>
-                      <a:prstDash val="solid"/>
-                      <a:round/>
-                      <a:headEnd type="none" w="med" len="med"/>
-                      <a:tailEnd type="none" w="med" len="med"/>
-                    </a:lnT>
-                    <a:lnB cmpd="sng" algn="ctr" cap="flat" w="19050">
-                      <a:solidFill>
-                        <a:srgbClr val="000000"/>
-                      </a:solidFill>
-                      <a:prstDash val="solid"/>
-                      <a:round/>
-                      <a:headEnd type="none" w="med" len="med"/>
-                      <a:tailEnd type="none" w="med" len="med"/>
-                    </a:lnB>
-                    <a:solidFill>
-                      <a:srgbClr val="FFFFFF"/>
-                    </a:solidFill>
-                  </a:tcPr>
-                </a:tc>
-                <a:tc>
-                  <a:txBody>
-                    <a:bodyPr anchor="t" rtlCol="false"/>
-                    <a:lstStyle/>
-                    <a:p>
-                      <a:pPr algn="l">
-                        <a:lnSpc>
-                          <a:spcPts val="2227"/>
-                        </a:lnSpc>
-                        <a:defRPr/>
-                      </a:pPr>
-                      <a:r>
-                        <a:rPr lang="en-US" sz="1591">
-                          <a:solidFill>
-                            <a:srgbClr val="000000"/>
-                          </a:solidFill>
-                          <a:latin typeface="Agrandir"/>
-                          <a:ea typeface="Agrandir"/>
-                          <a:cs typeface="Agrandir"/>
-                          <a:sym typeface="Agrandir"/>
-                        </a:rPr>
-                        <a:t>User survey ratings for explanation ≥ 4/5</a:t>
-                      </a:r>
-                      <a:endParaRPr lang="en-US" sz="1100"/>
-                    </a:p>
-                  </a:txBody>
-                  <a:tcPr marL="76200" marR="76200" marT="76200" marB="76200" anchor="ctr">
-                    <a:lnL cmpd="sng" algn="ctr" cap="flat" w="19050">
-                      <a:solidFill>
-                        <a:srgbClr val="000000"/>
-                      </a:solidFill>
-                      <a:prstDash val="solid"/>
-                      <a:round/>
-                      <a:headEnd type="none" w="med" len="med"/>
-                      <a:tailEnd type="none" w="med" len="med"/>
-                    </a:lnL>
-                    <a:lnR cmpd="sng" algn="ctr" cap="flat" w="19050">
-                      <a:solidFill>
-                        <a:srgbClr val="000000"/>
-                      </a:solidFill>
-                      <a:prstDash val="solid"/>
-                      <a:round/>
-                      <a:headEnd type="none" w="med" len="med"/>
-                      <a:tailEnd type="none" w="med" len="med"/>
-                    </a:lnR>
-                    <a:lnT cmpd="sng" algn="ctr" cap="flat" w="19050">
-                      <a:solidFill>
-                        <a:srgbClr val="000000"/>
-                      </a:solidFill>
-                      <a:prstDash val="solid"/>
-                      <a:round/>
-                      <a:headEnd type="none" w="med" len="med"/>
-                      <a:tailEnd type="none" w="med" len="med"/>
-                    </a:lnT>
-                    <a:lnB cmpd="sng" algn="ctr" cap="flat" w="19050">
-                      <a:solidFill>
-                        <a:srgbClr val="000000"/>
-                      </a:solidFill>
-                      <a:prstDash val="solid"/>
-                      <a:round/>
-                      <a:headEnd type="none" w="med" len="med"/>
-                      <a:tailEnd type="none" w="med" len="med"/>
-                    </a:lnB>
-                    <a:solidFill>
-                      <a:srgbClr val="FFFFFF"/>
-                    </a:solidFill>
-                  </a:tcPr>
-                </a:tc>
-                <a:tc>
-                  <a:txBody>
-                    <a:bodyPr anchor="t" rtlCol="false"/>
-                    <a:lstStyle/>
-                    <a:p>
-                      <a:pPr algn="ctr">
-                        <a:lnSpc>
-                          <a:spcPts val="2227"/>
-                        </a:lnSpc>
-                        <a:defRPr/>
-                      </a:pPr>
-                      <a:r>
-                        <a:rPr lang="en-US" sz="1591">
-                          <a:solidFill>
-                            <a:srgbClr val="000000"/>
-                          </a:solidFill>
-                          <a:latin typeface="Agrandir"/>
-                          <a:ea typeface="Agrandir"/>
-                          <a:cs typeface="Agrandir"/>
-                          <a:sym typeface="Agrandir"/>
-                        </a:rPr>
-                        <a:t>2</a:t>
-                      </a:r>
-                      <a:endParaRPr lang="en-US" sz="1100"/>
-                    </a:p>
-                  </a:txBody>
-                  <a:tcPr marL="76200" marR="76200" marT="76200" marB="76200" anchor="ctr">
-                    <a:lnL cmpd="sng" algn="ctr" cap="flat" w="19050">
-                      <a:solidFill>
-                        <a:srgbClr val="000000"/>
-                      </a:solidFill>
-                      <a:prstDash val="solid"/>
-                      <a:round/>
-                      <a:headEnd type="none" w="med" len="med"/>
-                      <a:tailEnd type="none" w="med" len="med"/>
-                    </a:lnL>
-                    <a:lnR cmpd="sng" algn="ctr" cap="flat" w="19050">
-                      <a:solidFill>
-                        <a:srgbClr val="000000"/>
-                      </a:solidFill>
-                      <a:prstDash val="solid"/>
-                      <a:round/>
-                      <a:headEnd type="none" w="med" len="med"/>
-                      <a:tailEnd type="none" w="med" len="med"/>
-                    </a:lnR>
-                    <a:lnT cmpd="sng" algn="ctr" cap="flat" w="19050">
-                      <a:solidFill>
-                        <a:srgbClr val="000000"/>
-                      </a:solidFill>
-                      <a:prstDash val="solid"/>
-                      <a:round/>
-                      <a:headEnd type="none" w="med" len="med"/>
-                      <a:tailEnd type="none" w="med" len="med"/>
-                    </a:lnT>
-                    <a:lnB cmpd="sng" algn="ctr" cap="flat" w="19050">
-                      <a:solidFill>
-                        <a:srgbClr val="000000"/>
-                      </a:solidFill>
-                      <a:prstDash val="solid"/>
-                      <a:round/>
-                      <a:headEnd type="none" w="med" len="med"/>
-                      <a:tailEnd type="none" w="med" len="med"/>
-                    </a:lnB>
-                    <a:solidFill>
-                      <a:srgbClr val="FFFFFF"/>
-                    </a:solidFill>
-                  </a:tcPr>
-                </a:tc>
-                <a:tc>
-                  <a:txBody>
-                    <a:bodyPr anchor="t" rtlCol="false"/>
-                    <a:lstStyle/>
-                    <a:p>
-                      <a:pPr algn="ctr">
-                        <a:lnSpc>
-                          <a:spcPts val="2227"/>
-                        </a:lnSpc>
-                        <a:defRPr/>
-                      </a:pPr>
-                      <a:r>
-                        <a:rPr lang="en-US" sz="1591">
-                          <a:solidFill>
-                            <a:srgbClr val="000000"/>
-                          </a:solidFill>
-                          <a:latin typeface="Agrandir"/>
-                          <a:ea typeface="Agrandir"/>
-                          <a:cs typeface="Agrandir"/>
-                          <a:sym typeface="Agrandir"/>
-                        </a:rPr>
-                        <a:t>2</a:t>
-                      </a:r>
-                      <a:endParaRPr lang="en-US" sz="1100"/>
-                    </a:p>
-                  </a:txBody>
-                  <a:tcPr marL="76200" marR="76200" marT="76200" marB="76200" anchor="ctr">
-                    <a:lnL cmpd="sng" algn="ctr" cap="flat" w="19050">
-                      <a:solidFill>
-                        <a:srgbClr val="000000"/>
-                      </a:solidFill>
-                      <a:prstDash val="solid"/>
-                      <a:round/>
-                      <a:headEnd type="none" w="med" len="med"/>
-                      <a:tailEnd type="none" w="med" len="med"/>
-                    </a:lnL>
-                    <a:lnR cmpd="sng" algn="ctr" cap="flat" w="19050">
-                      <a:solidFill>
-                        <a:srgbClr val="000000"/>
-                      </a:solidFill>
-                      <a:prstDash val="solid"/>
-                      <a:round/>
-                      <a:headEnd type="none" w="med" len="med"/>
-                      <a:tailEnd type="none" w="med" len="med"/>
-                    </a:lnR>
-                    <a:lnT cmpd="sng" algn="ctr" cap="flat" w="19050">
-                      <a:solidFill>
-                        <a:srgbClr val="000000"/>
-                      </a:solidFill>
-                      <a:prstDash val="solid"/>
-                      <a:round/>
-                      <a:headEnd type="none" w="med" len="med"/>
-                      <a:tailEnd type="none" w="med" len="med"/>
-                    </a:lnT>
-                    <a:lnB cmpd="sng" algn="ctr" cap="flat" w="19050">
-                      <a:solidFill>
-                        <a:srgbClr val="000000"/>
-                      </a:solidFill>
-                      <a:prstDash val="solid"/>
-                      <a:round/>
-                      <a:headEnd type="none" w="med" len="med"/>
-                      <a:tailEnd type="none" w="med" len="med"/>
-                    </a:lnB>
-                    <a:solidFill>
-                      <a:srgbClr val="FFFFFF"/>
-                    </a:solidFill>
-                  </a:tcPr>
-                </a:tc>
-                <a:tc>
-                  <a:txBody>
-                    <a:bodyPr anchor="t" rtlCol="false"/>
-                    <a:lstStyle/>
-                    <a:p>
-                      <a:pPr algn="ctr">
-                        <a:lnSpc>
-                          <a:spcPts val="2227"/>
-                        </a:lnSpc>
-                        <a:defRPr/>
-                      </a:pPr>
-                      <a:r>
-                        <a:rPr lang="en-US" sz="1591">
-                          <a:solidFill>
-                            <a:srgbClr val="000000"/>
-                          </a:solidFill>
-                          <a:latin typeface="Agrandir"/>
-                          <a:ea typeface="Agrandir"/>
-                          <a:cs typeface="Agrandir"/>
-                          <a:sym typeface="Agrandir"/>
-                        </a:rPr>
-                        <a:t>5</a:t>
-                      </a:r>
-                      <a:endParaRPr lang="en-US" sz="1100"/>
-                    </a:p>
-                  </a:txBody>
-                  <a:tcPr marL="76200" marR="76200" marT="76200" marB="76200" anchor="ctr">
-                    <a:lnL cmpd="sng" algn="ctr" cap="flat" w="19050">
-                      <a:solidFill>
-                        <a:srgbClr val="000000"/>
-                      </a:solidFill>
-                      <a:prstDash val="solid"/>
-                      <a:round/>
-                      <a:headEnd type="none" w="med" len="med"/>
-                      <a:tailEnd type="none" w="med" len="med"/>
-                    </a:lnL>
-                    <a:lnR cmpd="sng" algn="ctr" cap="flat" w="19050">
-                      <a:solidFill>
-                        <a:srgbClr val="000000"/>
-                      </a:solidFill>
-                      <a:prstDash val="solid"/>
-                      <a:round/>
-                      <a:headEnd type="none" w="med" len="med"/>
-                      <a:tailEnd type="none" w="med" len="med"/>
-                    </a:lnR>
-                    <a:lnT cmpd="sng" algn="ctr" cap="flat" w="19050">
-                      <a:solidFill>
-                        <a:srgbClr val="000000"/>
-                      </a:solidFill>
-                      <a:prstDash val="solid"/>
-                      <a:round/>
-                      <a:headEnd type="none" w="med" len="med"/>
-                      <a:tailEnd type="none" w="med" len="med"/>
-                    </a:lnT>
-                    <a:lnB cmpd="sng" algn="ctr" cap="flat" w="19050">
-                      <a:solidFill>
-                        <a:srgbClr val="000000"/>
-                      </a:solidFill>
-                      <a:prstDash val="solid"/>
-                      <a:round/>
-                      <a:headEnd type="none" w="med" len="med"/>
-                      <a:tailEnd type="none" w="med" len="med"/>
-                    </a:lnB>
-                    <a:solidFill>
-                      <a:srgbClr val="FFFFFF"/>
-                    </a:solidFill>
-                  </a:tcPr>
-                </a:tc>
-                <a:tc>
-                  <a:txBody>
-                    <a:bodyPr anchor="t" rtlCol="false"/>
-                    <a:lstStyle/>
-                    <a:p>
-                      <a:pPr algn="l">
-                        <a:lnSpc>
-                          <a:spcPts val="2227"/>
-                        </a:lnSpc>
-                        <a:defRPr/>
-                      </a:pPr>
-                      <a:r>
-                        <a:rPr lang="en-US" sz="1591">
-                          <a:solidFill>
-                            <a:srgbClr val="000000"/>
-                          </a:solidFill>
-                          <a:latin typeface="Agrandir"/>
-                          <a:ea typeface="Agrandir"/>
-                          <a:cs typeface="Agrandir"/>
-                          <a:sym typeface="Agrandir"/>
-                        </a:rPr>
-                        <a:t>(2 + 2) × 5 = </a:t>
-                      </a:r>
-                      <a:r>
-                        <a:rPr lang="en-US" sz="1591" b="true">
-                          <a:solidFill>
-                            <a:srgbClr val="000000"/>
-                          </a:solidFill>
-                          <a:latin typeface="Agrandir Bold"/>
-                          <a:ea typeface="Agrandir Bold"/>
-                          <a:cs typeface="Agrandir Bold"/>
-                          <a:sym typeface="Agrandir Bold"/>
-                        </a:rPr>
-                        <a:t>20</a:t>
-                      </a:r>
-                      <a:endParaRPr lang="en-US" sz="1100"/>
-                    </a:p>
-                  </a:txBody>
-                  <a:tcPr marL="76200" marR="76200" marT="76200" marB="76200" anchor="ctr">
+                  <a:tcPr marL="66675" marR="66675" marT="66675" marB="66675" anchor="ctr">
                     <a:lnL cmpd="sng" algn="ctr" cap="flat" w="19050">
                       <a:solidFill>
                         <a:srgbClr val="000000"/>

--- a/Project/Context/tastebud.context.pptx
+++ b/Project/Context/tastebud.context.pptx
@@ -15,21 +15,22 @@
     <p:sldId id="263" r:id="rId13"/>
     <p:sldId id="264" r:id="rId14"/>
     <p:sldId id="265" r:id="rId15"/>
+    <p:sldId id="266" r:id="rId16"/>
   </p:sldIdLst>
   <p:sldSz cx="18288000" cy="10287000"/>
   <p:notesSz cx="6858000" cy="9144000"/>
   <p:embeddedFontLst>
     <p:embeddedFont>
       <p:font typeface="Agrandir Wide Bold" charset="1" panose="00000805000000000000"/>
-      <p:regular r:id="rId16"/>
+      <p:regular r:id="rId17"/>
     </p:embeddedFont>
     <p:embeddedFont>
       <p:font typeface="Agrandir" charset="1" panose="00000500000000000000"/>
-      <p:regular r:id="rId17"/>
+      <p:regular r:id="rId18"/>
     </p:embeddedFont>
     <p:embeddedFont>
       <p:font typeface="Agrandir Bold" charset="1" panose="00000800000000000000"/>
-      <p:regular r:id="rId18"/>
+      <p:regular r:id="rId19"/>
     </p:embeddedFont>
   </p:embeddedFontLst>
   <p:defaultTextStyle>
@@ -3639,6 +3640,50 @@
           </a:blipFill>
         </p:spPr>
       </p:sp>
+      <p:sp>
+        <p:nvSpPr>
+          <p:cNvPr name="TextBox 15" id="15"/>
+          <p:cNvSpPr txBox="true"/>
+          <p:nvPr/>
+        </p:nvSpPr>
+        <p:spPr>
+          <a:xfrm rot="0">
+            <a:off x="12451284" y="8717567"/>
+            <a:ext cx="4707476" cy="479331"/>
+          </a:xfrm>
+          <a:prstGeom prst="rect">
+            <a:avLst/>
+          </a:prstGeom>
+        </p:spPr>
+        <p:txBody>
+          <a:bodyPr anchor="t" rtlCol="false" tIns="0" lIns="0" bIns="0" rIns="0">
+            <a:spAutoFit/>
+          </a:bodyPr>
+          <a:lstStyle/>
+          <a:p>
+            <a:pPr algn="l" marL="0" indent="0" lvl="0">
+              <a:lnSpc>
+                <a:spcPts val="3335"/>
+              </a:lnSpc>
+              <a:spcBef>
+                <a:spcPct val="0"/>
+              </a:spcBef>
+            </a:pPr>
+            <a:r>
+              <a:rPr lang="en-US" b="true" sz="2382" spc="9">
+                <a:solidFill>
+                  <a:srgbClr val="CB0000"/>
+                </a:solidFill>
+                <a:latin typeface="Agrandir Wide Bold"/>
+                <a:ea typeface="Agrandir Wide Bold"/>
+                <a:cs typeface="Agrandir Wide Bold"/>
+                <a:sym typeface="Agrandir Wide Bold"/>
+              </a:rPr>
+              <a:t>Gustavo Camargo (86521)</a:t>
+            </a:r>
+          </a:p>
+        </p:txBody>
+      </p:sp>
     </p:spTree>
   </p:cSld>
   <p:clrMapOvr>
@@ -3648,6 +3693,242 @@
 </file>
 
 <file path=ppt/slides/slide10.xml><?xml version="1.0" encoding="utf-8"?>
+<p:sld xmlns:p="http://schemas.openxmlformats.org/presentationml/2006/main" xmlns:a="http://schemas.openxmlformats.org/drawingml/2006/main" xmlns:r="http://schemas.openxmlformats.org/officeDocument/2006/relationships">
+  <p:cSld>
+    <p:spTree>
+      <p:nvGrpSpPr>
+        <p:cNvPr id="1" name=""/>
+        <p:cNvGrpSpPr/>
+        <p:nvPr/>
+      </p:nvGrpSpPr>
+      <p:grpSpPr>
+        <a:xfrm>
+          <a:off x="0" y="0"/>
+          <a:ext cx="0" cy="0"/>
+          <a:chOff x="0" y="0"/>
+          <a:chExt cx="0" cy="0"/>
+        </a:xfrm>
+      </p:grpSpPr>
+      <p:sp>
+        <p:nvSpPr>
+          <p:cNvPr name="Freeform 2" id="2"/>
+          <p:cNvSpPr/>
+          <p:nvPr/>
+        </p:nvSpPr>
+        <p:spPr>
+          <a:xfrm flipH="false" flipV="false" rot="0">
+            <a:off x="0" y="-5472966"/>
+            <a:ext cx="18288000" cy="18288000"/>
+          </a:xfrm>
+          <a:custGeom>
+            <a:avLst/>
+            <a:gdLst/>
+            <a:ahLst/>
+            <a:cxnLst/>
+            <a:rect r="r" b="b" t="t" l="l"/>
+            <a:pathLst>
+              <a:path h="18288000" w="18288000">
+                <a:moveTo>
+                  <a:pt x="0" y="0"/>
+                </a:moveTo>
+                <a:lnTo>
+                  <a:pt x="18288000" y="0"/>
+                </a:lnTo>
+                <a:lnTo>
+                  <a:pt x="18288000" y="18288000"/>
+                </a:lnTo>
+                <a:lnTo>
+                  <a:pt x="0" y="18288000"/>
+                </a:lnTo>
+                <a:lnTo>
+                  <a:pt x="0" y="0"/>
+                </a:lnTo>
+                <a:close/>
+              </a:path>
+            </a:pathLst>
+          </a:custGeom>
+          <a:blipFill>
+            <a:blip r:embed="rId2">
+              <a:extLst>
+                <a:ext uri="{96DAC541-7B7A-43D3-8B79-37D633B846F1}">
+                  <asvg:svgBlip xmlns:asvg="http://schemas.microsoft.com/office/drawing/2016/SVG/main" r:embed="rId3"/>
+                </a:ext>
+              </a:extLst>
+            </a:blip>
+            <a:stretch>
+              <a:fillRect l="0" t="0" r="0" b="0"/>
+            </a:stretch>
+          </a:blipFill>
+        </p:spPr>
+      </p:sp>
+      <p:pic>
+        <p:nvPicPr>
+          <p:cNvPr name="Picture 3" id="3"/>
+          <p:cNvPicPr>
+            <a:picLocks noChangeAspect="true"/>
+          </p:cNvPicPr>
+          <p:nvPr/>
+        </p:nvPicPr>
+        <p:blipFill>
+          <a:blip r:embed="rId4"/>
+          <a:stretch>
+            <a:fillRect/>
+          </a:stretch>
+        </p:blipFill>
+        <p:spPr>
+          <a:xfrm rot="0">
+            <a:off x="-235979" y="7274276"/>
+            <a:ext cx="6753113" cy="5167070"/>
+          </a:xfrm>
+          <a:prstGeom prst="rect">
+            <a:avLst/>
+          </a:prstGeom>
+        </p:spPr>
+      </p:pic>
+      <p:pic>
+        <p:nvPicPr>
+          <p:cNvPr name="Picture 4" id="4"/>
+          <p:cNvPicPr>
+            <a:picLocks noChangeAspect="true"/>
+          </p:cNvPicPr>
+          <p:nvPr/>
+        </p:nvPicPr>
+        <p:blipFill>
+          <a:blip r:embed="rId5"/>
+          <a:stretch>
+            <a:fillRect/>
+          </a:stretch>
+        </p:blipFill>
+        <p:spPr>
+          <a:xfrm rot="0">
+            <a:off x="5544850" y="2718962"/>
+            <a:ext cx="6753113" cy="5167070"/>
+          </a:xfrm>
+          <a:prstGeom prst="rect">
+            <a:avLst/>
+          </a:prstGeom>
+        </p:spPr>
+      </p:pic>
+      <p:pic>
+        <p:nvPicPr>
+          <p:cNvPr name="Picture 5" id="5"/>
+          <p:cNvPicPr>
+            <a:picLocks noChangeAspect="true"/>
+          </p:cNvPicPr>
+          <p:nvPr/>
+        </p:nvPicPr>
+        <p:blipFill>
+          <a:blip r:embed="rId6"/>
+          <a:stretch>
+            <a:fillRect/>
+          </a:stretch>
+        </p:blipFill>
+        <p:spPr>
+          <a:xfrm rot="0">
+            <a:off x="11267841" y="-1812027"/>
+            <a:ext cx="6753113" cy="5167070"/>
+          </a:xfrm>
+          <a:prstGeom prst="rect">
+            <a:avLst/>
+          </a:prstGeom>
+        </p:spPr>
+      </p:pic>
+      <p:sp>
+        <p:nvSpPr>
+          <p:cNvPr name="TextBox 6" id="6"/>
+          <p:cNvSpPr txBox="true"/>
+          <p:nvPr/>
+        </p:nvSpPr>
+        <p:spPr>
+          <a:xfrm rot="0">
+            <a:off x="12456926" y="6239149"/>
+            <a:ext cx="4802374" cy="3019151"/>
+          </a:xfrm>
+          <a:prstGeom prst="rect">
+            <a:avLst/>
+          </a:prstGeom>
+        </p:spPr>
+        <p:txBody>
+          <a:bodyPr anchor="t" rtlCol="false" tIns="0" lIns="0" bIns="0" rIns="0">
+            <a:spAutoFit/>
+          </a:bodyPr>
+          <a:lstStyle/>
+          <a:p>
+            <a:pPr algn="l">
+              <a:lnSpc>
+                <a:spcPts val="5553"/>
+              </a:lnSpc>
+            </a:pPr>
+            <a:r>
+              <a:rPr lang="en-US" sz="5553" b="true">
+                <a:solidFill>
+                  <a:srgbClr val="CB0000"/>
+                </a:solidFill>
+                <a:latin typeface="Agrandir Wide Bold"/>
+                <a:ea typeface="Agrandir Wide Bold"/>
+                <a:cs typeface="Agrandir Wide Bold"/>
+                <a:sym typeface="Agrandir Wide Bold"/>
+              </a:rPr>
+              <a:t>Finding Your Taste, One Dish at a Time.</a:t>
+            </a:r>
+          </a:p>
+        </p:txBody>
+      </p:sp>
+      <p:sp>
+        <p:nvSpPr>
+          <p:cNvPr name="Freeform 7" id="7"/>
+          <p:cNvSpPr/>
+          <p:nvPr/>
+        </p:nvSpPr>
+        <p:spPr>
+          <a:xfrm flipH="false" flipV="false" rot="0">
+            <a:off x="1028700" y="1028700"/>
+            <a:ext cx="5746203" cy="1691590"/>
+          </a:xfrm>
+          <a:custGeom>
+            <a:avLst/>
+            <a:gdLst/>
+            <a:ahLst/>
+            <a:cxnLst/>
+            <a:rect r="r" b="b" t="t" l="l"/>
+            <a:pathLst>
+              <a:path h="1691590" w="5746203">
+                <a:moveTo>
+                  <a:pt x="0" y="0"/>
+                </a:moveTo>
+                <a:lnTo>
+                  <a:pt x="5746203" y="0"/>
+                </a:lnTo>
+                <a:lnTo>
+                  <a:pt x="5746203" y="1691590"/>
+                </a:lnTo>
+                <a:lnTo>
+                  <a:pt x="0" y="1691590"/>
+                </a:lnTo>
+                <a:lnTo>
+                  <a:pt x="0" y="0"/>
+                </a:lnTo>
+                <a:close/>
+              </a:path>
+            </a:pathLst>
+          </a:custGeom>
+          <a:blipFill>
+            <a:blip r:embed="rId7"/>
+            <a:stretch>
+              <a:fillRect l="-27580" t="-90300" r="-24589" b="-100459"/>
+            </a:stretch>
+          </a:blipFill>
+        </p:spPr>
+      </p:sp>
+    </p:spTree>
+  </p:cSld>
+  <p:clrMapOvr>
+    <a:masterClrMapping/>
+  </p:clrMapOvr>
+</p:sld>
+</file>
+
+<file path=ppt/slides/slide11.xml><?xml version="1.0" encoding="utf-8"?>
 <p:sld xmlns:p="http://schemas.openxmlformats.org/presentationml/2006/main" xmlns:a="http://schemas.openxmlformats.org/drawingml/2006/main" xmlns:r="http://schemas.openxmlformats.org/officeDocument/2006/relationships">
   <p:cSld>
     <p:spTree>
@@ -3847,6 +4128,286 @@
         </p:nvSpPr>
         <p:spPr>
           <a:xfrm rot="0">
+            <a:off x="7732382" y="981075"/>
+            <a:ext cx="2823236" cy="713256"/>
+          </a:xfrm>
+          <a:prstGeom prst="rect">
+            <a:avLst/>
+          </a:prstGeom>
+        </p:spPr>
+        <p:txBody>
+          <a:bodyPr anchor="t" rtlCol="false" tIns="0" lIns="0" bIns="0" rIns="0">
+            <a:spAutoFit/>
+          </a:bodyPr>
+          <a:lstStyle/>
+          <a:p>
+            <a:pPr algn="l">
+              <a:lnSpc>
+                <a:spcPts val="4367"/>
+              </a:lnSpc>
+            </a:pPr>
+            <a:r>
+              <a:rPr lang="en-US" sz="4367" b="true">
+                <a:solidFill>
+                  <a:srgbClr val="CB0000"/>
+                </a:solidFill>
+                <a:latin typeface="Agrandir Wide Bold"/>
+                <a:ea typeface="Agrandir Wide Bold"/>
+                <a:cs typeface="Agrandir Wide Bold"/>
+                <a:sym typeface="Agrandir Wide Bold"/>
+              </a:rPr>
+              <a:t>Agenda</a:t>
+            </a:r>
+          </a:p>
+        </p:txBody>
+      </p:sp>
+      <p:sp>
+        <p:nvSpPr>
+          <p:cNvPr name="TextBox 4" id="4"/>
+          <p:cNvSpPr txBox="true"/>
+          <p:nvPr/>
+        </p:nvSpPr>
+        <p:spPr>
+          <a:xfrm rot="0">
+            <a:off x="5026836" y="2320067"/>
+            <a:ext cx="8234327" cy="6123116"/>
+          </a:xfrm>
+          <a:prstGeom prst="rect">
+            <a:avLst/>
+          </a:prstGeom>
+        </p:spPr>
+        <p:txBody>
+          <a:bodyPr anchor="t" rtlCol="false" tIns="0" lIns="0" bIns="0" rIns="0">
+            <a:spAutoFit/>
+          </a:bodyPr>
+          <a:lstStyle/>
+          <a:p>
+            <a:pPr algn="l" marL="665484" indent="-332742" lvl="1">
+              <a:lnSpc>
+                <a:spcPts val="6935"/>
+              </a:lnSpc>
+              <a:buAutoNum type="arabicPeriod" startAt="1"/>
+            </a:pPr>
+            <a:r>
+              <a:rPr lang="en-US" b="true" sz="3082" spc="12">
+                <a:solidFill>
+                  <a:srgbClr val="000000"/>
+                </a:solidFill>
+                <a:latin typeface="Agrandir Wide Bold"/>
+                <a:ea typeface="Agrandir Wide Bold"/>
+                <a:cs typeface="Agrandir Wide Bold"/>
+                <a:sym typeface="Agrandir Wide Bold"/>
+              </a:rPr>
+              <a:t>Context</a:t>
+            </a:r>
+          </a:p>
+          <a:p>
+            <a:pPr algn="l" marL="665484" indent="-332742" lvl="1">
+              <a:lnSpc>
+                <a:spcPts val="6935"/>
+              </a:lnSpc>
+              <a:buAutoNum type="arabicPeriod" startAt="1"/>
+            </a:pPr>
+            <a:r>
+              <a:rPr lang="en-US" b="true" sz="3082" spc="12" u="none">
+                <a:solidFill>
+                  <a:srgbClr val="000000"/>
+                </a:solidFill>
+                <a:latin typeface="Agrandir Wide Bold"/>
+                <a:ea typeface="Agrandir Wide Bold"/>
+                <a:cs typeface="Agrandir Wide Bold"/>
+                <a:sym typeface="Agrandir Wide Bold"/>
+              </a:rPr>
+              <a:t>Flow</a:t>
+            </a:r>
+          </a:p>
+          <a:p>
+            <a:pPr algn="l" marL="665484" indent="-332742" lvl="1">
+              <a:lnSpc>
+                <a:spcPts val="6935"/>
+              </a:lnSpc>
+              <a:buAutoNum type="arabicPeriod" startAt="1"/>
+            </a:pPr>
+            <a:r>
+              <a:rPr lang="en-US" b="true" sz="3082" spc="12" u="none">
+                <a:solidFill>
+                  <a:srgbClr val="000000"/>
+                </a:solidFill>
+                <a:latin typeface="Agrandir Wide Bold"/>
+                <a:ea typeface="Agrandir Wide Bold"/>
+                <a:cs typeface="Agrandir Wide Bold"/>
+                <a:sym typeface="Agrandir Wide Bold"/>
+              </a:rPr>
+              <a:t>Functional Requirements </a:t>
+            </a:r>
+          </a:p>
+          <a:p>
+            <a:pPr algn="l" marL="665484" indent="-332742" lvl="1">
+              <a:lnSpc>
+                <a:spcPts val="6935"/>
+              </a:lnSpc>
+              <a:buAutoNum type="arabicPeriod" startAt="1"/>
+            </a:pPr>
+            <a:r>
+              <a:rPr lang="en-US" b="true" sz="3082" spc="12" u="none">
+                <a:solidFill>
+                  <a:srgbClr val="000000"/>
+                </a:solidFill>
+                <a:latin typeface="Agrandir Wide Bold"/>
+                <a:ea typeface="Agrandir Wide Bold"/>
+                <a:cs typeface="Agrandir Wide Bold"/>
+                <a:sym typeface="Agrandir Wide Bold"/>
+              </a:rPr>
+              <a:t>Non-Functional Requirements</a:t>
+            </a:r>
+          </a:p>
+          <a:p>
+            <a:pPr algn="l" marL="665484" indent="-332742" lvl="1">
+              <a:lnSpc>
+                <a:spcPts val="6935"/>
+              </a:lnSpc>
+              <a:buAutoNum type="arabicPeriod" startAt="1"/>
+            </a:pPr>
+            <a:r>
+              <a:rPr lang="en-US" b="true" sz="3082" spc="12" u="none">
+                <a:solidFill>
+                  <a:srgbClr val="000000"/>
+                </a:solidFill>
+                <a:latin typeface="Agrandir Wide Bold"/>
+                <a:ea typeface="Agrandir Wide Bold"/>
+                <a:cs typeface="Agrandir Wide Bold"/>
+                <a:sym typeface="Agrandir Wide Bold"/>
+              </a:rPr>
+              <a:t>Quality Attributes</a:t>
+            </a:r>
+          </a:p>
+          <a:p>
+            <a:pPr algn="l" marL="665484" indent="-332742" lvl="1">
+              <a:lnSpc>
+                <a:spcPts val="6935"/>
+              </a:lnSpc>
+              <a:buAutoNum type="arabicPeriod" startAt="1"/>
+            </a:pPr>
+            <a:r>
+              <a:rPr lang="en-US" b="true" sz="3082" spc="12" u="none">
+                <a:solidFill>
+                  <a:srgbClr val="000000"/>
+                </a:solidFill>
+                <a:latin typeface="Agrandir Wide Bold"/>
+                <a:ea typeface="Agrandir Wide Bold"/>
+                <a:cs typeface="Agrandir Wide Bold"/>
+                <a:sym typeface="Agrandir Wide Bold"/>
+              </a:rPr>
+              <a:t>Ponderation</a:t>
+            </a:r>
+          </a:p>
+          <a:p>
+            <a:pPr algn="l" marL="665484" indent="-332742" lvl="1">
+              <a:lnSpc>
+                <a:spcPts val="6935"/>
+              </a:lnSpc>
+              <a:buAutoNum type="arabicPeriod" startAt="1"/>
+            </a:pPr>
+            <a:r>
+              <a:rPr lang="en-US" b="true" sz="3082" spc="12" u="none">
+                <a:solidFill>
+                  <a:srgbClr val="000000"/>
+                </a:solidFill>
+                <a:latin typeface="Agrandir Wide Bold"/>
+                <a:ea typeface="Agrandir Wide Bold"/>
+                <a:cs typeface="Agrandir Wide Bold"/>
+                <a:sym typeface="Agrandir Wide Bold"/>
+              </a:rPr>
+              <a:t>Flyers</a:t>
+            </a:r>
+          </a:p>
+        </p:txBody>
+      </p:sp>
+    </p:spTree>
+  </p:cSld>
+  <p:clrMapOvr>
+    <a:masterClrMapping/>
+  </p:clrMapOvr>
+</p:sld>
+</file>
+
+<file path=ppt/slides/slide3.xml><?xml version="1.0" encoding="utf-8"?>
+<p:sld xmlns:p="http://schemas.openxmlformats.org/presentationml/2006/main" xmlns:a="http://schemas.openxmlformats.org/drawingml/2006/main" xmlns:r="http://schemas.openxmlformats.org/officeDocument/2006/relationships">
+  <p:cSld>
+    <p:spTree>
+      <p:nvGrpSpPr>
+        <p:cNvPr id="1" name=""/>
+        <p:cNvGrpSpPr/>
+        <p:nvPr/>
+      </p:nvGrpSpPr>
+      <p:grpSpPr>
+        <a:xfrm>
+          <a:off x="0" y="0"/>
+          <a:ext cx="0" cy="0"/>
+          <a:chOff x="0" y="0"/>
+          <a:chExt cx="0" cy="0"/>
+        </a:xfrm>
+      </p:grpSpPr>
+      <p:sp>
+        <p:nvSpPr>
+          <p:cNvPr name="Freeform 2" id="2"/>
+          <p:cNvSpPr/>
+          <p:nvPr/>
+        </p:nvSpPr>
+        <p:spPr>
+          <a:xfrm flipH="false" flipV="false" rot="0">
+            <a:off x="0" y="-5472966"/>
+            <a:ext cx="18288000" cy="18288000"/>
+          </a:xfrm>
+          <a:custGeom>
+            <a:avLst/>
+            <a:gdLst/>
+            <a:ahLst/>
+            <a:cxnLst/>
+            <a:rect r="r" b="b" t="t" l="l"/>
+            <a:pathLst>
+              <a:path h="18288000" w="18288000">
+                <a:moveTo>
+                  <a:pt x="0" y="0"/>
+                </a:moveTo>
+                <a:lnTo>
+                  <a:pt x="18288000" y="0"/>
+                </a:lnTo>
+                <a:lnTo>
+                  <a:pt x="18288000" y="18288000"/>
+                </a:lnTo>
+                <a:lnTo>
+                  <a:pt x="0" y="18288000"/>
+                </a:lnTo>
+                <a:lnTo>
+                  <a:pt x="0" y="0"/>
+                </a:lnTo>
+                <a:close/>
+              </a:path>
+            </a:pathLst>
+          </a:custGeom>
+          <a:blipFill>
+            <a:blip r:embed="rId2">
+              <a:extLst>
+                <a:ext uri="{96DAC541-7B7A-43D3-8B79-37D633B846F1}">
+                  <asvg:svgBlip xmlns:asvg="http://schemas.microsoft.com/office/drawing/2016/SVG/main" r:embed="rId3"/>
+                </a:ext>
+              </a:extLst>
+            </a:blip>
+            <a:stretch>
+              <a:fillRect l="0" t="0" r="0" b="0"/>
+            </a:stretch>
+          </a:blipFill>
+        </p:spPr>
+      </p:sp>
+      <p:sp>
+        <p:nvSpPr>
+          <p:cNvPr name="TextBox 3" id="3"/>
+          <p:cNvSpPr txBox="true"/>
+          <p:nvPr/>
+        </p:nvSpPr>
+        <p:spPr>
+          <a:xfrm rot="0">
             <a:off x="7732382" y="648260"/>
             <a:ext cx="2823236" cy="713256"/>
           </a:xfrm>
@@ -3958,7 +4519,7 @@
 </p:sld>
 </file>
 
-<file path=ppt/slides/slide3.xml><?xml version="1.0" encoding="utf-8"?>
+<file path=ppt/slides/slide4.xml><?xml version="1.0" encoding="utf-8"?>
 <p:sld xmlns:p="http://schemas.openxmlformats.org/presentationml/2006/main" xmlns:a="http://schemas.openxmlformats.org/drawingml/2006/main" xmlns:r="http://schemas.openxmlformats.org/officeDocument/2006/relationships">
   <p:cSld>
     <p:spTree>
@@ -4073,9 +4634,137 @@
           </a:blipFill>
         </p:spPr>
       </p:sp>
+      <p:grpSp>
+        <p:nvGrpSpPr>
+          <p:cNvPr name="Group 4" id="4"/>
+          <p:cNvGrpSpPr/>
+          <p:nvPr/>
+        </p:nvGrpSpPr>
+        <p:grpSpPr>
+          <a:xfrm rot="0">
+            <a:off x="7600950" y="2859319"/>
+            <a:ext cx="3086100" cy="1588296"/>
+            <a:chOff x="0" y="0"/>
+            <a:chExt cx="812800" cy="418317"/>
+          </a:xfrm>
+        </p:grpSpPr>
+        <p:sp>
+          <p:nvSpPr>
+            <p:cNvPr name="Freeform 5" id="5"/>
+            <p:cNvSpPr/>
+            <p:nvPr/>
+          </p:nvSpPr>
+          <p:spPr>
+            <a:xfrm flipH="false" flipV="false" rot="0">
+              <a:off x="0" y="0"/>
+              <a:ext cx="812800" cy="418317"/>
+            </a:xfrm>
+            <a:custGeom>
+              <a:avLst/>
+              <a:gdLst/>
+              <a:ahLst/>
+              <a:cxnLst/>
+              <a:rect r="r" b="b" t="t" l="l"/>
+              <a:pathLst>
+                <a:path h="418317" w="812800">
+                  <a:moveTo>
+                    <a:pt x="0" y="0"/>
+                  </a:moveTo>
+                  <a:lnTo>
+                    <a:pt x="812800" y="0"/>
+                  </a:lnTo>
+                  <a:lnTo>
+                    <a:pt x="812800" y="418317"/>
+                  </a:lnTo>
+                  <a:lnTo>
+                    <a:pt x="0" y="418317"/>
+                  </a:lnTo>
+                  <a:close/>
+                </a:path>
+              </a:pathLst>
+            </a:custGeom>
+            <a:solidFill>
+              <a:srgbClr val="FDFDFD"/>
+            </a:solidFill>
+          </p:spPr>
+        </p:sp>
+        <p:sp>
+          <p:nvSpPr>
+            <p:cNvPr name="TextBox 6" id="6"/>
+            <p:cNvSpPr txBox="true"/>
+            <p:nvPr/>
+          </p:nvSpPr>
+          <p:spPr>
+            <a:xfrm>
+              <a:off x="0" y="-85725"/>
+              <a:ext cx="812800" cy="504042"/>
+            </a:xfrm>
+            <a:prstGeom prst="rect">
+              <a:avLst/>
+            </a:prstGeom>
+          </p:spPr>
+          <p:txBody>
+            <a:bodyPr anchor="ctr" rtlCol="false" tIns="50800" lIns="50800" bIns="50800" rIns="50800"/>
+            <a:lstStyle/>
+            <a:p>
+              <a:pPr algn="ctr">
+                <a:lnSpc>
+                  <a:spcPts val="2223"/>
+                </a:lnSpc>
+              </a:pPr>
+            </a:p>
+          </p:txBody>
+        </p:sp>
+      </p:grpSp>
       <p:sp>
         <p:nvSpPr>
-          <p:cNvPr name="TextBox 4" id="4"/>
+          <p:cNvPr name="Freeform 7" id="7"/>
+          <p:cNvSpPr/>
+          <p:nvPr/>
+        </p:nvSpPr>
+        <p:spPr>
+          <a:xfrm flipH="false" flipV="false" rot="0">
+            <a:off x="7509346" y="3485184"/>
+            <a:ext cx="3269308" cy="962432"/>
+          </a:xfrm>
+          <a:custGeom>
+            <a:avLst/>
+            <a:gdLst/>
+            <a:ahLst/>
+            <a:cxnLst/>
+            <a:rect r="r" b="b" t="t" l="l"/>
+            <a:pathLst>
+              <a:path h="962432" w="3269308">
+                <a:moveTo>
+                  <a:pt x="0" y="0"/>
+                </a:moveTo>
+                <a:lnTo>
+                  <a:pt x="3269308" y="0"/>
+                </a:lnTo>
+                <a:lnTo>
+                  <a:pt x="3269308" y="962431"/>
+                </a:lnTo>
+                <a:lnTo>
+                  <a:pt x="0" y="962431"/>
+                </a:lnTo>
+                <a:lnTo>
+                  <a:pt x="0" y="0"/>
+                </a:lnTo>
+                <a:close/>
+              </a:path>
+            </a:pathLst>
+          </a:custGeom>
+          <a:blipFill>
+            <a:blip r:embed="rId5"/>
+            <a:stretch>
+              <a:fillRect l="-27580" t="-90300" r="-24589" b="-100459"/>
+            </a:stretch>
+          </a:blipFill>
+        </p:spPr>
+      </p:sp>
+      <p:sp>
+        <p:nvSpPr>
+          <p:cNvPr name="TextBox 8" id="8"/>
           <p:cNvSpPr txBox="true"/>
           <p:nvPr/>
         </p:nvSpPr>
@@ -4122,7 +4811,7 @@
 </p:sld>
 </file>
 
-<file path=ppt/slides/slide4.xml><?xml version="1.0" encoding="utf-8"?>
+<file path=ppt/slides/slide5.xml><?xml version="1.0" encoding="utf-8"?>
 <p:sld xmlns:p="http://schemas.openxmlformats.org/presentationml/2006/main" xmlns:a="http://schemas.openxmlformats.org/drawingml/2006/main" xmlns:r="http://schemas.openxmlformats.org/officeDocument/2006/relationships">
   <p:cSld>
     <p:spTree>
@@ -6246,7 +6935,7 @@
 </p:sld>
 </file>
 
-<file path=ppt/slides/slide5.xml><?xml version="1.0" encoding="utf-8"?>
+<file path=ppt/slides/slide6.xml><?xml version="1.0" encoding="utf-8"?>
 <p:sld xmlns:p="http://schemas.openxmlformats.org/presentationml/2006/main" xmlns:a="http://schemas.openxmlformats.org/drawingml/2006/main" xmlns:r="http://schemas.openxmlformats.org/officeDocument/2006/relationships">
   <p:cSld>
     <p:spTree>
@@ -8370,7 +9059,7 @@
 </p:sld>
 </file>
 
-<file path=ppt/slides/slide6.xml><?xml version="1.0" encoding="utf-8"?>
+<file path=ppt/slides/slide7.xml><?xml version="1.0" encoding="utf-8"?>
 <p:sld xmlns:p="http://schemas.openxmlformats.org/presentationml/2006/main" xmlns:a="http://schemas.openxmlformats.org/drawingml/2006/main" xmlns:r="http://schemas.openxmlformats.org/officeDocument/2006/relationships">
   <p:cSld>
     <p:spTree>
@@ -14121,7 +14810,7 @@
 </p:sld>
 </file>
 
-<file path=ppt/slides/slide7.xml><?xml version="1.0" encoding="utf-8"?>
+<file path=ppt/slides/slide8.xml><?xml version="1.0" encoding="utf-8"?>
 <p:sld xmlns:p="http://schemas.openxmlformats.org/presentationml/2006/main" xmlns:a="http://schemas.openxmlformats.org/drawingml/2006/main" xmlns:r="http://schemas.openxmlformats.org/officeDocument/2006/relationships">
   <p:cSld>
     <p:spTree>
@@ -15831,7 +16520,7 @@
                           <a:cs typeface="Agrandir"/>
                           <a:sym typeface="Agrandir"/>
                         </a:rPr>
-                        <a:t>- Average response time (&lt; X seconds)- Throughput (# of recommendation queries handled per second)</a:t>
+                        <a:t>- Average response time (&lt; 5 seconds)- Throughput (# of recommendation queries handled per second)</a:t>
                       </a:r>
                       <a:endParaRPr lang="en-US" sz="1100"/>
                     </a:p>
@@ -16321,7 +17010,7 @@
                           <a:cs typeface="Agrandir"/>
                           <a:sym typeface="Agrandir"/>
                         </a:rPr>
-                        <a:t>- Mean time to fix (MTTF) &lt; X days- Code coverage or cyclomatic complexity metrics</a:t>
+                        <a:t>- Mean time to fix (MTTF) &lt; 3 days- Code coverage or cyclomatic complexity metrics</a:t>
                       </a:r>
                       <a:endParaRPr lang="en-US" sz="1100"/>
                     </a:p>
@@ -17791,7 +18480,7 @@
                           <a:cs typeface="Agrandir"/>
                           <a:sym typeface="Agrandir"/>
                         </a:rPr>
-                        <a:t>- System uptime ≥ 99.9% (monthly)- Average recovery time after a crash/outage</a:t>
+                        <a:t>- System uptime ≥ 99.5% (monthly)- Average recovery time after a crash/outage</a:t>
                       </a:r>
                       <a:endParaRPr lang="en-US" sz="1100"/>
                     </a:p>
@@ -18176,7 +18865,7 @@
 </p:sld>
 </file>
 
-<file path=ppt/slides/slide8.xml><?xml version="1.0" encoding="utf-8"?>
+<file path=ppt/slides/slide9.xml><?xml version="1.0" encoding="utf-8"?>
 <p:sld xmlns:p="http://schemas.openxmlformats.org/presentationml/2006/main" xmlns:a="http://schemas.openxmlformats.org/drawingml/2006/main" xmlns:r="http://schemas.openxmlformats.org/officeDocument/2006/relationships">
   <p:cSld>
     <p:spTree>
@@ -20021,242 +20710,6 @@
 </p:sld>
 </file>
 
-<file path=ppt/slides/slide9.xml><?xml version="1.0" encoding="utf-8"?>
-<p:sld xmlns:p="http://schemas.openxmlformats.org/presentationml/2006/main" xmlns:a="http://schemas.openxmlformats.org/drawingml/2006/main" xmlns:r="http://schemas.openxmlformats.org/officeDocument/2006/relationships">
-  <p:cSld>
-    <p:spTree>
-      <p:nvGrpSpPr>
-        <p:cNvPr id="1" name=""/>
-        <p:cNvGrpSpPr/>
-        <p:nvPr/>
-      </p:nvGrpSpPr>
-      <p:grpSpPr>
-        <a:xfrm>
-          <a:off x="0" y="0"/>
-          <a:ext cx="0" cy="0"/>
-          <a:chOff x="0" y="0"/>
-          <a:chExt cx="0" cy="0"/>
-        </a:xfrm>
-      </p:grpSpPr>
-      <p:sp>
-        <p:nvSpPr>
-          <p:cNvPr name="Freeform 2" id="2"/>
-          <p:cNvSpPr/>
-          <p:nvPr/>
-        </p:nvSpPr>
-        <p:spPr>
-          <a:xfrm flipH="false" flipV="false" rot="0">
-            <a:off x="0" y="-5472966"/>
-            <a:ext cx="18288000" cy="18288000"/>
-          </a:xfrm>
-          <a:custGeom>
-            <a:avLst/>
-            <a:gdLst/>
-            <a:ahLst/>
-            <a:cxnLst/>
-            <a:rect r="r" b="b" t="t" l="l"/>
-            <a:pathLst>
-              <a:path h="18288000" w="18288000">
-                <a:moveTo>
-                  <a:pt x="0" y="0"/>
-                </a:moveTo>
-                <a:lnTo>
-                  <a:pt x="18288000" y="0"/>
-                </a:lnTo>
-                <a:lnTo>
-                  <a:pt x="18288000" y="18288000"/>
-                </a:lnTo>
-                <a:lnTo>
-                  <a:pt x="0" y="18288000"/>
-                </a:lnTo>
-                <a:lnTo>
-                  <a:pt x="0" y="0"/>
-                </a:lnTo>
-                <a:close/>
-              </a:path>
-            </a:pathLst>
-          </a:custGeom>
-          <a:blipFill>
-            <a:blip r:embed="rId2">
-              <a:extLst>
-                <a:ext uri="{96DAC541-7B7A-43D3-8B79-37D633B846F1}">
-                  <asvg:svgBlip xmlns:asvg="http://schemas.microsoft.com/office/drawing/2016/SVG/main" r:embed="rId3"/>
-                </a:ext>
-              </a:extLst>
-            </a:blip>
-            <a:stretch>
-              <a:fillRect l="0" t="0" r="0" b="0"/>
-            </a:stretch>
-          </a:blipFill>
-        </p:spPr>
-      </p:sp>
-      <p:pic>
-        <p:nvPicPr>
-          <p:cNvPr name="Picture 3" id="3"/>
-          <p:cNvPicPr>
-            <a:picLocks noChangeAspect="true"/>
-          </p:cNvPicPr>
-          <p:nvPr/>
-        </p:nvPicPr>
-        <p:blipFill>
-          <a:blip r:embed="rId4"/>
-          <a:stretch>
-            <a:fillRect/>
-          </a:stretch>
-        </p:blipFill>
-        <p:spPr>
-          <a:xfrm rot="0">
-            <a:off x="-235979" y="7274276"/>
-            <a:ext cx="6753113" cy="5167070"/>
-          </a:xfrm>
-          <a:prstGeom prst="rect">
-            <a:avLst/>
-          </a:prstGeom>
-        </p:spPr>
-      </p:pic>
-      <p:pic>
-        <p:nvPicPr>
-          <p:cNvPr name="Picture 4" id="4"/>
-          <p:cNvPicPr>
-            <a:picLocks noChangeAspect="true"/>
-          </p:cNvPicPr>
-          <p:nvPr/>
-        </p:nvPicPr>
-        <p:blipFill>
-          <a:blip r:embed="rId5"/>
-          <a:stretch>
-            <a:fillRect/>
-          </a:stretch>
-        </p:blipFill>
-        <p:spPr>
-          <a:xfrm rot="0">
-            <a:off x="5544850" y="2718962"/>
-            <a:ext cx="6753113" cy="5167070"/>
-          </a:xfrm>
-          <a:prstGeom prst="rect">
-            <a:avLst/>
-          </a:prstGeom>
-        </p:spPr>
-      </p:pic>
-      <p:pic>
-        <p:nvPicPr>
-          <p:cNvPr name="Picture 5" id="5"/>
-          <p:cNvPicPr>
-            <a:picLocks noChangeAspect="true"/>
-          </p:cNvPicPr>
-          <p:nvPr/>
-        </p:nvPicPr>
-        <p:blipFill>
-          <a:blip r:embed="rId6"/>
-          <a:stretch>
-            <a:fillRect/>
-          </a:stretch>
-        </p:blipFill>
-        <p:spPr>
-          <a:xfrm rot="0">
-            <a:off x="11267841" y="-1812027"/>
-            <a:ext cx="6753113" cy="5167070"/>
-          </a:xfrm>
-          <a:prstGeom prst="rect">
-            <a:avLst/>
-          </a:prstGeom>
-        </p:spPr>
-      </p:pic>
-      <p:sp>
-        <p:nvSpPr>
-          <p:cNvPr name="TextBox 6" id="6"/>
-          <p:cNvSpPr txBox="true"/>
-          <p:nvPr/>
-        </p:nvSpPr>
-        <p:spPr>
-          <a:xfrm rot="0">
-            <a:off x="12456926" y="6239149"/>
-            <a:ext cx="4802374" cy="3019151"/>
-          </a:xfrm>
-          <a:prstGeom prst="rect">
-            <a:avLst/>
-          </a:prstGeom>
-        </p:spPr>
-        <p:txBody>
-          <a:bodyPr anchor="t" rtlCol="false" tIns="0" lIns="0" bIns="0" rIns="0">
-            <a:spAutoFit/>
-          </a:bodyPr>
-          <a:lstStyle/>
-          <a:p>
-            <a:pPr algn="l">
-              <a:lnSpc>
-                <a:spcPts val="5553"/>
-              </a:lnSpc>
-            </a:pPr>
-            <a:r>
-              <a:rPr lang="en-US" sz="5553" b="true">
-                <a:solidFill>
-                  <a:srgbClr val="CB0000"/>
-                </a:solidFill>
-                <a:latin typeface="Agrandir Wide Bold"/>
-                <a:ea typeface="Agrandir Wide Bold"/>
-                <a:cs typeface="Agrandir Wide Bold"/>
-                <a:sym typeface="Agrandir Wide Bold"/>
-              </a:rPr>
-              <a:t>Finding Your Taste, One Dish at a Time.</a:t>
-            </a:r>
-          </a:p>
-        </p:txBody>
-      </p:sp>
-      <p:sp>
-        <p:nvSpPr>
-          <p:cNvPr name="Freeform 7" id="7"/>
-          <p:cNvSpPr/>
-          <p:nvPr/>
-        </p:nvSpPr>
-        <p:spPr>
-          <a:xfrm flipH="false" flipV="false" rot="0">
-            <a:off x="1028700" y="1028700"/>
-            <a:ext cx="5746203" cy="1691590"/>
-          </a:xfrm>
-          <a:custGeom>
-            <a:avLst/>
-            <a:gdLst/>
-            <a:ahLst/>
-            <a:cxnLst/>
-            <a:rect r="r" b="b" t="t" l="l"/>
-            <a:pathLst>
-              <a:path h="1691590" w="5746203">
-                <a:moveTo>
-                  <a:pt x="0" y="0"/>
-                </a:moveTo>
-                <a:lnTo>
-                  <a:pt x="5746203" y="0"/>
-                </a:lnTo>
-                <a:lnTo>
-                  <a:pt x="5746203" y="1691590"/>
-                </a:lnTo>
-                <a:lnTo>
-                  <a:pt x="0" y="1691590"/>
-                </a:lnTo>
-                <a:lnTo>
-                  <a:pt x="0" y="0"/>
-                </a:lnTo>
-                <a:close/>
-              </a:path>
-            </a:pathLst>
-          </a:custGeom>
-          <a:blipFill>
-            <a:blip r:embed="rId7"/>
-            <a:stretch>
-              <a:fillRect l="-27580" t="-90300" r="-24589" b="-100459"/>
-            </a:stretch>
-          </a:blipFill>
-        </p:spPr>
-      </p:sp>
-    </p:spTree>
-  </p:cSld>
-  <p:clrMapOvr>
-    <a:masterClrMapping/>
-  </p:clrMapOvr>
-</p:sld>
-</file>
-
 <file path=ppt/theme/theme1.xml><?xml version="1.0" encoding="utf-8"?>
 <a:theme xmlns:a="http://schemas.openxmlformats.org/drawingml/2006/main" name="Office Theme">
   <a:themeElements>

--- a/Project/Context/tastebud.context.pptx
+++ b/Project/Context/tastebud.context.pptx
@@ -9946,7 +9946,7 @@
                           <a:cs typeface="Agrandir"/>
                           <a:sym typeface="Agrandir"/>
                         </a:rPr>
-                        <a:t>20</a:t>
+                        <a:t>8</a:t>
                       </a:r>
                       <a:endParaRPr lang="en-US" sz="1100"/>
                     </a:p>
@@ -10014,7 +10014,7 @@
                           <a:cs typeface="Agrandir"/>
                           <a:sym typeface="Agrandir"/>
                         </a:rPr>
-                        <a:t>8</a:t>
+                        <a:t>20</a:t>
                       </a:r>
                       <a:endParaRPr lang="en-US" sz="1100"/>
                     </a:p>
@@ -10560,6 +10560,74 @@
                           <a:cs typeface="Agrandir"/>
                           <a:sym typeface="Agrandir"/>
                         </a:rPr>
+                        <a:t>5</a:t>
+                      </a:r>
+                      <a:endParaRPr lang="en-US" sz="1100"/>
+                    </a:p>
+                  </a:txBody>
+                  <a:tcPr marL="57150" marR="57150" marT="57150" marB="57150" anchor="ctr">
+                    <a:lnL cmpd="sng" algn="ctr" cap="flat" w="9525">
+                      <a:solidFill>
+                        <a:srgbClr val="000000"/>
+                      </a:solidFill>
+                      <a:prstDash val="solid"/>
+                      <a:round/>
+                      <a:headEnd type="none" w="med" len="med"/>
+                      <a:tailEnd type="none" w="med" len="med"/>
+                    </a:lnL>
+                    <a:lnR cmpd="sng" algn="ctr" cap="flat" w="9525">
+                      <a:solidFill>
+                        <a:srgbClr val="000000"/>
+                      </a:solidFill>
+                      <a:prstDash val="solid"/>
+                      <a:round/>
+                      <a:headEnd type="none" w="med" len="med"/>
+                      <a:tailEnd type="none" w="med" len="med"/>
+                    </a:lnR>
+                    <a:lnT cmpd="sng" algn="ctr" cap="flat" w="9525">
+                      <a:solidFill>
+                        <a:srgbClr val="000000"/>
+                      </a:solidFill>
+                      <a:prstDash val="solid"/>
+                      <a:round/>
+                      <a:headEnd type="none" w="med" len="med"/>
+                      <a:tailEnd type="none" w="med" len="med"/>
+                    </a:lnT>
+                    <a:lnB cmpd="sng" algn="ctr" cap="flat" w="9525">
+                      <a:solidFill>
+                        <a:srgbClr val="000000"/>
+                      </a:solidFill>
+                      <a:prstDash val="solid"/>
+                      <a:round/>
+                      <a:headEnd type="none" w="med" len="med"/>
+                      <a:tailEnd type="none" w="med" len="med"/>
+                    </a:lnB>
+                    <a:solidFill>
+                      <a:srgbClr val="FFFFFF"/>
+                    </a:solidFill>
+                  </a:tcPr>
+                </a:tc>
+                <a:tc>
+                  <a:txBody>
+                    <a:bodyPr anchor="t" rtlCol="false"/>
+                    <a:lstStyle/>
+                    <a:p>
+                      <a:pPr algn="ctr">
+                        <a:lnSpc>
+                          <a:spcPts val="2647"/>
+                        </a:lnSpc>
+                        <a:defRPr/>
+                      </a:pPr>
+                      <a:r>
+                        <a:rPr lang="en-US" sz="1891">
+                          <a:solidFill>
+                            <a:srgbClr val="000000"/>
+                          </a:solidFill>
+                          <a:latin typeface="Agrandir"/>
+                          <a:ea typeface="Agrandir"/>
+                          <a:cs typeface="Agrandir"/>
+                          <a:sym typeface="Agrandir"/>
+                        </a:rPr>
                         <a:t>15</a:t>
                       </a:r>
                       <a:endParaRPr lang="en-US" sz="1100"/>
@@ -10696,7 +10764,1254 @@
                           <a:cs typeface="Agrandir"/>
                           <a:sym typeface="Agrandir"/>
                         </a:rPr>
+                        <a:t>25</a:t>
+                      </a:r>
+                      <a:endParaRPr lang="en-US" sz="1100"/>
+                    </a:p>
+                  </a:txBody>
+                  <a:tcPr marL="57150" marR="57150" marT="57150" marB="57150" anchor="ctr">
+                    <a:lnL cmpd="sng" algn="ctr" cap="flat" w="9525">
+                      <a:solidFill>
+                        <a:srgbClr val="000000"/>
+                      </a:solidFill>
+                      <a:prstDash val="solid"/>
+                      <a:round/>
+                      <a:headEnd type="none" w="med" len="med"/>
+                      <a:tailEnd type="none" w="med" len="med"/>
+                    </a:lnL>
+                    <a:lnR cmpd="sng" algn="ctr" cap="flat" w="9525">
+                      <a:solidFill>
+                        <a:srgbClr val="000000"/>
+                      </a:solidFill>
+                      <a:prstDash val="solid"/>
+                      <a:round/>
+                      <a:headEnd type="none" w="med" len="med"/>
+                      <a:tailEnd type="none" w="med" len="med"/>
+                    </a:lnR>
+                    <a:lnT cmpd="sng" algn="ctr" cap="flat" w="9525">
+                      <a:solidFill>
+                        <a:srgbClr val="000000"/>
+                      </a:solidFill>
+                      <a:prstDash val="solid"/>
+                      <a:round/>
+                      <a:headEnd type="none" w="med" len="med"/>
+                      <a:tailEnd type="none" w="med" len="med"/>
+                    </a:lnT>
+                    <a:lnB cmpd="sng" algn="ctr" cap="flat" w="9525">
+                      <a:solidFill>
+                        <a:srgbClr val="000000"/>
+                      </a:solidFill>
+                      <a:prstDash val="solid"/>
+                      <a:round/>
+                      <a:headEnd type="none" w="med" len="med"/>
+                      <a:tailEnd type="none" w="med" len="med"/>
+                    </a:lnB>
+                    <a:solidFill>
+                      <a:srgbClr val="FFFFFF"/>
+                    </a:solidFill>
+                  </a:tcPr>
+                </a:tc>
+                <a:tc>
+                  <a:txBody>
+                    <a:bodyPr anchor="t" rtlCol="false"/>
+                    <a:lstStyle/>
+                    <a:p>
+                      <a:pPr algn="ctr">
+                        <a:lnSpc>
+                          <a:spcPts val="2647"/>
+                        </a:lnSpc>
+                        <a:defRPr/>
+                      </a:pPr>
+                      <a:r>
+                        <a:rPr lang="en-US" sz="1891">
+                          <a:solidFill>
+                            <a:srgbClr val="000000"/>
+                          </a:solidFill>
+                          <a:latin typeface="Agrandir"/>
+                          <a:ea typeface="Agrandir"/>
+                          <a:cs typeface="Agrandir"/>
+                          <a:sym typeface="Agrandir"/>
+                        </a:rPr>
+                        <a:t>30</a:t>
+                      </a:r>
+                      <a:endParaRPr lang="en-US" sz="1100"/>
+                    </a:p>
+                  </a:txBody>
+                  <a:tcPr marL="57150" marR="57150" marT="57150" marB="57150" anchor="ctr">
+                    <a:lnL cmpd="sng" algn="ctr" cap="flat" w="9525">
+                      <a:solidFill>
+                        <a:srgbClr val="000000"/>
+                      </a:solidFill>
+                      <a:prstDash val="solid"/>
+                      <a:round/>
+                      <a:headEnd type="none" w="med" len="med"/>
+                      <a:tailEnd type="none" w="med" len="med"/>
+                    </a:lnL>
+                    <a:lnR cmpd="sng" algn="ctr" cap="flat" w="9525">
+                      <a:solidFill>
+                        <a:srgbClr val="000000"/>
+                      </a:solidFill>
+                      <a:prstDash val="solid"/>
+                      <a:round/>
+                      <a:headEnd type="none" w="med" len="med"/>
+                      <a:tailEnd type="none" w="med" len="med"/>
+                    </a:lnR>
+                    <a:lnT cmpd="sng" algn="ctr" cap="flat" w="9525">
+                      <a:solidFill>
+                        <a:srgbClr val="000000"/>
+                      </a:solidFill>
+                      <a:prstDash val="solid"/>
+                      <a:round/>
+                      <a:headEnd type="none" w="med" len="med"/>
+                      <a:tailEnd type="none" w="med" len="med"/>
+                    </a:lnT>
+                    <a:lnB cmpd="sng" algn="ctr" cap="flat" w="9525">
+                      <a:solidFill>
+                        <a:srgbClr val="000000"/>
+                      </a:solidFill>
+                      <a:prstDash val="solid"/>
+                      <a:round/>
+                      <a:headEnd type="none" w="med" len="med"/>
+                      <a:tailEnd type="none" w="med" len="med"/>
+                    </a:lnB>
+                    <a:solidFill>
+                      <a:srgbClr val="FFFFFF"/>
+                    </a:solidFill>
+                  </a:tcPr>
+                </a:tc>
+                <a:tc>
+                  <a:txBody>
+                    <a:bodyPr anchor="t" rtlCol="false"/>
+                    <a:lstStyle/>
+                    <a:p>
+                      <a:pPr algn="ctr">
+                        <a:lnSpc>
+                          <a:spcPts val="2647"/>
+                        </a:lnSpc>
+                        <a:defRPr/>
+                      </a:pPr>
+                      <a:r>
+                        <a:rPr lang="en-US" sz="1891">
+                          <a:solidFill>
+                            <a:srgbClr val="000000"/>
+                          </a:solidFill>
+                          <a:latin typeface="Agrandir"/>
+                          <a:ea typeface="Agrandir"/>
+                          <a:cs typeface="Agrandir"/>
+                          <a:sym typeface="Agrandir"/>
+                        </a:rPr>
+                        <a:t>15</a:t>
+                      </a:r>
+                      <a:endParaRPr lang="en-US" sz="1100"/>
+                    </a:p>
+                  </a:txBody>
+                  <a:tcPr marL="57150" marR="57150" marT="57150" marB="57150" anchor="ctr">
+                    <a:lnL cmpd="sng" algn="ctr" cap="flat" w="9525">
+                      <a:solidFill>
+                        <a:srgbClr val="000000"/>
+                      </a:solidFill>
+                      <a:prstDash val="solid"/>
+                      <a:round/>
+                      <a:headEnd type="none" w="med" len="med"/>
+                      <a:tailEnd type="none" w="med" len="med"/>
+                    </a:lnL>
+                    <a:lnR cmpd="sng" algn="ctr" cap="flat" w="9525">
+                      <a:solidFill>
+                        <a:srgbClr val="000000"/>
+                      </a:solidFill>
+                      <a:prstDash val="solid"/>
+                      <a:round/>
+                      <a:headEnd type="none" w="med" len="med"/>
+                      <a:tailEnd type="none" w="med" len="med"/>
+                    </a:lnR>
+                    <a:lnT cmpd="sng" algn="ctr" cap="flat" w="9525">
+                      <a:solidFill>
+                        <a:srgbClr val="000000"/>
+                      </a:solidFill>
+                      <a:prstDash val="solid"/>
+                      <a:round/>
+                      <a:headEnd type="none" w="med" len="med"/>
+                      <a:tailEnd type="none" w="med" len="med"/>
+                    </a:lnT>
+                    <a:lnB cmpd="sng" algn="ctr" cap="flat" w="9525">
+                      <a:solidFill>
+                        <a:srgbClr val="000000"/>
+                      </a:solidFill>
+                      <a:prstDash val="solid"/>
+                      <a:round/>
+                      <a:headEnd type="none" w="med" len="med"/>
+                      <a:tailEnd type="none" w="med" len="med"/>
+                    </a:lnB>
+                    <a:solidFill>
+                      <a:srgbClr val="FFFFFF"/>
+                    </a:solidFill>
+                  </a:tcPr>
+                </a:tc>
+                <a:tc>
+                  <a:txBody>
+                    <a:bodyPr anchor="t" rtlCol="false"/>
+                    <a:lstStyle/>
+                    <a:p>
+                      <a:pPr algn="ctr">
+                        <a:lnSpc>
+                          <a:spcPts val="2647"/>
+                        </a:lnSpc>
+                        <a:defRPr/>
+                      </a:pPr>
+                      <a:r>
+                        <a:rPr lang="en-US" sz="1891" b="true">
+                          <a:solidFill>
+                            <a:srgbClr val="000000"/>
+                          </a:solidFill>
+                          <a:latin typeface="Agrandir Bold"/>
+                          <a:ea typeface="Agrandir Bold"/>
+                          <a:cs typeface="Agrandir Bold"/>
+                          <a:sym typeface="Agrandir Bold"/>
+                        </a:rPr>
+                        <a:t>100</a:t>
+                      </a:r>
+                      <a:endParaRPr lang="en-US" sz="1100"/>
+                    </a:p>
+                  </a:txBody>
+                  <a:tcPr marL="57150" marR="57150" marT="57150" marB="57150" anchor="ctr">
+                    <a:lnL cmpd="sng" algn="ctr" cap="flat" w="9525">
+                      <a:solidFill>
+                        <a:srgbClr val="000000"/>
+                      </a:solidFill>
+                      <a:prstDash val="solid"/>
+                      <a:round/>
+                      <a:headEnd type="none" w="med" len="med"/>
+                      <a:tailEnd type="none" w="med" len="med"/>
+                    </a:lnL>
+                    <a:lnR cmpd="sng" algn="ctr" cap="flat" w="9525">
+                      <a:solidFill>
+                        <a:srgbClr val="000000"/>
+                      </a:solidFill>
+                      <a:prstDash val="solid"/>
+                      <a:round/>
+                      <a:headEnd type="none" w="med" len="med"/>
+                      <a:tailEnd type="none" w="med" len="med"/>
+                    </a:lnR>
+                    <a:lnT cmpd="sng" algn="ctr" cap="flat" w="9525">
+                      <a:solidFill>
+                        <a:srgbClr val="000000"/>
+                      </a:solidFill>
+                      <a:prstDash val="solid"/>
+                      <a:round/>
+                      <a:headEnd type="none" w="med" len="med"/>
+                      <a:tailEnd type="none" w="med" len="med"/>
+                    </a:lnT>
+                    <a:lnB cmpd="sng" algn="ctr" cap="flat" w="9525">
+                      <a:solidFill>
+                        <a:srgbClr val="000000"/>
+                      </a:solidFill>
+                      <a:prstDash val="solid"/>
+                      <a:round/>
+                      <a:headEnd type="none" w="med" len="med"/>
+                      <a:tailEnd type="none" w="med" len="med"/>
+                    </a:lnB>
+                    <a:solidFill>
+                      <a:srgbClr val="F1E3E3"/>
+                    </a:solidFill>
+                  </a:tcPr>
+                </a:tc>
+              </a:tr>
+              <a:tr h="1044767">
+                <a:tc>
+                  <a:txBody>
+                    <a:bodyPr anchor="t" rtlCol="false"/>
+                    <a:lstStyle/>
+                    <a:p>
+                      <a:pPr algn="ctr">
+                        <a:lnSpc>
+                          <a:spcPts val="2647"/>
+                        </a:lnSpc>
+                        <a:defRPr/>
+                      </a:pPr>
+                      <a:r>
+                        <a:rPr lang="en-US" sz="1891" b="true">
+                          <a:solidFill>
+                            <a:srgbClr val="000000"/>
+                          </a:solidFill>
+                          <a:latin typeface="Agrandir Bold"/>
+                          <a:ea typeface="Agrandir Bold"/>
+                          <a:cs typeface="Agrandir Bold"/>
+                          <a:sym typeface="Agrandir Bold"/>
+                        </a:rPr>
+                        <a:t>Backend Developer</a:t>
+                      </a:r>
+                      <a:endParaRPr lang="en-US" sz="1100"/>
+                    </a:p>
+                  </a:txBody>
+                  <a:tcPr marL="57150" marR="57150" marT="57150" marB="57150" anchor="ctr">
+                    <a:lnL cmpd="sng" algn="ctr" cap="flat" w="9525">
+                      <a:solidFill>
+                        <a:srgbClr val="000000"/>
+                      </a:solidFill>
+                      <a:prstDash val="solid"/>
+                      <a:round/>
+                      <a:headEnd type="none" w="med" len="med"/>
+                      <a:tailEnd type="none" w="med" len="med"/>
+                    </a:lnL>
+                    <a:lnR cmpd="sng" algn="ctr" cap="flat" w="9525">
+                      <a:solidFill>
+                        <a:srgbClr val="000000"/>
+                      </a:solidFill>
+                      <a:prstDash val="solid"/>
+                      <a:round/>
+                      <a:headEnd type="none" w="med" len="med"/>
+                      <a:tailEnd type="none" w="med" len="med"/>
+                    </a:lnR>
+                    <a:lnT cmpd="sng" algn="ctr" cap="flat" w="9525">
+                      <a:solidFill>
+                        <a:srgbClr val="000000"/>
+                      </a:solidFill>
+                      <a:prstDash val="solid"/>
+                      <a:round/>
+                      <a:headEnd type="none" w="med" len="med"/>
+                      <a:tailEnd type="none" w="med" len="med"/>
+                    </a:lnT>
+                    <a:lnB cmpd="sng" algn="ctr" cap="flat" w="9525">
+                      <a:solidFill>
+                        <a:srgbClr val="000000"/>
+                      </a:solidFill>
+                      <a:prstDash val="solid"/>
+                      <a:round/>
+                      <a:headEnd type="none" w="med" len="med"/>
+                      <a:tailEnd type="none" w="med" len="med"/>
+                    </a:lnB>
+                    <a:solidFill>
+                      <a:srgbClr val="F1E3E3"/>
+                    </a:solidFill>
+                  </a:tcPr>
+                </a:tc>
+                <a:tc>
+                  <a:txBody>
+                    <a:bodyPr anchor="t" rtlCol="false"/>
+                    <a:lstStyle/>
+                    <a:p>
+                      <a:pPr algn="ctr">
+                        <a:lnSpc>
+                          <a:spcPts val="2647"/>
+                        </a:lnSpc>
+                        <a:defRPr/>
+                      </a:pPr>
+                      <a:r>
+                        <a:rPr lang="en-US" sz="1891">
+                          <a:solidFill>
+                            <a:srgbClr val="000000"/>
+                          </a:solidFill>
+                          <a:latin typeface="Agrandir"/>
+                          <a:ea typeface="Agrandir"/>
+                          <a:cs typeface="Agrandir"/>
+                          <a:sym typeface="Agrandir"/>
+                        </a:rPr>
+                        <a:t>15</a:t>
+                      </a:r>
+                      <a:endParaRPr lang="en-US" sz="1100"/>
+                    </a:p>
+                  </a:txBody>
+                  <a:tcPr marL="57150" marR="57150" marT="57150" marB="57150" anchor="ctr">
+                    <a:lnL cmpd="sng" algn="ctr" cap="flat" w="9525">
+                      <a:solidFill>
+                        <a:srgbClr val="000000"/>
+                      </a:solidFill>
+                      <a:prstDash val="solid"/>
+                      <a:round/>
+                      <a:headEnd type="none" w="med" len="med"/>
+                      <a:tailEnd type="none" w="med" len="med"/>
+                    </a:lnL>
+                    <a:lnR cmpd="sng" algn="ctr" cap="flat" w="9525">
+                      <a:solidFill>
+                        <a:srgbClr val="000000"/>
+                      </a:solidFill>
+                      <a:prstDash val="solid"/>
+                      <a:round/>
+                      <a:headEnd type="none" w="med" len="med"/>
+                      <a:tailEnd type="none" w="med" len="med"/>
+                    </a:lnR>
+                    <a:lnT cmpd="sng" algn="ctr" cap="flat" w="9525">
+                      <a:solidFill>
+                        <a:srgbClr val="000000"/>
+                      </a:solidFill>
+                      <a:prstDash val="solid"/>
+                      <a:round/>
+                      <a:headEnd type="none" w="med" len="med"/>
+                      <a:tailEnd type="none" w="med" len="med"/>
+                    </a:lnT>
+                    <a:lnB cmpd="sng" algn="ctr" cap="flat" w="9525">
+                      <a:solidFill>
+                        <a:srgbClr val="000000"/>
+                      </a:solidFill>
+                      <a:prstDash val="solid"/>
+                      <a:round/>
+                      <a:headEnd type="none" w="med" len="med"/>
+                      <a:tailEnd type="none" w="med" len="med"/>
+                    </a:lnB>
+                    <a:solidFill>
+                      <a:srgbClr val="FFFFFF"/>
+                    </a:solidFill>
+                  </a:tcPr>
+                </a:tc>
+                <a:tc>
+                  <a:txBody>
+                    <a:bodyPr anchor="t" rtlCol="false"/>
+                    <a:lstStyle/>
+                    <a:p>
+                      <a:pPr algn="ctr">
+                        <a:lnSpc>
+                          <a:spcPts val="2647"/>
+                        </a:lnSpc>
+                        <a:defRPr/>
+                      </a:pPr>
+                      <a:r>
+                        <a:rPr lang="en-US" sz="1891">
+                          <a:solidFill>
+                            <a:srgbClr val="000000"/>
+                          </a:solidFill>
+                          <a:latin typeface="Agrandir"/>
+                          <a:ea typeface="Agrandir"/>
+                          <a:cs typeface="Agrandir"/>
+                          <a:sym typeface="Agrandir"/>
+                        </a:rPr>
+                        <a:t>20</a:t>
+                      </a:r>
+                      <a:endParaRPr lang="en-US" sz="1100"/>
+                    </a:p>
+                  </a:txBody>
+                  <a:tcPr marL="57150" marR="57150" marT="57150" marB="57150" anchor="ctr">
+                    <a:lnL cmpd="sng" algn="ctr" cap="flat" w="9525">
+                      <a:solidFill>
+                        <a:srgbClr val="000000"/>
+                      </a:solidFill>
+                      <a:prstDash val="solid"/>
+                      <a:round/>
+                      <a:headEnd type="none" w="med" len="med"/>
+                      <a:tailEnd type="none" w="med" len="med"/>
+                    </a:lnL>
+                    <a:lnR cmpd="sng" algn="ctr" cap="flat" w="9525">
+                      <a:solidFill>
+                        <a:srgbClr val="000000"/>
+                      </a:solidFill>
+                      <a:prstDash val="solid"/>
+                      <a:round/>
+                      <a:headEnd type="none" w="med" len="med"/>
+                      <a:tailEnd type="none" w="med" len="med"/>
+                    </a:lnR>
+                    <a:lnT cmpd="sng" algn="ctr" cap="flat" w="9525">
+                      <a:solidFill>
+                        <a:srgbClr val="000000"/>
+                      </a:solidFill>
+                      <a:prstDash val="solid"/>
+                      <a:round/>
+                      <a:headEnd type="none" w="med" len="med"/>
+                      <a:tailEnd type="none" w="med" len="med"/>
+                    </a:lnT>
+                    <a:lnB cmpd="sng" algn="ctr" cap="flat" w="9525">
+                      <a:solidFill>
+                        <a:srgbClr val="000000"/>
+                      </a:solidFill>
+                      <a:prstDash val="solid"/>
+                      <a:round/>
+                      <a:headEnd type="none" w="med" len="med"/>
+                      <a:tailEnd type="none" w="med" len="med"/>
+                    </a:lnB>
+                    <a:solidFill>
+                      <a:srgbClr val="FFFFFF"/>
+                    </a:solidFill>
+                  </a:tcPr>
+                </a:tc>
+                <a:tc>
+                  <a:txBody>
+                    <a:bodyPr anchor="t" rtlCol="false"/>
+                    <a:lstStyle/>
+                    <a:p>
+                      <a:pPr algn="ctr">
+                        <a:lnSpc>
+                          <a:spcPts val="2647"/>
+                        </a:lnSpc>
+                        <a:defRPr/>
+                      </a:pPr>
+                      <a:r>
+                        <a:rPr lang="en-US" sz="1891">
+                          <a:solidFill>
+                            <a:srgbClr val="000000"/>
+                          </a:solidFill>
+                          <a:latin typeface="Agrandir"/>
+                          <a:ea typeface="Agrandir"/>
+                          <a:cs typeface="Agrandir"/>
+                          <a:sym typeface="Agrandir"/>
+                        </a:rPr>
+                        <a:t>30</a:t>
+                      </a:r>
+                      <a:endParaRPr lang="en-US" sz="1100"/>
+                    </a:p>
+                  </a:txBody>
+                  <a:tcPr marL="57150" marR="57150" marT="57150" marB="57150" anchor="ctr">
+                    <a:lnL cmpd="sng" algn="ctr" cap="flat" w="9525">
+                      <a:solidFill>
+                        <a:srgbClr val="000000"/>
+                      </a:solidFill>
+                      <a:prstDash val="solid"/>
+                      <a:round/>
+                      <a:headEnd type="none" w="med" len="med"/>
+                      <a:tailEnd type="none" w="med" len="med"/>
+                    </a:lnL>
+                    <a:lnR cmpd="sng" algn="ctr" cap="flat" w="9525">
+                      <a:solidFill>
+                        <a:srgbClr val="000000"/>
+                      </a:solidFill>
+                      <a:prstDash val="solid"/>
+                      <a:round/>
+                      <a:headEnd type="none" w="med" len="med"/>
+                      <a:tailEnd type="none" w="med" len="med"/>
+                    </a:lnR>
+                    <a:lnT cmpd="sng" algn="ctr" cap="flat" w="9525">
+                      <a:solidFill>
+                        <a:srgbClr val="000000"/>
+                      </a:solidFill>
+                      <a:prstDash val="solid"/>
+                      <a:round/>
+                      <a:headEnd type="none" w="med" len="med"/>
+                      <a:tailEnd type="none" w="med" len="med"/>
+                    </a:lnT>
+                    <a:lnB cmpd="sng" algn="ctr" cap="flat" w="9525">
+                      <a:solidFill>
+                        <a:srgbClr val="000000"/>
+                      </a:solidFill>
+                      <a:prstDash val="solid"/>
+                      <a:round/>
+                      <a:headEnd type="none" w="med" len="med"/>
+                      <a:tailEnd type="none" w="med" len="med"/>
+                    </a:lnB>
+                    <a:solidFill>
+                      <a:srgbClr val="FFFFFF"/>
+                    </a:solidFill>
+                  </a:tcPr>
+                </a:tc>
+                <a:tc>
+                  <a:txBody>
+                    <a:bodyPr anchor="t" rtlCol="false"/>
+                    <a:lstStyle/>
+                    <a:p>
+                      <a:pPr algn="ctr">
+                        <a:lnSpc>
+                          <a:spcPts val="2647"/>
+                        </a:lnSpc>
+                        <a:defRPr/>
+                      </a:pPr>
+                      <a:r>
+                        <a:rPr lang="en-US" sz="1891">
+                          <a:solidFill>
+                            <a:srgbClr val="000000"/>
+                          </a:solidFill>
+                          <a:latin typeface="Agrandir"/>
+                          <a:ea typeface="Agrandir"/>
+                          <a:cs typeface="Agrandir"/>
+                          <a:sym typeface="Agrandir"/>
+                        </a:rPr>
+                        <a:t>20</a:t>
+                      </a:r>
+                      <a:endParaRPr lang="en-US" sz="1100"/>
+                    </a:p>
+                  </a:txBody>
+                  <a:tcPr marL="57150" marR="57150" marT="57150" marB="57150" anchor="ctr">
+                    <a:lnL cmpd="sng" algn="ctr" cap="flat" w="9525">
+                      <a:solidFill>
+                        <a:srgbClr val="000000"/>
+                      </a:solidFill>
+                      <a:prstDash val="solid"/>
+                      <a:round/>
+                      <a:headEnd type="none" w="med" len="med"/>
+                      <a:tailEnd type="none" w="med" len="med"/>
+                    </a:lnL>
+                    <a:lnR cmpd="sng" algn="ctr" cap="flat" w="9525">
+                      <a:solidFill>
+                        <a:srgbClr val="000000"/>
+                      </a:solidFill>
+                      <a:prstDash val="solid"/>
+                      <a:round/>
+                      <a:headEnd type="none" w="med" len="med"/>
+                      <a:tailEnd type="none" w="med" len="med"/>
+                    </a:lnR>
+                    <a:lnT cmpd="sng" algn="ctr" cap="flat" w="9525">
+                      <a:solidFill>
+                        <a:srgbClr val="000000"/>
+                      </a:solidFill>
+                      <a:prstDash val="solid"/>
+                      <a:round/>
+                      <a:headEnd type="none" w="med" len="med"/>
+                      <a:tailEnd type="none" w="med" len="med"/>
+                    </a:lnT>
+                    <a:lnB cmpd="sng" algn="ctr" cap="flat" w="9525">
+                      <a:solidFill>
+                        <a:srgbClr val="000000"/>
+                      </a:solidFill>
+                      <a:prstDash val="solid"/>
+                      <a:round/>
+                      <a:headEnd type="none" w="med" len="med"/>
+                      <a:tailEnd type="none" w="med" len="med"/>
+                    </a:lnB>
+                    <a:solidFill>
+                      <a:srgbClr val="FFFFFF"/>
+                    </a:solidFill>
+                  </a:tcPr>
+                </a:tc>
+                <a:tc>
+                  <a:txBody>
+                    <a:bodyPr anchor="t" rtlCol="false"/>
+                    <a:lstStyle/>
+                    <a:p>
+                      <a:pPr algn="ctr">
+                        <a:lnSpc>
+                          <a:spcPts val="2647"/>
+                        </a:lnSpc>
+                        <a:defRPr/>
+                      </a:pPr>
+                      <a:r>
+                        <a:rPr lang="en-US" sz="1891">
+                          <a:solidFill>
+                            <a:srgbClr val="000000"/>
+                          </a:solidFill>
+                          <a:latin typeface="Agrandir"/>
+                          <a:ea typeface="Agrandir"/>
+                          <a:cs typeface="Agrandir"/>
+                          <a:sym typeface="Agrandir"/>
+                        </a:rPr>
                         <a:t>5</a:t>
+                      </a:r>
+                      <a:endParaRPr lang="en-US" sz="1100"/>
+                    </a:p>
+                  </a:txBody>
+                  <a:tcPr marL="57150" marR="57150" marT="57150" marB="57150" anchor="ctr">
+                    <a:lnL cmpd="sng" algn="ctr" cap="flat" w="9525">
+                      <a:solidFill>
+                        <a:srgbClr val="000000"/>
+                      </a:solidFill>
+                      <a:prstDash val="solid"/>
+                      <a:round/>
+                      <a:headEnd type="none" w="med" len="med"/>
+                      <a:tailEnd type="none" w="med" len="med"/>
+                    </a:lnL>
+                    <a:lnR cmpd="sng" algn="ctr" cap="flat" w="9525">
+                      <a:solidFill>
+                        <a:srgbClr val="000000"/>
+                      </a:solidFill>
+                      <a:prstDash val="solid"/>
+                      <a:round/>
+                      <a:headEnd type="none" w="med" len="med"/>
+                      <a:tailEnd type="none" w="med" len="med"/>
+                    </a:lnR>
+                    <a:lnT cmpd="sng" algn="ctr" cap="flat" w="9525">
+                      <a:solidFill>
+                        <a:srgbClr val="000000"/>
+                      </a:solidFill>
+                      <a:prstDash val="solid"/>
+                      <a:round/>
+                      <a:headEnd type="none" w="med" len="med"/>
+                      <a:tailEnd type="none" w="med" len="med"/>
+                    </a:lnT>
+                    <a:lnB cmpd="sng" algn="ctr" cap="flat" w="9525">
+                      <a:solidFill>
+                        <a:srgbClr val="000000"/>
+                      </a:solidFill>
+                      <a:prstDash val="solid"/>
+                      <a:round/>
+                      <a:headEnd type="none" w="med" len="med"/>
+                      <a:tailEnd type="none" w="med" len="med"/>
+                    </a:lnB>
+                    <a:solidFill>
+                      <a:srgbClr val="FFFFFF"/>
+                    </a:solidFill>
+                  </a:tcPr>
+                </a:tc>
+                <a:tc>
+                  <a:txBody>
+                    <a:bodyPr anchor="t" rtlCol="false"/>
+                    <a:lstStyle/>
+                    <a:p>
+                      <a:pPr algn="ctr">
+                        <a:lnSpc>
+                          <a:spcPts val="2647"/>
+                        </a:lnSpc>
+                        <a:defRPr/>
+                      </a:pPr>
+                      <a:r>
+                        <a:rPr lang="en-US" sz="1891">
+                          <a:solidFill>
+                            <a:srgbClr val="000000"/>
+                          </a:solidFill>
+                          <a:latin typeface="Agrandir"/>
+                          <a:ea typeface="Agrandir"/>
+                          <a:cs typeface="Agrandir"/>
+                          <a:sym typeface="Agrandir"/>
+                        </a:rPr>
+                        <a:t>10</a:t>
+                      </a:r>
+                      <a:endParaRPr lang="en-US" sz="1100"/>
+                    </a:p>
+                  </a:txBody>
+                  <a:tcPr marL="57150" marR="57150" marT="57150" marB="57150" anchor="ctr">
+                    <a:lnL cmpd="sng" algn="ctr" cap="flat" w="9525">
+                      <a:solidFill>
+                        <a:srgbClr val="000000"/>
+                      </a:solidFill>
+                      <a:prstDash val="solid"/>
+                      <a:round/>
+                      <a:headEnd type="none" w="med" len="med"/>
+                      <a:tailEnd type="none" w="med" len="med"/>
+                    </a:lnL>
+                    <a:lnR cmpd="sng" algn="ctr" cap="flat" w="9525">
+                      <a:solidFill>
+                        <a:srgbClr val="000000"/>
+                      </a:solidFill>
+                      <a:prstDash val="solid"/>
+                      <a:round/>
+                      <a:headEnd type="none" w="med" len="med"/>
+                      <a:tailEnd type="none" w="med" len="med"/>
+                    </a:lnR>
+                    <a:lnT cmpd="sng" algn="ctr" cap="flat" w="9525">
+                      <a:solidFill>
+                        <a:srgbClr val="000000"/>
+                      </a:solidFill>
+                      <a:prstDash val="solid"/>
+                      <a:round/>
+                      <a:headEnd type="none" w="med" len="med"/>
+                      <a:tailEnd type="none" w="med" len="med"/>
+                    </a:lnT>
+                    <a:lnB cmpd="sng" algn="ctr" cap="flat" w="9525">
+                      <a:solidFill>
+                        <a:srgbClr val="000000"/>
+                      </a:solidFill>
+                      <a:prstDash val="solid"/>
+                      <a:round/>
+                      <a:headEnd type="none" w="med" len="med"/>
+                      <a:tailEnd type="none" w="med" len="med"/>
+                    </a:lnB>
+                    <a:solidFill>
+                      <a:srgbClr val="FFFFFF"/>
+                    </a:solidFill>
+                  </a:tcPr>
+                </a:tc>
+                <a:tc>
+                  <a:txBody>
+                    <a:bodyPr anchor="t" rtlCol="false"/>
+                    <a:lstStyle/>
+                    <a:p>
+                      <a:pPr algn="ctr">
+                        <a:lnSpc>
+                          <a:spcPts val="2647"/>
+                        </a:lnSpc>
+                        <a:defRPr/>
+                      </a:pPr>
+                      <a:r>
+                        <a:rPr lang="en-US" sz="1891">
+                          <a:solidFill>
+                            <a:srgbClr val="000000"/>
+                          </a:solidFill>
+                          <a:latin typeface="Agrandir"/>
+                          <a:ea typeface="Agrandir"/>
+                          <a:cs typeface="Agrandir"/>
+                          <a:sym typeface="Agrandir"/>
+                        </a:rPr>
+                        <a:t>0</a:t>
+                      </a:r>
+                      <a:endParaRPr lang="en-US" sz="1100"/>
+                    </a:p>
+                  </a:txBody>
+                  <a:tcPr marL="57150" marR="57150" marT="57150" marB="57150" anchor="ctr">
+                    <a:lnL cmpd="sng" algn="ctr" cap="flat" w="9525">
+                      <a:solidFill>
+                        <a:srgbClr val="000000"/>
+                      </a:solidFill>
+                      <a:prstDash val="solid"/>
+                      <a:round/>
+                      <a:headEnd type="none" w="med" len="med"/>
+                      <a:tailEnd type="none" w="med" len="med"/>
+                    </a:lnL>
+                    <a:lnR cmpd="sng" algn="ctr" cap="flat" w="9525">
+                      <a:solidFill>
+                        <a:srgbClr val="000000"/>
+                      </a:solidFill>
+                      <a:prstDash val="solid"/>
+                      <a:round/>
+                      <a:headEnd type="none" w="med" len="med"/>
+                      <a:tailEnd type="none" w="med" len="med"/>
+                    </a:lnR>
+                    <a:lnT cmpd="sng" algn="ctr" cap="flat" w="9525">
+                      <a:solidFill>
+                        <a:srgbClr val="000000"/>
+                      </a:solidFill>
+                      <a:prstDash val="solid"/>
+                      <a:round/>
+                      <a:headEnd type="none" w="med" len="med"/>
+                      <a:tailEnd type="none" w="med" len="med"/>
+                    </a:lnT>
+                    <a:lnB cmpd="sng" algn="ctr" cap="flat" w="9525">
+                      <a:solidFill>
+                        <a:srgbClr val="000000"/>
+                      </a:solidFill>
+                      <a:prstDash val="solid"/>
+                      <a:round/>
+                      <a:headEnd type="none" w="med" len="med"/>
+                      <a:tailEnd type="none" w="med" len="med"/>
+                    </a:lnB>
+                    <a:solidFill>
+                      <a:srgbClr val="FFFFFF"/>
+                    </a:solidFill>
+                  </a:tcPr>
+                </a:tc>
+                <a:tc>
+                  <a:txBody>
+                    <a:bodyPr anchor="t" rtlCol="false"/>
+                    <a:lstStyle/>
+                    <a:p>
+                      <a:pPr algn="ctr">
+                        <a:lnSpc>
+                          <a:spcPts val="2647"/>
+                        </a:lnSpc>
+                        <a:defRPr/>
+                      </a:pPr>
+                      <a:r>
+                        <a:rPr lang="en-US" sz="1891" b="true">
+                          <a:solidFill>
+                            <a:srgbClr val="000000"/>
+                          </a:solidFill>
+                          <a:latin typeface="Agrandir Bold"/>
+                          <a:ea typeface="Agrandir Bold"/>
+                          <a:cs typeface="Agrandir Bold"/>
+                          <a:sym typeface="Agrandir Bold"/>
+                        </a:rPr>
+                        <a:t>100</a:t>
+                      </a:r>
+                      <a:endParaRPr lang="en-US" sz="1100"/>
+                    </a:p>
+                  </a:txBody>
+                  <a:tcPr marL="57150" marR="57150" marT="57150" marB="57150" anchor="ctr">
+                    <a:lnL cmpd="sng" algn="ctr" cap="flat" w="9525">
+                      <a:solidFill>
+                        <a:srgbClr val="000000"/>
+                      </a:solidFill>
+                      <a:prstDash val="solid"/>
+                      <a:round/>
+                      <a:headEnd type="none" w="med" len="med"/>
+                      <a:tailEnd type="none" w="med" len="med"/>
+                    </a:lnL>
+                    <a:lnR cmpd="sng" algn="ctr" cap="flat" w="9525">
+                      <a:solidFill>
+                        <a:srgbClr val="000000"/>
+                      </a:solidFill>
+                      <a:prstDash val="solid"/>
+                      <a:round/>
+                      <a:headEnd type="none" w="med" len="med"/>
+                      <a:tailEnd type="none" w="med" len="med"/>
+                    </a:lnR>
+                    <a:lnT cmpd="sng" algn="ctr" cap="flat" w="9525">
+                      <a:solidFill>
+                        <a:srgbClr val="000000"/>
+                      </a:solidFill>
+                      <a:prstDash val="solid"/>
+                      <a:round/>
+                      <a:headEnd type="none" w="med" len="med"/>
+                      <a:tailEnd type="none" w="med" len="med"/>
+                    </a:lnT>
+                    <a:lnB cmpd="sng" algn="ctr" cap="flat" w="9525">
+                      <a:solidFill>
+                        <a:srgbClr val="000000"/>
+                      </a:solidFill>
+                      <a:prstDash val="solid"/>
+                      <a:round/>
+                      <a:headEnd type="none" w="med" len="med"/>
+                      <a:tailEnd type="none" w="med" len="med"/>
+                    </a:lnB>
+                    <a:solidFill>
+                      <a:srgbClr val="F1E3E3"/>
+                    </a:solidFill>
+                  </a:tcPr>
+                </a:tc>
+              </a:tr>
+              <a:tr h="1044767">
+                <a:tc>
+                  <a:txBody>
+                    <a:bodyPr anchor="t" rtlCol="false"/>
+                    <a:lstStyle/>
+                    <a:p>
+                      <a:pPr algn="ctr">
+                        <a:lnSpc>
+                          <a:spcPts val="2647"/>
+                        </a:lnSpc>
+                        <a:defRPr/>
+                      </a:pPr>
+                      <a:r>
+                        <a:rPr lang="en-US" sz="1891" b="true">
+                          <a:solidFill>
+                            <a:srgbClr val="000000"/>
+                          </a:solidFill>
+                          <a:latin typeface="Agrandir Bold"/>
+                          <a:ea typeface="Agrandir Bold"/>
+                          <a:cs typeface="Agrandir Bold"/>
+                          <a:sym typeface="Agrandir Bold"/>
+                        </a:rPr>
+                        <a:t>Restaurant</a:t>
+                      </a:r>
+                      <a:endParaRPr lang="en-US" sz="1100"/>
+                    </a:p>
+                    <a:p>
+                      <a:pPr algn="ctr">
+                        <a:lnSpc>
+                          <a:spcPts val="2647"/>
+                        </a:lnSpc>
+                      </a:pPr>
+                      <a:r>
+                        <a:rPr lang="en-US" sz="1891" b="true">
+                          <a:solidFill>
+                            <a:srgbClr val="000000"/>
+                          </a:solidFill>
+                          <a:latin typeface="Agrandir Bold"/>
+                          <a:ea typeface="Agrandir Bold"/>
+                          <a:cs typeface="Agrandir Bold"/>
+                          <a:sym typeface="Agrandir Bold"/>
+                        </a:rPr>
+                        <a:t>  Owner</a:t>
+                      </a:r>
+                    </a:p>
+                  </a:txBody>
+                  <a:tcPr marL="57150" marR="57150" marT="57150" marB="57150" anchor="ctr">
+                    <a:lnL cmpd="sng" algn="ctr" cap="flat" w="9525">
+                      <a:solidFill>
+                        <a:srgbClr val="000000"/>
+                      </a:solidFill>
+                      <a:prstDash val="solid"/>
+                      <a:round/>
+                      <a:headEnd type="none" w="med" len="med"/>
+                      <a:tailEnd type="none" w="med" len="med"/>
+                    </a:lnL>
+                    <a:lnR cmpd="sng" algn="ctr" cap="flat" w="9525">
+                      <a:solidFill>
+                        <a:srgbClr val="000000"/>
+                      </a:solidFill>
+                      <a:prstDash val="solid"/>
+                      <a:round/>
+                      <a:headEnd type="none" w="med" len="med"/>
+                      <a:tailEnd type="none" w="med" len="med"/>
+                    </a:lnR>
+                    <a:lnT cmpd="sng" algn="ctr" cap="flat" w="9525">
+                      <a:solidFill>
+                        <a:srgbClr val="000000"/>
+                      </a:solidFill>
+                      <a:prstDash val="solid"/>
+                      <a:round/>
+                      <a:headEnd type="none" w="med" len="med"/>
+                      <a:tailEnd type="none" w="med" len="med"/>
+                    </a:lnT>
+                    <a:lnB cmpd="sng" algn="ctr" cap="flat" w="9525">
+                      <a:solidFill>
+                        <a:srgbClr val="000000"/>
+                      </a:solidFill>
+                      <a:prstDash val="solid"/>
+                      <a:round/>
+                      <a:headEnd type="none" w="med" len="med"/>
+                      <a:tailEnd type="none" w="med" len="med"/>
+                    </a:lnB>
+                    <a:solidFill>
+                      <a:srgbClr val="F1E3E3"/>
+                    </a:solidFill>
+                  </a:tcPr>
+                </a:tc>
+                <a:tc>
+                  <a:txBody>
+                    <a:bodyPr anchor="t" rtlCol="false"/>
+                    <a:lstStyle/>
+                    <a:p>
+                      <a:pPr algn="ctr">
+                        <a:lnSpc>
+                          <a:spcPts val="2647"/>
+                        </a:lnSpc>
+                        <a:defRPr/>
+                      </a:pPr>
+                      <a:r>
+                        <a:rPr lang="en-US" sz="1891">
+                          <a:solidFill>
+                            <a:srgbClr val="000000"/>
+                          </a:solidFill>
+                          <a:latin typeface="Agrandir"/>
+                          <a:ea typeface="Agrandir"/>
+                          <a:cs typeface="Agrandir"/>
+                          <a:sym typeface="Agrandir"/>
+                        </a:rPr>
+                        <a:t>10</a:t>
+                      </a:r>
+                      <a:endParaRPr lang="en-US" sz="1100"/>
+                    </a:p>
+                  </a:txBody>
+                  <a:tcPr marL="57150" marR="57150" marT="57150" marB="57150" anchor="ctr">
+                    <a:lnL cmpd="sng" algn="ctr" cap="flat" w="9525">
+                      <a:solidFill>
+                        <a:srgbClr val="000000"/>
+                      </a:solidFill>
+                      <a:prstDash val="solid"/>
+                      <a:round/>
+                      <a:headEnd type="none" w="med" len="med"/>
+                      <a:tailEnd type="none" w="med" len="med"/>
+                    </a:lnL>
+                    <a:lnR cmpd="sng" algn="ctr" cap="flat" w="9525">
+                      <a:solidFill>
+                        <a:srgbClr val="000000"/>
+                      </a:solidFill>
+                      <a:prstDash val="solid"/>
+                      <a:round/>
+                      <a:headEnd type="none" w="med" len="med"/>
+                      <a:tailEnd type="none" w="med" len="med"/>
+                    </a:lnR>
+                    <a:lnT cmpd="sng" algn="ctr" cap="flat" w="9525">
+                      <a:solidFill>
+                        <a:srgbClr val="000000"/>
+                      </a:solidFill>
+                      <a:prstDash val="solid"/>
+                      <a:round/>
+                      <a:headEnd type="none" w="med" len="med"/>
+                      <a:tailEnd type="none" w="med" len="med"/>
+                    </a:lnT>
+                    <a:lnB cmpd="sng" algn="ctr" cap="flat" w="9525">
+                      <a:solidFill>
+                        <a:srgbClr val="000000"/>
+                      </a:solidFill>
+                      <a:prstDash val="solid"/>
+                      <a:round/>
+                      <a:headEnd type="none" w="med" len="med"/>
+                      <a:tailEnd type="none" w="med" len="med"/>
+                    </a:lnB>
+                    <a:solidFill>
+                      <a:srgbClr val="FFFFFF"/>
+                    </a:solidFill>
+                  </a:tcPr>
+                </a:tc>
+                <a:tc>
+                  <a:txBody>
+                    <a:bodyPr anchor="t" rtlCol="false"/>
+                    <a:lstStyle/>
+                    <a:p>
+                      <a:pPr algn="ctr">
+                        <a:lnSpc>
+                          <a:spcPts val="2647"/>
+                        </a:lnSpc>
+                        <a:defRPr/>
+                      </a:pPr>
+                      <a:r>
+                        <a:rPr lang="en-US" sz="1891">
+                          <a:solidFill>
+                            <a:srgbClr val="000000"/>
+                          </a:solidFill>
+                          <a:latin typeface="Agrandir"/>
+                          <a:ea typeface="Agrandir"/>
+                          <a:cs typeface="Agrandir"/>
+                          <a:sym typeface="Agrandir"/>
+                        </a:rPr>
+                        <a:t>0</a:t>
+                      </a:r>
+                      <a:endParaRPr lang="en-US" sz="1100"/>
+                    </a:p>
+                  </a:txBody>
+                  <a:tcPr marL="57150" marR="57150" marT="57150" marB="57150" anchor="ctr">
+                    <a:lnL cmpd="sng" algn="ctr" cap="flat" w="9525">
+                      <a:solidFill>
+                        <a:srgbClr val="000000"/>
+                      </a:solidFill>
+                      <a:prstDash val="solid"/>
+                      <a:round/>
+                      <a:headEnd type="none" w="med" len="med"/>
+                      <a:tailEnd type="none" w="med" len="med"/>
+                    </a:lnL>
+                    <a:lnR cmpd="sng" algn="ctr" cap="flat" w="9525">
+                      <a:solidFill>
+                        <a:srgbClr val="000000"/>
+                      </a:solidFill>
+                      <a:prstDash val="solid"/>
+                      <a:round/>
+                      <a:headEnd type="none" w="med" len="med"/>
+                      <a:tailEnd type="none" w="med" len="med"/>
+                    </a:lnR>
+                    <a:lnT cmpd="sng" algn="ctr" cap="flat" w="9525">
+                      <a:solidFill>
+                        <a:srgbClr val="000000"/>
+                      </a:solidFill>
+                      <a:prstDash val="solid"/>
+                      <a:round/>
+                      <a:headEnd type="none" w="med" len="med"/>
+                      <a:tailEnd type="none" w="med" len="med"/>
+                    </a:lnT>
+                    <a:lnB cmpd="sng" algn="ctr" cap="flat" w="9525">
+                      <a:solidFill>
+                        <a:srgbClr val="000000"/>
+                      </a:solidFill>
+                      <a:prstDash val="solid"/>
+                      <a:round/>
+                      <a:headEnd type="none" w="med" len="med"/>
+                      <a:tailEnd type="none" w="med" len="med"/>
+                    </a:lnB>
+                    <a:solidFill>
+                      <a:srgbClr val="FFFFFF"/>
+                    </a:solidFill>
+                  </a:tcPr>
+                </a:tc>
+                <a:tc>
+                  <a:txBody>
+                    <a:bodyPr anchor="t" rtlCol="false"/>
+                    <a:lstStyle/>
+                    <a:p>
+                      <a:pPr algn="ctr">
+                        <a:lnSpc>
+                          <a:spcPts val="2647"/>
+                        </a:lnSpc>
+                        <a:defRPr/>
+                      </a:pPr>
+                      <a:r>
+                        <a:rPr lang="en-US" sz="1891">
+                          <a:solidFill>
+                            <a:srgbClr val="000000"/>
+                          </a:solidFill>
+                          <a:latin typeface="Agrandir"/>
+                          <a:ea typeface="Agrandir"/>
+                          <a:cs typeface="Agrandir"/>
+                          <a:sym typeface="Agrandir"/>
+                        </a:rPr>
+                        <a:t>15</a:t>
+                      </a:r>
+                      <a:endParaRPr lang="en-US" sz="1100"/>
+                    </a:p>
+                  </a:txBody>
+                  <a:tcPr marL="57150" marR="57150" marT="57150" marB="57150" anchor="ctr">
+                    <a:lnL cmpd="sng" algn="ctr" cap="flat" w="9525">
+                      <a:solidFill>
+                        <a:srgbClr val="000000"/>
+                      </a:solidFill>
+                      <a:prstDash val="solid"/>
+                      <a:round/>
+                      <a:headEnd type="none" w="med" len="med"/>
+                      <a:tailEnd type="none" w="med" len="med"/>
+                    </a:lnL>
+                    <a:lnR cmpd="sng" algn="ctr" cap="flat" w="9525">
+                      <a:solidFill>
+                        <a:srgbClr val="000000"/>
+                      </a:solidFill>
+                      <a:prstDash val="solid"/>
+                      <a:round/>
+                      <a:headEnd type="none" w="med" len="med"/>
+                      <a:tailEnd type="none" w="med" len="med"/>
+                    </a:lnR>
+                    <a:lnT cmpd="sng" algn="ctr" cap="flat" w="9525">
+                      <a:solidFill>
+                        <a:srgbClr val="000000"/>
+                      </a:solidFill>
+                      <a:prstDash val="solid"/>
+                      <a:round/>
+                      <a:headEnd type="none" w="med" len="med"/>
+                      <a:tailEnd type="none" w="med" len="med"/>
+                    </a:lnT>
+                    <a:lnB cmpd="sng" algn="ctr" cap="flat" w="9525">
+                      <a:solidFill>
+                        <a:srgbClr val="000000"/>
+                      </a:solidFill>
+                      <a:prstDash val="solid"/>
+                      <a:round/>
+                      <a:headEnd type="none" w="med" len="med"/>
+                      <a:tailEnd type="none" w="med" len="med"/>
+                    </a:lnB>
+                    <a:solidFill>
+                      <a:srgbClr val="FFFFFF"/>
+                    </a:solidFill>
+                  </a:tcPr>
+                </a:tc>
+                <a:tc>
+                  <a:txBody>
+                    <a:bodyPr anchor="t" rtlCol="false"/>
+                    <a:lstStyle/>
+                    <a:p>
+                      <a:pPr algn="ctr">
+                        <a:lnSpc>
+                          <a:spcPts val="2647"/>
+                        </a:lnSpc>
+                        <a:defRPr/>
+                      </a:pPr>
+                      <a:r>
+                        <a:rPr lang="en-US" sz="1891">
+                          <a:solidFill>
+                            <a:srgbClr val="000000"/>
+                          </a:solidFill>
+                          <a:latin typeface="Agrandir"/>
+                          <a:ea typeface="Agrandir"/>
+                          <a:cs typeface="Agrandir"/>
+                          <a:sym typeface="Agrandir"/>
+                        </a:rPr>
+                        <a:t>5</a:t>
+                      </a:r>
+                      <a:endParaRPr lang="en-US" sz="1100"/>
+                    </a:p>
+                  </a:txBody>
+                  <a:tcPr marL="57150" marR="57150" marT="57150" marB="57150" anchor="ctr">
+                    <a:lnL cmpd="sng" algn="ctr" cap="flat" w="9525">
+                      <a:solidFill>
+                        <a:srgbClr val="000000"/>
+                      </a:solidFill>
+                      <a:prstDash val="solid"/>
+                      <a:round/>
+                      <a:headEnd type="none" w="med" len="med"/>
+                      <a:tailEnd type="none" w="med" len="med"/>
+                    </a:lnL>
+                    <a:lnR cmpd="sng" algn="ctr" cap="flat" w="9525">
+                      <a:solidFill>
+                        <a:srgbClr val="000000"/>
+                      </a:solidFill>
+                      <a:prstDash val="solid"/>
+                      <a:round/>
+                      <a:headEnd type="none" w="med" len="med"/>
+                      <a:tailEnd type="none" w="med" len="med"/>
+                    </a:lnR>
+                    <a:lnT cmpd="sng" algn="ctr" cap="flat" w="9525">
+                      <a:solidFill>
+                        <a:srgbClr val="000000"/>
+                      </a:solidFill>
+                      <a:prstDash val="solid"/>
+                      <a:round/>
+                      <a:headEnd type="none" w="med" len="med"/>
+                      <a:tailEnd type="none" w="med" len="med"/>
+                    </a:lnT>
+                    <a:lnB cmpd="sng" algn="ctr" cap="flat" w="9525">
+                      <a:solidFill>
+                        <a:srgbClr val="000000"/>
+                      </a:solidFill>
+                      <a:prstDash val="solid"/>
+                      <a:round/>
+                      <a:headEnd type="none" w="med" len="med"/>
+                      <a:tailEnd type="none" w="med" len="med"/>
+                    </a:lnB>
+                    <a:solidFill>
+                      <a:srgbClr val="FFFFFF"/>
+                    </a:solidFill>
+                  </a:tcPr>
+                </a:tc>
+                <a:tc>
+                  <a:txBody>
+                    <a:bodyPr anchor="t" rtlCol="false"/>
+                    <a:lstStyle/>
+                    <a:p>
+                      <a:pPr algn="ctr">
+                        <a:lnSpc>
+                          <a:spcPts val="2647"/>
+                        </a:lnSpc>
+                        <a:defRPr/>
+                      </a:pPr>
+                      <a:r>
+                        <a:rPr lang="en-US" sz="1891">
+                          <a:solidFill>
+                            <a:srgbClr val="000000"/>
+                          </a:solidFill>
+                          <a:latin typeface="Agrandir"/>
+                          <a:ea typeface="Agrandir"/>
+                          <a:cs typeface="Agrandir"/>
+                          <a:sym typeface="Agrandir"/>
+                        </a:rPr>
+                        <a:t>30</a:t>
                       </a:r>
                       <a:endParaRPr lang="en-US" sz="1100"/>
                     </a:p>
@@ -10832,7 +12147,281 @@
                           <a:cs typeface="Agrandir"/>
                           <a:sym typeface="Agrandir"/>
                         </a:rPr>
-                        <a:t>30</a:t>
+                        <a:t>15</a:t>
+                      </a:r>
+                      <a:endParaRPr lang="en-US" sz="1100"/>
+                    </a:p>
+                  </a:txBody>
+                  <a:tcPr marL="57150" marR="57150" marT="57150" marB="57150" anchor="ctr">
+                    <a:lnL cmpd="sng" algn="ctr" cap="flat" w="9525">
+                      <a:solidFill>
+                        <a:srgbClr val="000000"/>
+                      </a:solidFill>
+                      <a:prstDash val="solid"/>
+                      <a:round/>
+                      <a:headEnd type="none" w="med" len="med"/>
+                      <a:tailEnd type="none" w="med" len="med"/>
+                    </a:lnL>
+                    <a:lnR cmpd="sng" algn="ctr" cap="flat" w="9525">
+                      <a:solidFill>
+                        <a:srgbClr val="000000"/>
+                      </a:solidFill>
+                      <a:prstDash val="solid"/>
+                      <a:round/>
+                      <a:headEnd type="none" w="med" len="med"/>
+                      <a:tailEnd type="none" w="med" len="med"/>
+                    </a:lnR>
+                    <a:lnT cmpd="sng" algn="ctr" cap="flat" w="9525">
+                      <a:solidFill>
+                        <a:srgbClr val="000000"/>
+                      </a:solidFill>
+                      <a:prstDash val="solid"/>
+                      <a:round/>
+                      <a:headEnd type="none" w="med" len="med"/>
+                      <a:tailEnd type="none" w="med" len="med"/>
+                    </a:lnT>
+                    <a:lnB cmpd="sng" algn="ctr" cap="flat" w="9525">
+                      <a:solidFill>
+                        <a:srgbClr val="000000"/>
+                      </a:solidFill>
+                      <a:prstDash val="solid"/>
+                      <a:round/>
+                      <a:headEnd type="none" w="med" len="med"/>
+                      <a:tailEnd type="none" w="med" len="med"/>
+                    </a:lnB>
+                    <a:solidFill>
+                      <a:srgbClr val="FFFFFF"/>
+                    </a:solidFill>
+                  </a:tcPr>
+                </a:tc>
+                <a:tc>
+                  <a:txBody>
+                    <a:bodyPr anchor="t" rtlCol="false"/>
+                    <a:lstStyle/>
+                    <a:p>
+                      <a:pPr algn="ctr">
+                        <a:lnSpc>
+                          <a:spcPts val="2647"/>
+                        </a:lnSpc>
+                        <a:defRPr/>
+                      </a:pPr>
+                      <a:r>
+                        <a:rPr lang="en-US" sz="1891" b="true">
+                          <a:solidFill>
+                            <a:srgbClr val="000000"/>
+                          </a:solidFill>
+                          <a:latin typeface="Agrandir Bold"/>
+                          <a:ea typeface="Agrandir Bold"/>
+                          <a:cs typeface="Agrandir Bold"/>
+                          <a:sym typeface="Agrandir Bold"/>
+                        </a:rPr>
+                        <a:t>100</a:t>
+                      </a:r>
+                      <a:endParaRPr lang="en-US" sz="1100"/>
+                    </a:p>
+                  </a:txBody>
+                  <a:tcPr marL="57150" marR="57150" marT="57150" marB="57150" anchor="ctr">
+                    <a:lnL cmpd="sng" algn="ctr" cap="flat" w="9525">
+                      <a:solidFill>
+                        <a:srgbClr val="000000"/>
+                      </a:solidFill>
+                      <a:prstDash val="solid"/>
+                      <a:round/>
+                      <a:headEnd type="none" w="med" len="med"/>
+                      <a:tailEnd type="none" w="med" len="med"/>
+                    </a:lnL>
+                    <a:lnR cmpd="sng" algn="ctr" cap="flat" w="9525">
+                      <a:solidFill>
+                        <a:srgbClr val="000000"/>
+                      </a:solidFill>
+                      <a:prstDash val="solid"/>
+                      <a:round/>
+                      <a:headEnd type="none" w="med" len="med"/>
+                      <a:tailEnd type="none" w="med" len="med"/>
+                    </a:lnR>
+                    <a:lnT cmpd="sng" algn="ctr" cap="flat" w="9525">
+                      <a:solidFill>
+                        <a:srgbClr val="000000"/>
+                      </a:solidFill>
+                      <a:prstDash val="solid"/>
+                      <a:round/>
+                      <a:headEnd type="none" w="med" len="med"/>
+                      <a:tailEnd type="none" w="med" len="med"/>
+                    </a:lnT>
+                    <a:lnB cmpd="sng" algn="ctr" cap="flat" w="9525">
+                      <a:solidFill>
+                        <a:srgbClr val="000000"/>
+                      </a:solidFill>
+                      <a:prstDash val="solid"/>
+                      <a:round/>
+                      <a:headEnd type="none" w="med" len="med"/>
+                      <a:tailEnd type="none" w="med" len="med"/>
+                    </a:lnB>
+                    <a:solidFill>
+                      <a:srgbClr val="F1E3E3"/>
+                    </a:solidFill>
+                  </a:tcPr>
+                </a:tc>
+              </a:tr>
+              <a:tr h="624962">
+                <a:tc>
+                  <a:txBody>
+                    <a:bodyPr anchor="t" rtlCol="false"/>
+                    <a:lstStyle/>
+                    <a:p>
+                      <a:pPr algn="ctr">
+                        <a:lnSpc>
+                          <a:spcPts val="2647"/>
+                        </a:lnSpc>
+                        <a:defRPr/>
+                      </a:pPr>
+                      <a:r>
+                        <a:rPr lang="en-US" sz="1891" b="true">
+                          <a:solidFill>
+                            <a:srgbClr val="000000"/>
+                          </a:solidFill>
+                          <a:latin typeface="Agrandir Bold"/>
+                          <a:ea typeface="Agrandir Bold"/>
+                          <a:cs typeface="Agrandir Bold"/>
+                          <a:sym typeface="Agrandir Bold"/>
+                        </a:rPr>
+                        <a:t>End User</a:t>
+                      </a:r>
+                      <a:endParaRPr lang="en-US" sz="1100"/>
+                    </a:p>
+                  </a:txBody>
+                  <a:tcPr marL="57150" marR="57150" marT="57150" marB="57150" anchor="ctr">
+                    <a:lnL cmpd="sng" algn="ctr" cap="flat" w="9525">
+                      <a:solidFill>
+                        <a:srgbClr val="000000"/>
+                      </a:solidFill>
+                      <a:prstDash val="solid"/>
+                      <a:round/>
+                      <a:headEnd type="none" w="med" len="med"/>
+                      <a:tailEnd type="none" w="med" len="med"/>
+                    </a:lnL>
+                    <a:lnR cmpd="sng" algn="ctr" cap="flat" w="9525">
+                      <a:solidFill>
+                        <a:srgbClr val="000000"/>
+                      </a:solidFill>
+                      <a:prstDash val="solid"/>
+                      <a:round/>
+                      <a:headEnd type="none" w="med" len="med"/>
+                      <a:tailEnd type="none" w="med" len="med"/>
+                    </a:lnR>
+                    <a:lnT cmpd="sng" algn="ctr" cap="flat" w="9525">
+                      <a:solidFill>
+                        <a:srgbClr val="000000"/>
+                      </a:solidFill>
+                      <a:prstDash val="solid"/>
+                      <a:round/>
+                      <a:headEnd type="none" w="med" len="med"/>
+                      <a:tailEnd type="none" w="med" len="med"/>
+                    </a:lnT>
+                    <a:lnB cmpd="sng" algn="ctr" cap="flat" w="9525">
+                      <a:solidFill>
+                        <a:srgbClr val="000000"/>
+                      </a:solidFill>
+                      <a:prstDash val="solid"/>
+                      <a:round/>
+                      <a:headEnd type="none" w="med" len="med"/>
+                      <a:tailEnd type="none" w="med" len="med"/>
+                    </a:lnB>
+                    <a:solidFill>
+                      <a:srgbClr val="F1E3E3"/>
+                    </a:solidFill>
+                  </a:tcPr>
+                </a:tc>
+                <a:tc>
+                  <a:txBody>
+                    <a:bodyPr anchor="t" rtlCol="false"/>
+                    <a:lstStyle/>
+                    <a:p>
+                      <a:pPr algn="ctr">
+                        <a:lnSpc>
+                          <a:spcPts val="2647"/>
+                        </a:lnSpc>
+                        <a:defRPr/>
+                      </a:pPr>
+                      <a:r>
+                        <a:rPr lang="en-US" sz="1891">
+                          <a:solidFill>
+                            <a:srgbClr val="000000"/>
+                          </a:solidFill>
+                          <a:latin typeface="Agrandir"/>
+                          <a:ea typeface="Agrandir"/>
+                          <a:cs typeface="Agrandir"/>
+                          <a:sym typeface="Agrandir"/>
+                        </a:rPr>
+                        <a:t>5</a:t>
+                      </a:r>
+                      <a:endParaRPr lang="en-US" sz="1100"/>
+                    </a:p>
+                  </a:txBody>
+                  <a:tcPr marL="57150" marR="57150" marT="57150" marB="57150" anchor="ctr">
+                    <a:lnL cmpd="sng" algn="ctr" cap="flat" w="9525">
+                      <a:solidFill>
+                        <a:srgbClr val="000000"/>
+                      </a:solidFill>
+                      <a:prstDash val="solid"/>
+                      <a:round/>
+                      <a:headEnd type="none" w="med" len="med"/>
+                      <a:tailEnd type="none" w="med" len="med"/>
+                    </a:lnL>
+                    <a:lnR cmpd="sng" algn="ctr" cap="flat" w="9525">
+                      <a:solidFill>
+                        <a:srgbClr val="000000"/>
+                      </a:solidFill>
+                      <a:prstDash val="solid"/>
+                      <a:round/>
+                      <a:headEnd type="none" w="med" len="med"/>
+                      <a:tailEnd type="none" w="med" len="med"/>
+                    </a:lnR>
+                    <a:lnT cmpd="sng" algn="ctr" cap="flat" w="9525">
+                      <a:solidFill>
+                        <a:srgbClr val="000000"/>
+                      </a:solidFill>
+                      <a:prstDash val="solid"/>
+                      <a:round/>
+                      <a:headEnd type="none" w="med" len="med"/>
+                      <a:tailEnd type="none" w="med" len="med"/>
+                    </a:lnT>
+                    <a:lnB cmpd="sng" algn="ctr" cap="flat" w="9525">
+                      <a:solidFill>
+                        <a:srgbClr val="000000"/>
+                      </a:solidFill>
+                      <a:prstDash val="solid"/>
+                      <a:round/>
+                      <a:headEnd type="none" w="med" len="med"/>
+                      <a:tailEnd type="none" w="med" len="med"/>
+                    </a:lnB>
+                    <a:solidFill>
+                      <a:srgbClr val="FFFFFF"/>
+                    </a:solidFill>
+                  </a:tcPr>
+                </a:tc>
+                <a:tc>
+                  <a:txBody>
+                    <a:bodyPr anchor="t" rtlCol="false"/>
+                    <a:lstStyle/>
+                    <a:p>
+                      <a:pPr algn="ctr">
+                        <a:lnSpc>
+                          <a:spcPts val="2647"/>
+                        </a:lnSpc>
+                        <a:defRPr/>
+                      </a:pPr>
+                      <a:r>
+                        <a:rPr lang="en-US" sz="1891">
+                          <a:solidFill>
+                            <a:srgbClr val="000000"/>
+                          </a:solidFill>
+                          <a:latin typeface="Agrandir"/>
+                          <a:ea typeface="Agrandir"/>
+                          <a:cs typeface="Agrandir"/>
+                          <a:sym typeface="Agrandir"/>
+                        </a:rPr>
+                        <a:t>0</a:t>
                       </a:r>
                       <a:endParaRPr lang="en-US" sz="1100"/>
                     </a:p>
@@ -10959,6 +12548,278 @@
                         <a:defRPr/>
                       </a:pPr>
                       <a:r>
+                        <a:rPr lang="en-US" sz="1891">
+                          <a:solidFill>
+                            <a:srgbClr val="000000"/>
+                          </a:solidFill>
+                          <a:latin typeface="Agrandir"/>
+                          <a:ea typeface="Agrandir"/>
+                          <a:cs typeface="Agrandir"/>
+                          <a:sym typeface="Agrandir"/>
+                        </a:rPr>
+                        <a:t>0</a:t>
+                      </a:r>
+                      <a:endParaRPr lang="en-US" sz="1100"/>
+                    </a:p>
+                  </a:txBody>
+                  <a:tcPr marL="57150" marR="57150" marT="57150" marB="57150" anchor="ctr">
+                    <a:lnL cmpd="sng" algn="ctr" cap="flat" w="9525">
+                      <a:solidFill>
+                        <a:srgbClr val="000000"/>
+                      </a:solidFill>
+                      <a:prstDash val="solid"/>
+                      <a:round/>
+                      <a:headEnd type="none" w="med" len="med"/>
+                      <a:tailEnd type="none" w="med" len="med"/>
+                    </a:lnL>
+                    <a:lnR cmpd="sng" algn="ctr" cap="flat" w="9525">
+                      <a:solidFill>
+                        <a:srgbClr val="000000"/>
+                      </a:solidFill>
+                      <a:prstDash val="solid"/>
+                      <a:round/>
+                      <a:headEnd type="none" w="med" len="med"/>
+                      <a:tailEnd type="none" w="med" len="med"/>
+                    </a:lnR>
+                    <a:lnT cmpd="sng" algn="ctr" cap="flat" w="9525">
+                      <a:solidFill>
+                        <a:srgbClr val="000000"/>
+                      </a:solidFill>
+                      <a:prstDash val="solid"/>
+                      <a:round/>
+                      <a:headEnd type="none" w="med" len="med"/>
+                      <a:tailEnd type="none" w="med" len="med"/>
+                    </a:lnT>
+                    <a:lnB cmpd="sng" algn="ctr" cap="flat" w="9525">
+                      <a:solidFill>
+                        <a:srgbClr val="000000"/>
+                      </a:solidFill>
+                      <a:prstDash val="solid"/>
+                      <a:round/>
+                      <a:headEnd type="none" w="med" len="med"/>
+                      <a:tailEnd type="none" w="med" len="med"/>
+                    </a:lnB>
+                    <a:solidFill>
+                      <a:srgbClr val="FFFFFF"/>
+                    </a:solidFill>
+                  </a:tcPr>
+                </a:tc>
+                <a:tc>
+                  <a:txBody>
+                    <a:bodyPr anchor="t" rtlCol="false"/>
+                    <a:lstStyle/>
+                    <a:p>
+                      <a:pPr algn="ctr">
+                        <a:lnSpc>
+                          <a:spcPts val="2647"/>
+                        </a:lnSpc>
+                        <a:defRPr/>
+                      </a:pPr>
+                      <a:r>
+                        <a:rPr lang="en-US" sz="1891">
+                          <a:solidFill>
+                            <a:srgbClr val="000000"/>
+                          </a:solidFill>
+                          <a:latin typeface="Agrandir"/>
+                          <a:ea typeface="Agrandir"/>
+                          <a:cs typeface="Agrandir"/>
+                          <a:sym typeface="Agrandir"/>
+                        </a:rPr>
+                        <a:t>35</a:t>
+                      </a:r>
+                      <a:endParaRPr lang="en-US" sz="1100"/>
+                    </a:p>
+                  </a:txBody>
+                  <a:tcPr marL="57150" marR="57150" marT="57150" marB="57150" anchor="ctr">
+                    <a:lnL cmpd="sng" algn="ctr" cap="flat" w="9525">
+                      <a:solidFill>
+                        <a:srgbClr val="000000"/>
+                      </a:solidFill>
+                      <a:prstDash val="solid"/>
+                      <a:round/>
+                      <a:headEnd type="none" w="med" len="med"/>
+                      <a:tailEnd type="none" w="med" len="med"/>
+                    </a:lnL>
+                    <a:lnR cmpd="sng" algn="ctr" cap="flat" w="9525">
+                      <a:solidFill>
+                        <a:srgbClr val="000000"/>
+                      </a:solidFill>
+                      <a:prstDash val="solid"/>
+                      <a:round/>
+                      <a:headEnd type="none" w="med" len="med"/>
+                      <a:tailEnd type="none" w="med" len="med"/>
+                    </a:lnR>
+                    <a:lnT cmpd="sng" algn="ctr" cap="flat" w="9525">
+                      <a:solidFill>
+                        <a:srgbClr val="000000"/>
+                      </a:solidFill>
+                      <a:prstDash val="solid"/>
+                      <a:round/>
+                      <a:headEnd type="none" w="med" len="med"/>
+                      <a:tailEnd type="none" w="med" len="med"/>
+                    </a:lnT>
+                    <a:lnB cmpd="sng" algn="ctr" cap="flat" w="9525">
+                      <a:solidFill>
+                        <a:srgbClr val="000000"/>
+                      </a:solidFill>
+                      <a:prstDash val="solid"/>
+                      <a:round/>
+                      <a:headEnd type="none" w="med" len="med"/>
+                      <a:tailEnd type="none" w="med" len="med"/>
+                    </a:lnB>
+                    <a:solidFill>
+                      <a:srgbClr val="FFFFFF"/>
+                    </a:solidFill>
+                  </a:tcPr>
+                </a:tc>
+                <a:tc>
+                  <a:txBody>
+                    <a:bodyPr anchor="t" rtlCol="false"/>
+                    <a:lstStyle/>
+                    <a:p>
+                      <a:pPr algn="ctr">
+                        <a:lnSpc>
+                          <a:spcPts val="2647"/>
+                        </a:lnSpc>
+                        <a:defRPr/>
+                      </a:pPr>
+                      <a:r>
+                        <a:rPr lang="en-US" sz="1891">
+                          <a:solidFill>
+                            <a:srgbClr val="000000"/>
+                          </a:solidFill>
+                          <a:latin typeface="Agrandir"/>
+                          <a:ea typeface="Agrandir"/>
+                          <a:cs typeface="Agrandir"/>
+                          <a:sym typeface="Agrandir"/>
+                        </a:rPr>
+                        <a:t>35</a:t>
+                      </a:r>
+                      <a:endParaRPr lang="en-US" sz="1100"/>
+                    </a:p>
+                  </a:txBody>
+                  <a:tcPr marL="57150" marR="57150" marT="57150" marB="57150" anchor="ctr">
+                    <a:lnL cmpd="sng" algn="ctr" cap="flat" w="9525">
+                      <a:solidFill>
+                        <a:srgbClr val="000000"/>
+                      </a:solidFill>
+                      <a:prstDash val="solid"/>
+                      <a:round/>
+                      <a:headEnd type="none" w="med" len="med"/>
+                      <a:tailEnd type="none" w="med" len="med"/>
+                    </a:lnL>
+                    <a:lnR cmpd="sng" algn="ctr" cap="flat" w="9525">
+                      <a:solidFill>
+                        <a:srgbClr val="000000"/>
+                      </a:solidFill>
+                      <a:prstDash val="solid"/>
+                      <a:round/>
+                      <a:headEnd type="none" w="med" len="med"/>
+                      <a:tailEnd type="none" w="med" len="med"/>
+                    </a:lnR>
+                    <a:lnT cmpd="sng" algn="ctr" cap="flat" w="9525">
+                      <a:solidFill>
+                        <a:srgbClr val="000000"/>
+                      </a:solidFill>
+                      <a:prstDash val="solid"/>
+                      <a:round/>
+                      <a:headEnd type="none" w="med" len="med"/>
+                      <a:tailEnd type="none" w="med" len="med"/>
+                    </a:lnT>
+                    <a:lnB cmpd="sng" algn="ctr" cap="flat" w="9525">
+                      <a:solidFill>
+                        <a:srgbClr val="000000"/>
+                      </a:solidFill>
+                      <a:prstDash val="solid"/>
+                      <a:round/>
+                      <a:headEnd type="none" w="med" len="med"/>
+                      <a:tailEnd type="none" w="med" len="med"/>
+                    </a:lnB>
+                    <a:solidFill>
+                      <a:srgbClr val="FFFFFF"/>
+                    </a:solidFill>
+                  </a:tcPr>
+                </a:tc>
+                <a:tc>
+                  <a:txBody>
+                    <a:bodyPr anchor="t" rtlCol="false"/>
+                    <a:lstStyle/>
+                    <a:p>
+                      <a:pPr algn="ctr">
+                        <a:lnSpc>
+                          <a:spcPts val="2647"/>
+                        </a:lnSpc>
+                        <a:defRPr/>
+                      </a:pPr>
+                      <a:r>
+                        <a:rPr lang="en-US" sz="1891">
+                          <a:solidFill>
+                            <a:srgbClr val="000000"/>
+                          </a:solidFill>
+                          <a:latin typeface="Agrandir"/>
+                          <a:ea typeface="Agrandir"/>
+                          <a:cs typeface="Agrandir"/>
+                          <a:sym typeface="Agrandir"/>
+                        </a:rPr>
+                        <a:t>10</a:t>
+                      </a:r>
+                      <a:endParaRPr lang="en-US" sz="1100"/>
+                    </a:p>
+                  </a:txBody>
+                  <a:tcPr marL="57150" marR="57150" marT="57150" marB="57150" anchor="ctr">
+                    <a:lnL cmpd="sng" algn="ctr" cap="flat" w="9525">
+                      <a:solidFill>
+                        <a:srgbClr val="000000"/>
+                      </a:solidFill>
+                      <a:prstDash val="solid"/>
+                      <a:round/>
+                      <a:headEnd type="none" w="med" len="med"/>
+                      <a:tailEnd type="none" w="med" len="med"/>
+                    </a:lnL>
+                    <a:lnR cmpd="sng" algn="ctr" cap="flat" w="9525">
+                      <a:solidFill>
+                        <a:srgbClr val="000000"/>
+                      </a:solidFill>
+                      <a:prstDash val="solid"/>
+                      <a:round/>
+                      <a:headEnd type="none" w="med" len="med"/>
+                      <a:tailEnd type="none" w="med" len="med"/>
+                    </a:lnR>
+                    <a:lnT cmpd="sng" algn="ctr" cap="flat" w="9525">
+                      <a:solidFill>
+                        <a:srgbClr val="000000"/>
+                      </a:solidFill>
+                      <a:prstDash val="solid"/>
+                      <a:round/>
+                      <a:headEnd type="none" w="med" len="med"/>
+                      <a:tailEnd type="none" w="med" len="med"/>
+                    </a:lnT>
+                    <a:lnB cmpd="sng" algn="ctr" cap="flat" w="9525">
+                      <a:solidFill>
+                        <a:srgbClr val="000000"/>
+                      </a:solidFill>
+                      <a:prstDash val="solid"/>
+                      <a:round/>
+                      <a:headEnd type="none" w="med" len="med"/>
+                      <a:tailEnd type="none" w="med" len="med"/>
+                    </a:lnB>
+                    <a:solidFill>
+                      <a:srgbClr val="FFFFFF"/>
+                    </a:solidFill>
+                  </a:tcPr>
+                </a:tc>
+                <a:tc>
+                  <a:txBody>
+                    <a:bodyPr anchor="t" rtlCol="false"/>
+                    <a:lstStyle/>
+                    <a:p>
+                      <a:pPr algn="ctr">
+                        <a:lnSpc>
+                          <a:spcPts val="2647"/>
+                        </a:lnSpc>
+                        <a:defRPr/>
+                      </a:pPr>
+                      <a:r>
                         <a:rPr lang="en-US" sz="1891" b="true">
                           <a:solidFill>
                             <a:srgbClr val="000000"/>
@@ -11038,9 +12899,28 @@
                           <a:cs typeface="Agrandir Bold"/>
                           <a:sym typeface="Agrandir Bold"/>
                         </a:rPr>
-                        <a:t>Backend Developer</a:t>
+                        <a:t>System</a:t>
                       </a:r>
                       <a:endParaRPr lang="en-US" sz="1100"/>
+                    </a:p>
+                    <a:p>
+                      <a:pPr algn="ctr">
+                        <a:lnSpc>
+                          <a:spcPts val="2647"/>
+                        </a:lnSpc>
+                      </a:pPr>
+                      <a:r>
+                        <a:rPr lang="en-US" sz="1891" b="true">
+                          <a:solidFill>
+                            <a:srgbClr val="000000"/>
+                          </a:solidFill>
+                          <a:latin typeface="Agrandir Bold"/>
+                          <a:ea typeface="Agrandir Bold"/>
+                          <a:cs typeface="Agrandir Bold"/>
+                          <a:sym typeface="Agrandir Bold"/>
+                        </a:rPr>
+                        <a:t>  Architect</a:t>
+                      </a:r>
                     </a:p>
                   </a:txBody>
                   <a:tcPr marL="57150" marR="57150" marT="57150" marB="57150" anchor="ctr">
@@ -11174,7 +13054,757 @@
                           <a:cs typeface="Agrandir"/>
                           <a:sym typeface="Agrandir"/>
                         </a:rPr>
-                        <a:t>30</a:t>
+                        <a:t>20</a:t>
+                      </a:r>
+                      <a:endParaRPr lang="en-US" sz="1100"/>
+                    </a:p>
+                  </a:txBody>
+                  <a:tcPr marL="57150" marR="57150" marT="57150" marB="57150" anchor="ctr">
+                    <a:lnL cmpd="sng" algn="ctr" cap="flat" w="9525">
+                      <a:solidFill>
+                        <a:srgbClr val="000000"/>
+                      </a:solidFill>
+                      <a:prstDash val="solid"/>
+                      <a:round/>
+                      <a:headEnd type="none" w="med" len="med"/>
+                      <a:tailEnd type="none" w="med" len="med"/>
+                    </a:lnL>
+                    <a:lnR cmpd="sng" algn="ctr" cap="flat" w="9525">
+                      <a:solidFill>
+                        <a:srgbClr val="000000"/>
+                      </a:solidFill>
+                      <a:prstDash val="solid"/>
+                      <a:round/>
+                      <a:headEnd type="none" w="med" len="med"/>
+                      <a:tailEnd type="none" w="med" len="med"/>
+                    </a:lnR>
+                    <a:lnT cmpd="sng" algn="ctr" cap="flat" w="9525">
+                      <a:solidFill>
+                        <a:srgbClr val="000000"/>
+                      </a:solidFill>
+                      <a:prstDash val="solid"/>
+                      <a:round/>
+                      <a:headEnd type="none" w="med" len="med"/>
+                      <a:tailEnd type="none" w="med" len="med"/>
+                    </a:lnT>
+                    <a:lnB cmpd="sng" algn="ctr" cap="flat" w="9525">
+                      <a:solidFill>
+                        <a:srgbClr val="000000"/>
+                      </a:solidFill>
+                      <a:prstDash val="solid"/>
+                      <a:round/>
+                      <a:headEnd type="none" w="med" len="med"/>
+                      <a:tailEnd type="none" w="med" len="med"/>
+                    </a:lnB>
+                    <a:solidFill>
+                      <a:srgbClr val="FFFFFF"/>
+                    </a:solidFill>
+                  </a:tcPr>
+                </a:tc>
+                <a:tc>
+                  <a:txBody>
+                    <a:bodyPr anchor="t" rtlCol="false"/>
+                    <a:lstStyle/>
+                    <a:p>
+                      <a:pPr algn="ctr">
+                        <a:lnSpc>
+                          <a:spcPts val="2647"/>
+                        </a:lnSpc>
+                        <a:defRPr/>
+                      </a:pPr>
+                      <a:r>
+                        <a:rPr lang="en-US" sz="1891">
+                          <a:solidFill>
+                            <a:srgbClr val="000000"/>
+                          </a:solidFill>
+                          <a:latin typeface="Agrandir"/>
+                          <a:ea typeface="Agrandir"/>
+                          <a:cs typeface="Agrandir"/>
+                          <a:sym typeface="Agrandir"/>
+                        </a:rPr>
+                        <a:t>25</a:t>
+                      </a:r>
+                      <a:endParaRPr lang="en-US" sz="1100"/>
+                    </a:p>
+                  </a:txBody>
+                  <a:tcPr marL="57150" marR="57150" marT="57150" marB="57150" anchor="ctr">
+                    <a:lnL cmpd="sng" algn="ctr" cap="flat" w="9525">
+                      <a:solidFill>
+                        <a:srgbClr val="000000"/>
+                      </a:solidFill>
+                      <a:prstDash val="solid"/>
+                      <a:round/>
+                      <a:headEnd type="none" w="med" len="med"/>
+                      <a:tailEnd type="none" w="med" len="med"/>
+                    </a:lnL>
+                    <a:lnR cmpd="sng" algn="ctr" cap="flat" w="9525">
+                      <a:solidFill>
+                        <a:srgbClr val="000000"/>
+                      </a:solidFill>
+                      <a:prstDash val="solid"/>
+                      <a:round/>
+                      <a:headEnd type="none" w="med" len="med"/>
+                      <a:tailEnd type="none" w="med" len="med"/>
+                    </a:lnR>
+                    <a:lnT cmpd="sng" algn="ctr" cap="flat" w="9525">
+                      <a:solidFill>
+                        <a:srgbClr val="000000"/>
+                      </a:solidFill>
+                      <a:prstDash val="solid"/>
+                      <a:round/>
+                      <a:headEnd type="none" w="med" len="med"/>
+                      <a:tailEnd type="none" w="med" len="med"/>
+                    </a:lnT>
+                    <a:lnB cmpd="sng" algn="ctr" cap="flat" w="9525">
+                      <a:solidFill>
+                        <a:srgbClr val="000000"/>
+                      </a:solidFill>
+                      <a:prstDash val="solid"/>
+                      <a:round/>
+                      <a:headEnd type="none" w="med" len="med"/>
+                      <a:tailEnd type="none" w="med" len="med"/>
+                    </a:lnB>
+                    <a:solidFill>
+                      <a:srgbClr val="FFFFFF"/>
+                    </a:solidFill>
+                  </a:tcPr>
+                </a:tc>
+                <a:tc>
+                  <a:txBody>
+                    <a:bodyPr anchor="t" rtlCol="false"/>
+                    <a:lstStyle/>
+                    <a:p>
+                      <a:pPr algn="ctr">
+                        <a:lnSpc>
+                          <a:spcPts val="2647"/>
+                        </a:lnSpc>
+                        <a:defRPr/>
+                      </a:pPr>
+                      <a:r>
+                        <a:rPr lang="en-US" sz="1891">
+                          <a:solidFill>
+                            <a:srgbClr val="000000"/>
+                          </a:solidFill>
+                          <a:latin typeface="Agrandir"/>
+                          <a:ea typeface="Agrandir"/>
+                          <a:cs typeface="Agrandir"/>
+                          <a:sym typeface="Agrandir"/>
+                        </a:rPr>
+                        <a:t>25</a:t>
+                      </a:r>
+                      <a:endParaRPr lang="en-US" sz="1100"/>
+                    </a:p>
+                  </a:txBody>
+                  <a:tcPr marL="57150" marR="57150" marT="57150" marB="57150" anchor="ctr">
+                    <a:lnL cmpd="sng" algn="ctr" cap="flat" w="9525">
+                      <a:solidFill>
+                        <a:srgbClr val="000000"/>
+                      </a:solidFill>
+                      <a:prstDash val="solid"/>
+                      <a:round/>
+                      <a:headEnd type="none" w="med" len="med"/>
+                      <a:tailEnd type="none" w="med" len="med"/>
+                    </a:lnL>
+                    <a:lnR cmpd="sng" algn="ctr" cap="flat" w="9525">
+                      <a:solidFill>
+                        <a:srgbClr val="000000"/>
+                      </a:solidFill>
+                      <a:prstDash val="solid"/>
+                      <a:round/>
+                      <a:headEnd type="none" w="med" len="med"/>
+                      <a:tailEnd type="none" w="med" len="med"/>
+                    </a:lnR>
+                    <a:lnT cmpd="sng" algn="ctr" cap="flat" w="9525">
+                      <a:solidFill>
+                        <a:srgbClr val="000000"/>
+                      </a:solidFill>
+                      <a:prstDash val="solid"/>
+                      <a:round/>
+                      <a:headEnd type="none" w="med" len="med"/>
+                      <a:tailEnd type="none" w="med" len="med"/>
+                    </a:lnT>
+                    <a:lnB cmpd="sng" algn="ctr" cap="flat" w="9525">
+                      <a:solidFill>
+                        <a:srgbClr val="000000"/>
+                      </a:solidFill>
+                      <a:prstDash val="solid"/>
+                      <a:round/>
+                      <a:headEnd type="none" w="med" len="med"/>
+                      <a:tailEnd type="none" w="med" len="med"/>
+                    </a:lnB>
+                    <a:solidFill>
+                      <a:srgbClr val="FFFFFF"/>
+                    </a:solidFill>
+                  </a:tcPr>
+                </a:tc>
+                <a:tc>
+                  <a:txBody>
+                    <a:bodyPr anchor="t" rtlCol="false"/>
+                    <a:lstStyle/>
+                    <a:p>
+                      <a:pPr algn="ctr">
+                        <a:lnSpc>
+                          <a:spcPts val="2647"/>
+                        </a:lnSpc>
+                        <a:defRPr/>
+                      </a:pPr>
+                      <a:r>
+                        <a:rPr lang="en-US" sz="1891">
+                          <a:solidFill>
+                            <a:srgbClr val="000000"/>
+                          </a:solidFill>
+                          <a:latin typeface="Agrandir"/>
+                          <a:ea typeface="Agrandir"/>
+                          <a:cs typeface="Agrandir"/>
+                          <a:sym typeface="Agrandir"/>
+                        </a:rPr>
+                        <a:t>5</a:t>
+                      </a:r>
+                      <a:endParaRPr lang="en-US" sz="1100"/>
+                    </a:p>
+                  </a:txBody>
+                  <a:tcPr marL="57150" marR="57150" marT="57150" marB="57150" anchor="ctr">
+                    <a:lnL cmpd="sng" algn="ctr" cap="flat" w="9525">
+                      <a:solidFill>
+                        <a:srgbClr val="000000"/>
+                      </a:solidFill>
+                      <a:prstDash val="solid"/>
+                      <a:round/>
+                      <a:headEnd type="none" w="med" len="med"/>
+                      <a:tailEnd type="none" w="med" len="med"/>
+                    </a:lnL>
+                    <a:lnR cmpd="sng" algn="ctr" cap="flat" w="9525">
+                      <a:solidFill>
+                        <a:srgbClr val="000000"/>
+                      </a:solidFill>
+                      <a:prstDash val="solid"/>
+                      <a:round/>
+                      <a:headEnd type="none" w="med" len="med"/>
+                      <a:tailEnd type="none" w="med" len="med"/>
+                    </a:lnR>
+                    <a:lnT cmpd="sng" algn="ctr" cap="flat" w="9525">
+                      <a:solidFill>
+                        <a:srgbClr val="000000"/>
+                      </a:solidFill>
+                      <a:prstDash val="solid"/>
+                      <a:round/>
+                      <a:headEnd type="none" w="med" len="med"/>
+                      <a:tailEnd type="none" w="med" len="med"/>
+                    </a:lnT>
+                    <a:lnB cmpd="sng" algn="ctr" cap="flat" w="9525">
+                      <a:solidFill>
+                        <a:srgbClr val="000000"/>
+                      </a:solidFill>
+                      <a:prstDash val="solid"/>
+                      <a:round/>
+                      <a:headEnd type="none" w="med" len="med"/>
+                      <a:tailEnd type="none" w="med" len="med"/>
+                    </a:lnB>
+                    <a:solidFill>
+                      <a:srgbClr val="FFFFFF"/>
+                    </a:solidFill>
+                  </a:tcPr>
+                </a:tc>
+                <a:tc>
+                  <a:txBody>
+                    <a:bodyPr anchor="t" rtlCol="false"/>
+                    <a:lstStyle/>
+                    <a:p>
+                      <a:pPr algn="ctr">
+                        <a:lnSpc>
+                          <a:spcPts val="2647"/>
+                        </a:lnSpc>
+                        <a:defRPr/>
+                      </a:pPr>
+                      <a:r>
+                        <a:rPr lang="en-US" sz="1891">
+                          <a:solidFill>
+                            <a:srgbClr val="000000"/>
+                          </a:solidFill>
+                          <a:latin typeface="Agrandir"/>
+                          <a:ea typeface="Agrandir"/>
+                          <a:cs typeface="Agrandir"/>
+                          <a:sym typeface="Agrandir"/>
+                        </a:rPr>
+                        <a:t>0</a:t>
+                      </a:r>
+                      <a:endParaRPr lang="en-US" sz="1100"/>
+                    </a:p>
+                  </a:txBody>
+                  <a:tcPr marL="57150" marR="57150" marT="57150" marB="57150" anchor="ctr">
+                    <a:lnL cmpd="sng" algn="ctr" cap="flat" w="9525">
+                      <a:solidFill>
+                        <a:srgbClr val="000000"/>
+                      </a:solidFill>
+                      <a:prstDash val="solid"/>
+                      <a:round/>
+                      <a:headEnd type="none" w="med" len="med"/>
+                      <a:tailEnd type="none" w="med" len="med"/>
+                    </a:lnL>
+                    <a:lnR cmpd="sng" algn="ctr" cap="flat" w="9525">
+                      <a:solidFill>
+                        <a:srgbClr val="000000"/>
+                      </a:solidFill>
+                      <a:prstDash val="solid"/>
+                      <a:round/>
+                      <a:headEnd type="none" w="med" len="med"/>
+                      <a:tailEnd type="none" w="med" len="med"/>
+                    </a:lnR>
+                    <a:lnT cmpd="sng" algn="ctr" cap="flat" w="9525">
+                      <a:solidFill>
+                        <a:srgbClr val="000000"/>
+                      </a:solidFill>
+                      <a:prstDash val="solid"/>
+                      <a:round/>
+                      <a:headEnd type="none" w="med" len="med"/>
+                      <a:tailEnd type="none" w="med" len="med"/>
+                    </a:lnT>
+                    <a:lnB cmpd="sng" algn="ctr" cap="flat" w="9525">
+                      <a:solidFill>
+                        <a:srgbClr val="000000"/>
+                      </a:solidFill>
+                      <a:prstDash val="solid"/>
+                      <a:round/>
+                      <a:headEnd type="none" w="med" len="med"/>
+                      <a:tailEnd type="none" w="med" len="med"/>
+                    </a:lnB>
+                    <a:solidFill>
+                      <a:srgbClr val="FFFFFF"/>
+                    </a:solidFill>
+                  </a:tcPr>
+                </a:tc>
+                <a:tc>
+                  <a:txBody>
+                    <a:bodyPr anchor="t" rtlCol="false"/>
+                    <a:lstStyle/>
+                    <a:p>
+                      <a:pPr algn="ctr">
+                        <a:lnSpc>
+                          <a:spcPts val="2647"/>
+                        </a:lnSpc>
+                        <a:defRPr/>
+                      </a:pPr>
+                      <a:r>
+                        <a:rPr lang="en-US" sz="1891">
+                          <a:solidFill>
+                            <a:srgbClr val="000000"/>
+                          </a:solidFill>
+                          <a:latin typeface="Agrandir"/>
+                          <a:ea typeface="Agrandir"/>
+                          <a:cs typeface="Agrandir"/>
+                          <a:sym typeface="Agrandir"/>
+                        </a:rPr>
+                        <a:t>10</a:t>
+                      </a:r>
+                      <a:endParaRPr lang="en-US" sz="1100"/>
+                    </a:p>
+                  </a:txBody>
+                  <a:tcPr marL="57150" marR="57150" marT="57150" marB="57150" anchor="ctr">
+                    <a:lnL cmpd="sng" algn="ctr" cap="flat" w="9525">
+                      <a:solidFill>
+                        <a:srgbClr val="000000"/>
+                      </a:solidFill>
+                      <a:prstDash val="solid"/>
+                      <a:round/>
+                      <a:headEnd type="none" w="med" len="med"/>
+                      <a:tailEnd type="none" w="med" len="med"/>
+                    </a:lnL>
+                    <a:lnR cmpd="sng" algn="ctr" cap="flat" w="9525">
+                      <a:solidFill>
+                        <a:srgbClr val="000000"/>
+                      </a:solidFill>
+                      <a:prstDash val="solid"/>
+                      <a:round/>
+                      <a:headEnd type="none" w="med" len="med"/>
+                      <a:tailEnd type="none" w="med" len="med"/>
+                    </a:lnR>
+                    <a:lnT cmpd="sng" algn="ctr" cap="flat" w="9525">
+                      <a:solidFill>
+                        <a:srgbClr val="000000"/>
+                      </a:solidFill>
+                      <a:prstDash val="solid"/>
+                      <a:round/>
+                      <a:headEnd type="none" w="med" len="med"/>
+                      <a:tailEnd type="none" w="med" len="med"/>
+                    </a:lnT>
+                    <a:lnB cmpd="sng" algn="ctr" cap="flat" w="9525">
+                      <a:solidFill>
+                        <a:srgbClr val="000000"/>
+                      </a:solidFill>
+                      <a:prstDash val="solid"/>
+                      <a:round/>
+                      <a:headEnd type="none" w="med" len="med"/>
+                      <a:tailEnd type="none" w="med" len="med"/>
+                    </a:lnB>
+                    <a:solidFill>
+                      <a:srgbClr val="FFFFFF"/>
+                    </a:solidFill>
+                  </a:tcPr>
+                </a:tc>
+                <a:tc>
+                  <a:txBody>
+                    <a:bodyPr anchor="t" rtlCol="false"/>
+                    <a:lstStyle/>
+                    <a:p>
+                      <a:pPr algn="ctr">
+                        <a:lnSpc>
+                          <a:spcPts val="2647"/>
+                        </a:lnSpc>
+                        <a:defRPr/>
+                      </a:pPr>
+                      <a:r>
+                        <a:rPr lang="en-US" sz="1891" b="true">
+                          <a:solidFill>
+                            <a:srgbClr val="000000"/>
+                          </a:solidFill>
+                          <a:latin typeface="Agrandir Bold"/>
+                          <a:ea typeface="Agrandir Bold"/>
+                          <a:cs typeface="Agrandir Bold"/>
+                          <a:sym typeface="Agrandir Bold"/>
+                        </a:rPr>
+                        <a:t>100</a:t>
+                      </a:r>
+                      <a:endParaRPr lang="en-US" sz="1100"/>
+                    </a:p>
+                  </a:txBody>
+                  <a:tcPr marL="57150" marR="57150" marT="57150" marB="57150" anchor="ctr">
+                    <a:lnL cmpd="sng" algn="ctr" cap="flat" w="9525">
+                      <a:solidFill>
+                        <a:srgbClr val="000000"/>
+                      </a:solidFill>
+                      <a:prstDash val="solid"/>
+                      <a:round/>
+                      <a:headEnd type="none" w="med" len="med"/>
+                      <a:tailEnd type="none" w="med" len="med"/>
+                    </a:lnL>
+                    <a:lnR cmpd="sng" algn="ctr" cap="flat" w="9525">
+                      <a:solidFill>
+                        <a:srgbClr val="000000"/>
+                      </a:solidFill>
+                      <a:prstDash val="solid"/>
+                      <a:round/>
+                      <a:headEnd type="none" w="med" len="med"/>
+                      <a:tailEnd type="none" w="med" len="med"/>
+                    </a:lnR>
+                    <a:lnT cmpd="sng" algn="ctr" cap="flat" w="9525">
+                      <a:solidFill>
+                        <a:srgbClr val="000000"/>
+                      </a:solidFill>
+                      <a:prstDash val="solid"/>
+                      <a:round/>
+                      <a:headEnd type="none" w="med" len="med"/>
+                      <a:tailEnd type="none" w="med" len="med"/>
+                    </a:lnT>
+                    <a:lnB cmpd="sng" algn="ctr" cap="flat" w="9525">
+                      <a:solidFill>
+                        <a:srgbClr val="000000"/>
+                      </a:solidFill>
+                      <a:prstDash val="solid"/>
+                      <a:round/>
+                      <a:headEnd type="none" w="med" len="med"/>
+                      <a:tailEnd type="none" w="med" len="med"/>
+                    </a:lnB>
+                    <a:solidFill>
+                      <a:srgbClr val="F1E3E3"/>
+                    </a:solidFill>
+                  </a:tcPr>
+                </a:tc>
+              </a:tr>
+              <a:tr h="838460">
+                <a:tc>
+                  <a:txBody>
+                    <a:bodyPr anchor="t" rtlCol="false"/>
+                    <a:lstStyle/>
+                    <a:p>
+                      <a:pPr algn="ctr">
+                        <a:lnSpc>
+                          <a:spcPts val="2647"/>
+                        </a:lnSpc>
+                        <a:defRPr/>
+                      </a:pPr>
+                      <a:r>
+                        <a:rPr lang="en-US" sz="1891" b="true">
+                          <a:solidFill>
+                            <a:srgbClr val="000000"/>
+                          </a:solidFill>
+                          <a:latin typeface="Agrandir Bold"/>
+                          <a:ea typeface="Agrandir Bold"/>
+                          <a:cs typeface="Agrandir Bold"/>
+                          <a:sym typeface="Agrandir Bold"/>
+                        </a:rPr>
+                        <a:t>Product Manager</a:t>
+                      </a:r>
+                      <a:endParaRPr lang="en-US" sz="1100"/>
+                    </a:p>
+                  </a:txBody>
+                  <a:tcPr marL="57150" marR="57150" marT="57150" marB="57150" anchor="ctr">
+                    <a:lnL cmpd="sng" algn="ctr" cap="flat" w="9525">
+                      <a:solidFill>
+                        <a:srgbClr val="000000"/>
+                      </a:solidFill>
+                      <a:prstDash val="solid"/>
+                      <a:round/>
+                      <a:headEnd type="none" w="med" len="med"/>
+                      <a:tailEnd type="none" w="med" len="med"/>
+                    </a:lnL>
+                    <a:lnR cmpd="sng" algn="ctr" cap="flat" w="9525">
+                      <a:solidFill>
+                        <a:srgbClr val="000000"/>
+                      </a:solidFill>
+                      <a:prstDash val="solid"/>
+                      <a:round/>
+                      <a:headEnd type="none" w="med" len="med"/>
+                      <a:tailEnd type="none" w="med" len="med"/>
+                    </a:lnR>
+                    <a:lnT cmpd="sng" algn="ctr" cap="flat" w="9525">
+                      <a:solidFill>
+                        <a:srgbClr val="000000"/>
+                      </a:solidFill>
+                      <a:prstDash val="solid"/>
+                      <a:round/>
+                      <a:headEnd type="none" w="med" len="med"/>
+                      <a:tailEnd type="none" w="med" len="med"/>
+                    </a:lnT>
+                    <a:lnB cmpd="sng" algn="ctr" cap="flat" w="9525">
+                      <a:solidFill>
+                        <a:srgbClr val="000000"/>
+                      </a:solidFill>
+                      <a:prstDash val="solid"/>
+                      <a:round/>
+                      <a:headEnd type="none" w="med" len="med"/>
+                      <a:tailEnd type="none" w="med" len="med"/>
+                    </a:lnB>
+                    <a:solidFill>
+                      <a:srgbClr val="F1E3E3"/>
+                    </a:solidFill>
+                  </a:tcPr>
+                </a:tc>
+                <a:tc>
+                  <a:txBody>
+                    <a:bodyPr anchor="t" rtlCol="false"/>
+                    <a:lstStyle/>
+                    <a:p>
+                      <a:pPr algn="ctr">
+                        <a:lnSpc>
+                          <a:spcPts val="2647"/>
+                        </a:lnSpc>
+                        <a:defRPr/>
+                      </a:pPr>
+                      <a:r>
+                        <a:rPr lang="en-US" sz="1891">
+                          <a:solidFill>
+                            <a:srgbClr val="000000"/>
+                          </a:solidFill>
+                          <a:latin typeface="Agrandir"/>
+                          <a:ea typeface="Agrandir"/>
+                          <a:cs typeface="Agrandir"/>
+                          <a:sym typeface="Agrandir"/>
+                        </a:rPr>
+                        <a:t>10</a:t>
+                      </a:r>
+                      <a:endParaRPr lang="en-US" sz="1100"/>
+                    </a:p>
+                  </a:txBody>
+                  <a:tcPr marL="57150" marR="57150" marT="57150" marB="57150" anchor="ctr">
+                    <a:lnL cmpd="sng" algn="ctr" cap="flat" w="9525">
+                      <a:solidFill>
+                        <a:srgbClr val="000000"/>
+                      </a:solidFill>
+                      <a:prstDash val="solid"/>
+                      <a:round/>
+                      <a:headEnd type="none" w="med" len="med"/>
+                      <a:tailEnd type="none" w="med" len="med"/>
+                    </a:lnL>
+                    <a:lnR cmpd="sng" algn="ctr" cap="flat" w="9525">
+                      <a:solidFill>
+                        <a:srgbClr val="000000"/>
+                      </a:solidFill>
+                      <a:prstDash val="solid"/>
+                      <a:round/>
+                      <a:headEnd type="none" w="med" len="med"/>
+                      <a:tailEnd type="none" w="med" len="med"/>
+                    </a:lnR>
+                    <a:lnT cmpd="sng" algn="ctr" cap="flat" w="9525">
+                      <a:solidFill>
+                        <a:srgbClr val="000000"/>
+                      </a:solidFill>
+                      <a:prstDash val="solid"/>
+                      <a:round/>
+                      <a:headEnd type="none" w="med" len="med"/>
+                      <a:tailEnd type="none" w="med" len="med"/>
+                    </a:lnT>
+                    <a:lnB cmpd="sng" algn="ctr" cap="flat" w="9525">
+                      <a:solidFill>
+                        <a:srgbClr val="000000"/>
+                      </a:solidFill>
+                      <a:prstDash val="solid"/>
+                      <a:round/>
+                      <a:headEnd type="none" w="med" len="med"/>
+                      <a:tailEnd type="none" w="med" len="med"/>
+                    </a:lnB>
+                    <a:solidFill>
+                      <a:srgbClr val="FFFFFF"/>
+                    </a:solidFill>
+                  </a:tcPr>
+                </a:tc>
+                <a:tc>
+                  <a:txBody>
+                    <a:bodyPr anchor="t" rtlCol="false"/>
+                    <a:lstStyle/>
+                    <a:p>
+                      <a:pPr algn="ctr">
+                        <a:lnSpc>
+                          <a:spcPts val="2647"/>
+                        </a:lnSpc>
+                        <a:defRPr/>
+                      </a:pPr>
+                      <a:r>
+                        <a:rPr lang="en-US" sz="1891">
+                          <a:solidFill>
+                            <a:srgbClr val="000000"/>
+                          </a:solidFill>
+                          <a:latin typeface="Agrandir"/>
+                          <a:ea typeface="Agrandir"/>
+                          <a:cs typeface="Agrandir"/>
+                          <a:sym typeface="Agrandir"/>
+                        </a:rPr>
+                        <a:t>10</a:t>
+                      </a:r>
+                      <a:endParaRPr lang="en-US" sz="1100"/>
+                    </a:p>
+                  </a:txBody>
+                  <a:tcPr marL="57150" marR="57150" marT="57150" marB="57150" anchor="ctr">
+                    <a:lnL cmpd="sng" algn="ctr" cap="flat" w="9525">
+                      <a:solidFill>
+                        <a:srgbClr val="000000"/>
+                      </a:solidFill>
+                      <a:prstDash val="solid"/>
+                      <a:round/>
+                      <a:headEnd type="none" w="med" len="med"/>
+                      <a:tailEnd type="none" w="med" len="med"/>
+                    </a:lnL>
+                    <a:lnR cmpd="sng" algn="ctr" cap="flat" w="9525">
+                      <a:solidFill>
+                        <a:srgbClr val="000000"/>
+                      </a:solidFill>
+                      <a:prstDash val="solid"/>
+                      <a:round/>
+                      <a:headEnd type="none" w="med" len="med"/>
+                      <a:tailEnd type="none" w="med" len="med"/>
+                    </a:lnR>
+                    <a:lnT cmpd="sng" algn="ctr" cap="flat" w="9525">
+                      <a:solidFill>
+                        <a:srgbClr val="000000"/>
+                      </a:solidFill>
+                      <a:prstDash val="solid"/>
+                      <a:round/>
+                      <a:headEnd type="none" w="med" len="med"/>
+                      <a:tailEnd type="none" w="med" len="med"/>
+                    </a:lnT>
+                    <a:lnB cmpd="sng" algn="ctr" cap="flat" w="9525">
+                      <a:solidFill>
+                        <a:srgbClr val="000000"/>
+                      </a:solidFill>
+                      <a:prstDash val="solid"/>
+                      <a:round/>
+                      <a:headEnd type="none" w="med" len="med"/>
+                      <a:tailEnd type="none" w="med" len="med"/>
+                    </a:lnB>
+                    <a:solidFill>
+                      <a:srgbClr val="FFFFFF"/>
+                    </a:solidFill>
+                  </a:tcPr>
+                </a:tc>
+                <a:tc>
+                  <a:txBody>
+                    <a:bodyPr anchor="t" rtlCol="false"/>
+                    <a:lstStyle/>
+                    <a:p>
+                      <a:pPr algn="ctr">
+                        <a:lnSpc>
+                          <a:spcPts val="2647"/>
+                        </a:lnSpc>
+                        <a:defRPr/>
+                      </a:pPr>
+                      <a:r>
+                        <a:rPr lang="en-US" sz="1891">
+                          <a:solidFill>
+                            <a:srgbClr val="000000"/>
+                          </a:solidFill>
+                          <a:latin typeface="Agrandir"/>
+                          <a:ea typeface="Agrandir"/>
+                          <a:cs typeface="Agrandir"/>
+                          <a:sym typeface="Agrandir"/>
+                        </a:rPr>
+                        <a:t>15</a:t>
+                      </a:r>
+                      <a:endParaRPr lang="en-US" sz="1100"/>
+                    </a:p>
+                  </a:txBody>
+                  <a:tcPr marL="57150" marR="57150" marT="57150" marB="57150" anchor="ctr">
+                    <a:lnL cmpd="sng" algn="ctr" cap="flat" w="9525">
+                      <a:solidFill>
+                        <a:srgbClr val="000000"/>
+                      </a:solidFill>
+                      <a:prstDash val="solid"/>
+                      <a:round/>
+                      <a:headEnd type="none" w="med" len="med"/>
+                      <a:tailEnd type="none" w="med" len="med"/>
+                    </a:lnL>
+                    <a:lnR cmpd="sng" algn="ctr" cap="flat" w="9525">
+                      <a:solidFill>
+                        <a:srgbClr val="000000"/>
+                      </a:solidFill>
+                      <a:prstDash val="solid"/>
+                      <a:round/>
+                      <a:headEnd type="none" w="med" len="med"/>
+                      <a:tailEnd type="none" w="med" len="med"/>
+                    </a:lnR>
+                    <a:lnT cmpd="sng" algn="ctr" cap="flat" w="9525">
+                      <a:solidFill>
+                        <a:srgbClr val="000000"/>
+                      </a:solidFill>
+                      <a:prstDash val="solid"/>
+                      <a:round/>
+                      <a:headEnd type="none" w="med" len="med"/>
+                      <a:tailEnd type="none" w="med" len="med"/>
+                    </a:lnT>
+                    <a:lnB cmpd="sng" algn="ctr" cap="flat" w="9525">
+                      <a:solidFill>
+                        <a:srgbClr val="000000"/>
+                      </a:solidFill>
+                      <a:prstDash val="solid"/>
+                      <a:round/>
+                      <a:headEnd type="none" w="med" len="med"/>
+                      <a:tailEnd type="none" w="med" len="med"/>
+                    </a:lnB>
+                    <a:solidFill>
+                      <a:srgbClr val="FFFFFF"/>
+                    </a:solidFill>
+                  </a:tcPr>
+                </a:tc>
+                <a:tc>
+                  <a:txBody>
+                    <a:bodyPr anchor="t" rtlCol="false"/>
+                    <a:lstStyle/>
+                    <a:p>
+                      <a:pPr algn="ctr">
+                        <a:lnSpc>
+                          <a:spcPts val="2647"/>
+                        </a:lnSpc>
+                        <a:defRPr/>
+                      </a:pPr>
+                      <a:r>
+                        <a:rPr lang="en-US" sz="1891">
+                          <a:solidFill>
+                            <a:srgbClr val="000000"/>
+                          </a:solidFill>
+                          <a:latin typeface="Agrandir"/>
+                          <a:ea typeface="Agrandir"/>
+                          <a:cs typeface="Agrandir"/>
+                          <a:sym typeface="Agrandir"/>
+                        </a:rPr>
+                        <a:t>15</a:t>
                       </a:r>
                       <a:endParaRPr lang="en-US" sz="1100"/>
                     </a:p>
@@ -11378,143 +14008,7 @@
                           <a:cs typeface="Agrandir"/>
                           <a:sym typeface="Agrandir"/>
                         </a:rPr>
-                        <a:t>5</a:t>
-                      </a:r>
-                      <a:endParaRPr lang="en-US" sz="1100"/>
-                    </a:p>
-                  </a:txBody>
-                  <a:tcPr marL="57150" marR="57150" marT="57150" marB="57150" anchor="ctr">
-                    <a:lnL cmpd="sng" algn="ctr" cap="flat" w="9525">
-                      <a:solidFill>
-                        <a:srgbClr val="000000"/>
-                      </a:solidFill>
-                      <a:prstDash val="solid"/>
-                      <a:round/>
-                      <a:headEnd type="none" w="med" len="med"/>
-                      <a:tailEnd type="none" w="med" len="med"/>
-                    </a:lnL>
-                    <a:lnR cmpd="sng" algn="ctr" cap="flat" w="9525">
-                      <a:solidFill>
-                        <a:srgbClr val="000000"/>
-                      </a:solidFill>
-                      <a:prstDash val="solid"/>
-                      <a:round/>
-                      <a:headEnd type="none" w="med" len="med"/>
-                      <a:tailEnd type="none" w="med" len="med"/>
-                    </a:lnR>
-                    <a:lnT cmpd="sng" algn="ctr" cap="flat" w="9525">
-                      <a:solidFill>
-                        <a:srgbClr val="000000"/>
-                      </a:solidFill>
-                      <a:prstDash val="solid"/>
-                      <a:round/>
-                      <a:headEnd type="none" w="med" len="med"/>
-                      <a:tailEnd type="none" w="med" len="med"/>
-                    </a:lnT>
-                    <a:lnB cmpd="sng" algn="ctr" cap="flat" w="9525">
-                      <a:solidFill>
-                        <a:srgbClr val="000000"/>
-                      </a:solidFill>
-                      <a:prstDash val="solid"/>
-                      <a:round/>
-                      <a:headEnd type="none" w="med" len="med"/>
-                      <a:tailEnd type="none" w="med" len="med"/>
-                    </a:lnB>
-                    <a:solidFill>
-                      <a:srgbClr val="FFFFFF"/>
-                    </a:solidFill>
-                  </a:tcPr>
-                </a:tc>
-                <a:tc>
-                  <a:txBody>
-                    <a:bodyPr anchor="t" rtlCol="false"/>
-                    <a:lstStyle/>
-                    <a:p>
-                      <a:pPr algn="ctr">
-                        <a:lnSpc>
-                          <a:spcPts val="2647"/>
-                        </a:lnSpc>
-                        <a:defRPr/>
-                      </a:pPr>
-                      <a:r>
-                        <a:rPr lang="en-US" sz="1891">
-                          <a:solidFill>
-                            <a:srgbClr val="000000"/>
-                          </a:solidFill>
-                          <a:latin typeface="Agrandir"/>
-                          <a:ea typeface="Agrandir"/>
-                          <a:cs typeface="Agrandir"/>
-                          <a:sym typeface="Agrandir"/>
-                        </a:rPr>
                         <a:t>10</a:t>
-                      </a:r>
-                      <a:endParaRPr lang="en-US" sz="1100"/>
-                    </a:p>
-                  </a:txBody>
-                  <a:tcPr marL="57150" marR="57150" marT="57150" marB="57150" anchor="ctr">
-                    <a:lnL cmpd="sng" algn="ctr" cap="flat" w="9525">
-                      <a:solidFill>
-                        <a:srgbClr val="000000"/>
-                      </a:solidFill>
-                      <a:prstDash val="solid"/>
-                      <a:round/>
-                      <a:headEnd type="none" w="med" len="med"/>
-                      <a:tailEnd type="none" w="med" len="med"/>
-                    </a:lnL>
-                    <a:lnR cmpd="sng" algn="ctr" cap="flat" w="9525">
-                      <a:solidFill>
-                        <a:srgbClr val="000000"/>
-                      </a:solidFill>
-                      <a:prstDash val="solid"/>
-                      <a:round/>
-                      <a:headEnd type="none" w="med" len="med"/>
-                      <a:tailEnd type="none" w="med" len="med"/>
-                    </a:lnR>
-                    <a:lnT cmpd="sng" algn="ctr" cap="flat" w="9525">
-                      <a:solidFill>
-                        <a:srgbClr val="000000"/>
-                      </a:solidFill>
-                      <a:prstDash val="solid"/>
-                      <a:round/>
-                      <a:headEnd type="none" w="med" len="med"/>
-                      <a:tailEnd type="none" w="med" len="med"/>
-                    </a:lnT>
-                    <a:lnB cmpd="sng" algn="ctr" cap="flat" w="9525">
-                      <a:solidFill>
-                        <a:srgbClr val="000000"/>
-                      </a:solidFill>
-                      <a:prstDash val="solid"/>
-                      <a:round/>
-                      <a:headEnd type="none" w="med" len="med"/>
-                      <a:tailEnd type="none" w="med" len="med"/>
-                    </a:lnB>
-                    <a:solidFill>
-                      <a:srgbClr val="FFFFFF"/>
-                    </a:solidFill>
-                  </a:tcPr>
-                </a:tc>
-                <a:tc>
-                  <a:txBody>
-                    <a:bodyPr anchor="t" rtlCol="false"/>
-                    <a:lstStyle/>
-                    <a:p>
-                      <a:pPr algn="ctr">
-                        <a:lnSpc>
-                          <a:spcPts val="2647"/>
-                        </a:lnSpc>
-                        <a:defRPr/>
-                      </a:pPr>
-                      <a:r>
-                        <a:rPr lang="en-US" sz="1891">
-                          <a:solidFill>
-                            <a:srgbClr val="000000"/>
-                          </a:solidFill>
-                          <a:latin typeface="Agrandir"/>
-                          <a:ea typeface="Agrandir"/>
-                          <a:cs typeface="Agrandir"/>
-                          <a:sym typeface="Agrandir"/>
-                        </a:rPr>
-                        <a:t>0</a:t>
                       </a:r>
                       <a:endParaRPr lang="en-US" sz="1100"/>
                     </a:p>
@@ -11630,2500 +14124,6 @@
                   </a:tcPr>
                 </a:tc>
               </a:tr>
-              <a:tr h="1044767">
-                <a:tc>
-                  <a:txBody>
-                    <a:bodyPr anchor="t" rtlCol="false"/>
-                    <a:lstStyle/>
-                    <a:p>
-                      <a:pPr algn="ctr">
-                        <a:lnSpc>
-                          <a:spcPts val="2647"/>
-                        </a:lnSpc>
-                        <a:defRPr/>
-                      </a:pPr>
-                      <a:r>
-                        <a:rPr lang="en-US" sz="1891" b="true">
-                          <a:solidFill>
-                            <a:srgbClr val="000000"/>
-                          </a:solidFill>
-                          <a:latin typeface="Agrandir Bold"/>
-                          <a:ea typeface="Agrandir Bold"/>
-                          <a:cs typeface="Agrandir Bold"/>
-                          <a:sym typeface="Agrandir Bold"/>
-                        </a:rPr>
-                        <a:t>Restaurant</a:t>
-                      </a:r>
-                      <a:endParaRPr lang="en-US" sz="1100"/>
-                    </a:p>
-                    <a:p>
-                      <a:pPr algn="ctr">
-                        <a:lnSpc>
-                          <a:spcPts val="2647"/>
-                        </a:lnSpc>
-                      </a:pPr>
-                      <a:r>
-                        <a:rPr lang="en-US" sz="1891" b="true">
-                          <a:solidFill>
-                            <a:srgbClr val="000000"/>
-                          </a:solidFill>
-                          <a:latin typeface="Agrandir Bold"/>
-                          <a:ea typeface="Agrandir Bold"/>
-                          <a:cs typeface="Agrandir Bold"/>
-                          <a:sym typeface="Agrandir Bold"/>
-                        </a:rPr>
-                        <a:t>  Owner</a:t>
-                      </a:r>
-                    </a:p>
-                  </a:txBody>
-                  <a:tcPr marL="57150" marR="57150" marT="57150" marB="57150" anchor="ctr">
-                    <a:lnL cmpd="sng" algn="ctr" cap="flat" w="9525">
-                      <a:solidFill>
-                        <a:srgbClr val="000000"/>
-                      </a:solidFill>
-                      <a:prstDash val="solid"/>
-                      <a:round/>
-                      <a:headEnd type="none" w="med" len="med"/>
-                      <a:tailEnd type="none" w="med" len="med"/>
-                    </a:lnL>
-                    <a:lnR cmpd="sng" algn="ctr" cap="flat" w="9525">
-                      <a:solidFill>
-                        <a:srgbClr val="000000"/>
-                      </a:solidFill>
-                      <a:prstDash val="solid"/>
-                      <a:round/>
-                      <a:headEnd type="none" w="med" len="med"/>
-                      <a:tailEnd type="none" w="med" len="med"/>
-                    </a:lnR>
-                    <a:lnT cmpd="sng" algn="ctr" cap="flat" w="9525">
-                      <a:solidFill>
-                        <a:srgbClr val="000000"/>
-                      </a:solidFill>
-                      <a:prstDash val="solid"/>
-                      <a:round/>
-                      <a:headEnd type="none" w="med" len="med"/>
-                      <a:tailEnd type="none" w="med" len="med"/>
-                    </a:lnT>
-                    <a:lnB cmpd="sng" algn="ctr" cap="flat" w="9525">
-                      <a:solidFill>
-                        <a:srgbClr val="000000"/>
-                      </a:solidFill>
-                      <a:prstDash val="solid"/>
-                      <a:round/>
-                      <a:headEnd type="none" w="med" len="med"/>
-                      <a:tailEnd type="none" w="med" len="med"/>
-                    </a:lnB>
-                    <a:solidFill>
-                      <a:srgbClr val="F1E3E3"/>
-                    </a:solidFill>
-                  </a:tcPr>
-                </a:tc>
-                <a:tc>
-                  <a:txBody>
-                    <a:bodyPr anchor="t" rtlCol="false"/>
-                    <a:lstStyle/>
-                    <a:p>
-                      <a:pPr algn="ctr">
-                        <a:lnSpc>
-                          <a:spcPts val="2647"/>
-                        </a:lnSpc>
-                        <a:defRPr/>
-                      </a:pPr>
-                      <a:r>
-                        <a:rPr lang="en-US" sz="1891">
-                          <a:solidFill>
-                            <a:srgbClr val="000000"/>
-                          </a:solidFill>
-                          <a:latin typeface="Agrandir"/>
-                          <a:ea typeface="Agrandir"/>
-                          <a:cs typeface="Agrandir"/>
-                          <a:sym typeface="Agrandir"/>
-                        </a:rPr>
-                        <a:t>10</a:t>
-                      </a:r>
-                      <a:endParaRPr lang="en-US" sz="1100"/>
-                    </a:p>
-                  </a:txBody>
-                  <a:tcPr marL="57150" marR="57150" marT="57150" marB="57150" anchor="ctr">
-                    <a:lnL cmpd="sng" algn="ctr" cap="flat" w="9525">
-                      <a:solidFill>
-                        <a:srgbClr val="000000"/>
-                      </a:solidFill>
-                      <a:prstDash val="solid"/>
-                      <a:round/>
-                      <a:headEnd type="none" w="med" len="med"/>
-                      <a:tailEnd type="none" w="med" len="med"/>
-                    </a:lnL>
-                    <a:lnR cmpd="sng" algn="ctr" cap="flat" w="9525">
-                      <a:solidFill>
-                        <a:srgbClr val="000000"/>
-                      </a:solidFill>
-                      <a:prstDash val="solid"/>
-                      <a:round/>
-                      <a:headEnd type="none" w="med" len="med"/>
-                      <a:tailEnd type="none" w="med" len="med"/>
-                    </a:lnR>
-                    <a:lnT cmpd="sng" algn="ctr" cap="flat" w="9525">
-                      <a:solidFill>
-                        <a:srgbClr val="000000"/>
-                      </a:solidFill>
-                      <a:prstDash val="solid"/>
-                      <a:round/>
-                      <a:headEnd type="none" w="med" len="med"/>
-                      <a:tailEnd type="none" w="med" len="med"/>
-                    </a:lnT>
-                    <a:lnB cmpd="sng" algn="ctr" cap="flat" w="9525">
-                      <a:solidFill>
-                        <a:srgbClr val="000000"/>
-                      </a:solidFill>
-                      <a:prstDash val="solid"/>
-                      <a:round/>
-                      <a:headEnd type="none" w="med" len="med"/>
-                      <a:tailEnd type="none" w="med" len="med"/>
-                    </a:lnB>
-                    <a:solidFill>
-                      <a:srgbClr val="FFFFFF"/>
-                    </a:solidFill>
-                  </a:tcPr>
-                </a:tc>
-                <a:tc>
-                  <a:txBody>
-                    <a:bodyPr anchor="t" rtlCol="false"/>
-                    <a:lstStyle/>
-                    <a:p>
-                      <a:pPr algn="ctr">
-                        <a:lnSpc>
-                          <a:spcPts val="2647"/>
-                        </a:lnSpc>
-                        <a:defRPr/>
-                      </a:pPr>
-                      <a:r>
-                        <a:rPr lang="en-US" sz="1891">
-                          <a:solidFill>
-                            <a:srgbClr val="000000"/>
-                          </a:solidFill>
-                          <a:latin typeface="Agrandir"/>
-                          <a:ea typeface="Agrandir"/>
-                          <a:cs typeface="Agrandir"/>
-                          <a:sym typeface="Agrandir"/>
-                        </a:rPr>
-                        <a:t>15</a:t>
-                      </a:r>
-                      <a:endParaRPr lang="en-US" sz="1100"/>
-                    </a:p>
-                  </a:txBody>
-                  <a:tcPr marL="57150" marR="57150" marT="57150" marB="57150" anchor="ctr">
-                    <a:lnL cmpd="sng" algn="ctr" cap="flat" w="9525">
-                      <a:solidFill>
-                        <a:srgbClr val="000000"/>
-                      </a:solidFill>
-                      <a:prstDash val="solid"/>
-                      <a:round/>
-                      <a:headEnd type="none" w="med" len="med"/>
-                      <a:tailEnd type="none" w="med" len="med"/>
-                    </a:lnL>
-                    <a:lnR cmpd="sng" algn="ctr" cap="flat" w="9525">
-                      <a:solidFill>
-                        <a:srgbClr val="000000"/>
-                      </a:solidFill>
-                      <a:prstDash val="solid"/>
-                      <a:round/>
-                      <a:headEnd type="none" w="med" len="med"/>
-                      <a:tailEnd type="none" w="med" len="med"/>
-                    </a:lnR>
-                    <a:lnT cmpd="sng" algn="ctr" cap="flat" w="9525">
-                      <a:solidFill>
-                        <a:srgbClr val="000000"/>
-                      </a:solidFill>
-                      <a:prstDash val="solid"/>
-                      <a:round/>
-                      <a:headEnd type="none" w="med" len="med"/>
-                      <a:tailEnd type="none" w="med" len="med"/>
-                    </a:lnT>
-                    <a:lnB cmpd="sng" algn="ctr" cap="flat" w="9525">
-                      <a:solidFill>
-                        <a:srgbClr val="000000"/>
-                      </a:solidFill>
-                      <a:prstDash val="solid"/>
-                      <a:round/>
-                      <a:headEnd type="none" w="med" len="med"/>
-                      <a:tailEnd type="none" w="med" len="med"/>
-                    </a:lnB>
-                    <a:solidFill>
-                      <a:srgbClr val="FFFFFF"/>
-                    </a:solidFill>
-                  </a:tcPr>
-                </a:tc>
-                <a:tc>
-                  <a:txBody>
-                    <a:bodyPr anchor="t" rtlCol="false"/>
-                    <a:lstStyle/>
-                    <a:p>
-                      <a:pPr algn="ctr">
-                        <a:lnSpc>
-                          <a:spcPts val="2647"/>
-                        </a:lnSpc>
-                        <a:defRPr/>
-                      </a:pPr>
-                      <a:r>
-                        <a:rPr lang="en-US" sz="1891">
-                          <a:solidFill>
-                            <a:srgbClr val="000000"/>
-                          </a:solidFill>
-                          <a:latin typeface="Agrandir"/>
-                          <a:ea typeface="Agrandir"/>
-                          <a:cs typeface="Agrandir"/>
-                          <a:sym typeface="Agrandir"/>
-                        </a:rPr>
-                        <a:t>0</a:t>
-                      </a:r>
-                      <a:endParaRPr lang="en-US" sz="1100"/>
-                    </a:p>
-                  </a:txBody>
-                  <a:tcPr marL="57150" marR="57150" marT="57150" marB="57150" anchor="ctr">
-                    <a:lnL cmpd="sng" algn="ctr" cap="flat" w="9525">
-                      <a:solidFill>
-                        <a:srgbClr val="000000"/>
-                      </a:solidFill>
-                      <a:prstDash val="solid"/>
-                      <a:round/>
-                      <a:headEnd type="none" w="med" len="med"/>
-                      <a:tailEnd type="none" w="med" len="med"/>
-                    </a:lnL>
-                    <a:lnR cmpd="sng" algn="ctr" cap="flat" w="9525">
-                      <a:solidFill>
-                        <a:srgbClr val="000000"/>
-                      </a:solidFill>
-                      <a:prstDash val="solid"/>
-                      <a:round/>
-                      <a:headEnd type="none" w="med" len="med"/>
-                      <a:tailEnd type="none" w="med" len="med"/>
-                    </a:lnR>
-                    <a:lnT cmpd="sng" algn="ctr" cap="flat" w="9525">
-                      <a:solidFill>
-                        <a:srgbClr val="000000"/>
-                      </a:solidFill>
-                      <a:prstDash val="solid"/>
-                      <a:round/>
-                      <a:headEnd type="none" w="med" len="med"/>
-                      <a:tailEnd type="none" w="med" len="med"/>
-                    </a:lnT>
-                    <a:lnB cmpd="sng" algn="ctr" cap="flat" w="9525">
-                      <a:solidFill>
-                        <a:srgbClr val="000000"/>
-                      </a:solidFill>
-                      <a:prstDash val="solid"/>
-                      <a:round/>
-                      <a:headEnd type="none" w="med" len="med"/>
-                      <a:tailEnd type="none" w="med" len="med"/>
-                    </a:lnB>
-                    <a:solidFill>
-                      <a:srgbClr val="FFFFFF"/>
-                    </a:solidFill>
-                  </a:tcPr>
-                </a:tc>
-                <a:tc>
-                  <a:txBody>
-                    <a:bodyPr anchor="t" rtlCol="false"/>
-                    <a:lstStyle/>
-                    <a:p>
-                      <a:pPr algn="ctr">
-                        <a:lnSpc>
-                          <a:spcPts val="2647"/>
-                        </a:lnSpc>
-                        <a:defRPr/>
-                      </a:pPr>
-                      <a:r>
-                        <a:rPr lang="en-US" sz="1891">
-                          <a:solidFill>
-                            <a:srgbClr val="000000"/>
-                          </a:solidFill>
-                          <a:latin typeface="Agrandir"/>
-                          <a:ea typeface="Agrandir"/>
-                          <a:cs typeface="Agrandir"/>
-                          <a:sym typeface="Agrandir"/>
-                        </a:rPr>
-                        <a:t>5</a:t>
-                      </a:r>
-                      <a:endParaRPr lang="en-US" sz="1100"/>
-                    </a:p>
-                  </a:txBody>
-                  <a:tcPr marL="57150" marR="57150" marT="57150" marB="57150" anchor="ctr">
-                    <a:lnL cmpd="sng" algn="ctr" cap="flat" w="9525">
-                      <a:solidFill>
-                        <a:srgbClr val="000000"/>
-                      </a:solidFill>
-                      <a:prstDash val="solid"/>
-                      <a:round/>
-                      <a:headEnd type="none" w="med" len="med"/>
-                      <a:tailEnd type="none" w="med" len="med"/>
-                    </a:lnL>
-                    <a:lnR cmpd="sng" algn="ctr" cap="flat" w="9525">
-                      <a:solidFill>
-                        <a:srgbClr val="000000"/>
-                      </a:solidFill>
-                      <a:prstDash val="solid"/>
-                      <a:round/>
-                      <a:headEnd type="none" w="med" len="med"/>
-                      <a:tailEnd type="none" w="med" len="med"/>
-                    </a:lnR>
-                    <a:lnT cmpd="sng" algn="ctr" cap="flat" w="9525">
-                      <a:solidFill>
-                        <a:srgbClr val="000000"/>
-                      </a:solidFill>
-                      <a:prstDash val="solid"/>
-                      <a:round/>
-                      <a:headEnd type="none" w="med" len="med"/>
-                      <a:tailEnd type="none" w="med" len="med"/>
-                    </a:lnT>
-                    <a:lnB cmpd="sng" algn="ctr" cap="flat" w="9525">
-                      <a:solidFill>
-                        <a:srgbClr val="000000"/>
-                      </a:solidFill>
-                      <a:prstDash val="solid"/>
-                      <a:round/>
-                      <a:headEnd type="none" w="med" len="med"/>
-                      <a:tailEnd type="none" w="med" len="med"/>
-                    </a:lnB>
-                    <a:solidFill>
-                      <a:srgbClr val="FFFFFF"/>
-                    </a:solidFill>
-                  </a:tcPr>
-                </a:tc>
-                <a:tc>
-                  <a:txBody>
-                    <a:bodyPr anchor="t" rtlCol="false"/>
-                    <a:lstStyle/>
-                    <a:p>
-                      <a:pPr algn="ctr">
-                        <a:lnSpc>
-                          <a:spcPts val="2647"/>
-                        </a:lnSpc>
-                        <a:defRPr/>
-                      </a:pPr>
-                      <a:r>
-                        <a:rPr lang="en-US" sz="1891">
-                          <a:solidFill>
-                            <a:srgbClr val="000000"/>
-                          </a:solidFill>
-                          <a:latin typeface="Agrandir"/>
-                          <a:ea typeface="Agrandir"/>
-                          <a:cs typeface="Agrandir"/>
-                          <a:sym typeface="Agrandir"/>
-                        </a:rPr>
-                        <a:t>30</a:t>
-                      </a:r>
-                      <a:endParaRPr lang="en-US" sz="1100"/>
-                    </a:p>
-                  </a:txBody>
-                  <a:tcPr marL="57150" marR="57150" marT="57150" marB="57150" anchor="ctr">
-                    <a:lnL cmpd="sng" algn="ctr" cap="flat" w="9525">
-                      <a:solidFill>
-                        <a:srgbClr val="000000"/>
-                      </a:solidFill>
-                      <a:prstDash val="solid"/>
-                      <a:round/>
-                      <a:headEnd type="none" w="med" len="med"/>
-                      <a:tailEnd type="none" w="med" len="med"/>
-                    </a:lnL>
-                    <a:lnR cmpd="sng" algn="ctr" cap="flat" w="9525">
-                      <a:solidFill>
-                        <a:srgbClr val="000000"/>
-                      </a:solidFill>
-                      <a:prstDash val="solid"/>
-                      <a:round/>
-                      <a:headEnd type="none" w="med" len="med"/>
-                      <a:tailEnd type="none" w="med" len="med"/>
-                    </a:lnR>
-                    <a:lnT cmpd="sng" algn="ctr" cap="flat" w="9525">
-                      <a:solidFill>
-                        <a:srgbClr val="000000"/>
-                      </a:solidFill>
-                      <a:prstDash val="solid"/>
-                      <a:round/>
-                      <a:headEnd type="none" w="med" len="med"/>
-                      <a:tailEnd type="none" w="med" len="med"/>
-                    </a:lnT>
-                    <a:lnB cmpd="sng" algn="ctr" cap="flat" w="9525">
-                      <a:solidFill>
-                        <a:srgbClr val="000000"/>
-                      </a:solidFill>
-                      <a:prstDash val="solid"/>
-                      <a:round/>
-                      <a:headEnd type="none" w="med" len="med"/>
-                      <a:tailEnd type="none" w="med" len="med"/>
-                    </a:lnB>
-                    <a:solidFill>
-                      <a:srgbClr val="FFFFFF"/>
-                    </a:solidFill>
-                  </a:tcPr>
-                </a:tc>
-                <a:tc>
-                  <a:txBody>
-                    <a:bodyPr anchor="t" rtlCol="false"/>
-                    <a:lstStyle/>
-                    <a:p>
-                      <a:pPr algn="ctr">
-                        <a:lnSpc>
-                          <a:spcPts val="2647"/>
-                        </a:lnSpc>
-                        <a:defRPr/>
-                      </a:pPr>
-                      <a:r>
-                        <a:rPr lang="en-US" sz="1891">
-                          <a:solidFill>
-                            <a:srgbClr val="000000"/>
-                          </a:solidFill>
-                          <a:latin typeface="Agrandir"/>
-                          <a:ea typeface="Agrandir"/>
-                          <a:cs typeface="Agrandir"/>
-                          <a:sym typeface="Agrandir"/>
-                        </a:rPr>
-                        <a:t>25</a:t>
-                      </a:r>
-                      <a:endParaRPr lang="en-US" sz="1100"/>
-                    </a:p>
-                  </a:txBody>
-                  <a:tcPr marL="57150" marR="57150" marT="57150" marB="57150" anchor="ctr">
-                    <a:lnL cmpd="sng" algn="ctr" cap="flat" w="9525">
-                      <a:solidFill>
-                        <a:srgbClr val="000000"/>
-                      </a:solidFill>
-                      <a:prstDash val="solid"/>
-                      <a:round/>
-                      <a:headEnd type="none" w="med" len="med"/>
-                      <a:tailEnd type="none" w="med" len="med"/>
-                    </a:lnL>
-                    <a:lnR cmpd="sng" algn="ctr" cap="flat" w="9525">
-                      <a:solidFill>
-                        <a:srgbClr val="000000"/>
-                      </a:solidFill>
-                      <a:prstDash val="solid"/>
-                      <a:round/>
-                      <a:headEnd type="none" w="med" len="med"/>
-                      <a:tailEnd type="none" w="med" len="med"/>
-                    </a:lnR>
-                    <a:lnT cmpd="sng" algn="ctr" cap="flat" w="9525">
-                      <a:solidFill>
-                        <a:srgbClr val="000000"/>
-                      </a:solidFill>
-                      <a:prstDash val="solid"/>
-                      <a:round/>
-                      <a:headEnd type="none" w="med" len="med"/>
-                      <a:tailEnd type="none" w="med" len="med"/>
-                    </a:lnT>
-                    <a:lnB cmpd="sng" algn="ctr" cap="flat" w="9525">
-                      <a:solidFill>
-                        <a:srgbClr val="000000"/>
-                      </a:solidFill>
-                      <a:prstDash val="solid"/>
-                      <a:round/>
-                      <a:headEnd type="none" w="med" len="med"/>
-                      <a:tailEnd type="none" w="med" len="med"/>
-                    </a:lnB>
-                    <a:solidFill>
-                      <a:srgbClr val="FFFFFF"/>
-                    </a:solidFill>
-                  </a:tcPr>
-                </a:tc>
-                <a:tc>
-                  <a:txBody>
-                    <a:bodyPr anchor="t" rtlCol="false"/>
-                    <a:lstStyle/>
-                    <a:p>
-                      <a:pPr algn="ctr">
-                        <a:lnSpc>
-                          <a:spcPts val="2647"/>
-                        </a:lnSpc>
-                        <a:defRPr/>
-                      </a:pPr>
-                      <a:r>
-                        <a:rPr lang="en-US" sz="1891">
-                          <a:solidFill>
-                            <a:srgbClr val="000000"/>
-                          </a:solidFill>
-                          <a:latin typeface="Agrandir"/>
-                          <a:ea typeface="Agrandir"/>
-                          <a:cs typeface="Agrandir"/>
-                          <a:sym typeface="Agrandir"/>
-                        </a:rPr>
-                        <a:t>15</a:t>
-                      </a:r>
-                      <a:endParaRPr lang="en-US" sz="1100"/>
-                    </a:p>
-                  </a:txBody>
-                  <a:tcPr marL="57150" marR="57150" marT="57150" marB="57150" anchor="ctr">
-                    <a:lnL cmpd="sng" algn="ctr" cap="flat" w="9525">
-                      <a:solidFill>
-                        <a:srgbClr val="000000"/>
-                      </a:solidFill>
-                      <a:prstDash val="solid"/>
-                      <a:round/>
-                      <a:headEnd type="none" w="med" len="med"/>
-                      <a:tailEnd type="none" w="med" len="med"/>
-                    </a:lnL>
-                    <a:lnR cmpd="sng" algn="ctr" cap="flat" w="9525">
-                      <a:solidFill>
-                        <a:srgbClr val="000000"/>
-                      </a:solidFill>
-                      <a:prstDash val="solid"/>
-                      <a:round/>
-                      <a:headEnd type="none" w="med" len="med"/>
-                      <a:tailEnd type="none" w="med" len="med"/>
-                    </a:lnR>
-                    <a:lnT cmpd="sng" algn="ctr" cap="flat" w="9525">
-                      <a:solidFill>
-                        <a:srgbClr val="000000"/>
-                      </a:solidFill>
-                      <a:prstDash val="solid"/>
-                      <a:round/>
-                      <a:headEnd type="none" w="med" len="med"/>
-                      <a:tailEnd type="none" w="med" len="med"/>
-                    </a:lnT>
-                    <a:lnB cmpd="sng" algn="ctr" cap="flat" w="9525">
-                      <a:solidFill>
-                        <a:srgbClr val="000000"/>
-                      </a:solidFill>
-                      <a:prstDash val="solid"/>
-                      <a:round/>
-                      <a:headEnd type="none" w="med" len="med"/>
-                      <a:tailEnd type="none" w="med" len="med"/>
-                    </a:lnB>
-                    <a:solidFill>
-                      <a:srgbClr val="FFFFFF"/>
-                    </a:solidFill>
-                  </a:tcPr>
-                </a:tc>
-                <a:tc>
-                  <a:txBody>
-                    <a:bodyPr anchor="t" rtlCol="false"/>
-                    <a:lstStyle/>
-                    <a:p>
-                      <a:pPr algn="ctr">
-                        <a:lnSpc>
-                          <a:spcPts val="2647"/>
-                        </a:lnSpc>
-                        <a:defRPr/>
-                      </a:pPr>
-                      <a:r>
-                        <a:rPr lang="en-US" sz="1891" b="true">
-                          <a:solidFill>
-                            <a:srgbClr val="000000"/>
-                          </a:solidFill>
-                          <a:latin typeface="Agrandir Bold"/>
-                          <a:ea typeface="Agrandir Bold"/>
-                          <a:cs typeface="Agrandir Bold"/>
-                          <a:sym typeface="Agrandir Bold"/>
-                        </a:rPr>
-                        <a:t>100</a:t>
-                      </a:r>
-                      <a:endParaRPr lang="en-US" sz="1100"/>
-                    </a:p>
-                  </a:txBody>
-                  <a:tcPr marL="57150" marR="57150" marT="57150" marB="57150" anchor="ctr">
-                    <a:lnL cmpd="sng" algn="ctr" cap="flat" w="9525">
-                      <a:solidFill>
-                        <a:srgbClr val="000000"/>
-                      </a:solidFill>
-                      <a:prstDash val="solid"/>
-                      <a:round/>
-                      <a:headEnd type="none" w="med" len="med"/>
-                      <a:tailEnd type="none" w="med" len="med"/>
-                    </a:lnL>
-                    <a:lnR cmpd="sng" algn="ctr" cap="flat" w="9525">
-                      <a:solidFill>
-                        <a:srgbClr val="000000"/>
-                      </a:solidFill>
-                      <a:prstDash val="solid"/>
-                      <a:round/>
-                      <a:headEnd type="none" w="med" len="med"/>
-                      <a:tailEnd type="none" w="med" len="med"/>
-                    </a:lnR>
-                    <a:lnT cmpd="sng" algn="ctr" cap="flat" w="9525">
-                      <a:solidFill>
-                        <a:srgbClr val="000000"/>
-                      </a:solidFill>
-                      <a:prstDash val="solid"/>
-                      <a:round/>
-                      <a:headEnd type="none" w="med" len="med"/>
-                      <a:tailEnd type="none" w="med" len="med"/>
-                    </a:lnT>
-                    <a:lnB cmpd="sng" algn="ctr" cap="flat" w="9525">
-                      <a:solidFill>
-                        <a:srgbClr val="000000"/>
-                      </a:solidFill>
-                      <a:prstDash val="solid"/>
-                      <a:round/>
-                      <a:headEnd type="none" w="med" len="med"/>
-                      <a:tailEnd type="none" w="med" len="med"/>
-                    </a:lnB>
-                    <a:solidFill>
-                      <a:srgbClr val="F1E3E3"/>
-                    </a:solidFill>
-                  </a:tcPr>
-                </a:tc>
-              </a:tr>
-              <a:tr h="624962">
-                <a:tc>
-                  <a:txBody>
-                    <a:bodyPr anchor="t" rtlCol="false"/>
-                    <a:lstStyle/>
-                    <a:p>
-                      <a:pPr algn="ctr">
-                        <a:lnSpc>
-                          <a:spcPts val="2647"/>
-                        </a:lnSpc>
-                        <a:defRPr/>
-                      </a:pPr>
-                      <a:r>
-                        <a:rPr lang="en-US" sz="1891" b="true">
-                          <a:solidFill>
-                            <a:srgbClr val="000000"/>
-                          </a:solidFill>
-                          <a:latin typeface="Agrandir Bold"/>
-                          <a:ea typeface="Agrandir Bold"/>
-                          <a:cs typeface="Agrandir Bold"/>
-                          <a:sym typeface="Agrandir Bold"/>
-                        </a:rPr>
-                        <a:t>End User</a:t>
-                      </a:r>
-                      <a:endParaRPr lang="en-US" sz="1100"/>
-                    </a:p>
-                  </a:txBody>
-                  <a:tcPr marL="57150" marR="57150" marT="57150" marB="57150" anchor="ctr">
-                    <a:lnL cmpd="sng" algn="ctr" cap="flat" w="9525">
-                      <a:solidFill>
-                        <a:srgbClr val="000000"/>
-                      </a:solidFill>
-                      <a:prstDash val="solid"/>
-                      <a:round/>
-                      <a:headEnd type="none" w="med" len="med"/>
-                      <a:tailEnd type="none" w="med" len="med"/>
-                    </a:lnL>
-                    <a:lnR cmpd="sng" algn="ctr" cap="flat" w="9525">
-                      <a:solidFill>
-                        <a:srgbClr val="000000"/>
-                      </a:solidFill>
-                      <a:prstDash val="solid"/>
-                      <a:round/>
-                      <a:headEnd type="none" w="med" len="med"/>
-                      <a:tailEnd type="none" w="med" len="med"/>
-                    </a:lnR>
-                    <a:lnT cmpd="sng" algn="ctr" cap="flat" w="9525">
-                      <a:solidFill>
-                        <a:srgbClr val="000000"/>
-                      </a:solidFill>
-                      <a:prstDash val="solid"/>
-                      <a:round/>
-                      <a:headEnd type="none" w="med" len="med"/>
-                      <a:tailEnd type="none" w="med" len="med"/>
-                    </a:lnT>
-                    <a:lnB cmpd="sng" algn="ctr" cap="flat" w="9525">
-                      <a:solidFill>
-                        <a:srgbClr val="000000"/>
-                      </a:solidFill>
-                      <a:prstDash val="solid"/>
-                      <a:round/>
-                      <a:headEnd type="none" w="med" len="med"/>
-                      <a:tailEnd type="none" w="med" len="med"/>
-                    </a:lnB>
-                    <a:solidFill>
-                      <a:srgbClr val="F1E3E3"/>
-                    </a:solidFill>
-                  </a:tcPr>
-                </a:tc>
-                <a:tc>
-                  <a:txBody>
-                    <a:bodyPr anchor="t" rtlCol="false"/>
-                    <a:lstStyle/>
-                    <a:p>
-                      <a:pPr algn="ctr">
-                        <a:lnSpc>
-                          <a:spcPts val="2647"/>
-                        </a:lnSpc>
-                        <a:defRPr/>
-                      </a:pPr>
-                      <a:r>
-                        <a:rPr lang="en-US" sz="1891">
-                          <a:solidFill>
-                            <a:srgbClr val="000000"/>
-                          </a:solidFill>
-                          <a:latin typeface="Agrandir"/>
-                          <a:ea typeface="Agrandir"/>
-                          <a:cs typeface="Agrandir"/>
-                          <a:sym typeface="Agrandir"/>
-                        </a:rPr>
-                        <a:t>5</a:t>
-                      </a:r>
-                      <a:endParaRPr lang="en-US" sz="1100"/>
-                    </a:p>
-                  </a:txBody>
-                  <a:tcPr marL="57150" marR="57150" marT="57150" marB="57150" anchor="ctr">
-                    <a:lnL cmpd="sng" algn="ctr" cap="flat" w="9525">
-                      <a:solidFill>
-                        <a:srgbClr val="000000"/>
-                      </a:solidFill>
-                      <a:prstDash val="solid"/>
-                      <a:round/>
-                      <a:headEnd type="none" w="med" len="med"/>
-                      <a:tailEnd type="none" w="med" len="med"/>
-                    </a:lnL>
-                    <a:lnR cmpd="sng" algn="ctr" cap="flat" w="9525">
-                      <a:solidFill>
-                        <a:srgbClr val="000000"/>
-                      </a:solidFill>
-                      <a:prstDash val="solid"/>
-                      <a:round/>
-                      <a:headEnd type="none" w="med" len="med"/>
-                      <a:tailEnd type="none" w="med" len="med"/>
-                    </a:lnR>
-                    <a:lnT cmpd="sng" algn="ctr" cap="flat" w="9525">
-                      <a:solidFill>
-                        <a:srgbClr val="000000"/>
-                      </a:solidFill>
-                      <a:prstDash val="solid"/>
-                      <a:round/>
-                      <a:headEnd type="none" w="med" len="med"/>
-                      <a:tailEnd type="none" w="med" len="med"/>
-                    </a:lnT>
-                    <a:lnB cmpd="sng" algn="ctr" cap="flat" w="9525">
-                      <a:solidFill>
-                        <a:srgbClr val="000000"/>
-                      </a:solidFill>
-                      <a:prstDash val="solid"/>
-                      <a:round/>
-                      <a:headEnd type="none" w="med" len="med"/>
-                      <a:tailEnd type="none" w="med" len="med"/>
-                    </a:lnB>
-                    <a:solidFill>
-                      <a:srgbClr val="FFFFFF"/>
-                    </a:solidFill>
-                  </a:tcPr>
-                </a:tc>
-                <a:tc>
-                  <a:txBody>
-                    <a:bodyPr anchor="t" rtlCol="false"/>
-                    <a:lstStyle/>
-                    <a:p>
-                      <a:pPr algn="ctr">
-                        <a:lnSpc>
-                          <a:spcPts val="2647"/>
-                        </a:lnSpc>
-                        <a:defRPr/>
-                      </a:pPr>
-                      <a:r>
-                        <a:rPr lang="en-US" sz="1891">
-                          <a:solidFill>
-                            <a:srgbClr val="000000"/>
-                          </a:solidFill>
-                          <a:latin typeface="Agrandir"/>
-                          <a:ea typeface="Agrandir"/>
-                          <a:cs typeface="Agrandir"/>
-                          <a:sym typeface="Agrandir"/>
-                        </a:rPr>
-                        <a:t>15</a:t>
-                      </a:r>
-                      <a:endParaRPr lang="en-US" sz="1100"/>
-                    </a:p>
-                  </a:txBody>
-                  <a:tcPr marL="57150" marR="57150" marT="57150" marB="57150" anchor="ctr">
-                    <a:lnL cmpd="sng" algn="ctr" cap="flat" w="9525">
-                      <a:solidFill>
-                        <a:srgbClr val="000000"/>
-                      </a:solidFill>
-                      <a:prstDash val="solid"/>
-                      <a:round/>
-                      <a:headEnd type="none" w="med" len="med"/>
-                      <a:tailEnd type="none" w="med" len="med"/>
-                    </a:lnL>
-                    <a:lnR cmpd="sng" algn="ctr" cap="flat" w="9525">
-                      <a:solidFill>
-                        <a:srgbClr val="000000"/>
-                      </a:solidFill>
-                      <a:prstDash val="solid"/>
-                      <a:round/>
-                      <a:headEnd type="none" w="med" len="med"/>
-                      <a:tailEnd type="none" w="med" len="med"/>
-                    </a:lnR>
-                    <a:lnT cmpd="sng" algn="ctr" cap="flat" w="9525">
-                      <a:solidFill>
-                        <a:srgbClr val="000000"/>
-                      </a:solidFill>
-                      <a:prstDash val="solid"/>
-                      <a:round/>
-                      <a:headEnd type="none" w="med" len="med"/>
-                      <a:tailEnd type="none" w="med" len="med"/>
-                    </a:lnT>
-                    <a:lnB cmpd="sng" algn="ctr" cap="flat" w="9525">
-                      <a:solidFill>
-                        <a:srgbClr val="000000"/>
-                      </a:solidFill>
-                      <a:prstDash val="solid"/>
-                      <a:round/>
-                      <a:headEnd type="none" w="med" len="med"/>
-                      <a:tailEnd type="none" w="med" len="med"/>
-                    </a:lnB>
-                    <a:solidFill>
-                      <a:srgbClr val="FFFFFF"/>
-                    </a:solidFill>
-                  </a:tcPr>
-                </a:tc>
-                <a:tc>
-                  <a:txBody>
-                    <a:bodyPr anchor="t" rtlCol="false"/>
-                    <a:lstStyle/>
-                    <a:p>
-                      <a:pPr algn="ctr">
-                        <a:lnSpc>
-                          <a:spcPts val="2647"/>
-                        </a:lnSpc>
-                        <a:defRPr/>
-                      </a:pPr>
-                      <a:r>
-                        <a:rPr lang="en-US" sz="1891">
-                          <a:solidFill>
-                            <a:srgbClr val="000000"/>
-                          </a:solidFill>
-                          <a:latin typeface="Agrandir"/>
-                          <a:ea typeface="Agrandir"/>
-                          <a:cs typeface="Agrandir"/>
-                          <a:sym typeface="Agrandir"/>
-                        </a:rPr>
-                        <a:t>0</a:t>
-                      </a:r>
-                      <a:endParaRPr lang="en-US" sz="1100"/>
-                    </a:p>
-                  </a:txBody>
-                  <a:tcPr marL="57150" marR="57150" marT="57150" marB="57150" anchor="ctr">
-                    <a:lnL cmpd="sng" algn="ctr" cap="flat" w="9525">
-                      <a:solidFill>
-                        <a:srgbClr val="000000"/>
-                      </a:solidFill>
-                      <a:prstDash val="solid"/>
-                      <a:round/>
-                      <a:headEnd type="none" w="med" len="med"/>
-                      <a:tailEnd type="none" w="med" len="med"/>
-                    </a:lnL>
-                    <a:lnR cmpd="sng" algn="ctr" cap="flat" w="9525">
-                      <a:solidFill>
-                        <a:srgbClr val="000000"/>
-                      </a:solidFill>
-                      <a:prstDash val="solid"/>
-                      <a:round/>
-                      <a:headEnd type="none" w="med" len="med"/>
-                      <a:tailEnd type="none" w="med" len="med"/>
-                    </a:lnR>
-                    <a:lnT cmpd="sng" algn="ctr" cap="flat" w="9525">
-                      <a:solidFill>
-                        <a:srgbClr val="000000"/>
-                      </a:solidFill>
-                      <a:prstDash val="solid"/>
-                      <a:round/>
-                      <a:headEnd type="none" w="med" len="med"/>
-                      <a:tailEnd type="none" w="med" len="med"/>
-                    </a:lnT>
-                    <a:lnB cmpd="sng" algn="ctr" cap="flat" w="9525">
-                      <a:solidFill>
-                        <a:srgbClr val="000000"/>
-                      </a:solidFill>
-                      <a:prstDash val="solid"/>
-                      <a:round/>
-                      <a:headEnd type="none" w="med" len="med"/>
-                      <a:tailEnd type="none" w="med" len="med"/>
-                    </a:lnB>
-                    <a:solidFill>
-                      <a:srgbClr val="FFFFFF"/>
-                    </a:solidFill>
-                  </a:tcPr>
-                </a:tc>
-                <a:tc>
-                  <a:txBody>
-                    <a:bodyPr anchor="t" rtlCol="false"/>
-                    <a:lstStyle/>
-                    <a:p>
-                      <a:pPr algn="ctr">
-                        <a:lnSpc>
-                          <a:spcPts val="2647"/>
-                        </a:lnSpc>
-                        <a:defRPr/>
-                      </a:pPr>
-                      <a:r>
-                        <a:rPr lang="en-US" sz="1891">
-                          <a:solidFill>
-                            <a:srgbClr val="000000"/>
-                          </a:solidFill>
-                          <a:latin typeface="Agrandir"/>
-                          <a:ea typeface="Agrandir"/>
-                          <a:cs typeface="Agrandir"/>
-                          <a:sym typeface="Agrandir"/>
-                        </a:rPr>
-                        <a:t>0</a:t>
-                      </a:r>
-                      <a:endParaRPr lang="en-US" sz="1100"/>
-                    </a:p>
-                  </a:txBody>
-                  <a:tcPr marL="57150" marR="57150" marT="57150" marB="57150" anchor="ctr">
-                    <a:lnL cmpd="sng" algn="ctr" cap="flat" w="9525">
-                      <a:solidFill>
-                        <a:srgbClr val="000000"/>
-                      </a:solidFill>
-                      <a:prstDash val="solid"/>
-                      <a:round/>
-                      <a:headEnd type="none" w="med" len="med"/>
-                      <a:tailEnd type="none" w="med" len="med"/>
-                    </a:lnL>
-                    <a:lnR cmpd="sng" algn="ctr" cap="flat" w="9525">
-                      <a:solidFill>
-                        <a:srgbClr val="000000"/>
-                      </a:solidFill>
-                      <a:prstDash val="solid"/>
-                      <a:round/>
-                      <a:headEnd type="none" w="med" len="med"/>
-                      <a:tailEnd type="none" w="med" len="med"/>
-                    </a:lnR>
-                    <a:lnT cmpd="sng" algn="ctr" cap="flat" w="9525">
-                      <a:solidFill>
-                        <a:srgbClr val="000000"/>
-                      </a:solidFill>
-                      <a:prstDash val="solid"/>
-                      <a:round/>
-                      <a:headEnd type="none" w="med" len="med"/>
-                      <a:tailEnd type="none" w="med" len="med"/>
-                    </a:lnT>
-                    <a:lnB cmpd="sng" algn="ctr" cap="flat" w="9525">
-                      <a:solidFill>
-                        <a:srgbClr val="000000"/>
-                      </a:solidFill>
-                      <a:prstDash val="solid"/>
-                      <a:round/>
-                      <a:headEnd type="none" w="med" len="med"/>
-                      <a:tailEnd type="none" w="med" len="med"/>
-                    </a:lnB>
-                    <a:solidFill>
-                      <a:srgbClr val="FFFFFF"/>
-                    </a:solidFill>
-                  </a:tcPr>
-                </a:tc>
-                <a:tc>
-                  <a:txBody>
-                    <a:bodyPr anchor="t" rtlCol="false"/>
-                    <a:lstStyle/>
-                    <a:p>
-                      <a:pPr algn="ctr">
-                        <a:lnSpc>
-                          <a:spcPts val="2647"/>
-                        </a:lnSpc>
-                        <a:defRPr/>
-                      </a:pPr>
-                      <a:r>
-                        <a:rPr lang="en-US" sz="1891">
-                          <a:solidFill>
-                            <a:srgbClr val="000000"/>
-                          </a:solidFill>
-                          <a:latin typeface="Agrandir"/>
-                          <a:ea typeface="Agrandir"/>
-                          <a:cs typeface="Agrandir"/>
-                          <a:sym typeface="Agrandir"/>
-                        </a:rPr>
-                        <a:t>35</a:t>
-                      </a:r>
-                      <a:endParaRPr lang="en-US" sz="1100"/>
-                    </a:p>
-                  </a:txBody>
-                  <a:tcPr marL="57150" marR="57150" marT="57150" marB="57150" anchor="ctr">
-                    <a:lnL cmpd="sng" algn="ctr" cap="flat" w="9525">
-                      <a:solidFill>
-                        <a:srgbClr val="000000"/>
-                      </a:solidFill>
-                      <a:prstDash val="solid"/>
-                      <a:round/>
-                      <a:headEnd type="none" w="med" len="med"/>
-                      <a:tailEnd type="none" w="med" len="med"/>
-                    </a:lnL>
-                    <a:lnR cmpd="sng" algn="ctr" cap="flat" w="9525">
-                      <a:solidFill>
-                        <a:srgbClr val="000000"/>
-                      </a:solidFill>
-                      <a:prstDash val="solid"/>
-                      <a:round/>
-                      <a:headEnd type="none" w="med" len="med"/>
-                      <a:tailEnd type="none" w="med" len="med"/>
-                    </a:lnR>
-                    <a:lnT cmpd="sng" algn="ctr" cap="flat" w="9525">
-                      <a:solidFill>
-                        <a:srgbClr val="000000"/>
-                      </a:solidFill>
-                      <a:prstDash val="solid"/>
-                      <a:round/>
-                      <a:headEnd type="none" w="med" len="med"/>
-                      <a:tailEnd type="none" w="med" len="med"/>
-                    </a:lnT>
-                    <a:lnB cmpd="sng" algn="ctr" cap="flat" w="9525">
-                      <a:solidFill>
-                        <a:srgbClr val="000000"/>
-                      </a:solidFill>
-                      <a:prstDash val="solid"/>
-                      <a:round/>
-                      <a:headEnd type="none" w="med" len="med"/>
-                      <a:tailEnd type="none" w="med" len="med"/>
-                    </a:lnB>
-                    <a:solidFill>
-                      <a:srgbClr val="FFFFFF"/>
-                    </a:solidFill>
-                  </a:tcPr>
-                </a:tc>
-                <a:tc>
-                  <a:txBody>
-                    <a:bodyPr anchor="t" rtlCol="false"/>
-                    <a:lstStyle/>
-                    <a:p>
-                      <a:pPr algn="ctr">
-                        <a:lnSpc>
-                          <a:spcPts val="2647"/>
-                        </a:lnSpc>
-                        <a:defRPr/>
-                      </a:pPr>
-                      <a:r>
-                        <a:rPr lang="en-US" sz="1891">
-                          <a:solidFill>
-                            <a:srgbClr val="000000"/>
-                          </a:solidFill>
-                          <a:latin typeface="Agrandir"/>
-                          <a:ea typeface="Agrandir"/>
-                          <a:cs typeface="Agrandir"/>
-                          <a:sym typeface="Agrandir"/>
-                        </a:rPr>
-                        <a:t>35</a:t>
-                      </a:r>
-                      <a:endParaRPr lang="en-US" sz="1100"/>
-                    </a:p>
-                  </a:txBody>
-                  <a:tcPr marL="57150" marR="57150" marT="57150" marB="57150" anchor="ctr">
-                    <a:lnL cmpd="sng" algn="ctr" cap="flat" w="9525">
-                      <a:solidFill>
-                        <a:srgbClr val="000000"/>
-                      </a:solidFill>
-                      <a:prstDash val="solid"/>
-                      <a:round/>
-                      <a:headEnd type="none" w="med" len="med"/>
-                      <a:tailEnd type="none" w="med" len="med"/>
-                    </a:lnL>
-                    <a:lnR cmpd="sng" algn="ctr" cap="flat" w="9525">
-                      <a:solidFill>
-                        <a:srgbClr val="000000"/>
-                      </a:solidFill>
-                      <a:prstDash val="solid"/>
-                      <a:round/>
-                      <a:headEnd type="none" w="med" len="med"/>
-                      <a:tailEnd type="none" w="med" len="med"/>
-                    </a:lnR>
-                    <a:lnT cmpd="sng" algn="ctr" cap="flat" w="9525">
-                      <a:solidFill>
-                        <a:srgbClr val="000000"/>
-                      </a:solidFill>
-                      <a:prstDash val="solid"/>
-                      <a:round/>
-                      <a:headEnd type="none" w="med" len="med"/>
-                      <a:tailEnd type="none" w="med" len="med"/>
-                    </a:lnT>
-                    <a:lnB cmpd="sng" algn="ctr" cap="flat" w="9525">
-                      <a:solidFill>
-                        <a:srgbClr val="000000"/>
-                      </a:solidFill>
-                      <a:prstDash val="solid"/>
-                      <a:round/>
-                      <a:headEnd type="none" w="med" len="med"/>
-                      <a:tailEnd type="none" w="med" len="med"/>
-                    </a:lnB>
-                    <a:solidFill>
-                      <a:srgbClr val="FFFFFF"/>
-                    </a:solidFill>
-                  </a:tcPr>
-                </a:tc>
-                <a:tc>
-                  <a:txBody>
-                    <a:bodyPr anchor="t" rtlCol="false"/>
-                    <a:lstStyle/>
-                    <a:p>
-                      <a:pPr algn="ctr">
-                        <a:lnSpc>
-                          <a:spcPts val="2647"/>
-                        </a:lnSpc>
-                        <a:defRPr/>
-                      </a:pPr>
-                      <a:r>
-                        <a:rPr lang="en-US" sz="1891">
-                          <a:solidFill>
-                            <a:srgbClr val="000000"/>
-                          </a:solidFill>
-                          <a:latin typeface="Agrandir"/>
-                          <a:ea typeface="Agrandir"/>
-                          <a:cs typeface="Agrandir"/>
-                          <a:sym typeface="Agrandir"/>
-                        </a:rPr>
-                        <a:t>10</a:t>
-                      </a:r>
-                      <a:endParaRPr lang="en-US" sz="1100"/>
-                    </a:p>
-                  </a:txBody>
-                  <a:tcPr marL="57150" marR="57150" marT="57150" marB="57150" anchor="ctr">
-                    <a:lnL cmpd="sng" algn="ctr" cap="flat" w="9525">
-                      <a:solidFill>
-                        <a:srgbClr val="000000"/>
-                      </a:solidFill>
-                      <a:prstDash val="solid"/>
-                      <a:round/>
-                      <a:headEnd type="none" w="med" len="med"/>
-                      <a:tailEnd type="none" w="med" len="med"/>
-                    </a:lnL>
-                    <a:lnR cmpd="sng" algn="ctr" cap="flat" w="9525">
-                      <a:solidFill>
-                        <a:srgbClr val="000000"/>
-                      </a:solidFill>
-                      <a:prstDash val="solid"/>
-                      <a:round/>
-                      <a:headEnd type="none" w="med" len="med"/>
-                      <a:tailEnd type="none" w="med" len="med"/>
-                    </a:lnR>
-                    <a:lnT cmpd="sng" algn="ctr" cap="flat" w="9525">
-                      <a:solidFill>
-                        <a:srgbClr val="000000"/>
-                      </a:solidFill>
-                      <a:prstDash val="solid"/>
-                      <a:round/>
-                      <a:headEnd type="none" w="med" len="med"/>
-                      <a:tailEnd type="none" w="med" len="med"/>
-                    </a:lnT>
-                    <a:lnB cmpd="sng" algn="ctr" cap="flat" w="9525">
-                      <a:solidFill>
-                        <a:srgbClr val="000000"/>
-                      </a:solidFill>
-                      <a:prstDash val="solid"/>
-                      <a:round/>
-                      <a:headEnd type="none" w="med" len="med"/>
-                      <a:tailEnd type="none" w="med" len="med"/>
-                    </a:lnB>
-                    <a:solidFill>
-                      <a:srgbClr val="FFFFFF"/>
-                    </a:solidFill>
-                  </a:tcPr>
-                </a:tc>
-                <a:tc>
-                  <a:txBody>
-                    <a:bodyPr anchor="t" rtlCol="false"/>
-                    <a:lstStyle/>
-                    <a:p>
-                      <a:pPr algn="ctr">
-                        <a:lnSpc>
-                          <a:spcPts val="2647"/>
-                        </a:lnSpc>
-                        <a:defRPr/>
-                      </a:pPr>
-                      <a:r>
-                        <a:rPr lang="en-US" sz="1891" b="true">
-                          <a:solidFill>
-                            <a:srgbClr val="000000"/>
-                          </a:solidFill>
-                          <a:latin typeface="Agrandir Bold"/>
-                          <a:ea typeface="Agrandir Bold"/>
-                          <a:cs typeface="Agrandir Bold"/>
-                          <a:sym typeface="Agrandir Bold"/>
-                        </a:rPr>
-                        <a:t>100</a:t>
-                      </a:r>
-                      <a:endParaRPr lang="en-US" sz="1100"/>
-                    </a:p>
-                  </a:txBody>
-                  <a:tcPr marL="57150" marR="57150" marT="57150" marB="57150" anchor="ctr">
-                    <a:lnL cmpd="sng" algn="ctr" cap="flat" w="9525">
-                      <a:solidFill>
-                        <a:srgbClr val="000000"/>
-                      </a:solidFill>
-                      <a:prstDash val="solid"/>
-                      <a:round/>
-                      <a:headEnd type="none" w="med" len="med"/>
-                      <a:tailEnd type="none" w="med" len="med"/>
-                    </a:lnL>
-                    <a:lnR cmpd="sng" algn="ctr" cap="flat" w="9525">
-                      <a:solidFill>
-                        <a:srgbClr val="000000"/>
-                      </a:solidFill>
-                      <a:prstDash val="solid"/>
-                      <a:round/>
-                      <a:headEnd type="none" w="med" len="med"/>
-                      <a:tailEnd type="none" w="med" len="med"/>
-                    </a:lnR>
-                    <a:lnT cmpd="sng" algn="ctr" cap="flat" w="9525">
-                      <a:solidFill>
-                        <a:srgbClr val="000000"/>
-                      </a:solidFill>
-                      <a:prstDash val="solid"/>
-                      <a:round/>
-                      <a:headEnd type="none" w="med" len="med"/>
-                      <a:tailEnd type="none" w="med" len="med"/>
-                    </a:lnT>
-                    <a:lnB cmpd="sng" algn="ctr" cap="flat" w="9525">
-                      <a:solidFill>
-                        <a:srgbClr val="000000"/>
-                      </a:solidFill>
-                      <a:prstDash val="solid"/>
-                      <a:round/>
-                      <a:headEnd type="none" w="med" len="med"/>
-                      <a:tailEnd type="none" w="med" len="med"/>
-                    </a:lnB>
-                    <a:solidFill>
-                      <a:srgbClr val="F1E3E3"/>
-                    </a:solidFill>
-                  </a:tcPr>
-                </a:tc>
-              </a:tr>
-              <a:tr h="1044767">
-                <a:tc>
-                  <a:txBody>
-                    <a:bodyPr anchor="t" rtlCol="false"/>
-                    <a:lstStyle/>
-                    <a:p>
-                      <a:pPr algn="ctr">
-                        <a:lnSpc>
-                          <a:spcPts val="2647"/>
-                        </a:lnSpc>
-                        <a:defRPr/>
-                      </a:pPr>
-                      <a:r>
-                        <a:rPr lang="en-US" sz="1891" b="true">
-                          <a:solidFill>
-                            <a:srgbClr val="000000"/>
-                          </a:solidFill>
-                          <a:latin typeface="Agrandir Bold"/>
-                          <a:ea typeface="Agrandir Bold"/>
-                          <a:cs typeface="Agrandir Bold"/>
-                          <a:sym typeface="Agrandir Bold"/>
-                        </a:rPr>
-                        <a:t>System</a:t>
-                      </a:r>
-                      <a:endParaRPr lang="en-US" sz="1100"/>
-                    </a:p>
-                    <a:p>
-                      <a:pPr algn="ctr">
-                        <a:lnSpc>
-                          <a:spcPts val="2647"/>
-                        </a:lnSpc>
-                      </a:pPr>
-                      <a:r>
-                        <a:rPr lang="en-US" sz="1891" b="true">
-                          <a:solidFill>
-                            <a:srgbClr val="000000"/>
-                          </a:solidFill>
-                          <a:latin typeface="Agrandir Bold"/>
-                          <a:ea typeface="Agrandir Bold"/>
-                          <a:cs typeface="Agrandir Bold"/>
-                          <a:sym typeface="Agrandir Bold"/>
-                        </a:rPr>
-                        <a:t>  Architect</a:t>
-                      </a:r>
-                    </a:p>
-                  </a:txBody>
-                  <a:tcPr marL="57150" marR="57150" marT="57150" marB="57150" anchor="ctr">
-                    <a:lnL cmpd="sng" algn="ctr" cap="flat" w="9525">
-                      <a:solidFill>
-                        <a:srgbClr val="000000"/>
-                      </a:solidFill>
-                      <a:prstDash val="solid"/>
-                      <a:round/>
-                      <a:headEnd type="none" w="med" len="med"/>
-                      <a:tailEnd type="none" w="med" len="med"/>
-                    </a:lnL>
-                    <a:lnR cmpd="sng" algn="ctr" cap="flat" w="9525">
-                      <a:solidFill>
-                        <a:srgbClr val="000000"/>
-                      </a:solidFill>
-                      <a:prstDash val="solid"/>
-                      <a:round/>
-                      <a:headEnd type="none" w="med" len="med"/>
-                      <a:tailEnd type="none" w="med" len="med"/>
-                    </a:lnR>
-                    <a:lnT cmpd="sng" algn="ctr" cap="flat" w="9525">
-                      <a:solidFill>
-                        <a:srgbClr val="000000"/>
-                      </a:solidFill>
-                      <a:prstDash val="solid"/>
-                      <a:round/>
-                      <a:headEnd type="none" w="med" len="med"/>
-                      <a:tailEnd type="none" w="med" len="med"/>
-                    </a:lnT>
-                    <a:lnB cmpd="sng" algn="ctr" cap="flat" w="9525">
-                      <a:solidFill>
-                        <a:srgbClr val="000000"/>
-                      </a:solidFill>
-                      <a:prstDash val="solid"/>
-                      <a:round/>
-                      <a:headEnd type="none" w="med" len="med"/>
-                      <a:tailEnd type="none" w="med" len="med"/>
-                    </a:lnB>
-                    <a:solidFill>
-                      <a:srgbClr val="F1E3E3"/>
-                    </a:solidFill>
-                  </a:tcPr>
-                </a:tc>
-                <a:tc>
-                  <a:txBody>
-                    <a:bodyPr anchor="t" rtlCol="false"/>
-                    <a:lstStyle/>
-                    <a:p>
-                      <a:pPr algn="ctr">
-                        <a:lnSpc>
-                          <a:spcPts val="2647"/>
-                        </a:lnSpc>
-                        <a:defRPr/>
-                      </a:pPr>
-                      <a:r>
-                        <a:rPr lang="en-US" sz="1891">
-                          <a:solidFill>
-                            <a:srgbClr val="000000"/>
-                          </a:solidFill>
-                          <a:latin typeface="Agrandir"/>
-                          <a:ea typeface="Agrandir"/>
-                          <a:cs typeface="Agrandir"/>
-                          <a:sym typeface="Agrandir"/>
-                        </a:rPr>
-                        <a:t>15</a:t>
-                      </a:r>
-                      <a:endParaRPr lang="en-US" sz="1100"/>
-                    </a:p>
-                  </a:txBody>
-                  <a:tcPr marL="57150" marR="57150" marT="57150" marB="57150" anchor="ctr">
-                    <a:lnL cmpd="sng" algn="ctr" cap="flat" w="9525">
-                      <a:solidFill>
-                        <a:srgbClr val="000000"/>
-                      </a:solidFill>
-                      <a:prstDash val="solid"/>
-                      <a:round/>
-                      <a:headEnd type="none" w="med" len="med"/>
-                      <a:tailEnd type="none" w="med" len="med"/>
-                    </a:lnL>
-                    <a:lnR cmpd="sng" algn="ctr" cap="flat" w="9525">
-                      <a:solidFill>
-                        <a:srgbClr val="000000"/>
-                      </a:solidFill>
-                      <a:prstDash val="solid"/>
-                      <a:round/>
-                      <a:headEnd type="none" w="med" len="med"/>
-                      <a:tailEnd type="none" w="med" len="med"/>
-                    </a:lnR>
-                    <a:lnT cmpd="sng" algn="ctr" cap="flat" w="9525">
-                      <a:solidFill>
-                        <a:srgbClr val="000000"/>
-                      </a:solidFill>
-                      <a:prstDash val="solid"/>
-                      <a:round/>
-                      <a:headEnd type="none" w="med" len="med"/>
-                      <a:tailEnd type="none" w="med" len="med"/>
-                    </a:lnT>
-                    <a:lnB cmpd="sng" algn="ctr" cap="flat" w="9525">
-                      <a:solidFill>
-                        <a:srgbClr val="000000"/>
-                      </a:solidFill>
-                      <a:prstDash val="solid"/>
-                      <a:round/>
-                      <a:headEnd type="none" w="med" len="med"/>
-                      <a:tailEnd type="none" w="med" len="med"/>
-                    </a:lnB>
-                    <a:solidFill>
-                      <a:srgbClr val="FFFFFF"/>
-                    </a:solidFill>
-                  </a:tcPr>
-                </a:tc>
-                <a:tc>
-                  <a:txBody>
-                    <a:bodyPr anchor="t" rtlCol="false"/>
-                    <a:lstStyle/>
-                    <a:p>
-                      <a:pPr algn="ctr">
-                        <a:lnSpc>
-                          <a:spcPts val="2647"/>
-                        </a:lnSpc>
-                        <a:defRPr/>
-                      </a:pPr>
-                      <a:r>
-                        <a:rPr lang="en-US" sz="1891">
-                          <a:solidFill>
-                            <a:srgbClr val="000000"/>
-                          </a:solidFill>
-                          <a:latin typeface="Agrandir"/>
-                          <a:ea typeface="Agrandir"/>
-                          <a:cs typeface="Agrandir"/>
-                          <a:sym typeface="Agrandir"/>
-                        </a:rPr>
-                        <a:t>25</a:t>
-                      </a:r>
-                      <a:endParaRPr lang="en-US" sz="1100"/>
-                    </a:p>
-                  </a:txBody>
-                  <a:tcPr marL="57150" marR="57150" marT="57150" marB="57150" anchor="ctr">
-                    <a:lnL cmpd="sng" algn="ctr" cap="flat" w="9525">
-                      <a:solidFill>
-                        <a:srgbClr val="000000"/>
-                      </a:solidFill>
-                      <a:prstDash val="solid"/>
-                      <a:round/>
-                      <a:headEnd type="none" w="med" len="med"/>
-                      <a:tailEnd type="none" w="med" len="med"/>
-                    </a:lnL>
-                    <a:lnR cmpd="sng" algn="ctr" cap="flat" w="9525">
-                      <a:solidFill>
-                        <a:srgbClr val="000000"/>
-                      </a:solidFill>
-                      <a:prstDash val="solid"/>
-                      <a:round/>
-                      <a:headEnd type="none" w="med" len="med"/>
-                      <a:tailEnd type="none" w="med" len="med"/>
-                    </a:lnR>
-                    <a:lnT cmpd="sng" algn="ctr" cap="flat" w="9525">
-                      <a:solidFill>
-                        <a:srgbClr val="000000"/>
-                      </a:solidFill>
-                      <a:prstDash val="solid"/>
-                      <a:round/>
-                      <a:headEnd type="none" w="med" len="med"/>
-                      <a:tailEnd type="none" w="med" len="med"/>
-                    </a:lnT>
-                    <a:lnB cmpd="sng" algn="ctr" cap="flat" w="9525">
-                      <a:solidFill>
-                        <a:srgbClr val="000000"/>
-                      </a:solidFill>
-                      <a:prstDash val="solid"/>
-                      <a:round/>
-                      <a:headEnd type="none" w="med" len="med"/>
-                      <a:tailEnd type="none" w="med" len="med"/>
-                    </a:lnB>
-                    <a:solidFill>
-                      <a:srgbClr val="FFFFFF"/>
-                    </a:solidFill>
-                  </a:tcPr>
-                </a:tc>
-                <a:tc>
-                  <a:txBody>
-                    <a:bodyPr anchor="t" rtlCol="false"/>
-                    <a:lstStyle/>
-                    <a:p>
-                      <a:pPr algn="ctr">
-                        <a:lnSpc>
-                          <a:spcPts val="2647"/>
-                        </a:lnSpc>
-                        <a:defRPr/>
-                      </a:pPr>
-                      <a:r>
-                        <a:rPr lang="en-US" sz="1891">
-                          <a:solidFill>
-                            <a:srgbClr val="000000"/>
-                          </a:solidFill>
-                          <a:latin typeface="Agrandir"/>
-                          <a:ea typeface="Agrandir"/>
-                          <a:cs typeface="Agrandir"/>
-                          <a:sym typeface="Agrandir"/>
-                        </a:rPr>
-                        <a:t>20</a:t>
-                      </a:r>
-                      <a:endParaRPr lang="en-US" sz="1100"/>
-                    </a:p>
-                  </a:txBody>
-                  <a:tcPr marL="57150" marR="57150" marT="57150" marB="57150" anchor="ctr">
-                    <a:lnL cmpd="sng" algn="ctr" cap="flat" w="9525">
-                      <a:solidFill>
-                        <a:srgbClr val="000000"/>
-                      </a:solidFill>
-                      <a:prstDash val="solid"/>
-                      <a:round/>
-                      <a:headEnd type="none" w="med" len="med"/>
-                      <a:tailEnd type="none" w="med" len="med"/>
-                    </a:lnL>
-                    <a:lnR cmpd="sng" algn="ctr" cap="flat" w="9525">
-                      <a:solidFill>
-                        <a:srgbClr val="000000"/>
-                      </a:solidFill>
-                      <a:prstDash val="solid"/>
-                      <a:round/>
-                      <a:headEnd type="none" w="med" len="med"/>
-                      <a:tailEnd type="none" w="med" len="med"/>
-                    </a:lnR>
-                    <a:lnT cmpd="sng" algn="ctr" cap="flat" w="9525">
-                      <a:solidFill>
-                        <a:srgbClr val="000000"/>
-                      </a:solidFill>
-                      <a:prstDash val="solid"/>
-                      <a:round/>
-                      <a:headEnd type="none" w="med" len="med"/>
-                      <a:tailEnd type="none" w="med" len="med"/>
-                    </a:lnT>
-                    <a:lnB cmpd="sng" algn="ctr" cap="flat" w="9525">
-                      <a:solidFill>
-                        <a:srgbClr val="000000"/>
-                      </a:solidFill>
-                      <a:prstDash val="solid"/>
-                      <a:round/>
-                      <a:headEnd type="none" w="med" len="med"/>
-                      <a:tailEnd type="none" w="med" len="med"/>
-                    </a:lnB>
-                    <a:solidFill>
-                      <a:srgbClr val="FFFFFF"/>
-                    </a:solidFill>
-                  </a:tcPr>
-                </a:tc>
-                <a:tc>
-                  <a:txBody>
-                    <a:bodyPr anchor="t" rtlCol="false"/>
-                    <a:lstStyle/>
-                    <a:p>
-                      <a:pPr algn="ctr">
-                        <a:lnSpc>
-                          <a:spcPts val="2647"/>
-                        </a:lnSpc>
-                        <a:defRPr/>
-                      </a:pPr>
-                      <a:r>
-                        <a:rPr lang="en-US" sz="1891">
-                          <a:solidFill>
-                            <a:srgbClr val="000000"/>
-                          </a:solidFill>
-                          <a:latin typeface="Agrandir"/>
-                          <a:ea typeface="Agrandir"/>
-                          <a:cs typeface="Agrandir"/>
-                          <a:sym typeface="Agrandir"/>
-                        </a:rPr>
-                        <a:t>25</a:t>
-                      </a:r>
-                      <a:endParaRPr lang="en-US" sz="1100"/>
-                    </a:p>
-                  </a:txBody>
-                  <a:tcPr marL="57150" marR="57150" marT="57150" marB="57150" anchor="ctr">
-                    <a:lnL cmpd="sng" algn="ctr" cap="flat" w="9525">
-                      <a:solidFill>
-                        <a:srgbClr val="000000"/>
-                      </a:solidFill>
-                      <a:prstDash val="solid"/>
-                      <a:round/>
-                      <a:headEnd type="none" w="med" len="med"/>
-                      <a:tailEnd type="none" w="med" len="med"/>
-                    </a:lnL>
-                    <a:lnR cmpd="sng" algn="ctr" cap="flat" w="9525">
-                      <a:solidFill>
-                        <a:srgbClr val="000000"/>
-                      </a:solidFill>
-                      <a:prstDash val="solid"/>
-                      <a:round/>
-                      <a:headEnd type="none" w="med" len="med"/>
-                      <a:tailEnd type="none" w="med" len="med"/>
-                    </a:lnR>
-                    <a:lnT cmpd="sng" algn="ctr" cap="flat" w="9525">
-                      <a:solidFill>
-                        <a:srgbClr val="000000"/>
-                      </a:solidFill>
-                      <a:prstDash val="solid"/>
-                      <a:round/>
-                      <a:headEnd type="none" w="med" len="med"/>
-                      <a:tailEnd type="none" w="med" len="med"/>
-                    </a:lnT>
-                    <a:lnB cmpd="sng" algn="ctr" cap="flat" w="9525">
-                      <a:solidFill>
-                        <a:srgbClr val="000000"/>
-                      </a:solidFill>
-                      <a:prstDash val="solid"/>
-                      <a:round/>
-                      <a:headEnd type="none" w="med" len="med"/>
-                      <a:tailEnd type="none" w="med" len="med"/>
-                    </a:lnB>
-                    <a:solidFill>
-                      <a:srgbClr val="FFFFFF"/>
-                    </a:solidFill>
-                  </a:tcPr>
-                </a:tc>
-                <a:tc>
-                  <a:txBody>
-                    <a:bodyPr anchor="t" rtlCol="false"/>
-                    <a:lstStyle/>
-                    <a:p>
-                      <a:pPr algn="ctr">
-                        <a:lnSpc>
-                          <a:spcPts val="2647"/>
-                        </a:lnSpc>
-                        <a:defRPr/>
-                      </a:pPr>
-                      <a:r>
-                        <a:rPr lang="en-US" sz="1891">
-                          <a:solidFill>
-                            <a:srgbClr val="000000"/>
-                          </a:solidFill>
-                          <a:latin typeface="Agrandir"/>
-                          <a:ea typeface="Agrandir"/>
-                          <a:cs typeface="Agrandir"/>
-                          <a:sym typeface="Agrandir"/>
-                        </a:rPr>
-                        <a:t>5</a:t>
-                      </a:r>
-                      <a:endParaRPr lang="en-US" sz="1100"/>
-                    </a:p>
-                  </a:txBody>
-                  <a:tcPr marL="57150" marR="57150" marT="57150" marB="57150" anchor="ctr">
-                    <a:lnL cmpd="sng" algn="ctr" cap="flat" w="9525">
-                      <a:solidFill>
-                        <a:srgbClr val="000000"/>
-                      </a:solidFill>
-                      <a:prstDash val="solid"/>
-                      <a:round/>
-                      <a:headEnd type="none" w="med" len="med"/>
-                      <a:tailEnd type="none" w="med" len="med"/>
-                    </a:lnL>
-                    <a:lnR cmpd="sng" algn="ctr" cap="flat" w="9525">
-                      <a:solidFill>
-                        <a:srgbClr val="000000"/>
-                      </a:solidFill>
-                      <a:prstDash val="solid"/>
-                      <a:round/>
-                      <a:headEnd type="none" w="med" len="med"/>
-                      <a:tailEnd type="none" w="med" len="med"/>
-                    </a:lnR>
-                    <a:lnT cmpd="sng" algn="ctr" cap="flat" w="9525">
-                      <a:solidFill>
-                        <a:srgbClr val="000000"/>
-                      </a:solidFill>
-                      <a:prstDash val="solid"/>
-                      <a:round/>
-                      <a:headEnd type="none" w="med" len="med"/>
-                      <a:tailEnd type="none" w="med" len="med"/>
-                    </a:lnT>
-                    <a:lnB cmpd="sng" algn="ctr" cap="flat" w="9525">
-                      <a:solidFill>
-                        <a:srgbClr val="000000"/>
-                      </a:solidFill>
-                      <a:prstDash val="solid"/>
-                      <a:round/>
-                      <a:headEnd type="none" w="med" len="med"/>
-                      <a:tailEnd type="none" w="med" len="med"/>
-                    </a:lnB>
-                    <a:solidFill>
-                      <a:srgbClr val="FFFFFF"/>
-                    </a:solidFill>
-                  </a:tcPr>
-                </a:tc>
-                <a:tc>
-                  <a:txBody>
-                    <a:bodyPr anchor="t" rtlCol="false"/>
-                    <a:lstStyle/>
-                    <a:p>
-                      <a:pPr algn="ctr">
-                        <a:lnSpc>
-                          <a:spcPts val="2647"/>
-                        </a:lnSpc>
-                        <a:defRPr/>
-                      </a:pPr>
-                      <a:r>
-                        <a:rPr lang="en-US" sz="1891">
-                          <a:solidFill>
-                            <a:srgbClr val="000000"/>
-                          </a:solidFill>
-                          <a:latin typeface="Agrandir"/>
-                          <a:ea typeface="Agrandir"/>
-                          <a:cs typeface="Agrandir"/>
-                          <a:sym typeface="Agrandir"/>
-                        </a:rPr>
-                        <a:t>0</a:t>
-                      </a:r>
-                      <a:endParaRPr lang="en-US" sz="1100"/>
-                    </a:p>
-                  </a:txBody>
-                  <a:tcPr marL="57150" marR="57150" marT="57150" marB="57150" anchor="ctr">
-                    <a:lnL cmpd="sng" algn="ctr" cap="flat" w="9525">
-                      <a:solidFill>
-                        <a:srgbClr val="000000"/>
-                      </a:solidFill>
-                      <a:prstDash val="solid"/>
-                      <a:round/>
-                      <a:headEnd type="none" w="med" len="med"/>
-                      <a:tailEnd type="none" w="med" len="med"/>
-                    </a:lnL>
-                    <a:lnR cmpd="sng" algn="ctr" cap="flat" w="9525">
-                      <a:solidFill>
-                        <a:srgbClr val="000000"/>
-                      </a:solidFill>
-                      <a:prstDash val="solid"/>
-                      <a:round/>
-                      <a:headEnd type="none" w="med" len="med"/>
-                      <a:tailEnd type="none" w="med" len="med"/>
-                    </a:lnR>
-                    <a:lnT cmpd="sng" algn="ctr" cap="flat" w="9525">
-                      <a:solidFill>
-                        <a:srgbClr val="000000"/>
-                      </a:solidFill>
-                      <a:prstDash val="solid"/>
-                      <a:round/>
-                      <a:headEnd type="none" w="med" len="med"/>
-                      <a:tailEnd type="none" w="med" len="med"/>
-                    </a:lnT>
-                    <a:lnB cmpd="sng" algn="ctr" cap="flat" w="9525">
-                      <a:solidFill>
-                        <a:srgbClr val="000000"/>
-                      </a:solidFill>
-                      <a:prstDash val="solid"/>
-                      <a:round/>
-                      <a:headEnd type="none" w="med" len="med"/>
-                      <a:tailEnd type="none" w="med" len="med"/>
-                    </a:lnB>
-                    <a:solidFill>
-                      <a:srgbClr val="FFFFFF"/>
-                    </a:solidFill>
-                  </a:tcPr>
-                </a:tc>
-                <a:tc>
-                  <a:txBody>
-                    <a:bodyPr anchor="t" rtlCol="false"/>
-                    <a:lstStyle/>
-                    <a:p>
-                      <a:pPr algn="ctr">
-                        <a:lnSpc>
-                          <a:spcPts val="2647"/>
-                        </a:lnSpc>
-                        <a:defRPr/>
-                      </a:pPr>
-                      <a:r>
-                        <a:rPr lang="en-US" sz="1891">
-                          <a:solidFill>
-                            <a:srgbClr val="000000"/>
-                          </a:solidFill>
-                          <a:latin typeface="Agrandir"/>
-                          <a:ea typeface="Agrandir"/>
-                          <a:cs typeface="Agrandir"/>
-                          <a:sym typeface="Agrandir"/>
-                        </a:rPr>
-                        <a:t>10</a:t>
-                      </a:r>
-                      <a:endParaRPr lang="en-US" sz="1100"/>
-                    </a:p>
-                  </a:txBody>
-                  <a:tcPr marL="57150" marR="57150" marT="57150" marB="57150" anchor="ctr">
-                    <a:lnL cmpd="sng" algn="ctr" cap="flat" w="9525">
-                      <a:solidFill>
-                        <a:srgbClr val="000000"/>
-                      </a:solidFill>
-                      <a:prstDash val="solid"/>
-                      <a:round/>
-                      <a:headEnd type="none" w="med" len="med"/>
-                      <a:tailEnd type="none" w="med" len="med"/>
-                    </a:lnL>
-                    <a:lnR cmpd="sng" algn="ctr" cap="flat" w="9525">
-                      <a:solidFill>
-                        <a:srgbClr val="000000"/>
-                      </a:solidFill>
-                      <a:prstDash val="solid"/>
-                      <a:round/>
-                      <a:headEnd type="none" w="med" len="med"/>
-                      <a:tailEnd type="none" w="med" len="med"/>
-                    </a:lnR>
-                    <a:lnT cmpd="sng" algn="ctr" cap="flat" w="9525">
-                      <a:solidFill>
-                        <a:srgbClr val="000000"/>
-                      </a:solidFill>
-                      <a:prstDash val="solid"/>
-                      <a:round/>
-                      <a:headEnd type="none" w="med" len="med"/>
-                      <a:tailEnd type="none" w="med" len="med"/>
-                    </a:lnT>
-                    <a:lnB cmpd="sng" algn="ctr" cap="flat" w="9525">
-                      <a:solidFill>
-                        <a:srgbClr val="000000"/>
-                      </a:solidFill>
-                      <a:prstDash val="solid"/>
-                      <a:round/>
-                      <a:headEnd type="none" w="med" len="med"/>
-                      <a:tailEnd type="none" w="med" len="med"/>
-                    </a:lnB>
-                    <a:solidFill>
-                      <a:srgbClr val="FFFFFF"/>
-                    </a:solidFill>
-                  </a:tcPr>
-                </a:tc>
-                <a:tc>
-                  <a:txBody>
-                    <a:bodyPr anchor="t" rtlCol="false"/>
-                    <a:lstStyle/>
-                    <a:p>
-                      <a:pPr algn="ctr">
-                        <a:lnSpc>
-                          <a:spcPts val="2647"/>
-                        </a:lnSpc>
-                        <a:defRPr/>
-                      </a:pPr>
-                      <a:r>
-                        <a:rPr lang="en-US" sz="1891" b="true">
-                          <a:solidFill>
-                            <a:srgbClr val="000000"/>
-                          </a:solidFill>
-                          <a:latin typeface="Agrandir Bold"/>
-                          <a:ea typeface="Agrandir Bold"/>
-                          <a:cs typeface="Agrandir Bold"/>
-                          <a:sym typeface="Agrandir Bold"/>
-                        </a:rPr>
-                        <a:t>100</a:t>
-                      </a:r>
-                      <a:endParaRPr lang="en-US" sz="1100"/>
-                    </a:p>
-                  </a:txBody>
-                  <a:tcPr marL="57150" marR="57150" marT="57150" marB="57150" anchor="ctr">
-                    <a:lnL cmpd="sng" algn="ctr" cap="flat" w="9525">
-                      <a:solidFill>
-                        <a:srgbClr val="000000"/>
-                      </a:solidFill>
-                      <a:prstDash val="solid"/>
-                      <a:round/>
-                      <a:headEnd type="none" w="med" len="med"/>
-                      <a:tailEnd type="none" w="med" len="med"/>
-                    </a:lnL>
-                    <a:lnR cmpd="sng" algn="ctr" cap="flat" w="9525">
-                      <a:solidFill>
-                        <a:srgbClr val="000000"/>
-                      </a:solidFill>
-                      <a:prstDash val="solid"/>
-                      <a:round/>
-                      <a:headEnd type="none" w="med" len="med"/>
-                      <a:tailEnd type="none" w="med" len="med"/>
-                    </a:lnR>
-                    <a:lnT cmpd="sng" algn="ctr" cap="flat" w="9525">
-                      <a:solidFill>
-                        <a:srgbClr val="000000"/>
-                      </a:solidFill>
-                      <a:prstDash val="solid"/>
-                      <a:round/>
-                      <a:headEnd type="none" w="med" len="med"/>
-                      <a:tailEnd type="none" w="med" len="med"/>
-                    </a:lnT>
-                    <a:lnB cmpd="sng" algn="ctr" cap="flat" w="9525">
-                      <a:solidFill>
-                        <a:srgbClr val="000000"/>
-                      </a:solidFill>
-                      <a:prstDash val="solid"/>
-                      <a:round/>
-                      <a:headEnd type="none" w="med" len="med"/>
-                      <a:tailEnd type="none" w="med" len="med"/>
-                    </a:lnB>
-                    <a:solidFill>
-                      <a:srgbClr val="F1E3E3"/>
-                    </a:solidFill>
-                  </a:tcPr>
-                </a:tc>
-              </a:tr>
-              <a:tr h="838460">
-                <a:tc>
-                  <a:txBody>
-                    <a:bodyPr anchor="t" rtlCol="false"/>
-                    <a:lstStyle/>
-                    <a:p>
-                      <a:pPr algn="ctr">
-                        <a:lnSpc>
-                          <a:spcPts val="2647"/>
-                        </a:lnSpc>
-                        <a:defRPr/>
-                      </a:pPr>
-                      <a:r>
-                        <a:rPr lang="en-US" sz="1891" b="true">
-                          <a:solidFill>
-                            <a:srgbClr val="000000"/>
-                          </a:solidFill>
-                          <a:latin typeface="Agrandir Bold"/>
-                          <a:ea typeface="Agrandir Bold"/>
-                          <a:cs typeface="Agrandir Bold"/>
-                          <a:sym typeface="Agrandir Bold"/>
-                        </a:rPr>
-                        <a:t>Product Manager</a:t>
-                      </a:r>
-                      <a:endParaRPr lang="en-US" sz="1100"/>
-                    </a:p>
-                  </a:txBody>
-                  <a:tcPr marL="57150" marR="57150" marT="57150" marB="57150" anchor="ctr">
-                    <a:lnL cmpd="sng" algn="ctr" cap="flat" w="9525">
-                      <a:solidFill>
-                        <a:srgbClr val="000000"/>
-                      </a:solidFill>
-                      <a:prstDash val="solid"/>
-                      <a:round/>
-                      <a:headEnd type="none" w="med" len="med"/>
-                      <a:tailEnd type="none" w="med" len="med"/>
-                    </a:lnL>
-                    <a:lnR cmpd="sng" algn="ctr" cap="flat" w="9525">
-                      <a:solidFill>
-                        <a:srgbClr val="000000"/>
-                      </a:solidFill>
-                      <a:prstDash val="solid"/>
-                      <a:round/>
-                      <a:headEnd type="none" w="med" len="med"/>
-                      <a:tailEnd type="none" w="med" len="med"/>
-                    </a:lnR>
-                    <a:lnT cmpd="sng" algn="ctr" cap="flat" w="9525">
-                      <a:solidFill>
-                        <a:srgbClr val="000000"/>
-                      </a:solidFill>
-                      <a:prstDash val="solid"/>
-                      <a:round/>
-                      <a:headEnd type="none" w="med" len="med"/>
-                      <a:tailEnd type="none" w="med" len="med"/>
-                    </a:lnT>
-                    <a:lnB cmpd="sng" algn="ctr" cap="flat" w="9525">
-                      <a:solidFill>
-                        <a:srgbClr val="000000"/>
-                      </a:solidFill>
-                      <a:prstDash val="solid"/>
-                      <a:round/>
-                      <a:headEnd type="none" w="med" len="med"/>
-                      <a:tailEnd type="none" w="med" len="med"/>
-                    </a:lnB>
-                    <a:solidFill>
-                      <a:srgbClr val="F1E3E3"/>
-                    </a:solidFill>
-                  </a:tcPr>
-                </a:tc>
-                <a:tc>
-                  <a:txBody>
-                    <a:bodyPr anchor="t" rtlCol="false"/>
-                    <a:lstStyle/>
-                    <a:p>
-                      <a:pPr algn="ctr">
-                        <a:lnSpc>
-                          <a:spcPts val="2647"/>
-                        </a:lnSpc>
-                        <a:defRPr/>
-                      </a:pPr>
-                      <a:r>
-                        <a:rPr lang="en-US" sz="1891">
-                          <a:solidFill>
-                            <a:srgbClr val="000000"/>
-                          </a:solidFill>
-                          <a:latin typeface="Agrandir"/>
-                          <a:ea typeface="Agrandir"/>
-                          <a:cs typeface="Agrandir"/>
-                          <a:sym typeface="Agrandir"/>
-                        </a:rPr>
-                        <a:t>10</a:t>
-                      </a:r>
-                      <a:endParaRPr lang="en-US" sz="1100"/>
-                    </a:p>
-                  </a:txBody>
-                  <a:tcPr marL="57150" marR="57150" marT="57150" marB="57150" anchor="ctr">
-                    <a:lnL cmpd="sng" algn="ctr" cap="flat" w="9525">
-                      <a:solidFill>
-                        <a:srgbClr val="000000"/>
-                      </a:solidFill>
-                      <a:prstDash val="solid"/>
-                      <a:round/>
-                      <a:headEnd type="none" w="med" len="med"/>
-                      <a:tailEnd type="none" w="med" len="med"/>
-                    </a:lnL>
-                    <a:lnR cmpd="sng" algn="ctr" cap="flat" w="9525">
-                      <a:solidFill>
-                        <a:srgbClr val="000000"/>
-                      </a:solidFill>
-                      <a:prstDash val="solid"/>
-                      <a:round/>
-                      <a:headEnd type="none" w="med" len="med"/>
-                      <a:tailEnd type="none" w="med" len="med"/>
-                    </a:lnR>
-                    <a:lnT cmpd="sng" algn="ctr" cap="flat" w="9525">
-                      <a:solidFill>
-                        <a:srgbClr val="000000"/>
-                      </a:solidFill>
-                      <a:prstDash val="solid"/>
-                      <a:round/>
-                      <a:headEnd type="none" w="med" len="med"/>
-                      <a:tailEnd type="none" w="med" len="med"/>
-                    </a:lnT>
-                    <a:lnB cmpd="sng" algn="ctr" cap="flat" w="9525">
-                      <a:solidFill>
-                        <a:srgbClr val="000000"/>
-                      </a:solidFill>
-                      <a:prstDash val="solid"/>
-                      <a:round/>
-                      <a:headEnd type="none" w="med" len="med"/>
-                      <a:tailEnd type="none" w="med" len="med"/>
-                    </a:lnB>
-                    <a:solidFill>
-                      <a:srgbClr val="FFFFFF"/>
-                    </a:solidFill>
-                  </a:tcPr>
-                </a:tc>
-                <a:tc>
-                  <a:txBody>
-                    <a:bodyPr anchor="t" rtlCol="false"/>
-                    <a:lstStyle/>
-                    <a:p>
-                      <a:pPr algn="ctr">
-                        <a:lnSpc>
-                          <a:spcPts val="2647"/>
-                        </a:lnSpc>
-                        <a:defRPr/>
-                      </a:pPr>
-                      <a:r>
-                        <a:rPr lang="en-US" sz="1891">
-                          <a:solidFill>
-                            <a:srgbClr val="000000"/>
-                          </a:solidFill>
-                          <a:latin typeface="Agrandir"/>
-                          <a:ea typeface="Agrandir"/>
-                          <a:cs typeface="Agrandir"/>
-                          <a:sym typeface="Agrandir"/>
-                        </a:rPr>
-                        <a:t>15</a:t>
-                      </a:r>
-                      <a:endParaRPr lang="en-US" sz="1100"/>
-                    </a:p>
-                  </a:txBody>
-                  <a:tcPr marL="57150" marR="57150" marT="57150" marB="57150" anchor="ctr">
-                    <a:lnL cmpd="sng" algn="ctr" cap="flat" w="9525">
-                      <a:solidFill>
-                        <a:srgbClr val="000000"/>
-                      </a:solidFill>
-                      <a:prstDash val="solid"/>
-                      <a:round/>
-                      <a:headEnd type="none" w="med" len="med"/>
-                      <a:tailEnd type="none" w="med" len="med"/>
-                    </a:lnL>
-                    <a:lnR cmpd="sng" algn="ctr" cap="flat" w="9525">
-                      <a:solidFill>
-                        <a:srgbClr val="000000"/>
-                      </a:solidFill>
-                      <a:prstDash val="solid"/>
-                      <a:round/>
-                      <a:headEnd type="none" w="med" len="med"/>
-                      <a:tailEnd type="none" w="med" len="med"/>
-                    </a:lnR>
-                    <a:lnT cmpd="sng" algn="ctr" cap="flat" w="9525">
-                      <a:solidFill>
-                        <a:srgbClr val="000000"/>
-                      </a:solidFill>
-                      <a:prstDash val="solid"/>
-                      <a:round/>
-                      <a:headEnd type="none" w="med" len="med"/>
-                      <a:tailEnd type="none" w="med" len="med"/>
-                    </a:lnT>
-                    <a:lnB cmpd="sng" algn="ctr" cap="flat" w="9525">
-                      <a:solidFill>
-                        <a:srgbClr val="000000"/>
-                      </a:solidFill>
-                      <a:prstDash val="solid"/>
-                      <a:round/>
-                      <a:headEnd type="none" w="med" len="med"/>
-                      <a:tailEnd type="none" w="med" len="med"/>
-                    </a:lnB>
-                    <a:solidFill>
-                      <a:srgbClr val="FFFFFF"/>
-                    </a:solidFill>
-                  </a:tcPr>
-                </a:tc>
-                <a:tc>
-                  <a:txBody>
-                    <a:bodyPr anchor="t" rtlCol="false"/>
-                    <a:lstStyle/>
-                    <a:p>
-                      <a:pPr algn="ctr">
-                        <a:lnSpc>
-                          <a:spcPts val="2647"/>
-                        </a:lnSpc>
-                        <a:defRPr/>
-                      </a:pPr>
-                      <a:r>
-                        <a:rPr lang="en-US" sz="1891">
-                          <a:solidFill>
-                            <a:srgbClr val="000000"/>
-                          </a:solidFill>
-                          <a:latin typeface="Agrandir"/>
-                          <a:ea typeface="Agrandir"/>
-                          <a:cs typeface="Agrandir"/>
-                          <a:sym typeface="Agrandir"/>
-                        </a:rPr>
-                        <a:t>10</a:t>
-                      </a:r>
-                      <a:endParaRPr lang="en-US" sz="1100"/>
-                    </a:p>
-                  </a:txBody>
-                  <a:tcPr marL="57150" marR="57150" marT="57150" marB="57150" anchor="ctr">
-                    <a:lnL cmpd="sng" algn="ctr" cap="flat" w="9525">
-                      <a:solidFill>
-                        <a:srgbClr val="000000"/>
-                      </a:solidFill>
-                      <a:prstDash val="solid"/>
-                      <a:round/>
-                      <a:headEnd type="none" w="med" len="med"/>
-                      <a:tailEnd type="none" w="med" len="med"/>
-                    </a:lnL>
-                    <a:lnR cmpd="sng" algn="ctr" cap="flat" w="9525">
-                      <a:solidFill>
-                        <a:srgbClr val="000000"/>
-                      </a:solidFill>
-                      <a:prstDash val="solid"/>
-                      <a:round/>
-                      <a:headEnd type="none" w="med" len="med"/>
-                      <a:tailEnd type="none" w="med" len="med"/>
-                    </a:lnR>
-                    <a:lnT cmpd="sng" algn="ctr" cap="flat" w="9525">
-                      <a:solidFill>
-                        <a:srgbClr val="000000"/>
-                      </a:solidFill>
-                      <a:prstDash val="solid"/>
-                      <a:round/>
-                      <a:headEnd type="none" w="med" len="med"/>
-                      <a:tailEnd type="none" w="med" len="med"/>
-                    </a:lnT>
-                    <a:lnB cmpd="sng" algn="ctr" cap="flat" w="9525">
-                      <a:solidFill>
-                        <a:srgbClr val="000000"/>
-                      </a:solidFill>
-                      <a:prstDash val="solid"/>
-                      <a:round/>
-                      <a:headEnd type="none" w="med" len="med"/>
-                      <a:tailEnd type="none" w="med" len="med"/>
-                    </a:lnB>
-                    <a:solidFill>
-                      <a:srgbClr val="FFFFFF"/>
-                    </a:solidFill>
-                  </a:tcPr>
-                </a:tc>
-                <a:tc>
-                  <a:txBody>
-                    <a:bodyPr anchor="t" rtlCol="false"/>
-                    <a:lstStyle/>
-                    <a:p>
-                      <a:pPr algn="ctr">
-                        <a:lnSpc>
-                          <a:spcPts val="2647"/>
-                        </a:lnSpc>
-                        <a:defRPr/>
-                      </a:pPr>
-                      <a:r>
-                        <a:rPr lang="en-US" sz="1891">
-                          <a:solidFill>
-                            <a:srgbClr val="000000"/>
-                          </a:solidFill>
-                          <a:latin typeface="Agrandir"/>
-                          <a:ea typeface="Agrandir"/>
-                          <a:cs typeface="Agrandir"/>
-                          <a:sym typeface="Agrandir"/>
-                        </a:rPr>
-                        <a:t>15</a:t>
-                      </a:r>
-                      <a:endParaRPr lang="en-US" sz="1100"/>
-                    </a:p>
-                  </a:txBody>
-                  <a:tcPr marL="57150" marR="57150" marT="57150" marB="57150" anchor="ctr">
-                    <a:lnL cmpd="sng" algn="ctr" cap="flat" w="9525">
-                      <a:solidFill>
-                        <a:srgbClr val="000000"/>
-                      </a:solidFill>
-                      <a:prstDash val="solid"/>
-                      <a:round/>
-                      <a:headEnd type="none" w="med" len="med"/>
-                      <a:tailEnd type="none" w="med" len="med"/>
-                    </a:lnL>
-                    <a:lnR cmpd="sng" algn="ctr" cap="flat" w="9525">
-                      <a:solidFill>
-                        <a:srgbClr val="000000"/>
-                      </a:solidFill>
-                      <a:prstDash val="solid"/>
-                      <a:round/>
-                      <a:headEnd type="none" w="med" len="med"/>
-                      <a:tailEnd type="none" w="med" len="med"/>
-                    </a:lnR>
-                    <a:lnT cmpd="sng" algn="ctr" cap="flat" w="9525">
-                      <a:solidFill>
-                        <a:srgbClr val="000000"/>
-                      </a:solidFill>
-                      <a:prstDash val="solid"/>
-                      <a:round/>
-                      <a:headEnd type="none" w="med" len="med"/>
-                      <a:tailEnd type="none" w="med" len="med"/>
-                    </a:lnT>
-                    <a:lnB cmpd="sng" algn="ctr" cap="flat" w="9525">
-                      <a:solidFill>
-                        <a:srgbClr val="000000"/>
-                      </a:solidFill>
-                      <a:prstDash val="solid"/>
-                      <a:round/>
-                      <a:headEnd type="none" w="med" len="med"/>
-                      <a:tailEnd type="none" w="med" len="med"/>
-                    </a:lnB>
-                    <a:solidFill>
-                      <a:srgbClr val="FFFFFF"/>
-                    </a:solidFill>
-                  </a:tcPr>
-                </a:tc>
-                <a:tc>
-                  <a:txBody>
-                    <a:bodyPr anchor="t" rtlCol="false"/>
-                    <a:lstStyle/>
-                    <a:p>
-                      <a:pPr algn="ctr">
-                        <a:lnSpc>
-                          <a:spcPts val="2647"/>
-                        </a:lnSpc>
-                        <a:defRPr/>
-                      </a:pPr>
-                      <a:r>
-                        <a:rPr lang="en-US" sz="1891">
-                          <a:solidFill>
-                            <a:srgbClr val="000000"/>
-                          </a:solidFill>
-                          <a:latin typeface="Agrandir"/>
-                          <a:ea typeface="Agrandir"/>
-                          <a:cs typeface="Agrandir"/>
-                          <a:sym typeface="Agrandir"/>
-                        </a:rPr>
-                        <a:t>20</a:t>
-                      </a:r>
-                      <a:endParaRPr lang="en-US" sz="1100"/>
-                    </a:p>
-                  </a:txBody>
-                  <a:tcPr marL="57150" marR="57150" marT="57150" marB="57150" anchor="ctr">
-                    <a:lnL cmpd="sng" algn="ctr" cap="flat" w="9525">
-                      <a:solidFill>
-                        <a:srgbClr val="000000"/>
-                      </a:solidFill>
-                      <a:prstDash val="solid"/>
-                      <a:round/>
-                      <a:headEnd type="none" w="med" len="med"/>
-                      <a:tailEnd type="none" w="med" len="med"/>
-                    </a:lnL>
-                    <a:lnR cmpd="sng" algn="ctr" cap="flat" w="9525">
-                      <a:solidFill>
-                        <a:srgbClr val="000000"/>
-                      </a:solidFill>
-                      <a:prstDash val="solid"/>
-                      <a:round/>
-                      <a:headEnd type="none" w="med" len="med"/>
-                      <a:tailEnd type="none" w="med" len="med"/>
-                    </a:lnR>
-                    <a:lnT cmpd="sng" algn="ctr" cap="flat" w="9525">
-                      <a:solidFill>
-                        <a:srgbClr val="000000"/>
-                      </a:solidFill>
-                      <a:prstDash val="solid"/>
-                      <a:round/>
-                      <a:headEnd type="none" w="med" len="med"/>
-                      <a:tailEnd type="none" w="med" len="med"/>
-                    </a:lnT>
-                    <a:lnB cmpd="sng" algn="ctr" cap="flat" w="9525">
-                      <a:solidFill>
-                        <a:srgbClr val="000000"/>
-                      </a:solidFill>
-                      <a:prstDash val="solid"/>
-                      <a:round/>
-                      <a:headEnd type="none" w="med" len="med"/>
-                      <a:tailEnd type="none" w="med" len="med"/>
-                    </a:lnB>
-                    <a:solidFill>
-                      <a:srgbClr val="FFFFFF"/>
-                    </a:solidFill>
-                  </a:tcPr>
-                </a:tc>
-                <a:tc>
-                  <a:txBody>
-                    <a:bodyPr anchor="t" rtlCol="false"/>
-                    <a:lstStyle/>
-                    <a:p>
-                      <a:pPr algn="ctr">
-                        <a:lnSpc>
-                          <a:spcPts val="2647"/>
-                        </a:lnSpc>
-                        <a:defRPr/>
-                      </a:pPr>
-                      <a:r>
-                        <a:rPr lang="en-US" sz="1891">
-                          <a:solidFill>
-                            <a:srgbClr val="000000"/>
-                          </a:solidFill>
-                          <a:latin typeface="Agrandir"/>
-                          <a:ea typeface="Agrandir"/>
-                          <a:cs typeface="Agrandir"/>
-                          <a:sym typeface="Agrandir"/>
-                        </a:rPr>
-                        <a:t>20</a:t>
-                      </a:r>
-                      <a:endParaRPr lang="en-US" sz="1100"/>
-                    </a:p>
-                  </a:txBody>
-                  <a:tcPr marL="57150" marR="57150" marT="57150" marB="57150" anchor="ctr">
-                    <a:lnL cmpd="sng" algn="ctr" cap="flat" w="9525">
-                      <a:solidFill>
-                        <a:srgbClr val="000000"/>
-                      </a:solidFill>
-                      <a:prstDash val="solid"/>
-                      <a:round/>
-                      <a:headEnd type="none" w="med" len="med"/>
-                      <a:tailEnd type="none" w="med" len="med"/>
-                    </a:lnL>
-                    <a:lnR cmpd="sng" algn="ctr" cap="flat" w="9525">
-                      <a:solidFill>
-                        <a:srgbClr val="000000"/>
-                      </a:solidFill>
-                      <a:prstDash val="solid"/>
-                      <a:round/>
-                      <a:headEnd type="none" w="med" len="med"/>
-                      <a:tailEnd type="none" w="med" len="med"/>
-                    </a:lnR>
-                    <a:lnT cmpd="sng" algn="ctr" cap="flat" w="9525">
-                      <a:solidFill>
-                        <a:srgbClr val="000000"/>
-                      </a:solidFill>
-                      <a:prstDash val="solid"/>
-                      <a:round/>
-                      <a:headEnd type="none" w="med" len="med"/>
-                      <a:tailEnd type="none" w="med" len="med"/>
-                    </a:lnT>
-                    <a:lnB cmpd="sng" algn="ctr" cap="flat" w="9525">
-                      <a:solidFill>
-                        <a:srgbClr val="000000"/>
-                      </a:solidFill>
-                      <a:prstDash val="solid"/>
-                      <a:round/>
-                      <a:headEnd type="none" w="med" len="med"/>
-                      <a:tailEnd type="none" w="med" len="med"/>
-                    </a:lnB>
-                    <a:solidFill>
-                      <a:srgbClr val="FFFFFF"/>
-                    </a:solidFill>
-                  </a:tcPr>
-                </a:tc>
-                <a:tc>
-                  <a:txBody>
-                    <a:bodyPr anchor="t" rtlCol="false"/>
-                    <a:lstStyle/>
-                    <a:p>
-                      <a:pPr algn="ctr">
-                        <a:lnSpc>
-                          <a:spcPts val="2647"/>
-                        </a:lnSpc>
-                        <a:defRPr/>
-                      </a:pPr>
-                      <a:r>
-                        <a:rPr lang="en-US" sz="1891">
-                          <a:solidFill>
-                            <a:srgbClr val="000000"/>
-                          </a:solidFill>
-                          <a:latin typeface="Agrandir"/>
-                          <a:ea typeface="Agrandir"/>
-                          <a:cs typeface="Agrandir"/>
-                          <a:sym typeface="Agrandir"/>
-                        </a:rPr>
-                        <a:t>10</a:t>
-                      </a:r>
-                      <a:endParaRPr lang="en-US" sz="1100"/>
-                    </a:p>
-                  </a:txBody>
-                  <a:tcPr marL="57150" marR="57150" marT="57150" marB="57150" anchor="ctr">
-                    <a:lnL cmpd="sng" algn="ctr" cap="flat" w="9525">
-                      <a:solidFill>
-                        <a:srgbClr val="000000"/>
-                      </a:solidFill>
-                      <a:prstDash val="solid"/>
-                      <a:round/>
-                      <a:headEnd type="none" w="med" len="med"/>
-                      <a:tailEnd type="none" w="med" len="med"/>
-                    </a:lnL>
-                    <a:lnR cmpd="sng" algn="ctr" cap="flat" w="9525">
-                      <a:solidFill>
-                        <a:srgbClr val="000000"/>
-                      </a:solidFill>
-                      <a:prstDash val="solid"/>
-                      <a:round/>
-                      <a:headEnd type="none" w="med" len="med"/>
-                      <a:tailEnd type="none" w="med" len="med"/>
-                    </a:lnR>
-                    <a:lnT cmpd="sng" algn="ctr" cap="flat" w="9525">
-                      <a:solidFill>
-                        <a:srgbClr val="000000"/>
-                      </a:solidFill>
-                      <a:prstDash val="solid"/>
-                      <a:round/>
-                      <a:headEnd type="none" w="med" len="med"/>
-                      <a:tailEnd type="none" w="med" len="med"/>
-                    </a:lnT>
-                    <a:lnB cmpd="sng" algn="ctr" cap="flat" w="9525">
-                      <a:solidFill>
-                        <a:srgbClr val="000000"/>
-                      </a:solidFill>
-                      <a:prstDash val="solid"/>
-                      <a:round/>
-                      <a:headEnd type="none" w="med" len="med"/>
-                      <a:tailEnd type="none" w="med" len="med"/>
-                    </a:lnB>
-                    <a:solidFill>
-                      <a:srgbClr val="FFFFFF"/>
-                    </a:solidFill>
-                  </a:tcPr>
-                </a:tc>
-                <a:tc>
-                  <a:txBody>
-                    <a:bodyPr anchor="t" rtlCol="false"/>
-                    <a:lstStyle/>
-                    <a:p>
-                      <a:pPr algn="ctr">
-                        <a:lnSpc>
-                          <a:spcPts val="2647"/>
-                        </a:lnSpc>
-                        <a:defRPr/>
-                      </a:pPr>
-                      <a:r>
-                        <a:rPr lang="en-US" sz="1891" b="true">
-                          <a:solidFill>
-                            <a:srgbClr val="000000"/>
-                          </a:solidFill>
-                          <a:latin typeface="Agrandir Bold"/>
-                          <a:ea typeface="Agrandir Bold"/>
-                          <a:cs typeface="Agrandir Bold"/>
-                          <a:sym typeface="Agrandir Bold"/>
-                        </a:rPr>
-                        <a:t>100</a:t>
-                      </a:r>
-                      <a:endParaRPr lang="en-US" sz="1100"/>
-                    </a:p>
-                  </a:txBody>
-                  <a:tcPr marL="57150" marR="57150" marT="57150" marB="57150" anchor="ctr">
-                    <a:lnL cmpd="sng" algn="ctr" cap="flat" w="9525">
-                      <a:solidFill>
-                        <a:srgbClr val="000000"/>
-                      </a:solidFill>
-                      <a:prstDash val="solid"/>
-                      <a:round/>
-                      <a:headEnd type="none" w="med" len="med"/>
-                      <a:tailEnd type="none" w="med" len="med"/>
-                    </a:lnL>
-                    <a:lnR cmpd="sng" algn="ctr" cap="flat" w="9525">
-                      <a:solidFill>
-                        <a:srgbClr val="000000"/>
-                      </a:solidFill>
-                      <a:prstDash val="solid"/>
-                      <a:round/>
-                      <a:headEnd type="none" w="med" len="med"/>
-                      <a:tailEnd type="none" w="med" len="med"/>
-                    </a:lnR>
-                    <a:lnT cmpd="sng" algn="ctr" cap="flat" w="9525">
-                      <a:solidFill>
-                        <a:srgbClr val="000000"/>
-                      </a:solidFill>
-                      <a:prstDash val="solid"/>
-                      <a:round/>
-                      <a:headEnd type="none" w="med" len="med"/>
-                      <a:tailEnd type="none" w="med" len="med"/>
-                    </a:lnT>
-                    <a:lnB cmpd="sng" algn="ctr" cap="flat" w="9525">
-                      <a:solidFill>
-                        <a:srgbClr val="000000"/>
-                      </a:solidFill>
-                      <a:prstDash val="solid"/>
-                      <a:round/>
-                      <a:headEnd type="none" w="med" len="med"/>
-                      <a:tailEnd type="none" w="med" len="med"/>
-                    </a:lnB>
-                    <a:solidFill>
-                      <a:srgbClr val="F1E3E3"/>
-                    </a:solidFill>
-                  </a:tcPr>
-                </a:tc>
-              </a:tr>
               <a:tr h="838460">
                 <a:tc>
                   <a:txBody>
@@ -14301,7 +14301,7 @@
                           <a:cs typeface="Agrandir Bold"/>
                           <a:sym typeface="Agrandir Bold"/>
                         </a:rPr>
-                        <a:t>19,29</a:t>
+                        <a:t>9</a:t>
                       </a:r>
                       <a:endParaRPr lang="en-US" sz="1100"/>
                     </a:p>
@@ -14369,7 +14369,7 @@
                           <a:cs typeface="Agrandir Bold"/>
                           <a:sym typeface="Agrandir Bold"/>
                         </a:rPr>
-                        <a:t>9</a:t>
+                        <a:t>19,29</a:t>
                       </a:r>
                       <a:endParaRPr lang="en-US" sz="1100"/>
                     </a:p>
